--- a/Starbucks_Analysis_Presentation.pptx
+++ b/Starbucks_Analysis_Presentation.pptx
@@ -5,7 +5,7 @@
     <p:sldMasterId id="2147483660" r:id="rId1"/>
   </p:sldMasterIdLst>
   <p:notesMasterIdLst>
-    <p:notesMasterId r:id="rId29"/>
+    <p:notesMasterId r:id="rId36"/>
   </p:notesMasterIdLst>
   <p:sldIdLst>
     <p:sldId id="1496" r:id="rId2"/>
@@ -23,18 +23,25 @@
     <p:sldId id="1528" r:id="rId14"/>
     <p:sldId id="1599" r:id="rId15"/>
     <p:sldId id="1530" r:id="rId16"/>
-    <p:sldId id="1535" r:id="rId17"/>
-    <p:sldId id="1601" r:id="rId18"/>
-    <p:sldId id="1602" r:id="rId19"/>
-    <p:sldId id="1603" r:id="rId20"/>
-    <p:sldId id="1604" r:id="rId21"/>
-    <p:sldId id="1605" r:id="rId22"/>
-    <p:sldId id="1606" r:id="rId23"/>
-    <p:sldId id="1519" r:id="rId24"/>
-    <p:sldId id="1608" r:id="rId25"/>
-    <p:sldId id="1609" r:id="rId26"/>
-    <p:sldId id="1610" r:id="rId27"/>
-    <p:sldId id="301" r:id="rId28"/>
+    <p:sldId id="1611" r:id="rId17"/>
+    <p:sldId id="1535" r:id="rId18"/>
+    <p:sldId id="1601" r:id="rId19"/>
+    <p:sldId id="1602" r:id="rId20"/>
+    <p:sldId id="1603" r:id="rId21"/>
+    <p:sldId id="1612" r:id="rId22"/>
+    <p:sldId id="1613" r:id="rId23"/>
+    <p:sldId id="1604" r:id="rId24"/>
+    <p:sldId id="1605" r:id="rId25"/>
+    <p:sldId id="1614" r:id="rId26"/>
+    <p:sldId id="1615" r:id="rId27"/>
+    <p:sldId id="1606" r:id="rId28"/>
+    <p:sldId id="1616" r:id="rId29"/>
+    <p:sldId id="1617" r:id="rId30"/>
+    <p:sldId id="1519" r:id="rId31"/>
+    <p:sldId id="1608" r:id="rId32"/>
+    <p:sldId id="1609" r:id="rId33"/>
+    <p:sldId id="1610" r:id="rId34"/>
+    <p:sldId id="301" r:id="rId35"/>
   </p:sldIdLst>
   <p:sldSz cx="12192000" cy="6858000"/>
   <p:notesSz cx="6858000" cy="9144000"/>
@@ -5958,7 +5965,7 @@
         </p:nvSpPr>
         <p:spPr>
           <a:xfrm>
-            <a:off x="256674" y="1010653"/>
+            <a:off x="339892" y="990600"/>
             <a:ext cx="11512216" cy="4876800"/>
           </a:xfrm>
           <a:prstGeom prst="roundRect">
@@ -6112,7 +6119,7 @@
         </p:blipFill>
         <p:spPr>
           <a:xfrm>
-            <a:off x="423110" y="1149601"/>
+            <a:off x="506328" y="1129548"/>
             <a:ext cx="5672890" cy="4598904"/>
           </a:xfrm>
           <a:prstGeom prst="roundRect">
@@ -6143,7 +6150,7 @@
         </p:nvSpPr>
         <p:spPr>
           <a:xfrm>
-            <a:off x="6666999" y="1213008"/>
+            <a:off x="6750217" y="1192955"/>
             <a:ext cx="4530892" cy="4431983"/>
           </a:xfrm>
           <a:prstGeom prst="rect">
@@ -6257,7 +6264,7 @@
                 <a:latin typeface="Times New Roman" panose="02020603050405020304" pitchFamily="18" charset="0"/>
                 <a:cs typeface="Times New Roman" panose="02020603050405020304" pitchFamily="18" charset="0"/>
               </a:rPr>
-              <a:t>19 August, 2025</a:t>
+              <a:t>21 August, 2025</a:t>
             </a:r>
           </a:p>
           <a:p>
@@ -8166,7 +8173,7 @@
         </p:nvGraphicFramePr>
         <p:xfrm>
           <a:off x="652878" y="2086867"/>
-          <a:ext cx="5021745" cy="3625600"/>
+          <a:ext cx="5021745" cy="3625408"/>
         </p:xfrm>
         <a:graphic>
           <a:graphicData uri="http://schemas.openxmlformats.org/drawingml/2006/table">
@@ -9046,7 +9053,7 @@
         </p:nvGraphicFramePr>
         <p:xfrm>
           <a:off x="6451645" y="2086867"/>
-          <a:ext cx="5153207" cy="3725230"/>
+          <a:ext cx="5153207" cy="3725038"/>
         </p:xfrm>
         <a:graphic>
           <a:graphicData uri="http://schemas.openxmlformats.org/drawingml/2006/table">
@@ -10269,7 +10276,7 @@
         </p:nvGraphicFramePr>
         <p:xfrm>
           <a:off x="652878" y="2086867"/>
-          <a:ext cx="5021745" cy="3846390"/>
+          <a:ext cx="5021745" cy="3846326"/>
         </p:xfrm>
         <a:graphic>
           <a:graphicData uri="http://schemas.openxmlformats.org/drawingml/2006/table">
@@ -12060,6 +12067,580 @@
         <p:cNvPr id="1" name="">
           <a:extLst>
             <a:ext uri="{FF2B5EF4-FFF2-40B4-BE49-F238E27FC236}">
+              <a16:creationId xmlns:a16="http://schemas.microsoft.com/office/drawing/2014/main" id="{00791FE3-7F97-CAF1-A17E-D20859AEBD76}"/>
+            </a:ext>
+          </a:extLst>
+        </p:cNvPr>
+        <p:cNvGrpSpPr/>
+        <p:nvPr/>
+      </p:nvGrpSpPr>
+      <p:grpSpPr>
+        <a:xfrm>
+          <a:off x="0" y="0"/>
+          <a:ext cx="0" cy="0"/>
+          <a:chOff x="0" y="0"/>
+          <a:chExt cx="0" cy="0"/>
+        </a:xfrm>
+      </p:grpSpPr>
+      <p:sp>
+        <p:nvSpPr>
+          <p:cNvPr id="3" name="Rectangle 2">
+            <a:extLst>
+              <a:ext uri="{FF2B5EF4-FFF2-40B4-BE49-F238E27FC236}">
+                <a16:creationId xmlns:a16="http://schemas.microsoft.com/office/drawing/2014/main" id="{68147AA3-0212-1FE9-59A5-A0575837B46D}"/>
+              </a:ext>
+            </a:extLst>
+          </p:cNvPr>
+          <p:cNvSpPr/>
+          <p:nvPr/>
+        </p:nvSpPr>
+        <p:spPr>
+          <a:xfrm>
+            <a:off x="0" y="0"/>
+            <a:ext cx="12192000" cy="609600"/>
+          </a:xfrm>
+          <a:prstGeom prst="rect">
+            <a:avLst/>
+          </a:prstGeom>
+          <a:solidFill>
+            <a:srgbClr val="338D90"/>
+          </a:solidFill>
+          <a:ln>
+            <a:solidFill>
+              <a:srgbClr val="338D90"/>
+            </a:solidFill>
+          </a:ln>
+        </p:spPr>
+        <p:style>
+          <a:lnRef idx="2">
+            <a:schemeClr val="accent1">
+              <a:shade val="15000"/>
+            </a:schemeClr>
+          </a:lnRef>
+          <a:fillRef idx="1">
+            <a:schemeClr val="accent1"/>
+          </a:fillRef>
+          <a:effectRef idx="0">
+            <a:schemeClr val="accent1"/>
+          </a:effectRef>
+          <a:fontRef idx="minor">
+            <a:schemeClr val="lt1"/>
+          </a:fontRef>
+        </p:style>
+        <p:txBody>
+          <a:bodyPr rtlCol="0" anchor="ctr"/>
+          <a:lstStyle/>
+          <a:p>
+            <a:pPr marL="914400" lvl="1" indent="-457200">
+              <a:buFont typeface="Wingdings" pitchFamily="2" charset="2"/>
+              <a:buChar char="q"/>
+            </a:pPr>
+            <a:r>
+              <a:rPr lang="en-US" sz="3200" b="1" dirty="0">
+                <a:solidFill>
+                  <a:schemeClr val="bg1"/>
+                </a:solidFill>
+                <a:latin typeface="Times New Roman" panose="02020603050405020304" pitchFamily="18" charset="0"/>
+                <a:cs typeface="Times New Roman" panose="02020603050405020304" pitchFamily="18" charset="0"/>
+              </a:rPr>
+              <a:t> Data Discrepancy</a:t>
+            </a:r>
+            <a:endParaRPr lang="en-US" sz="4000" b="1" dirty="0">
+              <a:solidFill>
+                <a:schemeClr val="bg1"/>
+              </a:solidFill>
+              <a:latin typeface="Times New Roman" panose="02020603050405020304" pitchFamily="18" charset="0"/>
+              <a:cs typeface="Times New Roman" panose="02020603050405020304" pitchFamily="18" charset="0"/>
+            </a:endParaRPr>
+          </a:p>
+        </p:txBody>
+      </p:sp>
+      <p:grpSp>
+        <p:nvGrpSpPr>
+          <p:cNvPr id="2" name="Group 7">
+            <a:extLst>
+              <a:ext uri="{FF2B5EF4-FFF2-40B4-BE49-F238E27FC236}">
+                <a16:creationId xmlns:a16="http://schemas.microsoft.com/office/drawing/2014/main" id="{434EDB7F-6C9C-9F04-F0AE-45B257B9C771}"/>
+              </a:ext>
+            </a:extLst>
+          </p:cNvPr>
+          <p:cNvGrpSpPr/>
+          <p:nvPr/>
+        </p:nvGrpSpPr>
+        <p:grpSpPr>
+          <a:xfrm>
+            <a:off x="441158" y="823481"/>
+            <a:ext cx="11309684" cy="5211038"/>
+            <a:chOff x="0" y="0"/>
+            <a:chExt cx="1836416" cy="1281219"/>
+          </a:xfrm>
+        </p:grpSpPr>
+        <p:sp>
+          <p:nvSpPr>
+            <p:cNvPr id="4" name="Freeform 8">
+              <a:extLst>
+                <a:ext uri="{FF2B5EF4-FFF2-40B4-BE49-F238E27FC236}">
+                  <a16:creationId xmlns:a16="http://schemas.microsoft.com/office/drawing/2014/main" id="{7C52E9E0-634E-C2CD-BFF9-67FC4C4C0E28}"/>
+                </a:ext>
+              </a:extLst>
+            </p:cNvPr>
+            <p:cNvSpPr/>
+            <p:nvPr/>
+          </p:nvSpPr>
+          <p:spPr>
+            <a:xfrm>
+              <a:off x="0" y="0"/>
+              <a:ext cx="1836416" cy="1281219"/>
+            </a:xfrm>
+            <a:custGeom>
+              <a:avLst/>
+              <a:gdLst/>
+              <a:ahLst/>
+              <a:cxnLst/>
+              <a:rect l="l" t="t" r="r" b="b"/>
+              <a:pathLst>
+                <a:path w="1836416" h="1281219">
+                  <a:moveTo>
+                    <a:pt x="56627" y="0"/>
+                  </a:moveTo>
+                  <a:lnTo>
+                    <a:pt x="1779789" y="0"/>
+                  </a:lnTo>
+                  <a:cubicBezTo>
+                    <a:pt x="1794808" y="0"/>
+                    <a:pt x="1809211" y="5966"/>
+                    <a:pt x="1819831" y="16586"/>
+                  </a:cubicBezTo>
+                  <a:cubicBezTo>
+                    <a:pt x="1830450" y="27205"/>
+                    <a:pt x="1836416" y="41608"/>
+                    <a:pt x="1836416" y="56627"/>
+                  </a:cubicBezTo>
+                  <a:lnTo>
+                    <a:pt x="1836416" y="1224592"/>
+                  </a:lnTo>
+                  <a:cubicBezTo>
+                    <a:pt x="1836416" y="1255866"/>
+                    <a:pt x="1811063" y="1281219"/>
+                    <a:pt x="1779789" y="1281219"/>
+                  </a:cubicBezTo>
+                  <a:lnTo>
+                    <a:pt x="56627" y="1281219"/>
+                  </a:lnTo>
+                  <a:cubicBezTo>
+                    <a:pt x="41608" y="1281219"/>
+                    <a:pt x="27205" y="1275253"/>
+                    <a:pt x="16586" y="1264633"/>
+                  </a:cubicBezTo>
+                  <a:cubicBezTo>
+                    <a:pt x="5966" y="1254014"/>
+                    <a:pt x="0" y="1239611"/>
+                    <a:pt x="0" y="1224592"/>
+                  </a:cubicBezTo>
+                  <a:lnTo>
+                    <a:pt x="0" y="56627"/>
+                  </a:lnTo>
+                  <a:cubicBezTo>
+                    <a:pt x="0" y="25353"/>
+                    <a:pt x="25353" y="0"/>
+                    <a:pt x="56627" y="0"/>
+                  </a:cubicBezTo>
+                  <a:close/>
+                </a:path>
+              </a:pathLst>
+            </a:custGeom>
+            <a:solidFill>
+              <a:schemeClr val="accent1">
+                <a:alpha val="53725"/>
+              </a:schemeClr>
+            </a:solidFill>
+          </p:spPr>
+        </p:sp>
+        <p:sp>
+          <p:nvSpPr>
+            <p:cNvPr id="5" name="TextBox 9">
+              <a:extLst>
+                <a:ext uri="{FF2B5EF4-FFF2-40B4-BE49-F238E27FC236}">
+                  <a16:creationId xmlns:a16="http://schemas.microsoft.com/office/drawing/2014/main" id="{BD836624-B953-586A-B3F8-9D4D21276B77}"/>
+                </a:ext>
+              </a:extLst>
+            </p:cNvPr>
+            <p:cNvSpPr txBox="1"/>
+            <p:nvPr/>
+          </p:nvSpPr>
+          <p:spPr>
+            <a:xfrm>
+              <a:off x="0" y="-38100"/>
+              <a:ext cx="1836416" cy="1319319"/>
+            </a:xfrm>
+            <a:prstGeom prst="rect">
+              <a:avLst/>
+            </a:prstGeom>
+          </p:spPr>
+          <p:txBody>
+            <a:bodyPr lIns="50800" tIns="50800" rIns="50800" bIns="50800" rtlCol="0" anchor="ctr"/>
+            <a:lstStyle/>
+            <a:p>
+              <a:pPr algn="ctr">
+                <a:lnSpc>
+                  <a:spcPts val="2659"/>
+                </a:lnSpc>
+                <a:spcBef>
+                  <a:spcPct val="0"/>
+                </a:spcBef>
+              </a:pPr>
+              <a:endParaRPr/>
+            </a:p>
+          </p:txBody>
+        </p:sp>
+      </p:grpSp>
+      <p:pic>
+        <p:nvPicPr>
+          <p:cNvPr id="7" name="Picture 6" descr="A screenshot of a computer&#10;&#10;AI-generated content may be incorrect.">
+            <a:extLst>
+              <a:ext uri="{FF2B5EF4-FFF2-40B4-BE49-F238E27FC236}">
+                <a16:creationId xmlns:a16="http://schemas.microsoft.com/office/drawing/2014/main" id="{5C32E00D-166E-13B8-5F90-CAAA4DF9C951}"/>
+              </a:ext>
+            </a:extLst>
+          </p:cNvPr>
+          <p:cNvPicPr>
+            <a:picLocks noChangeAspect="1"/>
+          </p:cNvPicPr>
+          <p:nvPr/>
+        </p:nvPicPr>
+        <p:blipFill>
+          <a:blip r:embed="rId2">
+            <a:extLst>
+              <a:ext uri="{28A0092B-C50C-407E-A947-70E740481C1C}">
+                <a14:useLocalDpi xmlns:a14="http://schemas.microsoft.com/office/drawing/2010/main" val="0"/>
+              </a:ext>
+            </a:extLst>
+          </a:blip>
+          <a:stretch>
+            <a:fillRect/>
+          </a:stretch>
+        </p:blipFill>
+        <p:spPr>
+          <a:xfrm>
+            <a:off x="1330099" y="4266365"/>
+            <a:ext cx="9354552" cy="1412540"/>
+          </a:xfrm>
+          <a:prstGeom prst="rect">
+            <a:avLst/>
+          </a:prstGeom>
+        </p:spPr>
+      </p:pic>
+      <p:pic>
+        <p:nvPicPr>
+          <p:cNvPr id="9" name="Picture 8" descr="A screenshot of a computer&#10;&#10;AI-generated content may be incorrect.">
+            <a:extLst>
+              <a:ext uri="{FF2B5EF4-FFF2-40B4-BE49-F238E27FC236}">
+                <a16:creationId xmlns:a16="http://schemas.microsoft.com/office/drawing/2014/main" id="{45EA4A0E-759E-DEDF-476E-C4706FEACF02}"/>
+              </a:ext>
+            </a:extLst>
+          </p:cNvPr>
+          <p:cNvPicPr>
+            <a:picLocks noChangeAspect="1"/>
+          </p:cNvPicPr>
+          <p:nvPr/>
+        </p:nvPicPr>
+        <p:blipFill>
+          <a:blip r:embed="rId3">
+            <a:extLst>
+              <a:ext uri="{28A0092B-C50C-407E-A947-70E740481C1C}">
+                <a14:useLocalDpi xmlns:a14="http://schemas.microsoft.com/office/drawing/2010/main" val="0"/>
+              </a:ext>
+            </a:extLst>
+          </a:blip>
+          <a:stretch>
+            <a:fillRect/>
+          </a:stretch>
+        </p:blipFill>
+        <p:spPr>
+          <a:xfrm>
+            <a:off x="1330098" y="1923432"/>
+            <a:ext cx="9354552" cy="1505568"/>
+          </a:xfrm>
+          <a:prstGeom prst="rect">
+            <a:avLst/>
+          </a:prstGeom>
+        </p:spPr>
+      </p:pic>
+      <p:sp>
+        <p:nvSpPr>
+          <p:cNvPr id="12" name="TextBox 11">
+            <a:extLst>
+              <a:ext uri="{FF2B5EF4-FFF2-40B4-BE49-F238E27FC236}">
+                <a16:creationId xmlns:a16="http://schemas.microsoft.com/office/drawing/2014/main" id="{A5E17EA1-234F-BF2D-1E7D-37E43B2D73BF}"/>
+              </a:ext>
+            </a:extLst>
+          </p:cNvPr>
+          <p:cNvSpPr txBox="1"/>
+          <p:nvPr/>
+        </p:nvSpPr>
+        <p:spPr>
+          <a:xfrm>
+            <a:off x="968542" y="1301796"/>
+            <a:ext cx="10254916" cy="517899"/>
+          </a:xfrm>
+          <a:prstGeom prst="rect">
+            <a:avLst/>
+          </a:prstGeom>
+          <a:noFill/>
+        </p:spPr>
+        <p:txBody>
+          <a:bodyPr wrap="square">
+            <a:spAutoFit/>
+          </a:bodyPr>
+          <a:lstStyle/>
+          <a:p>
+            <a:pPr>
+              <a:lnSpc>
+                <a:spcPct val="200000"/>
+              </a:lnSpc>
+            </a:pPr>
+            <a:r>
+              <a:rPr lang="en-IN" sz="1600" dirty="0">
+                <a:latin typeface="Times New Roman" panose="02020603050405020304" pitchFamily="18" charset="0"/>
+                <a:cs typeface="Times New Roman" panose="02020603050405020304" pitchFamily="18" charset="0"/>
+              </a:rPr>
+              <a:t>1️⃣ There are </a:t>
+            </a:r>
+            <a:r>
+              <a:rPr lang="en-IN" sz="1600" b="1" dirty="0">
+                <a:latin typeface="Times New Roman" panose="02020603050405020304" pitchFamily="18" charset="0"/>
+                <a:cs typeface="Times New Roman" panose="02020603050405020304" pitchFamily="18" charset="0"/>
+              </a:rPr>
+              <a:t>134</a:t>
+            </a:r>
+            <a:r>
+              <a:rPr lang="en-IN" sz="1600" dirty="0">
+                <a:latin typeface="Times New Roman" panose="02020603050405020304" pitchFamily="18" charset="0"/>
+                <a:cs typeface="Times New Roman" panose="02020603050405020304" pitchFamily="18" charset="0"/>
+              </a:rPr>
+              <a:t> records where offers are marked as </a:t>
+            </a:r>
+            <a:r>
+              <a:rPr lang="en-IN" sz="1600" b="1" dirty="0">
+                <a:latin typeface="Times New Roman" panose="02020603050405020304" pitchFamily="18" charset="0"/>
+                <a:cs typeface="Times New Roman" panose="02020603050405020304" pitchFamily="18" charset="0"/>
+              </a:rPr>
+              <a:t>completed </a:t>
+            </a:r>
+            <a:r>
+              <a:rPr lang="en-IN" sz="1600" dirty="0">
+                <a:latin typeface="Times New Roman" panose="02020603050405020304" pitchFamily="18" charset="0"/>
+                <a:cs typeface="Times New Roman" panose="02020603050405020304" pitchFamily="18" charset="0"/>
+              </a:rPr>
+              <a:t>without meeting the </a:t>
+            </a:r>
+            <a:r>
+              <a:rPr lang="en-IN" sz="1600" b="1" dirty="0">
+                <a:latin typeface="Times New Roman" panose="02020603050405020304" pitchFamily="18" charset="0"/>
+                <a:cs typeface="Times New Roman" panose="02020603050405020304" pitchFamily="18" charset="0"/>
+              </a:rPr>
+              <a:t>minimum transaction amount</a:t>
+            </a:r>
+            <a:r>
+              <a:rPr lang="en-IN" sz="1600" dirty="0">
+                <a:latin typeface="Times New Roman" panose="02020603050405020304" pitchFamily="18" charset="0"/>
+                <a:cs typeface="Times New Roman" panose="02020603050405020304" pitchFamily="18" charset="0"/>
+              </a:rPr>
+              <a:t>.</a:t>
+            </a:r>
+          </a:p>
+        </p:txBody>
+      </p:sp>
+      <p:sp>
+        <p:nvSpPr>
+          <p:cNvPr id="13" name="TextBox 12">
+            <a:extLst>
+              <a:ext uri="{FF2B5EF4-FFF2-40B4-BE49-F238E27FC236}">
+                <a16:creationId xmlns:a16="http://schemas.microsoft.com/office/drawing/2014/main" id="{45BC4356-8EA5-1740-BB5B-0AF3E1CF8EA3}"/>
+              </a:ext>
+            </a:extLst>
+          </p:cNvPr>
+          <p:cNvSpPr txBox="1"/>
+          <p:nvPr/>
+        </p:nvSpPr>
+        <p:spPr>
+          <a:xfrm>
+            <a:off x="735536" y="1031681"/>
+            <a:ext cx="10254916" cy="369332"/>
+          </a:xfrm>
+          <a:prstGeom prst="rect">
+            <a:avLst/>
+          </a:prstGeom>
+          <a:noFill/>
+        </p:spPr>
+        <p:txBody>
+          <a:bodyPr wrap="square">
+            <a:spAutoFit/>
+          </a:bodyPr>
+          <a:lstStyle/>
+          <a:p>
+            <a:pPr marL="342900" indent="-342900">
+              <a:buFont typeface="Wingdings" pitchFamily="2" charset="2"/>
+              <a:buChar char="Ø"/>
+            </a:pPr>
+            <a:r>
+              <a:rPr lang="en-IN" b="1" dirty="0">
+                <a:latin typeface="Times New Roman" panose="02020603050405020304" pitchFamily="18" charset="0"/>
+                <a:cs typeface="Times New Roman" panose="02020603050405020304" pitchFamily="18" charset="0"/>
+              </a:rPr>
+              <a:t>In Transcript Table:</a:t>
+            </a:r>
+          </a:p>
+        </p:txBody>
+      </p:sp>
+      <p:sp>
+        <p:nvSpPr>
+          <p:cNvPr id="14" name="TextBox 13">
+            <a:extLst>
+              <a:ext uri="{FF2B5EF4-FFF2-40B4-BE49-F238E27FC236}">
+                <a16:creationId xmlns:a16="http://schemas.microsoft.com/office/drawing/2014/main" id="{A7354EBD-1B58-C552-3B52-2D532BF2EE4D}"/>
+              </a:ext>
+            </a:extLst>
+          </p:cNvPr>
+          <p:cNvSpPr txBox="1"/>
+          <p:nvPr/>
+        </p:nvSpPr>
+        <p:spPr>
+          <a:xfrm>
+            <a:off x="968542" y="3588733"/>
+            <a:ext cx="10493542" cy="517899"/>
+          </a:xfrm>
+          <a:prstGeom prst="rect">
+            <a:avLst/>
+          </a:prstGeom>
+          <a:noFill/>
+        </p:spPr>
+        <p:txBody>
+          <a:bodyPr wrap="square">
+            <a:spAutoFit/>
+          </a:bodyPr>
+          <a:lstStyle/>
+          <a:p>
+            <a:pPr>
+              <a:lnSpc>
+                <a:spcPct val="200000"/>
+              </a:lnSpc>
+            </a:pPr>
+            <a:r>
+              <a:rPr lang="en-IN" sz="1600" dirty="0">
+                <a:latin typeface="Times New Roman" panose="02020603050405020304" pitchFamily="18" charset="0"/>
+                <a:cs typeface="Times New Roman" panose="02020603050405020304" pitchFamily="18" charset="0"/>
+              </a:rPr>
+              <a:t>2️⃣ There are </a:t>
+            </a:r>
+            <a:r>
+              <a:rPr lang="en-IN" sz="1600" b="1" dirty="0">
+                <a:latin typeface="Times New Roman" panose="02020603050405020304" pitchFamily="18" charset="0"/>
+                <a:cs typeface="Times New Roman" panose="02020603050405020304" pitchFamily="18" charset="0"/>
+              </a:rPr>
+              <a:t>674</a:t>
+            </a:r>
+            <a:r>
+              <a:rPr lang="en-IN" sz="1600" dirty="0">
+                <a:latin typeface="Times New Roman" panose="02020603050405020304" pitchFamily="18" charset="0"/>
+                <a:cs typeface="Times New Roman" panose="02020603050405020304" pitchFamily="18" charset="0"/>
+              </a:rPr>
+              <a:t> records where the </a:t>
+            </a:r>
+            <a:r>
+              <a:rPr lang="en-IN" sz="1600" b="1" dirty="0">
+                <a:latin typeface="Times New Roman" panose="02020603050405020304" pitchFamily="18" charset="0"/>
+                <a:cs typeface="Times New Roman" panose="02020603050405020304" pitchFamily="18" charset="0"/>
+              </a:rPr>
+              <a:t>same offer</a:t>
+            </a:r>
+            <a:r>
+              <a:rPr lang="en-IN" sz="1600" dirty="0">
+                <a:latin typeface="Times New Roman" panose="02020603050405020304" pitchFamily="18" charset="0"/>
+                <a:cs typeface="Times New Roman" panose="02020603050405020304" pitchFamily="18" charset="0"/>
+              </a:rPr>
+              <a:t> </a:t>
+            </a:r>
+            <a:r>
+              <a:rPr lang="en-IN" sz="1600" b="1" dirty="0">
+                <a:latin typeface="Times New Roman" panose="02020603050405020304" pitchFamily="18" charset="0"/>
+                <a:cs typeface="Times New Roman" panose="02020603050405020304" pitchFamily="18" charset="0"/>
+              </a:rPr>
+              <a:t>was received </a:t>
+            </a:r>
+            <a:r>
+              <a:rPr lang="en-IN" sz="1600" dirty="0">
+                <a:latin typeface="Times New Roman" panose="02020603050405020304" pitchFamily="18" charset="0"/>
+                <a:cs typeface="Times New Roman" panose="02020603050405020304" pitchFamily="18" charset="0"/>
+              </a:rPr>
+              <a:t>by a person </a:t>
+            </a:r>
+            <a:r>
+              <a:rPr lang="en-IN" sz="1600" b="1" dirty="0">
+                <a:latin typeface="Times New Roman" panose="02020603050405020304" pitchFamily="18" charset="0"/>
+                <a:cs typeface="Times New Roman" panose="02020603050405020304" pitchFamily="18" charset="0"/>
+              </a:rPr>
+              <a:t>before its expiration </a:t>
+            </a:r>
+            <a:r>
+              <a:rPr lang="en-IN" sz="1600" dirty="0">
+                <a:latin typeface="Times New Roman" panose="02020603050405020304" pitchFamily="18" charset="0"/>
+                <a:cs typeface="Times New Roman" panose="02020603050405020304" pitchFamily="18" charset="0"/>
+              </a:rPr>
+              <a:t>or </a:t>
+            </a:r>
+            <a:r>
+              <a:rPr lang="en-IN" sz="1600" b="1" dirty="0">
+                <a:latin typeface="Times New Roman" panose="02020603050405020304" pitchFamily="18" charset="0"/>
+                <a:cs typeface="Times New Roman" panose="02020603050405020304" pitchFamily="18" charset="0"/>
+              </a:rPr>
+              <a:t>before</a:t>
+            </a:r>
+            <a:r>
+              <a:rPr lang="en-IN" sz="1600" dirty="0">
+                <a:latin typeface="Times New Roman" panose="02020603050405020304" pitchFamily="18" charset="0"/>
+                <a:cs typeface="Times New Roman" panose="02020603050405020304" pitchFamily="18" charset="0"/>
+              </a:rPr>
+              <a:t> </a:t>
+            </a:r>
+            <a:r>
+              <a:rPr lang="en-IN" sz="1600" b="1" dirty="0">
+                <a:latin typeface="Times New Roman" panose="02020603050405020304" pitchFamily="18" charset="0"/>
+                <a:cs typeface="Times New Roman" panose="02020603050405020304" pitchFamily="18" charset="0"/>
+              </a:rPr>
+              <a:t>it was completed</a:t>
+            </a:r>
+            <a:r>
+              <a:rPr lang="en-IN" sz="1600" dirty="0">
+                <a:latin typeface="Times New Roman" panose="02020603050405020304" pitchFamily="18" charset="0"/>
+                <a:cs typeface="Times New Roman" panose="02020603050405020304" pitchFamily="18" charset="0"/>
+              </a:rPr>
+              <a:t>.</a:t>
+            </a:r>
+          </a:p>
+        </p:txBody>
+      </p:sp>
+    </p:spTree>
+    <p:extLst>
+      <p:ext uri="{BB962C8B-B14F-4D97-AF65-F5344CB8AC3E}">
+        <p14:creationId xmlns:p14="http://schemas.microsoft.com/office/powerpoint/2010/main" val="2257126576"/>
+      </p:ext>
+    </p:extLst>
+  </p:cSld>
+  <p:clrMapOvr>
+    <a:masterClrMapping/>
+  </p:clrMapOvr>
+</p:sld>
+</file>
+
+<file path=ppt/slides/slide17.xml><?xml version="1.0" encoding="utf-8"?>
+<p:sld xmlns:a="http://schemas.openxmlformats.org/drawingml/2006/main" xmlns:r="http://schemas.openxmlformats.org/officeDocument/2006/relationships" xmlns:p="http://schemas.openxmlformats.org/presentationml/2006/main">
+  <p:cSld>
+    <p:spTree>
+      <p:nvGrpSpPr>
+        <p:cNvPr id="1" name="">
+          <a:extLst>
+            <a:ext uri="{FF2B5EF4-FFF2-40B4-BE49-F238E27FC236}">
               <a16:creationId xmlns:a16="http://schemas.microsoft.com/office/drawing/2014/main" id="{A872A238-1882-3BEC-E86E-FA0D353DA204}"/>
             </a:ext>
           </a:extLst>
@@ -12830,7 +13411,7 @@
 </p:sld>
 </file>
 
-<file path=ppt/slides/slide17.xml><?xml version="1.0" encoding="utf-8"?>
+<file path=ppt/slides/slide18.xml><?xml version="1.0" encoding="utf-8"?>
 <p:sld xmlns:a="http://schemas.openxmlformats.org/drawingml/2006/main" xmlns:r="http://schemas.openxmlformats.org/officeDocument/2006/relationships" xmlns:p="http://schemas.openxmlformats.org/presentationml/2006/main">
   <p:cSld>
     <p:spTree>
@@ -13444,7 +14025,7 @@
 </p:sld>
 </file>
 
-<file path=ppt/slides/slide18.xml><?xml version="1.0" encoding="utf-8"?>
+<file path=ppt/slides/slide19.xml><?xml version="1.0" encoding="utf-8"?>
 <p:sld xmlns:a="http://schemas.openxmlformats.org/drawingml/2006/main" xmlns:r="http://schemas.openxmlformats.org/officeDocument/2006/relationships" xmlns:p="http://schemas.openxmlformats.org/presentationml/2006/main">
   <p:cSld>
     <p:spTree>
@@ -13667,7 +14248,7 @@
                 <a:ea typeface="+mn-ea"/>
                 <a:cs typeface="Times New Roman" panose="02020603050405020304" pitchFamily="18" charset="0"/>
               </a:rPr>
-              <a:t>(2/2) </a:t>
+              <a:t>(1/4) </a:t>
             </a:r>
             <a:endParaRPr lang="en-US" sz="4000" b="1" dirty="0">
               <a:solidFill>
@@ -14198,7 +14779,637 @@
 </p:sld>
 </file>
 
-<file path=ppt/slides/slide19.xml><?xml version="1.0" encoding="utf-8"?>
+<file path=ppt/slides/slide2.xml><?xml version="1.0" encoding="utf-8"?>
+<p:sld xmlns:a="http://schemas.openxmlformats.org/drawingml/2006/main" xmlns:r="http://schemas.openxmlformats.org/officeDocument/2006/relationships" xmlns:p="http://schemas.openxmlformats.org/presentationml/2006/main">
+  <p:cSld>
+    <p:spTree>
+      <p:nvGrpSpPr>
+        <p:cNvPr id="1" name="">
+          <a:extLst>
+            <a:ext uri="{FF2B5EF4-FFF2-40B4-BE49-F238E27FC236}">
+              <a16:creationId xmlns:a16="http://schemas.microsoft.com/office/drawing/2014/main" id="{6C5EDBD6-E7D4-891F-B006-E6237FE50346}"/>
+            </a:ext>
+          </a:extLst>
+        </p:cNvPr>
+        <p:cNvGrpSpPr/>
+        <p:nvPr/>
+      </p:nvGrpSpPr>
+      <p:grpSpPr>
+        <a:xfrm>
+          <a:off x="0" y="0"/>
+          <a:ext cx="0" cy="0"/>
+          <a:chOff x="0" y="0"/>
+          <a:chExt cx="0" cy="0"/>
+        </a:xfrm>
+      </p:grpSpPr>
+      <p:sp>
+        <p:nvSpPr>
+          <p:cNvPr id="2" name="Rounded Rectangle 1">
+            <a:extLst>
+              <a:ext uri="{FF2B5EF4-FFF2-40B4-BE49-F238E27FC236}">
+                <a16:creationId xmlns:a16="http://schemas.microsoft.com/office/drawing/2014/main" id="{FD9E430B-F829-9605-BD1B-1D77E5AB6F87}"/>
+              </a:ext>
+            </a:extLst>
+          </p:cNvPr>
+          <p:cNvSpPr/>
+          <p:nvPr/>
+        </p:nvSpPr>
+        <p:spPr>
+          <a:xfrm>
+            <a:off x="339892" y="810126"/>
+            <a:ext cx="11512216" cy="5228444"/>
+          </a:xfrm>
+          <a:prstGeom prst="roundRect">
+            <a:avLst>
+              <a:gd name="adj" fmla="val 5729"/>
+            </a:avLst>
+          </a:prstGeom>
+          <a:solidFill>
+            <a:schemeClr val="bg1">
+              <a:lumMod val="95000"/>
+            </a:schemeClr>
+          </a:solidFill>
+          <a:ln>
+            <a:solidFill>
+              <a:schemeClr val="bg1">
+                <a:lumMod val="95000"/>
+              </a:schemeClr>
+            </a:solidFill>
+          </a:ln>
+          <a:effectLst>
+            <a:outerShdw blurRad="63500" sx="102000" sy="102000" algn="ctr" rotWithShape="0">
+              <a:prstClr val="black">
+                <a:alpha val="40000"/>
+              </a:prstClr>
+            </a:outerShdw>
+          </a:effectLst>
+        </p:spPr>
+        <p:style>
+          <a:lnRef idx="2">
+            <a:schemeClr val="accent1">
+              <a:shade val="15000"/>
+            </a:schemeClr>
+          </a:lnRef>
+          <a:fillRef idx="1">
+            <a:schemeClr val="accent1"/>
+          </a:fillRef>
+          <a:effectRef idx="0">
+            <a:schemeClr val="accent1"/>
+          </a:effectRef>
+          <a:fontRef idx="minor">
+            <a:schemeClr val="lt1"/>
+          </a:fontRef>
+        </p:style>
+        <p:txBody>
+          <a:bodyPr rtlCol="0" anchor="ctr"/>
+          <a:lstStyle/>
+          <a:p>
+            <a:pPr algn="ctr"/>
+            <a:endParaRPr lang="en-US" sz="2400" b="1" dirty="0">
+              <a:solidFill>
+                <a:srgbClr val="225F61"/>
+              </a:solidFill>
+              <a:latin typeface="Times New Roman" panose="02020603050405020304" pitchFamily="18" charset="0"/>
+              <a:cs typeface="Times New Roman" panose="02020603050405020304" pitchFamily="18" charset="0"/>
+            </a:endParaRPr>
+          </a:p>
+        </p:txBody>
+      </p:sp>
+      <p:sp>
+        <p:nvSpPr>
+          <p:cNvPr id="4" name="TextBox 3">
+            <a:extLst>
+              <a:ext uri="{FF2B5EF4-FFF2-40B4-BE49-F238E27FC236}">
+                <a16:creationId xmlns:a16="http://schemas.microsoft.com/office/drawing/2014/main" id="{D926BEE9-638C-DE54-CB89-F44AD8DD4809}"/>
+              </a:ext>
+            </a:extLst>
+          </p:cNvPr>
+          <p:cNvSpPr txBox="1"/>
+          <p:nvPr/>
+        </p:nvSpPr>
+        <p:spPr>
+          <a:xfrm>
+            <a:off x="1059454" y="896602"/>
+            <a:ext cx="3468726" cy="4820807"/>
+          </a:xfrm>
+          <a:prstGeom prst="rect">
+            <a:avLst/>
+          </a:prstGeom>
+          <a:noFill/>
+        </p:spPr>
+        <p:txBody>
+          <a:bodyPr wrap="square" rtlCol="0">
+            <a:spAutoFit/>
+          </a:bodyPr>
+          <a:lstStyle/>
+          <a:p>
+            <a:pPr marL="457189" indent="-457189">
+              <a:lnSpc>
+                <a:spcPct val="250000"/>
+              </a:lnSpc>
+              <a:buFont typeface="+mj-lt"/>
+              <a:buAutoNum type="arabicPeriod"/>
+            </a:pPr>
+            <a:r>
+              <a:rPr lang="en-US" b="1" dirty="0">
+                <a:solidFill>
+                  <a:srgbClr val="252930"/>
+                </a:solidFill>
+                <a:latin typeface="Times New Roman" panose="02020603050405020304" pitchFamily="18" charset="0"/>
+                <a:cs typeface="Times New Roman" panose="02020603050405020304" pitchFamily="18" charset="0"/>
+              </a:rPr>
+              <a:t>Business Context </a:t>
+            </a:r>
+          </a:p>
+          <a:p>
+            <a:pPr marL="457189" indent="-457189">
+              <a:lnSpc>
+                <a:spcPct val="250000"/>
+              </a:lnSpc>
+              <a:buFont typeface="+mj-lt"/>
+              <a:buAutoNum type="arabicPeriod"/>
+            </a:pPr>
+            <a:r>
+              <a:rPr lang="en-US" b="1" dirty="0">
+                <a:solidFill>
+                  <a:srgbClr val="252930"/>
+                </a:solidFill>
+                <a:latin typeface="Times New Roman" panose="02020603050405020304" pitchFamily="18" charset="0"/>
+                <a:cs typeface="Times New Roman" panose="02020603050405020304" pitchFamily="18" charset="0"/>
+              </a:rPr>
+              <a:t>Business Problem</a:t>
+            </a:r>
+          </a:p>
+          <a:p>
+            <a:pPr marL="457189" indent="-457189">
+              <a:lnSpc>
+                <a:spcPct val="250000"/>
+              </a:lnSpc>
+              <a:buFont typeface="+mj-lt"/>
+              <a:buAutoNum type="arabicPeriod"/>
+            </a:pPr>
+            <a:r>
+              <a:rPr lang="en-US" b="1" dirty="0">
+                <a:solidFill>
+                  <a:srgbClr val="252930"/>
+                </a:solidFill>
+                <a:latin typeface="Times New Roman" panose="02020603050405020304" pitchFamily="18" charset="0"/>
+                <a:cs typeface="Times New Roman" panose="02020603050405020304" pitchFamily="18" charset="0"/>
+              </a:rPr>
+              <a:t>Business Objective</a:t>
+            </a:r>
+          </a:p>
+          <a:p>
+            <a:pPr marL="457189" indent="-457189">
+              <a:lnSpc>
+                <a:spcPct val="250000"/>
+              </a:lnSpc>
+              <a:buFont typeface="+mj-lt"/>
+              <a:buAutoNum type="arabicPeriod"/>
+            </a:pPr>
+            <a:r>
+              <a:rPr lang="en-US" b="1" dirty="0">
+                <a:solidFill>
+                  <a:srgbClr val="252930"/>
+                </a:solidFill>
+                <a:latin typeface="Times New Roman" panose="02020603050405020304" pitchFamily="18" charset="0"/>
+                <a:cs typeface="Times New Roman" panose="02020603050405020304" pitchFamily="18" charset="0"/>
+              </a:rPr>
+              <a:t>Technology Stack</a:t>
+            </a:r>
+          </a:p>
+          <a:p>
+            <a:pPr marL="457189" indent="-457189">
+              <a:lnSpc>
+                <a:spcPct val="250000"/>
+              </a:lnSpc>
+              <a:buFont typeface="+mj-lt"/>
+              <a:buAutoNum type="arabicPeriod"/>
+            </a:pPr>
+            <a:r>
+              <a:rPr lang="en-US" b="1" dirty="0">
+                <a:solidFill>
+                  <a:srgbClr val="252930"/>
+                </a:solidFill>
+                <a:latin typeface="Times New Roman" panose="02020603050405020304" pitchFamily="18" charset="0"/>
+                <a:cs typeface="Times New Roman" panose="02020603050405020304" pitchFamily="18" charset="0"/>
+              </a:rPr>
+              <a:t>Data Overview</a:t>
+            </a:r>
+          </a:p>
+          <a:p>
+            <a:pPr marL="457189" indent="-457189">
+              <a:lnSpc>
+                <a:spcPct val="250000"/>
+              </a:lnSpc>
+              <a:buFont typeface="+mj-lt"/>
+              <a:buAutoNum type="arabicPeriod"/>
+            </a:pPr>
+            <a:r>
+              <a:rPr lang="en-US" b="1" dirty="0">
+                <a:solidFill>
+                  <a:srgbClr val="252930"/>
+                </a:solidFill>
+                <a:latin typeface="Times New Roman" panose="02020603050405020304" pitchFamily="18" charset="0"/>
+                <a:cs typeface="Times New Roman" panose="02020603050405020304" pitchFamily="18" charset="0"/>
+              </a:rPr>
+              <a:t>Data Dictionary</a:t>
+            </a:r>
+          </a:p>
+          <a:p>
+            <a:pPr marL="457189" indent="-457189">
+              <a:lnSpc>
+                <a:spcPct val="250000"/>
+              </a:lnSpc>
+              <a:buFont typeface="+mj-lt"/>
+              <a:buAutoNum type="arabicPeriod"/>
+            </a:pPr>
+            <a:r>
+              <a:rPr lang="en-US" b="1" dirty="0">
+                <a:solidFill>
+                  <a:srgbClr val="252930"/>
+                </a:solidFill>
+                <a:latin typeface="Times New Roman" panose="02020603050405020304" pitchFamily="18" charset="0"/>
+                <a:cs typeface="Times New Roman" panose="02020603050405020304" pitchFamily="18" charset="0"/>
+              </a:rPr>
+              <a:t>Data Import Issues</a:t>
+            </a:r>
+          </a:p>
+        </p:txBody>
+      </p:sp>
+      <p:sp>
+        <p:nvSpPr>
+          <p:cNvPr id="5" name="Rectangle 4">
+            <a:extLst>
+              <a:ext uri="{FF2B5EF4-FFF2-40B4-BE49-F238E27FC236}">
+                <a16:creationId xmlns:a16="http://schemas.microsoft.com/office/drawing/2014/main" id="{D6F5C2D1-1128-EE09-A681-D3CA4F505F0E}"/>
+              </a:ext>
+            </a:extLst>
+          </p:cNvPr>
+          <p:cNvSpPr/>
+          <p:nvPr/>
+        </p:nvSpPr>
+        <p:spPr>
+          <a:xfrm>
+            <a:off x="0" y="0"/>
+            <a:ext cx="12192000" cy="609600"/>
+          </a:xfrm>
+          <a:prstGeom prst="rect">
+            <a:avLst/>
+          </a:prstGeom>
+          <a:solidFill>
+            <a:srgbClr val="338D90"/>
+          </a:solidFill>
+          <a:ln>
+            <a:solidFill>
+              <a:srgbClr val="338D90"/>
+            </a:solidFill>
+          </a:ln>
+        </p:spPr>
+        <p:style>
+          <a:lnRef idx="2">
+            <a:schemeClr val="accent1">
+              <a:shade val="15000"/>
+            </a:schemeClr>
+          </a:lnRef>
+          <a:fillRef idx="1">
+            <a:schemeClr val="accent1"/>
+          </a:fillRef>
+          <a:effectRef idx="0">
+            <a:schemeClr val="accent1"/>
+          </a:effectRef>
+          <a:fontRef idx="minor">
+            <a:schemeClr val="lt1"/>
+          </a:fontRef>
+        </p:style>
+        <p:txBody>
+          <a:bodyPr rtlCol="0" anchor="ctr"/>
+          <a:lstStyle/>
+          <a:p>
+            <a:pPr marL="914400" lvl="1" indent="-457200">
+              <a:buFont typeface="Wingdings" pitchFamily="2" charset="2"/>
+              <a:buChar char="q"/>
+            </a:pPr>
+            <a:r>
+              <a:rPr lang="en-US" sz="3200" b="1" dirty="0">
+                <a:solidFill>
+                  <a:schemeClr val="bg1"/>
+                </a:solidFill>
+                <a:latin typeface="Times New Roman" panose="02020603050405020304" pitchFamily="18" charset="0"/>
+                <a:cs typeface="Times New Roman" panose="02020603050405020304" pitchFamily="18" charset="0"/>
+              </a:rPr>
+              <a:t> Content</a:t>
+            </a:r>
+            <a:endParaRPr lang="en-US" sz="4000" b="1" dirty="0">
+              <a:solidFill>
+                <a:schemeClr val="bg1"/>
+              </a:solidFill>
+              <a:latin typeface="Times New Roman" panose="02020603050405020304" pitchFamily="18" charset="0"/>
+              <a:cs typeface="Times New Roman" panose="02020603050405020304" pitchFamily="18" charset="0"/>
+            </a:endParaRPr>
+          </a:p>
+        </p:txBody>
+      </p:sp>
+      <p:sp>
+        <p:nvSpPr>
+          <p:cNvPr id="7" name="TextBox 6">
+            <a:extLst>
+              <a:ext uri="{FF2B5EF4-FFF2-40B4-BE49-F238E27FC236}">
+                <a16:creationId xmlns:a16="http://schemas.microsoft.com/office/drawing/2014/main" id="{22B4CEAF-76B7-8666-EF12-1E7544123032}"/>
+              </a:ext>
+            </a:extLst>
+          </p:cNvPr>
+          <p:cNvSpPr txBox="1"/>
+          <p:nvPr/>
+        </p:nvSpPr>
+        <p:spPr>
+          <a:xfrm>
+            <a:off x="4624799" y="896601"/>
+            <a:ext cx="3468726" cy="4820807"/>
+          </a:xfrm>
+          <a:prstGeom prst="rect">
+            <a:avLst/>
+          </a:prstGeom>
+          <a:noFill/>
+        </p:spPr>
+        <p:txBody>
+          <a:bodyPr wrap="square" rtlCol="0">
+            <a:spAutoFit/>
+          </a:bodyPr>
+          <a:lstStyle/>
+          <a:p>
+            <a:pPr marL="457189" indent="-457189">
+              <a:lnSpc>
+                <a:spcPct val="250000"/>
+              </a:lnSpc>
+              <a:buFont typeface="+mj-lt"/>
+              <a:buAutoNum type="arabicPeriod" startAt="8"/>
+            </a:pPr>
+            <a:r>
+              <a:rPr lang="en-US" b="1" dirty="0">
+                <a:solidFill>
+                  <a:srgbClr val="252930"/>
+                </a:solidFill>
+                <a:latin typeface="Times New Roman" panose="02020603050405020304" pitchFamily="18" charset="0"/>
+                <a:cs typeface="Times New Roman" panose="02020603050405020304" pitchFamily="18" charset="0"/>
+              </a:rPr>
+              <a:t>ER-Diagram</a:t>
+            </a:r>
+          </a:p>
+          <a:p>
+            <a:pPr marL="457189" indent="-457189">
+              <a:lnSpc>
+                <a:spcPct val="250000"/>
+              </a:lnSpc>
+              <a:buFont typeface="+mj-lt"/>
+              <a:buAutoNum type="arabicPeriod" startAt="8"/>
+            </a:pPr>
+            <a:r>
+              <a:rPr lang="en-US" b="1" dirty="0">
+                <a:solidFill>
+                  <a:srgbClr val="252930"/>
+                </a:solidFill>
+                <a:latin typeface="Times New Roman" panose="02020603050405020304" pitchFamily="18" charset="0"/>
+                <a:cs typeface="Times New Roman" panose="02020603050405020304" pitchFamily="18" charset="0"/>
+              </a:rPr>
+              <a:t>Data Processing</a:t>
+            </a:r>
+          </a:p>
+          <a:p>
+            <a:pPr marL="457189" indent="-457189">
+              <a:lnSpc>
+                <a:spcPct val="250000"/>
+              </a:lnSpc>
+              <a:buFont typeface="+mj-lt"/>
+              <a:buAutoNum type="arabicPeriod" startAt="8"/>
+            </a:pPr>
+            <a:r>
+              <a:rPr lang="en-US" b="1" dirty="0">
+                <a:solidFill>
+                  <a:srgbClr val="252930"/>
+                </a:solidFill>
+                <a:latin typeface="Times New Roman" panose="02020603050405020304" pitchFamily="18" charset="0"/>
+                <a:cs typeface="Times New Roman" panose="02020603050405020304" pitchFamily="18" charset="0"/>
+              </a:rPr>
+              <a:t>Data Audit</a:t>
+            </a:r>
+          </a:p>
+          <a:p>
+            <a:pPr marL="457189" indent="-457189">
+              <a:lnSpc>
+                <a:spcPct val="250000"/>
+              </a:lnSpc>
+              <a:buFont typeface="+mj-lt"/>
+              <a:buAutoNum type="arabicPeriod" startAt="8"/>
+            </a:pPr>
+            <a:r>
+              <a:rPr lang="en-US" b="1" dirty="0">
+                <a:solidFill>
+                  <a:srgbClr val="252930"/>
+                </a:solidFill>
+                <a:latin typeface="Times New Roman" panose="02020603050405020304" pitchFamily="18" charset="0"/>
+                <a:cs typeface="Times New Roman" panose="02020603050405020304" pitchFamily="18" charset="0"/>
+              </a:rPr>
+              <a:t>Data Inconsistency</a:t>
+            </a:r>
+          </a:p>
+          <a:p>
+            <a:pPr marL="457189" indent="-457189">
+              <a:lnSpc>
+                <a:spcPct val="250000"/>
+              </a:lnSpc>
+              <a:buFont typeface="+mj-lt"/>
+              <a:buAutoNum type="arabicPeriod" startAt="8"/>
+            </a:pPr>
+            <a:r>
+              <a:rPr lang="en-US" b="1" dirty="0">
+                <a:solidFill>
+                  <a:srgbClr val="252930"/>
+                </a:solidFill>
+                <a:latin typeface="Times New Roman" panose="02020603050405020304" pitchFamily="18" charset="0"/>
+                <a:cs typeface="Times New Roman" panose="02020603050405020304" pitchFamily="18" charset="0"/>
+              </a:rPr>
+              <a:t>Data Discrepancy</a:t>
+            </a:r>
+          </a:p>
+          <a:p>
+            <a:pPr marL="457189" indent="-457189">
+              <a:lnSpc>
+                <a:spcPct val="250000"/>
+              </a:lnSpc>
+              <a:buFont typeface="+mj-lt"/>
+              <a:buAutoNum type="arabicPeriod" startAt="8"/>
+            </a:pPr>
+            <a:r>
+              <a:rPr lang="en-US" b="1" dirty="0">
+                <a:solidFill>
+                  <a:srgbClr val="252930"/>
+                </a:solidFill>
+                <a:latin typeface="Times New Roman" panose="02020603050405020304" pitchFamily="18" charset="0"/>
+                <a:cs typeface="Times New Roman" panose="02020603050405020304" pitchFamily="18" charset="0"/>
+              </a:rPr>
+              <a:t>Exploratory Data Analysis</a:t>
+            </a:r>
+          </a:p>
+          <a:p>
+            <a:pPr marL="457189" indent="-457189">
+              <a:lnSpc>
+                <a:spcPct val="250000"/>
+              </a:lnSpc>
+              <a:buFont typeface="+mj-lt"/>
+              <a:buAutoNum type="arabicPeriod" startAt="8"/>
+            </a:pPr>
+            <a:r>
+              <a:rPr lang="en-US" b="1" dirty="0">
+                <a:solidFill>
+                  <a:srgbClr val="252930"/>
+                </a:solidFill>
+                <a:latin typeface="Times New Roman" panose="02020603050405020304" pitchFamily="18" charset="0"/>
+                <a:cs typeface="Times New Roman" panose="02020603050405020304" pitchFamily="18" charset="0"/>
+              </a:rPr>
+              <a:t>Descriptive Analysis</a:t>
+            </a:r>
+          </a:p>
+        </p:txBody>
+      </p:sp>
+      <p:sp>
+        <p:nvSpPr>
+          <p:cNvPr id="8" name="TextBox 7">
+            <a:extLst>
+              <a:ext uri="{FF2B5EF4-FFF2-40B4-BE49-F238E27FC236}">
+                <a16:creationId xmlns:a16="http://schemas.microsoft.com/office/drawing/2014/main" id="{DCF4AFD1-D518-CF32-9379-F3431CCD72BB}"/>
+              </a:ext>
+            </a:extLst>
+          </p:cNvPr>
+          <p:cNvSpPr txBox="1"/>
+          <p:nvPr/>
+        </p:nvSpPr>
+        <p:spPr>
+          <a:xfrm>
+            <a:off x="8190144" y="896600"/>
+            <a:ext cx="3468726" cy="3435812"/>
+          </a:xfrm>
+          <a:prstGeom prst="rect">
+            <a:avLst/>
+          </a:prstGeom>
+          <a:noFill/>
+        </p:spPr>
+        <p:txBody>
+          <a:bodyPr wrap="square" rtlCol="0">
+            <a:spAutoFit/>
+          </a:bodyPr>
+          <a:lstStyle/>
+          <a:p>
+            <a:pPr marL="457189" indent="-457189">
+              <a:lnSpc>
+                <a:spcPct val="250000"/>
+              </a:lnSpc>
+              <a:buFont typeface="+mj-lt"/>
+              <a:buAutoNum type="arabicPeriod" startAt="15"/>
+            </a:pPr>
+            <a:r>
+              <a:rPr lang="en-US" b="1" dirty="0">
+                <a:solidFill>
+                  <a:srgbClr val="252930"/>
+                </a:solidFill>
+                <a:latin typeface="Times New Roman" panose="02020603050405020304" pitchFamily="18" charset="0"/>
+                <a:cs typeface="Times New Roman" panose="02020603050405020304" pitchFamily="18" charset="0"/>
+              </a:rPr>
+              <a:t>Diagnostic Analysis</a:t>
+            </a:r>
+          </a:p>
+          <a:p>
+            <a:pPr marL="457189" indent="-457189">
+              <a:lnSpc>
+                <a:spcPct val="250000"/>
+              </a:lnSpc>
+              <a:buFont typeface="+mj-lt"/>
+              <a:buAutoNum type="arabicPeriod" startAt="15"/>
+            </a:pPr>
+            <a:r>
+              <a:rPr lang="en-US" b="1" dirty="0">
+                <a:solidFill>
+                  <a:srgbClr val="252930"/>
+                </a:solidFill>
+                <a:latin typeface="Times New Roman" panose="02020603050405020304" pitchFamily="18" charset="0"/>
+                <a:cs typeface="Times New Roman" panose="02020603050405020304" pitchFamily="18" charset="0"/>
+              </a:rPr>
+              <a:t>Predictive Analysis</a:t>
+            </a:r>
+          </a:p>
+          <a:p>
+            <a:pPr marL="457189" indent="-457189">
+              <a:lnSpc>
+                <a:spcPct val="250000"/>
+              </a:lnSpc>
+              <a:buFont typeface="+mj-lt"/>
+              <a:buAutoNum type="arabicPeriod" startAt="15"/>
+            </a:pPr>
+            <a:r>
+              <a:rPr lang="en-US" b="1" dirty="0">
+                <a:solidFill>
+                  <a:srgbClr val="252930"/>
+                </a:solidFill>
+                <a:latin typeface="Times New Roman" panose="02020603050405020304" pitchFamily="18" charset="0"/>
+                <a:cs typeface="Times New Roman" panose="02020603050405020304" pitchFamily="18" charset="0"/>
+              </a:rPr>
+              <a:t>Dashboards Layout</a:t>
+            </a:r>
+          </a:p>
+          <a:p>
+            <a:pPr marL="457189" indent="-457189">
+              <a:lnSpc>
+                <a:spcPct val="250000"/>
+              </a:lnSpc>
+              <a:buFont typeface="+mj-lt"/>
+              <a:buAutoNum type="arabicPeriod" startAt="15"/>
+            </a:pPr>
+            <a:r>
+              <a:rPr lang="en-US" b="1" dirty="0">
+                <a:solidFill>
+                  <a:srgbClr val="252930"/>
+                </a:solidFill>
+                <a:latin typeface="Times New Roman" panose="02020603050405020304" pitchFamily="18" charset="0"/>
+                <a:cs typeface="Times New Roman" panose="02020603050405020304" pitchFamily="18" charset="0"/>
+              </a:rPr>
+              <a:t>Challenges Faced</a:t>
+            </a:r>
+          </a:p>
+          <a:p>
+            <a:pPr marL="457189" indent="-457189">
+              <a:lnSpc>
+                <a:spcPct val="250000"/>
+              </a:lnSpc>
+              <a:buFont typeface="+mj-lt"/>
+              <a:buAutoNum type="arabicPeriod" startAt="15"/>
+            </a:pPr>
+            <a:r>
+              <a:rPr lang="en-US" b="1" dirty="0">
+                <a:solidFill>
+                  <a:srgbClr val="252930"/>
+                </a:solidFill>
+                <a:latin typeface="Times New Roman" panose="02020603050405020304" pitchFamily="18" charset="0"/>
+                <a:cs typeface="Times New Roman" panose="02020603050405020304" pitchFamily="18" charset="0"/>
+              </a:rPr>
+              <a:t>Key Learnings</a:t>
+            </a:r>
+          </a:p>
+        </p:txBody>
+      </p:sp>
+    </p:spTree>
+    <p:extLst>
+      <p:ext uri="{BB962C8B-B14F-4D97-AF65-F5344CB8AC3E}">
+        <p14:creationId xmlns:p14="http://schemas.microsoft.com/office/powerpoint/2010/main" val="2827070603"/>
+      </p:ext>
+    </p:extLst>
+  </p:cSld>
+  <p:clrMapOvr>
+    <a:masterClrMapping/>
+  </p:clrMapOvr>
+</p:sld>
+</file>
+
+<file path=ppt/slides/slide20.xml><?xml version="1.0" encoding="utf-8"?>
 <p:sld xmlns:a="http://schemas.openxmlformats.org/drawingml/2006/main" xmlns:r="http://schemas.openxmlformats.org/officeDocument/2006/relationships" xmlns:p="http://schemas.openxmlformats.org/presentationml/2006/main">
   <p:cSld>
     <p:spTree>
@@ -14421,7 +15632,7 @@
                 <a:ea typeface="+mn-ea"/>
                 <a:cs typeface="Times New Roman" panose="02020603050405020304" pitchFamily="18" charset="0"/>
               </a:rPr>
-              <a:t>(2/2) </a:t>
+              <a:t>(2/4) </a:t>
             </a:r>
             <a:endParaRPr lang="en-US" sz="4000" b="1" dirty="0">
               <a:solidFill>
@@ -14985,7 +16196,7 @@
 </p:sld>
 </file>
 
-<file path=ppt/slides/slide2.xml><?xml version="1.0" encoding="utf-8"?>
+<file path=ppt/slides/slide21.xml><?xml version="1.0" encoding="utf-8"?>
 <p:sld xmlns:a="http://schemas.openxmlformats.org/drawingml/2006/main" xmlns:r="http://schemas.openxmlformats.org/officeDocument/2006/relationships" xmlns:p="http://schemas.openxmlformats.org/presentationml/2006/main">
   <p:cSld>
     <p:spTree>
@@ -14993,7 +16204,7 @@
         <p:cNvPr id="1" name="">
           <a:extLst>
             <a:ext uri="{FF2B5EF4-FFF2-40B4-BE49-F238E27FC236}">
-              <a16:creationId xmlns:a16="http://schemas.microsoft.com/office/drawing/2014/main" id="{6C5EDBD6-E7D4-891F-B006-E6237FE50346}"/>
+              <a16:creationId xmlns:a16="http://schemas.microsoft.com/office/drawing/2014/main" id="{74BCE0EF-60B9-6AB8-E13E-76D9F4145D01}"/>
             </a:ext>
           </a:extLst>
         </p:cNvPr>
@@ -15010,10 +16221,10 @@
       </p:grpSpPr>
       <p:sp>
         <p:nvSpPr>
-          <p:cNvPr id="2" name="Rounded Rectangle 1">
+          <p:cNvPr id="12" name="Freeform 8">
             <a:extLst>
               <a:ext uri="{FF2B5EF4-FFF2-40B4-BE49-F238E27FC236}">
-                <a16:creationId xmlns:a16="http://schemas.microsoft.com/office/drawing/2014/main" id="{FD9E430B-F829-9605-BD1B-1D77E5AB6F87}"/>
+                <a16:creationId xmlns:a16="http://schemas.microsoft.com/office/drawing/2014/main" id="{9E8B1DF3-F036-3748-A4A2-B1E69A18124A}"/>
               </a:ext>
             </a:extLst>
           </p:cNvPr>
@@ -15022,26 +16233,71 @@
         </p:nvSpPr>
         <p:spPr>
           <a:xfrm>
-            <a:off x="339892" y="810126"/>
-            <a:ext cx="11512216" cy="5228444"/>
+            <a:off x="362465" y="963826"/>
+            <a:ext cx="5456582" cy="5132173"/>
           </a:xfrm>
-          <a:prstGeom prst="roundRect">
-            <a:avLst>
-              <a:gd name="adj" fmla="val 5729"/>
-            </a:avLst>
-          </a:prstGeom>
+          <a:custGeom>
+            <a:avLst/>
+            <a:gdLst/>
+            <a:ahLst/>
+            <a:cxnLst/>
+            <a:rect l="l" t="t" r="r" b="b"/>
+            <a:pathLst>
+              <a:path w="1836416" h="1281219">
+                <a:moveTo>
+                  <a:pt x="56627" y="0"/>
+                </a:moveTo>
+                <a:lnTo>
+                  <a:pt x="1779789" y="0"/>
+                </a:lnTo>
+                <a:cubicBezTo>
+                  <a:pt x="1794808" y="0"/>
+                  <a:pt x="1809211" y="5966"/>
+                  <a:pt x="1819831" y="16586"/>
+                </a:cubicBezTo>
+                <a:cubicBezTo>
+                  <a:pt x="1830450" y="27205"/>
+                  <a:pt x="1836416" y="41608"/>
+                  <a:pt x="1836416" y="56627"/>
+                </a:cubicBezTo>
+                <a:lnTo>
+                  <a:pt x="1836416" y="1224592"/>
+                </a:lnTo>
+                <a:cubicBezTo>
+                  <a:pt x="1836416" y="1255866"/>
+                  <a:pt x="1811063" y="1281219"/>
+                  <a:pt x="1779789" y="1281219"/>
+                </a:cubicBezTo>
+                <a:lnTo>
+                  <a:pt x="56627" y="1281219"/>
+                </a:lnTo>
+                <a:cubicBezTo>
+                  <a:pt x="41608" y="1281219"/>
+                  <a:pt x="27205" y="1275253"/>
+                  <a:pt x="16586" y="1264633"/>
+                </a:cubicBezTo>
+                <a:cubicBezTo>
+                  <a:pt x="5966" y="1254014"/>
+                  <a:pt x="0" y="1239611"/>
+                  <a:pt x="0" y="1224592"/>
+                </a:cubicBezTo>
+                <a:lnTo>
+                  <a:pt x="0" y="56627"/>
+                </a:lnTo>
+                <a:cubicBezTo>
+                  <a:pt x="0" y="25353"/>
+                  <a:pt x="25353" y="0"/>
+                  <a:pt x="56627" y="0"/>
+                </a:cubicBezTo>
+                <a:close/>
+              </a:path>
+            </a:pathLst>
+          </a:custGeom>
           <a:solidFill>
             <a:schemeClr val="bg1">
-              <a:lumMod val="95000"/>
+              <a:alpha val="53725"/>
             </a:schemeClr>
           </a:solidFill>
-          <a:ln>
-            <a:solidFill>
-              <a:schemeClr val="bg1">
-                <a:lumMod val="95000"/>
-              </a:schemeClr>
-            </a:solidFill>
-          </a:ln>
           <a:effectLst>
             <a:outerShdw blurRad="63500" sx="102000" sy="102000" algn="ctr" rotWithShape="0">
               <a:prstClr val="black">
@@ -15050,205 +16306,13 @@
             </a:outerShdw>
           </a:effectLst>
         </p:spPr>
-        <p:style>
-          <a:lnRef idx="2">
-            <a:schemeClr val="accent1">
-              <a:shade val="15000"/>
-            </a:schemeClr>
-          </a:lnRef>
-          <a:fillRef idx="1">
-            <a:schemeClr val="accent1"/>
-          </a:fillRef>
-          <a:effectRef idx="0">
-            <a:schemeClr val="accent1"/>
-          </a:effectRef>
-          <a:fontRef idx="minor">
-            <a:schemeClr val="lt1"/>
-          </a:fontRef>
-        </p:style>
-        <p:txBody>
-          <a:bodyPr rtlCol="0" anchor="ctr"/>
-          <a:lstStyle/>
-          <a:p>
-            <a:pPr algn="ctr"/>
-            <a:endParaRPr lang="en-US" sz="2400" b="1" dirty="0">
-              <a:solidFill>
-                <a:srgbClr val="225F61"/>
-              </a:solidFill>
-              <a:latin typeface="Times New Roman" panose="02020603050405020304" pitchFamily="18" charset="0"/>
-              <a:cs typeface="Times New Roman" panose="02020603050405020304" pitchFamily="18" charset="0"/>
-            </a:endParaRPr>
-          </a:p>
-        </p:txBody>
       </p:sp>
       <p:sp>
         <p:nvSpPr>
-          <p:cNvPr id="4" name="TextBox 3">
+          <p:cNvPr id="3" name="Rectangle 2">
             <a:extLst>
               <a:ext uri="{FF2B5EF4-FFF2-40B4-BE49-F238E27FC236}">
-                <a16:creationId xmlns:a16="http://schemas.microsoft.com/office/drawing/2014/main" id="{D926BEE9-638C-DE54-CB89-F44AD8DD4809}"/>
-              </a:ext>
-            </a:extLst>
-          </p:cNvPr>
-          <p:cNvSpPr txBox="1"/>
-          <p:nvPr/>
-        </p:nvSpPr>
-        <p:spPr>
-          <a:xfrm>
-            <a:off x="1059454" y="896602"/>
-            <a:ext cx="3468726" cy="4820807"/>
-          </a:xfrm>
-          <a:prstGeom prst="rect">
-            <a:avLst/>
-          </a:prstGeom>
-          <a:noFill/>
-        </p:spPr>
-        <p:txBody>
-          <a:bodyPr wrap="square" rtlCol="0">
-            <a:spAutoFit/>
-          </a:bodyPr>
-          <a:lstStyle/>
-          <a:p>
-            <a:pPr marL="457189" indent="-457189">
-              <a:lnSpc>
-                <a:spcPct val="250000"/>
-              </a:lnSpc>
-              <a:buFont typeface="+mj-lt"/>
-              <a:buAutoNum type="arabicPeriod"/>
-            </a:pPr>
-            <a:r>
-              <a:rPr lang="en-US" b="1" dirty="0">
-                <a:solidFill>
-                  <a:srgbClr val="252930"/>
-                </a:solidFill>
-                <a:latin typeface="Times New Roman" panose="02020603050405020304" pitchFamily="18" charset="0"/>
-                <a:cs typeface="Times New Roman" panose="02020603050405020304" pitchFamily="18" charset="0"/>
-              </a:rPr>
-              <a:t>Business Context </a:t>
-            </a:r>
-          </a:p>
-          <a:p>
-            <a:pPr marL="457189" indent="-457189">
-              <a:lnSpc>
-                <a:spcPct val="250000"/>
-              </a:lnSpc>
-              <a:buFont typeface="+mj-lt"/>
-              <a:buAutoNum type="arabicPeriod"/>
-            </a:pPr>
-            <a:r>
-              <a:rPr lang="en-US" b="1" dirty="0">
-                <a:solidFill>
-                  <a:srgbClr val="252930"/>
-                </a:solidFill>
-                <a:latin typeface="Times New Roman" panose="02020603050405020304" pitchFamily="18" charset="0"/>
-                <a:cs typeface="Times New Roman" panose="02020603050405020304" pitchFamily="18" charset="0"/>
-              </a:rPr>
-              <a:t>Business Problem</a:t>
-            </a:r>
-          </a:p>
-          <a:p>
-            <a:pPr marL="457189" indent="-457189">
-              <a:lnSpc>
-                <a:spcPct val="250000"/>
-              </a:lnSpc>
-              <a:buFont typeface="+mj-lt"/>
-              <a:buAutoNum type="arabicPeriod"/>
-            </a:pPr>
-            <a:r>
-              <a:rPr lang="en-US" b="1" dirty="0">
-                <a:solidFill>
-                  <a:srgbClr val="252930"/>
-                </a:solidFill>
-                <a:latin typeface="Times New Roman" panose="02020603050405020304" pitchFamily="18" charset="0"/>
-                <a:cs typeface="Times New Roman" panose="02020603050405020304" pitchFamily="18" charset="0"/>
-              </a:rPr>
-              <a:t>Business Objective</a:t>
-            </a:r>
-          </a:p>
-          <a:p>
-            <a:pPr marL="457189" indent="-457189">
-              <a:lnSpc>
-                <a:spcPct val="250000"/>
-              </a:lnSpc>
-              <a:buFont typeface="+mj-lt"/>
-              <a:buAutoNum type="arabicPeriod"/>
-            </a:pPr>
-            <a:r>
-              <a:rPr lang="en-US" b="1" dirty="0">
-                <a:solidFill>
-                  <a:srgbClr val="252930"/>
-                </a:solidFill>
-                <a:latin typeface="Times New Roman" panose="02020603050405020304" pitchFamily="18" charset="0"/>
-                <a:cs typeface="Times New Roman" panose="02020603050405020304" pitchFamily="18" charset="0"/>
-              </a:rPr>
-              <a:t>Technology Stack</a:t>
-            </a:r>
-          </a:p>
-          <a:p>
-            <a:pPr marL="457189" indent="-457189">
-              <a:lnSpc>
-                <a:spcPct val="250000"/>
-              </a:lnSpc>
-              <a:buFont typeface="+mj-lt"/>
-              <a:buAutoNum type="arabicPeriod"/>
-            </a:pPr>
-            <a:r>
-              <a:rPr lang="en-US" b="1" dirty="0">
-                <a:solidFill>
-                  <a:srgbClr val="252930"/>
-                </a:solidFill>
-                <a:latin typeface="Times New Roman" panose="02020603050405020304" pitchFamily="18" charset="0"/>
-                <a:cs typeface="Times New Roman" panose="02020603050405020304" pitchFamily="18" charset="0"/>
-              </a:rPr>
-              <a:t>Data Overview</a:t>
-            </a:r>
-          </a:p>
-          <a:p>
-            <a:pPr marL="457189" indent="-457189">
-              <a:lnSpc>
-                <a:spcPct val="250000"/>
-              </a:lnSpc>
-              <a:buFont typeface="+mj-lt"/>
-              <a:buAutoNum type="arabicPeriod"/>
-            </a:pPr>
-            <a:r>
-              <a:rPr lang="en-US" b="1" dirty="0">
-                <a:solidFill>
-                  <a:srgbClr val="252930"/>
-                </a:solidFill>
-                <a:latin typeface="Times New Roman" panose="02020603050405020304" pitchFamily="18" charset="0"/>
-                <a:cs typeface="Times New Roman" panose="02020603050405020304" pitchFamily="18" charset="0"/>
-              </a:rPr>
-              <a:t>Data Dictionary</a:t>
-            </a:r>
-          </a:p>
-          <a:p>
-            <a:pPr marL="457189" indent="-457189">
-              <a:lnSpc>
-                <a:spcPct val="250000"/>
-              </a:lnSpc>
-              <a:buFont typeface="+mj-lt"/>
-              <a:buAutoNum type="arabicPeriod"/>
-            </a:pPr>
-            <a:r>
-              <a:rPr lang="en-US" b="1" dirty="0">
-                <a:solidFill>
-                  <a:srgbClr val="252930"/>
-                </a:solidFill>
-                <a:latin typeface="Times New Roman" panose="02020603050405020304" pitchFamily="18" charset="0"/>
-                <a:cs typeface="Times New Roman" panose="02020603050405020304" pitchFamily="18" charset="0"/>
-              </a:rPr>
-              <a:t>Data Import Issues</a:t>
-            </a:r>
-          </a:p>
-        </p:txBody>
-      </p:sp>
-      <p:sp>
-        <p:nvSpPr>
-          <p:cNvPr id="5" name="Rectangle 4">
-            <a:extLst>
-              <a:ext uri="{FF2B5EF4-FFF2-40B4-BE49-F238E27FC236}">
-                <a16:creationId xmlns:a16="http://schemas.microsoft.com/office/drawing/2014/main" id="{D6F5C2D1-1128-EE09-A681-D3CA4F505F0E}"/>
+                <a16:creationId xmlns:a16="http://schemas.microsoft.com/office/drawing/2014/main" id="{BAD9DA47-64E8-08CF-2D19-1941F6BAEB85}"/>
               </a:ext>
             </a:extLst>
           </p:cNvPr>
@@ -15304,7 +16368,58 @@
                 <a:latin typeface="Times New Roman" panose="02020603050405020304" pitchFamily="18" charset="0"/>
                 <a:cs typeface="Times New Roman" panose="02020603050405020304" pitchFamily="18" charset="0"/>
               </a:rPr>
-              <a:t> Content</a:t>
+              <a:t> Descriptive Analysis  </a:t>
+            </a:r>
+            <a:r>
+              <a:rPr kumimoji="0" lang="en-US" sz="2400" b="1" i="0" u="none" strike="noStrike" kern="1200" cap="none" spc="0" normalizeH="0" baseline="0" noProof="0" dirty="0">
+                <a:ln>
+                  <a:noFill/>
+                </a:ln>
+                <a:solidFill>
+                  <a:prstClr val="white"/>
+                </a:solidFill>
+                <a:effectLst/>
+                <a:uLnTx/>
+                <a:uFillTx/>
+                <a:latin typeface="Times New Roman" panose="02020603050405020304" pitchFamily="18" charset="0"/>
+                <a:ea typeface="+mn-ea"/>
+                <a:cs typeface="Times New Roman" panose="02020603050405020304" pitchFamily="18" charset="0"/>
+              </a:rPr>
+              <a:t>(</a:t>
+            </a:r>
+            <a:r>
+              <a:rPr kumimoji="0" lang="en-IN" sz="2400" b="1" i="0" u="none" strike="noStrike" kern="1200" cap="none" spc="0" normalizeH="0" baseline="0" noProof="0" dirty="0">
+                <a:ln>
+                  <a:noFill/>
+                </a:ln>
+                <a:solidFill>
+                  <a:prstClr val="white"/>
+                </a:solidFill>
+                <a:effectLst/>
+                <a:uLnTx/>
+                <a:uFillTx/>
+                <a:latin typeface="Times New Roman" panose="02020603050405020304" pitchFamily="18" charset="0"/>
+                <a:ea typeface="+mn-ea"/>
+                <a:cs typeface="Times New Roman" panose="02020603050405020304" pitchFamily="18" charset="0"/>
+              </a:rPr>
+              <a:t>What Happened?) </a:t>
+            </a:r>
+            <a:r>
+              <a:rPr kumimoji="0" lang="en-US" sz="3200" b="1" i="0" u="none" strike="noStrike" kern="1200" cap="none" spc="0" normalizeH="0" baseline="0" noProof="0" dirty="0">
+                <a:ln>
+                  <a:noFill/>
+                </a:ln>
+                <a:solidFill>
+                  <a:prstClr val="white"/>
+                </a:solidFill>
+                <a:effectLst/>
+                <a:uLnTx/>
+                <a:uFillTx/>
+                <a:latin typeface="Times New Roman" panose="02020603050405020304" pitchFamily="18" charset="0"/>
+                <a:ea typeface="+mn-ea"/>
+                <a:cs typeface="Times New Roman" panose="02020603050405020304" pitchFamily="18" charset="0"/>
+              </a:rPr>
+              <a:t>(3/4) </a:t>
             </a:r>
             <a:endParaRPr lang="en-US" sz="4000" b="1" dirty="0">
               <a:solidFill>
@@ -15318,10 +16433,10 @@
       </p:sp>
       <p:sp>
         <p:nvSpPr>
-          <p:cNvPr id="7" name="TextBox 6">
+          <p:cNvPr id="11" name="TextBox 10">
             <a:extLst>
               <a:ext uri="{FF2B5EF4-FFF2-40B4-BE49-F238E27FC236}">
-                <a16:creationId xmlns:a16="http://schemas.microsoft.com/office/drawing/2014/main" id="{22B4CEAF-76B7-8666-EF12-1E7544123032}"/>
+                <a16:creationId xmlns:a16="http://schemas.microsoft.com/office/drawing/2014/main" id="{A921954A-ACED-2E71-B27D-51930F0F7E4C}"/>
               </a:ext>
             </a:extLst>
           </p:cNvPr>
@@ -15330,8 +16445,8 @@
         </p:nvSpPr>
         <p:spPr>
           <a:xfrm>
-            <a:off x="4624799" y="896601"/>
-            <a:ext cx="3468726" cy="4820807"/>
+            <a:off x="551660" y="1036921"/>
+            <a:ext cx="5078191" cy="4985980"/>
           </a:xfrm>
           <a:prstGeom prst="rect">
             <a:avLst/>
@@ -15339,151 +16454,411 @@
           <a:noFill/>
         </p:spPr>
         <p:txBody>
-          <a:bodyPr wrap="square" rtlCol="0">
+          <a:bodyPr wrap="square">
             <a:spAutoFit/>
           </a:bodyPr>
           <a:lstStyle/>
           <a:p>
-            <a:pPr marL="457189" indent="-457189">
+            <a:pPr>
               <a:lnSpc>
-                <a:spcPct val="250000"/>
+                <a:spcPct val="150000"/>
               </a:lnSpc>
+            </a:pPr>
+            <a:r>
+              <a:rPr lang="en-IN" sz="1600" b="1" dirty="0">
+                <a:latin typeface="Times New Roman" panose="02020603050405020304" pitchFamily="18" charset="0"/>
+                <a:cs typeface="Times New Roman" panose="02020603050405020304" pitchFamily="18" charset="0"/>
+              </a:rPr>
+              <a:t>✅ KPI (Key Performance Indicators):</a:t>
+            </a:r>
+            <a:endParaRPr lang="en-IN" sz="1600" dirty="0">
+              <a:latin typeface="Times New Roman" panose="02020603050405020304" pitchFamily="18" charset="0"/>
+              <a:cs typeface="Times New Roman" panose="02020603050405020304" pitchFamily="18" charset="0"/>
+            </a:endParaRPr>
+          </a:p>
+          <a:p>
+            <a:pPr lvl="1"/>
+            <a:r>
+              <a:rPr lang="en-IN" sz="1400" dirty="0">
+                <a:latin typeface="Times New Roman" panose="02020603050405020304" pitchFamily="18" charset="0"/>
+                <a:cs typeface="Times New Roman" panose="02020603050405020304" pitchFamily="18" charset="0"/>
+              </a:rPr>
+              <a:t>KPIs are </a:t>
+            </a:r>
+            <a:r>
+              <a:rPr lang="en-IN" sz="1400" b="1" dirty="0">
+                <a:latin typeface="Times New Roman" panose="02020603050405020304" pitchFamily="18" charset="0"/>
+                <a:cs typeface="Times New Roman" panose="02020603050405020304" pitchFamily="18" charset="0"/>
+              </a:rPr>
+              <a:t>success measures</a:t>
+            </a:r>
+            <a:r>
+              <a:rPr lang="en-IN" sz="1400" dirty="0">
+                <a:latin typeface="Times New Roman" panose="02020603050405020304" pitchFamily="18" charset="0"/>
+                <a:cs typeface="Times New Roman" panose="02020603050405020304" pitchFamily="18" charset="0"/>
+              </a:rPr>
+              <a:t> that show how well the system/campaign is performing.</a:t>
+            </a:r>
+          </a:p>
+          <a:p>
+            <a:pPr lvl="1"/>
+            <a:endParaRPr lang="en-IN" sz="1400" dirty="0">
+              <a:latin typeface="Times New Roman" panose="02020603050405020304" pitchFamily="18" charset="0"/>
+              <a:cs typeface="Times New Roman" panose="02020603050405020304" pitchFamily="18" charset="0"/>
+            </a:endParaRPr>
+          </a:p>
+          <a:p>
+            <a:pPr marL="342900" indent="-342900">
               <a:buFont typeface="+mj-lt"/>
-              <a:buAutoNum type="arabicPeriod" startAt="8"/>
+              <a:buAutoNum type="arabicPeriod"/>
             </a:pPr>
             <a:r>
-              <a:rPr lang="en-US" b="1" dirty="0">
-                <a:solidFill>
-                  <a:srgbClr val="252930"/>
-                </a:solidFill>
-                <a:latin typeface="Times New Roman" panose="02020603050405020304" pitchFamily="18" charset="0"/>
-                <a:cs typeface="Times New Roman" panose="02020603050405020304" pitchFamily="18" charset="0"/>
-              </a:rPr>
-              <a:t>ER-Diagram</a:t>
-            </a:r>
-          </a:p>
-          <a:p>
-            <a:pPr marL="457189" indent="-457189">
-              <a:lnSpc>
-                <a:spcPct val="250000"/>
-              </a:lnSpc>
+              <a:rPr lang="en-IN" sz="1400" dirty="0">
+                <a:latin typeface="Times New Roman" panose="02020603050405020304" pitchFamily="18" charset="0"/>
+                <a:cs typeface="Times New Roman" panose="02020603050405020304" pitchFamily="18" charset="0"/>
+              </a:rPr>
+              <a:t>👥 </a:t>
+            </a:r>
+            <a:r>
+              <a:rPr lang="en-IN" sz="1400" b="1" dirty="0">
+                <a:latin typeface="Times New Roman" panose="02020603050405020304" pitchFamily="18" charset="0"/>
+                <a:cs typeface="Times New Roman" panose="02020603050405020304" pitchFamily="18" charset="0"/>
+              </a:rPr>
+              <a:t>Total Customers </a:t>
+            </a:r>
+            <a:r>
+              <a:rPr lang="en-IN" sz="1400" b="1" dirty="0" err="1">
+                <a:latin typeface="Times New Roman" panose="02020603050405020304" pitchFamily="18" charset="0"/>
+                <a:cs typeface="Times New Roman" panose="02020603050405020304" pitchFamily="18" charset="0"/>
+              </a:rPr>
+              <a:t>Analyzed</a:t>
+            </a:r>
+            <a:r>
+              <a:rPr lang="en-IN" sz="1400" dirty="0">
+                <a:latin typeface="Times New Roman" panose="02020603050405020304" pitchFamily="18" charset="0"/>
+                <a:cs typeface="Times New Roman" panose="02020603050405020304" pitchFamily="18" charset="0"/>
+              </a:rPr>
+              <a:t> → Number of unique customers in the dataset.</a:t>
+            </a:r>
+          </a:p>
+          <a:p>
+            <a:pPr marL="342900" indent="-342900">
               <a:buFont typeface="+mj-lt"/>
-              <a:buAutoNum type="arabicPeriod" startAt="8"/>
+              <a:buAutoNum type="arabicPeriod"/>
             </a:pPr>
             <a:r>
-              <a:rPr lang="en-US" b="1" dirty="0">
-                <a:solidFill>
-                  <a:srgbClr val="252930"/>
-                </a:solidFill>
-                <a:latin typeface="Times New Roman" panose="02020603050405020304" pitchFamily="18" charset="0"/>
-                <a:cs typeface="Times New Roman" panose="02020603050405020304" pitchFamily="18" charset="0"/>
-              </a:rPr>
-              <a:t>Data Processing</a:t>
-            </a:r>
-          </a:p>
-          <a:p>
-            <a:pPr marL="457189" indent="-457189">
-              <a:lnSpc>
-                <a:spcPct val="250000"/>
-              </a:lnSpc>
+              <a:rPr lang="en-IN" sz="1400" dirty="0">
+                <a:latin typeface="Times New Roman" panose="02020603050405020304" pitchFamily="18" charset="0"/>
+                <a:cs typeface="Times New Roman" panose="02020603050405020304" pitchFamily="18" charset="0"/>
+              </a:rPr>
+              <a:t>🎟️ </a:t>
+            </a:r>
+            <a:r>
+              <a:rPr lang="en-IN" sz="1400" b="1" dirty="0">
+                <a:latin typeface="Times New Roman" panose="02020603050405020304" pitchFamily="18" charset="0"/>
+                <a:cs typeface="Times New Roman" panose="02020603050405020304" pitchFamily="18" charset="0"/>
+              </a:rPr>
+              <a:t>Total Offers Distributed</a:t>
+            </a:r>
+            <a:r>
+              <a:rPr lang="en-IN" sz="1400" dirty="0">
+                <a:latin typeface="Times New Roman" panose="02020603050405020304" pitchFamily="18" charset="0"/>
+                <a:cs typeface="Times New Roman" panose="02020603050405020304" pitchFamily="18" charset="0"/>
+              </a:rPr>
+              <a:t> → Count of offers sent to customers.</a:t>
+            </a:r>
+          </a:p>
+          <a:p>
+            <a:pPr marL="342900" indent="-342900">
               <a:buFont typeface="+mj-lt"/>
-              <a:buAutoNum type="arabicPeriod" startAt="8"/>
+              <a:buAutoNum type="arabicPeriod"/>
             </a:pPr>
             <a:r>
-              <a:rPr lang="en-US" b="1" dirty="0">
-                <a:solidFill>
-                  <a:srgbClr val="252930"/>
-                </a:solidFill>
-                <a:latin typeface="Times New Roman" panose="02020603050405020304" pitchFamily="18" charset="0"/>
-                <a:cs typeface="Times New Roman" panose="02020603050405020304" pitchFamily="18" charset="0"/>
-              </a:rPr>
-              <a:t>Data Audit</a:t>
-            </a:r>
-          </a:p>
-          <a:p>
-            <a:pPr marL="457189" indent="-457189">
-              <a:lnSpc>
-                <a:spcPct val="250000"/>
-              </a:lnSpc>
+              <a:rPr lang="en-IN" sz="1400" dirty="0">
+                <a:latin typeface="Times New Roman" panose="02020603050405020304" pitchFamily="18" charset="0"/>
+                <a:cs typeface="Times New Roman" panose="02020603050405020304" pitchFamily="18" charset="0"/>
+              </a:rPr>
+              <a:t>👀 </a:t>
+            </a:r>
+            <a:r>
+              <a:rPr lang="en-IN" sz="1400" b="1" dirty="0">
+                <a:latin typeface="Times New Roman" panose="02020603050405020304" pitchFamily="18" charset="0"/>
+                <a:cs typeface="Times New Roman" panose="02020603050405020304" pitchFamily="18" charset="0"/>
+              </a:rPr>
+              <a:t>Offer View Rate (%)</a:t>
+            </a:r>
+            <a:r>
+              <a:rPr lang="en-IN" sz="1400" dirty="0">
+                <a:latin typeface="Times New Roman" panose="02020603050405020304" pitchFamily="18" charset="0"/>
+                <a:cs typeface="Times New Roman" panose="02020603050405020304" pitchFamily="18" charset="0"/>
+              </a:rPr>
+              <a:t> → % of received offers that were viewed.</a:t>
+            </a:r>
+          </a:p>
+          <a:p>
+            <a:pPr marL="342900" indent="-342900">
               <a:buFont typeface="+mj-lt"/>
-              <a:buAutoNum type="arabicPeriod" startAt="8"/>
+              <a:buAutoNum type="arabicPeriod"/>
             </a:pPr>
             <a:r>
-              <a:rPr lang="en-US" b="1" dirty="0">
-                <a:solidFill>
-                  <a:srgbClr val="252930"/>
-                </a:solidFill>
-                <a:latin typeface="Times New Roman" panose="02020603050405020304" pitchFamily="18" charset="0"/>
-                <a:cs typeface="Times New Roman" panose="02020603050405020304" pitchFamily="18" charset="0"/>
-              </a:rPr>
-              <a:t>Data Inconsistency</a:t>
-            </a:r>
-          </a:p>
-          <a:p>
-            <a:pPr marL="457189" indent="-457189">
-              <a:lnSpc>
-                <a:spcPct val="250000"/>
-              </a:lnSpc>
+              <a:rPr lang="en-IN" sz="1400" dirty="0">
+                <a:latin typeface="Times New Roman" panose="02020603050405020304" pitchFamily="18" charset="0"/>
+                <a:cs typeface="Times New Roman" panose="02020603050405020304" pitchFamily="18" charset="0"/>
+              </a:rPr>
+              <a:t>✅ </a:t>
+            </a:r>
+            <a:r>
+              <a:rPr lang="en-IN" sz="1400" b="1" dirty="0">
+                <a:latin typeface="Times New Roman" panose="02020603050405020304" pitchFamily="18" charset="0"/>
+                <a:cs typeface="Times New Roman" panose="02020603050405020304" pitchFamily="18" charset="0"/>
+              </a:rPr>
+              <a:t>Offer Completion Rate (%)</a:t>
+            </a:r>
+            <a:r>
+              <a:rPr lang="en-IN" sz="1400" dirty="0">
+                <a:latin typeface="Times New Roman" panose="02020603050405020304" pitchFamily="18" charset="0"/>
+                <a:cs typeface="Times New Roman" panose="02020603050405020304" pitchFamily="18" charset="0"/>
+              </a:rPr>
+              <a:t> → % of offers completed after being received.</a:t>
+            </a:r>
+          </a:p>
+          <a:p>
+            <a:pPr marL="342900" indent="-342900">
               <a:buFont typeface="+mj-lt"/>
-              <a:buAutoNum type="arabicPeriod" startAt="8"/>
+              <a:buAutoNum type="arabicPeriod"/>
             </a:pPr>
             <a:r>
-              <a:rPr lang="en-US" b="1" dirty="0">
-                <a:solidFill>
-                  <a:srgbClr val="252930"/>
-                </a:solidFill>
-                <a:latin typeface="Times New Roman" panose="02020603050405020304" pitchFamily="18" charset="0"/>
-                <a:cs typeface="Times New Roman" panose="02020603050405020304" pitchFamily="18" charset="0"/>
-              </a:rPr>
-              <a:t>Exploratory Data Analysis</a:t>
-            </a:r>
-          </a:p>
-          <a:p>
-            <a:pPr marL="457189" indent="-457189">
-              <a:lnSpc>
-                <a:spcPct val="250000"/>
-              </a:lnSpc>
+              <a:rPr lang="en-IN" sz="1400" dirty="0">
+                <a:latin typeface="Times New Roman" panose="02020603050405020304" pitchFamily="18" charset="0"/>
+                <a:cs typeface="Times New Roman" panose="02020603050405020304" pitchFamily="18" charset="0"/>
+              </a:rPr>
+              <a:t>💳 </a:t>
+            </a:r>
+            <a:r>
+              <a:rPr lang="en-IN" sz="1400" b="1" dirty="0">
+                <a:latin typeface="Times New Roman" panose="02020603050405020304" pitchFamily="18" charset="0"/>
+                <a:cs typeface="Times New Roman" panose="02020603050405020304" pitchFamily="18" charset="0"/>
+              </a:rPr>
+              <a:t>Average Spend per Customer</a:t>
+            </a:r>
+            <a:r>
+              <a:rPr lang="en-IN" sz="1400" dirty="0">
+                <a:latin typeface="Times New Roman" panose="02020603050405020304" pitchFamily="18" charset="0"/>
+                <a:cs typeface="Times New Roman" panose="02020603050405020304" pitchFamily="18" charset="0"/>
+              </a:rPr>
+              <a:t> → Total spend ÷ total customers.</a:t>
+            </a:r>
+          </a:p>
+          <a:p>
+            <a:pPr marL="342900" indent="-342900">
               <a:buFont typeface="+mj-lt"/>
-              <a:buAutoNum type="arabicPeriod" startAt="8"/>
+              <a:buAutoNum type="arabicPeriod"/>
             </a:pPr>
             <a:r>
-              <a:rPr lang="en-US" b="1" dirty="0">
-                <a:solidFill>
-                  <a:srgbClr val="252930"/>
-                </a:solidFill>
-                <a:latin typeface="Times New Roman" panose="02020603050405020304" pitchFamily="18" charset="0"/>
-                <a:cs typeface="Times New Roman" panose="02020603050405020304" pitchFamily="18" charset="0"/>
-              </a:rPr>
-              <a:t>Descriptive Analysis</a:t>
-            </a:r>
-          </a:p>
-          <a:p>
-            <a:pPr marL="457189" indent="-457189">
-              <a:lnSpc>
-                <a:spcPct val="250000"/>
-              </a:lnSpc>
+              <a:rPr lang="en-IN" sz="1400" dirty="0">
+                <a:latin typeface="Times New Roman" panose="02020603050405020304" pitchFamily="18" charset="0"/>
+                <a:cs typeface="Times New Roman" panose="02020603050405020304" pitchFamily="18" charset="0"/>
+              </a:rPr>
+              <a:t>🔄 </a:t>
+            </a:r>
+            <a:r>
+              <a:rPr lang="en-IN" sz="1400" b="1" dirty="0">
+                <a:latin typeface="Times New Roman" panose="02020603050405020304" pitchFamily="18" charset="0"/>
+                <a:cs typeface="Times New Roman" panose="02020603050405020304" pitchFamily="18" charset="0"/>
+              </a:rPr>
+              <a:t>Repeat Transaction Rate (%)</a:t>
+            </a:r>
+            <a:r>
+              <a:rPr lang="en-IN" sz="1400" dirty="0">
+                <a:latin typeface="Times New Roman" panose="02020603050405020304" pitchFamily="18" charset="0"/>
+                <a:cs typeface="Times New Roman" panose="02020603050405020304" pitchFamily="18" charset="0"/>
+              </a:rPr>
+              <a:t> → % of customers making multiple transactions.</a:t>
+            </a:r>
+          </a:p>
+          <a:p>
+            <a:pPr marL="342900" indent="-342900">
               <a:buFont typeface="+mj-lt"/>
-              <a:buAutoNum type="arabicPeriod" startAt="8"/>
+              <a:buAutoNum type="arabicPeriod"/>
             </a:pPr>
             <a:r>
-              <a:rPr lang="en-US" b="1" dirty="0">
-                <a:solidFill>
-                  <a:srgbClr val="252930"/>
-                </a:solidFill>
-                <a:latin typeface="Times New Roman" panose="02020603050405020304" pitchFamily="18" charset="0"/>
-                <a:cs typeface="Times New Roman" panose="02020603050405020304" pitchFamily="18" charset="0"/>
-              </a:rPr>
-              <a:t>Diagnostic Analysis</a:t>
+              <a:rPr lang="en-IN" sz="1400" dirty="0">
+                <a:latin typeface="Times New Roman" panose="02020603050405020304" pitchFamily="18" charset="0"/>
+                <a:cs typeface="Times New Roman" panose="02020603050405020304" pitchFamily="18" charset="0"/>
+              </a:rPr>
+              <a:t>⏱️ </a:t>
+            </a:r>
+            <a:r>
+              <a:rPr lang="en-IN" sz="1400" b="1" dirty="0">
+                <a:latin typeface="Times New Roman" panose="02020603050405020304" pitchFamily="18" charset="0"/>
+                <a:cs typeface="Times New Roman" panose="02020603050405020304" pitchFamily="18" charset="0"/>
+              </a:rPr>
+              <a:t>Average Offer Response Time</a:t>
+            </a:r>
+            <a:r>
+              <a:rPr lang="en-IN" sz="1400" dirty="0">
+                <a:latin typeface="Times New Roman" panose="02020603050405020304" pitchFamily="18" charset="0"/>
+                <a:cs typeface="Times New Roman" panose="02020603050405020304" pitchFamily="18" charset="0"/>
+              </a:rPr>
+              <a:t> → Time taken to complete an offer after receiving.</a:t>
+            </a:r>
+          </a:p>
+          <a:p>
+            <a:pPr marL="342900" indent="-342900">
+              <a:buFont typeface="+mj-lt"/>
+              <a:buAutoNum type="arabicPeriod"/>
+            </a:pPr>
+            <a:r>
+              <a:rPr lang="en-IN" sz="1400" dirty="0">
+                <a:latin typeface="Times New Roman" panose="02020603050405020304" pitchFamily="18" charset="0"/>
+                <a:cs typeface="Times New Roman" panose="02020603050405020304" pitchFamily="18" charset="0"/>
+              </a:rPr>
+              <a:t>📈 </a:t>
+            </a:r>
+            <a:r>
+              <a:rPr lang="en-IN" sz="1400" b="1" dirty="0">
+                <a:latin typeface="Times New Roman" panose="02020603050405020304" pitchFamily="18" charset="0"/>
+                <a:cs typeface="Times New Roman" panose="02020603050405020304" pitchFamily="18" charset="0"/>
+              </a:rPr>
+              <a:t>Demographic-wise KPIs</a:t>
+            </a:r>
+            <a:r>
+              <a:rPr lang="en-IN" sz="1400" dirty="0">
+                <a:latin typeface="Times New Roman" panose="02020603050405020304" pitchFamily="18" charset="0"/>
+                <a:cs typeface="Times New Roman" panose="02020603050405020304" pitchFamily="18" charset="0"/>
+              </a:rPr>
+              <a:t>:</a:t>
+            </a:r>
+          </a:p>
+          <a:p>
+            <a:pPr lvl="1"/>
+            <a:r>
+              <a:rPr lang="en-IN" sz="1400" dirty="0">
+                <a:latin typeface="Times New Roman" panose="02020603050405020304" pitchFamily="18" charset="0"/>
+                <a:cs typeface="Times New Roman" panose="02020603050405020304" pitchFamily="18" charset="0"/>
+              </a:rPr>
+              <a:t>Age group distribution</a:t>
+            </a:r>
+          </a:p>
+          <a:p>
+            <a:pPr lvl="1"/>
+            <a:r>
+              <a:rPr lang="en-IN" sz="1400" dirty="0">
+                <a:latin typeface="Times New Roman" panose="02020603050405020304" pitchFamily="18" charset="0"/>
+                <a:cs typeface="Times New Roman" panose="02020603050405020304" pitchFamily="18" charset="0"/>
+              </a:rPr>
+              <a:t>Income group response rate</a:t>
+            </a:r>
+          </a:p>
+          <a:p>
+            <a:pPr lvl="1"/>
+            <a:r>
+              <a:rPr lang="en-IN" sz="1400" dirty="0">
+                <a:latin typeface="Times New Roman" panose="02020603050405020304" pitchFamily="18" charset="0"/>
+                <a:cs typeface="Times New Roman" panose="02020603050405020304" pitchFamily="18" charset="0"/>
+              </a:rPr>
+              <a:t>Gender-wise completion rate</a:t>
             </a:r>
           </a:p>
         </p:txBody>
       </p:sp>
       <p:sp>
         <p:nvSpPr>
-          <p:cNvPr id="8" name="TextBox 7">
+          <p:cNvPr id="2" name="Freeform 8">
             <a:extLst>
               <a:ext uri="{FF2B5EF4-FFF2-40B4-BE49-F238E27FC236}">
-                <a16:creationId xmlns:a16="http://schemas.microsoft.com/office/drawing/2014/main" id="{DCF4AFD1-D518-CF32-9379-F3431CCD72BB}"/>
+                <a16:creationId xmlns:a16="http://schemas.microsoft.com/office/drawing/2014/main" id="{C8DC3576-D836-0B52-4982-C908B5BFA88E}"/>
+              </a:ext>
+            </a:extLst>
+          </p:cNvPr>
+          <p:cNvSpPr/>
+          <p:nvPr/>
+        </p:nvSpPr>
+        <p:spPr>
+          <a:xfrm>
+            <a:off x="6372953" y="963825"/>
+            <a:ext cx="5456582" cy="5132173"/>
+          </a:xfrm>
+          <a:custGeom>
+            <a:avLst/>
+            <a:gdLst/>
+            <a:ahLst/>
+            <a:cxnLst/>
+            <a:rect l="l" t="t" r="r" b="b"/>
+            <a:pathLst>
+              <a:path w="1836416" h="1281219">
+                <a:moveTo>
+                  <a:pt x="56627" y="0"/>
+                </a:moveTo>
+                <a:lnTo>
+                  <a:pt x="1779789" y="0"/>
+                </a:lnTo>
+                <a:cubicBezTo>
+                  <a:pt x="1794808" y="0"/>
+                  <a:pt x="1809211" y="5966"/>
+                  <a:pt x="1819831" y="16586"/>
+                </a:cubicBezTo>
+                <a:cubicBezTo>
+                  <a:pt x="1830450" y="27205"/>
+                  <a:pt x="1836416" y="41608"/>
+                  <a:pt x="1836416" y="56627"/>
+                </a:cubicBezTo>
+                <a:lnTo>
+                  <a:pt x="1836416" y="1224592"/>
+                </a:lnTo>
+                <a:cubicBezTo>
+                  <a:pt x="1836416" y="1255866"/>
+                  <a:pt x="1811063" y="1281219"/>
+                  <a:pt x="1779789" y="1281219"/>
+                </a:cubicBezTo>
+                <a:lnTo>
+                  <a:pt x="56627" y="1281219"/>
+                </a:lnTo>
+                <a:cubicBezTo>
+                  <a:pt x="41608" y="1281219"/>
+                  <a:pt x="27205" y="1275253"/>
+                  <a:pt x="16586" y="1264633"/>
+                </a:cubicBezTo>
+                <a:cubicBezTo>
+                  <a:pt x="5966" y="1254014"/>
+                  <a:pt x="0" y="1239611"/>
+                  <a:pt x="0" y="1224592"/>
+                </a:cubicBezTo>
+                <a:lnTo>
+                  <a:pt x="0" y="56627"/>
+                </a:lnTo>
+                <a:cubicBezTo>
+                  <a:pt x="0" y="25353"/>
+                  <a:pt x="25353" y="0"/>
+                  <a:pt x="56627" y="0"/>
+                </a:cubicBezTo>
+                <a:close/>
+              </a:path>
+            </a:pathLst>
+          </a:custGeom>
+          <a:solidFill>
+            <a:schemeClr val="bg1">
+              <a:alpha val="53725"/>
+            </a:schemeClr>
+          </a:solidFill>
+          <a:ln>
+            <a:noFill/>
+          </a:ln>
+          <a:effectLst>
+            <a:outerShdw blurRad="63500" sx="102000" sy="102000" algn="ctr" rotWithShape="0">
+              <a:prstClr val="black">
+                <a:alpha val="40000"/>
+              </a:prstClr>
+            </a:outerShdw>
+          </a:effectLst>
+        </p:spPr>
+      </p:sp>
+      <p:sp>
+        <p:nvSpPr>
+          <p:cNvPr id="4" name="TextBox 3">
+            <a:extLst>
+              <a:ext uri="{FF2B5EF4-FFF2-40B4-BE49-F238E27FC236}">
+                <a16:creationId xmlns:a16="http://schemas.microsoft.com/office/drawing/2014/main" id="{836F9A13-3F5A-C395-B576-D738C4ECA6FD}"/>
               </a:ext>
             </a:extLst>
           </p:cNvPr>
@@ -15492,8 +16867,8 @@
         </p:nvSpPr>
         <p:spPr>
           <a:xfrm>
-            <a:off x="8190144" y="896600"/>
-            <a:ext cx="3468726" cy="2743315"/>
+            <a:off x="6615477" y="1036921"/>
+            <a:ext cx="4971534" cy="3908762"/>
           </a:xfrm>
           <a:prstGeom prst="rect">
             <a:avLst/>
@@ -15501,84 +16876,246 @@
           <a:noFill/>
         </p:spPr>
         <p:txBody>
-          <a:bodyPr wrap="square" rtlCol="0">
+          <a:bodyPr wrap="square">
             <a:spAutoFit/>
           </a:bodyPr>
           <a:lstStyle/>
           <a:p>
-            <a:pPr marL="457189" indent="-457189">
+            <a:pPr>
               <a:lnSpc>
-                <a:spcPct val="250000"/>
+                <a:spcPct val="150000"/>
               </a:lnSpc>
+            </a:pPr>
+            <a:r>
+              <a:rPr lang="en-IN" sz="1600" b="1" dirty="0">
+                <a:latin typeface="Times New Roman" panose="02020603050405020304" pitchFamily="18" charset="0"/>
+                <a:cs typeface="Times New Roman" panose="02020603050405020304" pitchFamily="18" charset="0"/>
+              </a:rPr>
+              <a:t>⚠️ KRI (Key Risk Indicators):</a:t>
+            </a:r>
+            <a:endParaRPr lang="en-IN" sz="1600" dirty="0">
+              <a:latin typeface="Times New Roman" panose="02020603050405020304" pitchFamily="18" charset="0"/>
+              <a:cs typeface="Times New Roman" panose="02020603050405020304" pitchFamily="18" charset="0"/>
+            </a:endParaRPr>
+          </a:p>
+          <a:p>
+            <a:pPr lvl="1"/>
+            <a:r>
+              <a:rPr lang="en-IN" sz="1400" dirty="0">
+                <a:latin typeface="Times New Roman" panose="02020603050405020304" pitchFamily="18" charset="0"/>
+                <a:cs typeface="Times New Roman" panose="02020603050405020304" pitchFamily="18" charset="0"/>
+              </a:rPr>
+              <a:t>KRIs are </a:t>
+            </a:r>
+            <a:r>
+              <a:rPr lang="en-IN" sz="1400" b="1" dirty="0">
+                <a:latin typeface="Times New Roman" panose="02020603050405020304" pitchFamily="18" charset="0"/>
+                <a:cs typeface="Times New Roman" panose="02020603050405020304" pitchFamily="18" charset="0"/>
+              </a:rPr>
+              <a:t>warning signals</a:t>
+            </a:r>
+            <a:r>
+              <a:rPr lang="en-IN" sz="1400" dirty="0">
+                <a:latin typeface="Times New Roman" panose="02020603050405020304" pitchFamily="18" charset="0"/>
+                <a:cs typeface="Times New Roman" panose="02020603050405020304" pitchFamily="18" charset="0"/>
+              </a:rPr>
+              <a:t> highlighting risks or inconsistencies.</a:t>
+            </a:r>
+          </a:p>
+          <a:p>
+            <a:pPr lvl="1"/>
+            <a:endParaRPr lang="en-IN" sz="1400" dirty="0">
+              <a:latin typeface="Times New Roman" panose="02020603050405020304" pitchFamily="18" charset="0"/>
+              <a:cs typeface="Times New Roman" panose="02020603050405020304" pitchFamily="18" charset="0"/>
+            </a:endParaRPr>
+          </a:p>
+          <a:p>
+            <a:pPr marL="342900" indent="-342900">
               <a:buFont typeface="+mj-lt"/>
-              <a:buAutoNum type="arabicPeriod" startAt="15"/>
+              <a:buAutoNum type="arabicPeriod"/>
             </a:pPr>
             <a:r>
-              <a:rPr lang="en-US" b="1" dirty="0">
-                <a:solidFill>
-                  <a:srgbClr val="252930"/>
-                </a:solidFill>
-                <a:latin typeface="Times New Roman" panose="02020603050405020304" pitchFamily="18" charset="0"/>
-                <a:cs typeface="Times New Roman" panose="02020603050405020304" pitchFamily="18" charset="0"/>
-              </a:rPr>
-              <a:t>Predictive Analysis</a:t>
-            </a:r>
-          </a:p>
-          <a:p>
-            <a:pPr marL="457189" indent="-457189">
-              <a:lnSpc>
-                <a:spcPct val="250000"/>
-              </a:lnSpc>
+              <a:rPr lang="en-IN" sz="1400" dirty="0">
+                <a:latin typeface="Times New Roman" panose="02020603050405020304" pitchFamily="18" charset="0"/>
+                <a:cs typeface="Times New Roman" panose="02020603050405020304" pitchFamily="18" charset="0"/>
+              </a:rPr>
+              <a:t>🔁 </a:t>
+            </a:r>
+            <a:r>
+              <a:rPr lang="en-IN" sz="1400" b="1" dirty="0">
+                <a:latin typeface="Times New Roman" panose="02020603050405020304" pitchFamily="18" charset="0"/>
+                <a:cs typeface="Times New Roman" panose="02020603050405020304" pitchFamily="18" charset="0"/>
+              </a:rPr>
+              <a:t>Duplicate Offers Sent</a:t>
+            </a:r>
+            <a:r>
+              <a:rPr lang="en-IN" sz="1400" dirty="0">
+                <a:latin typeface="Times New Roman" panose="02020603050405020304" pitchFamily="18" charset="0"/>
+                <a:cs typeface="Times New Roman" panose="02020603050405020304" pitchFamily="18" charset="0"/>
+              </a:rPr>
+              <a:t> → Cases where the same offer was sent before expiry/completion.</a:t>
+            </a:r>
+          </a:p>
+          <a:p>
+            <a:pPr marL="342900" indent="-342900">
               <a:buFont typeface="+mj-lt"/>
-              <a:buAutoNum type="arabicPeriod" startAt="15"/>
+              <a:buAutoNum type="arabicPeriod"/>
             </a:pPr>
             <a:r>
-              <a:rPr lang="en-US" b="1" dirty="0">
-                <a:solidFill>
-                  <a:srgbClr val="252930"/>
-                </a:solidFill>
-                <a:latin typeface="Times New Roman" panose="02020603050405020304" pitchFamily="18" charset="0"/>
-                <a:cs typeface="Times New Roman" panose="02020603050405020304" pitchFamily="18" charset="0"/>
-              </a:rPr>
-              <a:t>Dashboards Layout</a:t>
-            </a:r>
-          </a:p>
-          <a:p>
-            <a:pPr marL="457189" indent="-457189">
-              <a:lnSpc>
-                <a:spcPct val="250000"/>
-              </a:lnSpc>
+              <a:rPr lang="en-IN" sz="1400" dirty="0">
+                <a:latin typeface="Times New Roman" panose="02020603050405020304" pitchFamily="18" charset="0"/>
+                <a:cs typeface="Times New Roman" panose="02020603050405020304" pitchFamily="18" charset="0"/>
+              </a:rPr>
+              <a:t>🚫 </a:t>
+            </a:r>
+            <a:r>
+              <a:rPr lang="en-IN" sz="1400" b="1" dirty="0">
+                <a:latin typeface="Times New Roman" panose="02020603050405020304" pitchFamily="18" charset="0"/>
+                <a:cs typeface="Times New Roman" panose="02020603050405020304" pitchFamily="18" charset="0"/>
+              </a:rPr>
+              <a:t>Offers Completed Without Transactions</a:t>
+            </a:r>
+            <a:r>
+              <a:rPr lang="en-IN" sz="1400" dirty="0">
+                <a:latin typeface="Times New Roman" panose="02020603050405020304" pitchFamily="18" charset="0"/>
+                <a:cs typeface="Times New Roman" panose="02020603050405020304" pitchFamily="18" charset="0"/>
+              </a:rPr>
+              <a:t> → Customers marked “completed” without meeting minimum spend.</a:t>
+            </a:r>
+          </a:p>
+          <a:p>
+            <a:pPr marL="342900" indent="-342900">
               <a:buFont typeface="+mj-lt"/>
-              <a:buAutoNum type="arabicPeriod" startAt="15"/>
+              <a:buAutoNum type="arabicPeriod"/>
             </a:pPr>
             <a:r>
-              <a:rPr lang="en-US" b="1" dirty="0">
-                <a:solidFill>
-                  <a:srgbClr val="252930"/>
-                </a:solidFill>
-                <a:latin typeface="Times New Roman" panose="02020603050405020304" pitchFamily="18" charset="0"/>
-                <a:cs typeface="Times New Roman" panose="02020603050405020304" pitchFamily="18" charset="0"/>
-              </a:rPr>
-              <a:t>Challenges Faced</a:t>
-            </a:r>
-          </a:p>
-          <a:p>
-            <a:pPr marL="457189" indent="-457189">
-              <a:lnSpc>
-                <a:spcPct val="250000"/>
-              </a:lnSpc>
+              <a:rPr lang="en-IN" sz="1400" dirty="0">
+                <a:latin typeface="Times New Roman" panose="02020603050405020304" pitchFamily="18" charset="0"/>
+                <a:cs typeface="Times New Roman" panose="02020603050405020304" pitchFamily="18" charset="0"/>
+              </a:rPr>
+              <a:t>⚡ </a:t>
+            </a:r>
+            <a:r>
+              <a:rPr lang="en-IN" sz="1400" b="1" dirty="0">
+                <a:latin typeface="Times New Roman" panose="02020603050405020304" pitchFamily="18" charset="0"/>
+                <a:cs typeface="Times New Roman" panose="02020603050405020304" pitchFamily="18" charset="0"/>
+              </a:rPr>
+              <a:t>Low Engagement Rate</a:t>
+            </a:r>
+            <a:r>
+              <a:rPr lang="en-IN" sz="1400" dirty="0">
+                <a:latin typeface="Times New Roman" panose="02020603050405020304" pitchFamily="18" charset="0"/>
+                <a:cs typeface="Times New Roman" panose="02020603050405020304" pitchFamily="18" charset="0"/>
+              </a:rPr>
+              <a:t> → Large share of offers neither viewed nor completed.</a:t>
+            </a:r>
+          </a:p>
+          <a:p>
+            <a:pPr marL="342900" indent="-342900">
               <a:buFont typeface="+mj-lt"/>
-              <a:buAutoNum type="arabicPeriod" startAt="15"/>
+              <a:buAutoNum type="arabicPeriod"/>
             </a:pPr>
             <a:r>
-              <a:rPr lang="en-US" b="1" dirty="0">
-                <a:solidFill>
-                  <a:srgbClr val="252930"/>
-                </a:solidFill>
-                <a:latin typeface="Times New Roman" panose="02020603050405020304" pitchFamily="18" charset="0"/>
-                <a:cs typeface="Times New Roman" panose="02020603050405020304" pitchFamily="18" charset="0"/>
-              </a:rPr>
-              <a:t>Key Learnings</a:t>
+              <a:rPr lang="en-IN" sz="1400" dirty="0">
+                <a:latin typeface="Times New Roman" panose="02020603050405020304" pitchFamily="18" charset="0"/>
+                <a:cs typeface="Times New Roman" panose="02020603050405020304" pitchFamily="18" charset="0"/>
+              </a:rPr>
+              <a:t>❓ </a:t>
+            </a:r>
+            <a:r>
+              <a:rPr lang="en-IN" sz="1400" b="1" dirty="0">
+                <a:latin typeface="Times New Roman" panose="02020603050405020304" pitchFamily="18" charset="0"/>
+                <a:cs typeface="Times New Roman" panose="02020603050405020304" pitchFamily="18" charset="0"/>
+              </a:rPr>
+              <a:t>Missing Demographic Data</a:t>
+            </a:r>
+            <a:r>
+              <a:rPr lang="en-IN" sz="1400" dirty="0">
+                <a:latin typeface="Times New Roman" panose="02020603050405020304" pitchFamily="18" charset="0"/>
+                <a:cs typeface="Times New Roman" panose="02020603050405020304" pitchFamily="18" charset="0"/>
+              </a:rPr>
+              <a:t> → % of customers with missing age, gender, or income.</a:t>
+            </a:r>
+          </a:p>
+          <a:p>
+            <a:pPr marL="342900" indent="-342900">
+              <a:buFont typeface="+mj-lt"/>
+              <a:buAutoNum type="arabicPeriod"/>
+            </a:pPr>
+            <a:r>
+              <a:rPr lang="en-IN" sz="1400" dirty="0">
+                <a:latin typeface="Times New Roman" panose="02020603050405020304" pitchFamily="18" charset="0"/>
+                <a:cs typeface="Times New Roman" panose="02020603050405020304" pitchFamily="18" charset="0"/>
+              </a:rPr>
+              <a:t>📉 </a:t>
+            </a:r>
+            <a:r>
+              <a:rPr lang="en-IN" sz="1400" b="1" dirty="0">
+                <a:latin typeface="Times New Roman" panose="02020603050405020304" pitchFamily="18" charset="0"/>
+                <a:cs typeface="Times New Roman" panose="02020603050405020304" pitchFamily="18" charset="0"/>
+              </a:rPr>
+              <a:t>Inactive Customers</a:t>
+            </a:r>
+            <a:r>
+              <a:rPr lang="en-IN" sz="1400" dirty="0">
+                <a:latin typeface="Times New Roman" panose="02020603050405020304" pitchFamily="18" charset="0"/>
+                <a:cs typeface="Times New Roman" panose="02020603050405020304" pitchFamily="18" charset="0"/>
+              </a:rPr>
+              <a:t> → Customers receiving offers but making no transactions.</a:t>
+            </a:r>
+          </a:p>
+          <a:p>
+            <a:pPr marL="342900" indent="-342900">
+              <a:buFont typeface="+mj-lt"/>
+              <a:buAutoNum type="arabicPeriod"/>
+            </a:pPr>
+            <a:r>
+              <a:rPr lang="en-IN" sz="1400" dirty="0">
+                <a:latin typeface="Times New Roman" panose="02020603050405020304" pitchFamily="18" charset="0"/>
+                <a:cs typeface="Times New Roman" panose="02020603050405020304" pitchFamily="18" charset="0"/>
+              </a:rPr>
+              <a:t>⏳ </a:t>
+            </a:r>
+            <a:r>
+              <a:rPr lang="en-IN" sz="1400" b="1" dirty="0">
+                <a:latin typeface="Times New Roman" panose="02020603050405020304" pitchFamily="18" charset="0"/>
+                <a:cs typeface="Times New Roman" panose="02020603050405020304" pitchFamily="18" charset="0"/>
+              </a:rPr>
+              <a:t>Expired Offers</a:t>
+            </a:r>
+            <a:r>
+              <a:rPr lang="en-IN" sz="1400" dirty="0">
+                <a:latin typeface="Times New Roman" panose="02020603050405020304" pitchFamily="18" charset="0"/>
+                <a:cs typeface="Times New Roman" panose="02020603050405020304" pitchFamily="18" charset="0"/>
+              </a:rPr>
+              <a:t> → % of offers that expired without action.</a:t>
+            </a:r>
+          </a:p>
+          <a:p>
+            <a:pPr marL="342900" indent="-342900">
+              <a:buFont typeface="+mj-lt"/>
+              <a:buAutoNum type="arabicPeriod"/>
+            </a:pPr>
+            <a:r>
+              <a:rPr lang="en-IN" sz="1400" dirty="0">
+                <a:latin typeface="Times New Roman" panose="02020603050405020304" pitchFamily="18" charset="0"/>
+                <a:cs typeface="Times New Roman" panose="02020603050405020304" pitchFamily="18" charset="0"/>
+              </a:rPr>
+              <a:t>🔎 </a:t>
+            </a:r>
+            <a:r>
+              <a:rPr lang="en-IN" sz="1400" b="1" dirty="0">
+                <a:latin typeface="Times New Roman" panose="02020603050405020304" pitchFamily="18" charset="0"/>
+                <a:cs typeface="Times New Roman" panose="02020603050405020304" pitchFamily="18" charset="0"/>
+              </a:rPr>
+              <a:t>Demographic Bias Risk</a:t>
+            </a:r>
+            <a:r>
+              <a:rPr lang="en-IN" sz="1400" dirty="0">
+                <a:latin typeface="Times New Roman" panose="02020603050405020304" pitchFamily="18" charset="0"/>
+                <a:cs typeface="Times New Roman" panose="02020603050405020304" pitchFamily="18" charset="0"/>
+              </a:rPr>
+              <a:t> → Certain groups over/underrepresented in engagement.</a:t>
             </a:r>
           </a:p>
         </p:txBody>
@@ -15586,7 +17123,7 @@
     </p:spTree>
     <p:extLst>
       <p:ext uri="{BB962C8B-B14F-4D97-AF65-F5344CB8AC3E}">
-        <p14:creationId xmlns:p14="http://schemas.microsoft.com/office/powerpoint/2010/main" val="2827070603"/>
+        <p14:creationId xmlns:p14="http://schemas.microsoft.com/office/powerpoint/2010/main" val="1783288669"/>
       </p:ext>
     </p:extLst>
   </p:cSld>
@@ -15596,7 +17133,758 @@
 </p:sld>
 </file>
 
-<file path=ppt/slides/slide20.xml><?xml version="1.0" encoding="utf-8"?>
+<file path=ppt/slides/slide22.xml><?xml version="1.0" encoding="utf-8"?>
+<p:sld xmlns:a="http://schemas.openxmlformats.org/drawingml/2006/main" xmlns:r="http://schemas.openxmlformats.org/officeDocument/2006/relationships" xmlns:p="http://schemas.openxmlformats.org/presentationml/2006/main">
+  <p:cSld>
+    <p:spTree>
+      <p:nvGrpSpPr>
+        <p:cNvPr id="1" name="">
+          <a:extLst>
+            <a:ext uri="{FF2B5EF4-FFF2-40B4-BE49-F238E27FC236}">
+              <a16:creationId xmlns:a16="http://schemas.microsoft.com/office/drawing/2014/main" id="{71CF7355-912D-9EA8-5146-4F3B42675793}"/>
+            </a:ext>
+          </a:extLst>
+        </p:cNvPr>
+        <p:cNvGrpSpPr/>
+        <p:nvPr/>
+      </p:nvGrpSpPr>
+      <p:grpSpPr>
+        <a:xfrm>
+          <a:off x="0" y="0"/>
+          <a:ext cx="0" cy="0"/>
+          <a:chOff x="0" y="0"/>
+          <a:chExt cx="0" cy="0"/>
+        </a:xfrm>
+      </p:grpSpPr>
+      <p:sp>
+        <p:nvSpPr>
+          <p:cNvPr id="12" name="Freeform 8">
+            <a:extLst>
+              <a:ext uri="{FF2B5EF4-FFF2-40B4-BE49-F238E27FC236}">
+                <a16:creationId xmlns:a16="http://schemas.microsoft.com/office/drawing/2014/main" id="{4E13C3DE-C76A-9CF5-9279-E5E1C6FDAB0B}"/>
+              </a:ext>
+            </a:extLst>
+          </p:cNvPr>
+          <p:cNvSpPr/>
+          <p:nvPr/>
+        </p:nvSpPr>
+        <p:spPr>
+          <a:xfrm>
+            <a:off x="362465" y="963826"/>
+            <a:ext cx="5456582" cy="5132173"/>
+          </a:xfrm>
+          <a:custGeom>
+            <a:avLst/>
+            <a:gdLst/>
+            <a:ahLst/>
+            <a:cxnLst/>
+            <a:rect l="l" t="t" r="r" b="b"/>
+            <a:pathLst>
+              <a:path w="1836416" h="1281219">
+                <a:moveTo>
+                  <a:pt x="56627" y="0"/>
+                </a:moveTo>
+                <a:lnTo>
+                  <a:pt x="1779789" y="0"/>
+                </a:lnTo>
+                <a:cubicBezTo>
+                  <a:pt x="1794808" y="0"/>
+                  <a:pt x="1809211" y="5966"/>
+                  <a:pt x="1819831" y="16586"/>
+                </a:cubicBezTo>
+                <a:cubicBezTo>
+                  <a:pt x="1830450" y="27205"/>
+                  <a:pt x="1836416" y="41608"/>
+                  <a:pt x="1836416" y="56627"/>
+                </a:cubicBezTo>
+                <a:lnTo>
+                  <a:pt x="1836416" y="1224592"/>
+                </a:lnTo>
+                <a:cubicBezTo>
+                  <a:pt x="1836416" y="1255866"/>
+                  <a:pt x="1811063" y="1281219"/>
+                  <a:pt x="1779789" y="1281219"/>
+                </a:cubicBezTo>
+                <a:lnTo>
+                  <a:pt x="56627" y="1281219"/>
+                </a:lnTo>
+                <a:cubicBezTo>
+                  <a:pt x="41608" y="1281219"/>
+                  <a:pt x="27205" y="1275253"/>
+                  <a:pt x="16586" y="1264633"/>
+                </a:cubicBezTo>
+                <a:cubicBezTo>
+                  <a:pt x="5966" y="1254014"/>
+                  <a:pt x="0" y="1239611"/>
+                  <a:pt x="0" y="1224592"/>
+                </a:cubicBezTo>
+                <a:lnTo>
+                  <a:pt x="0" y="56627"/>
+                </a:lnTo>
+                <a:cubicBezTo>
+                  <a:pt x="0" y="25353"/>
+                  <a:pt x="25353" y="0"/>
+                  <a:pt x="56627" y="0"/>
+                </a:cubicBezTo>
+                <a:close/>
+              </a:path>
+            </a:pathLst>
+          </a:custGeom>
+          <a:solidFill>
+            <a:schemeClr val="bg1">
+              <a:alpha val="53725"/>
+            </a:schemeClr>
+          </a:solidFill>
+          <a:effectLst>
+            <a:outerShdw blurRad="63500" sx="102000" sy="102000" algn="ctr" rotWithShape="0">
+              <a:prstClr val="black">
+                <a:alpha val="40000"/>
+              </a:prstClr>
+            </a:outerShdw>
+          </a:effectLst>
+        </p:spPr>
+      </p:sp>
+      <p:sp>
+        <p:nvSpPr>
+          <p:cNvPr id="3" name="Rectangle 2">
+            <a:extLst>
+              <a:ext uri="{FF2B5EF4-FFF2-40B4-BE49-F238E27FC236}">
+                <a16:creationId xmlns:a16="http://schemas.microsoft.com/office/drawing/2014/main" id="{CE82287E-66DB-CF9A-7552-D8FA328095A1}"/>
+              </a:ext>
+            </a:extLst>
+          </p:cNvPr>
+          <p:cNvSpPr/>
+          <p:nvPr/>
+        </p:nvSpPr>
+        <p:spPr>
+          <a:xfrm>
+            <a:off x="0" y="0"/>
+            <a:ext cx="12192000" cy="609600"/>
+          </a:xfrm>
+          <a:prstGeom prst="rect">
+            <a:avLst/>
+          </a:prstGeom>
+          <a:solidFill>
+            <a:srgbClr val="338D90"/>
+          </a:solidFill>
+          <a:ln>
+            <a:solidFill>
+              <a:srgbClr val="338D90"/>
+            </a:solidFill>
+          </a:ln>
+        </p:spPr>
+        <p:style>
+          <a:lnRef idx="2">
+            <a:schemeClr val="accent1">
+              <a:shade val="15000"/>
+            </a:schemeClr>
+          </a:lnRef>
+          <a:fillRef idx="1">
+            <a:schemeClr val="accent1"/>
+          </a:fillRef>
+          <a:effectRef idx="0">
+            <a:schemeClr val="accent1"/>
+          </a:effectRef>
+          <a:fontRef idx="minor">
+            <a:schemeClr val="lt1"/>
+          </a:fontRef>
+        </p:style>
+        <p:txBody>
+          <a:bodyPr rtlCol="0" anchor="ctr"/>
+          <a:lstStyle/>
+          <a:p>
+            <a:pPr marL="914400" lvl="1" indent="-457200">
+              <a:buFont typeface="Wingdings" pitchFamily="2" charset="2"/>
+              <a:buChar char="q"/>
+            </a:pPr>
+            <a:r>
+              <a:rPr lang="en-US" sz="3200" b="1" dirty="0">
+                <a:solidFill>
+                  <a:schemeClr val="bg1"/>
+                </a:solidFill>
+                <a:latin typeface="Times New Roman" panose="02020603050405020304" pitchFamily="18" charset="0"/>
+                <a:cs typeface="Times New Roman" panose="02020603050405020304" pitchFamily="18" charset="0"/>
+              </a:rPr>
+              <a:t> Descriptive Analysis  </a:t>
+            </a:r>
+            <a:r>
+              <a:rPr kumimoji="0" lang="en-US" sz="2400" b="1" i="0" u="none" strike="noStrike" kern="1200" cap="none" spc="0" normalizeH="0" baseline="0" noProof="0" dirty="0">
+                <a:ln>
+                  <a:noFill/>
+                </a:ln>
+                <a:solidFill>
+                  <a:prstClr val="white"/>
+                </a:solidFill>
+                <a:effectLst/>
+                <a:uLnTx/>
+                <a:uFillTx/>
+                <a:latin typeface="Times New Roman" panose="02020603050405020304" pitchFamily="18" charset="0"/>
+                <a:ea typeface="+mn-ea"/>
+                <a:cs typeface="Times New Roman" panose="02020603050405020304" pitchFamily="18" charset="0"/>
+              </a:rPr>
+              <a:t>(</a:t>
+            </a:r>
+            <a:r>
+              <a:rPr kumimoji="0" lang="en-IN" sz="2400" b="1" i="0" u="none" strike="noStrike" kern="1200" cap="none" spc="0" normalizeH="0" baseline="0" noProof="0" dirty="0">
+                <a:ln>
+                  <a:noFill/>
+                </a:ln>
+                <a:solidFill>
+                  <a:prstClr val="white"/>
+                </a:solidFill>
+                <a:effectLst/>
+                <a:uLnTx/>
+                <a:uFillTx/>
+                <a:latin typeface="Times New Roman" panose="02020603050405020304" pitchFamily="18" charset="0"/>
+                <a:ea typeface="+mn-ea"/>
+                <a:cs typeface="Times New Roman" panose="02020603050405020304" pitchFamily="18" charset="0"/>
+              </a:rPr>
+              <a:t>What Happened?) </a:t>
+            </a:r>
+            <a:r>
+              <a:rPr kumimoji="0" lang="en-US" sz="3200" b="1" i="0" u="none" strike="noStrike" kern="1200" cap="none" spc="0" normalizeH="0" baseline="0" noProof="0" dirty="0">
+                <a:ln>
+                  <a:noFill/>
+                </a:ln>
+                <a:solidFill>
+                  <a:prstClr val="white"/>
+                </a:solidFill>
+                <a:effectLst/>
+                <a:uLnTx/>
+                <a:uFillTx/>
+                <a:latin typeface="Times New Roman" panose="02020603050405020304" pitchFamily="18" charset="0"/>
+                <a:ea typeface="+mn-ea"/>
+                <a:cs typeface="Times New Roman" panose="02020603050405020304" pitchFamily="18" charset="0"/>
+              </a:rPr>
+              <a:t>(4/4) </a:t>
+            </a:r>
+            <a:endParaRPr lang="en-US" sz="4000" b="1" dirty="0">
+              <a:solidFill>
+                <a:schemeClr val="bg1"/>
+              </a:solidFill>
+              <a:latin typeface="Times New Roman" panose="02020603050405020304" pitchFamily="18" charset="0"/>
+              <a:cs typeface="Times New Roman" panose="02020603050405020304" pitchFamily="18" charset="0"/>
+            </a:endParaRPr>
+          </a:p>
+        </p:txBody>
+      </p:sp>
+      <p:sp>
+        <p:nvSpPr>
+          <p:cNvPr id="11" name="TextBox 10">
+            <a:extLst>
+              <a:ext uri="{FF2B5EF4-FFF2-40B4-BE49-F238E27FC236}">
+                <a16:creationId xmlns:a16="http://schemas.microsoft.com/office/drawing/2014/main" id="{2D6CDE81-7027-D480-BDDE-5D840BBBB2D6}"/>
+              </a:ext>
+            </a:extLst>
+          </p:cNvPr>
+          <p:cNvSpPr txBox="1"/>
+          <p:nvPr/>
+        </p:nvSpPr>
+        <p:spPr>
+          <a:xfrm>
+            <a:off x="551660" y="1036921"/>
+            <a:ext cx="5078191" cy="3877985"/>
+          </a:xfrm>
+          <a:prstGeom prst="rect">
+            <a:avLst/>
+          </a:prstGeom>
+          <a:noFill/>
+        </p:spPr>
+        <p:txBody>
+          <a:bodyPr wrap="square">
+            <a:spAutoFit/>
+          </a:bodyPr>
+          <a:lstStyle/>
+          <a:p>
+            <a:pPr>
+              <a:lnSpc>
+                <a:spcPct val="150000"/>
+              </a:lnSpc>
+            </a:pPr>
+            <a:r>
+              <a:rPr lang="en-IN" sz="1600" b="1" dirty="0">
+                <a:latin typeface="Times New Roman" panose="02020603050405020304" pitchFamily="18" charset="0"/>
+                <a:cs typeface="Times New Roman" panose="02020603050405020304" pitchFamily="18" charset="0"/>
+              </a:rPr>
+              <a:t>🎯 KRA (Key Result Areas):</a:t>
+            </a:r>
+            <a:endParaRPr lang="en-IN" sz="1600" dirty="0">
+              <a:latin typeface="Times New Roman" panose="02020603050405020304" pitchFamily="18" charset="0"/>
+              <a:cs typeface="Times New Roman" panose="02020603050405020304" pitchFamily="18" charset="0"/>
+            </a:endParaRPr>
+          </a:p>
+          <a:p>
+            <a:pPr lvl="1"/>
+            <a:r>
+              <a:rPr lang="en-IN" sz="1400" dirty="0">
+                <a:latin typeface="Times New Roman" panose="02020603050405020304" pitchFamily="18" charset="0"/>
+                <a:cs typeface="Times New Roman" panose="02020603050405020304" pitchFamily="18" charset="0"/>
+              </a:rPr>
+              <a:t>KRAs are </a:t>
+            </a:r>
+            <a:r>
+              <a:rPr lang="en-IN" sz="1400" b="1" dirty="0">
+                <a:latin typeface="Times New Roman" panose="02020603050405020304" pitchFamily="18" charset="0"/>
+                <a:cs typeface="Times New Roman" panose="02020603050405020304" pitchFamily="18" charset="0"/>
+              </a:rPr>
+              <a:t>broad focus areas</a:t>
+            </a:r>
+            <a:r>
+              <a:rPr lang="en-IN" sz="1400" dirty="0">
+                <a:latin typeface="Times New Roman" panose="02020603050405020304" pitchFamily="18" charset="0"/>
+                <a:cs typeface="Times New Roman" panose="02020603050405020304" pitchFamily="18" charset="0"/>
+              </a:rPr>
+              <a:t> that descriptive analysis is trying to achieve.</a:t>
+            </a:r>
+          </a:p>
+          <a:p>
+            <a:pPr lvl="1"/>
+            <a:endParaRPr lang="en-IN" sz="1400" dirty="0">
+              <a:latin typeface="Times New Roman" panose="02020603050405020304" pitchFamily="18" charset="0"/>
+              <a:cs typeface="Times New Roman" panose="02020603050405020304" pitchFamily="18" charset="0"/>
+            </a:endParaRPr>
+          </a:p>
+          <a:p>
+            <a:pPr marL="342900" indent="-342900">
+              <a:buFont typeface="+mj-lt"/>
+              <a:buAutoNum type="arabicPeriod"/>
+            </a:pPr>
+            <a:r>
+              <a:rPr lang="en-IN" sz="1400" dirty="0">
+                <a:latin typeface="Times New Roman" panose="02020603050405020304" pitchFamily="18" charset="0"/>
+                <a:cs typeface="Times New Roman" panose="02020603050405020304" pitchFamily="18" charset="0"/>
+              </a:rPr>
+              <a:t>👥 </a:t>
+            </a:r>
+            <a:r>
+              <a:rPr lang="en-IN" sz="1400" b="1" dirty="0">
+                <a:latin typeface="Times New Roman" panose="02020603050405020304" pitchFamily="18" charset="0"/>
+                <a:cs typeface="Times New Roman" panose="02020603050405020304" pitchFamily="18" charset="0"/>
+              </a:rPr>
+              <a:t>Customer Segmentation</a:t>
+            </a:r>
+            <a:r>
+              <a:rPr lang="en-IN" sz="1400" dirty="0">
+                <a:latin typeface="Times New Roman" panose="02020603050405020304" pitchFamily="18" charset="0"/>
+                <a:cs typeface="Times New Roman" panose="02020603050405020304" pitchFamily="18" charset="0"/>
+              </a:rPr>
+              <a:t> → Grouping customers by age, gender, income, or </a:t>
+            </a:r>
+            <a:r>
+              <a:rPr lang="en-IN" sz="1400" dirty="0" err="1">
+                <a:latin typeface="Times New Roman" panose="02020603050405020304" pitchFamily="18" charset="0"/>
+                <a:cs typeface="Times New Roman" panose="02020603050405020304" pitchFamily="18" charset="0"/>
+              </a:rPr>
+              <a:t>behavior</a:t>
+            </a:r>
+            <a:r>
+              <a:rPr lang="en-IN" sz="1400" dirty="0">
+                <a:latin typeface="Times New Roman" panose="02020603050405020304" pitchFamily="18" charset="0"/>
+                <a:cs typeface="Times New Roman" panose="02020603050405020304" pitchFamily="18" charset="0"/>
+              </a:rPr>
+              <a:t>.</a:t>
+            </a:r>
+          </a:p>
+          <a:p>
+            <a:pPr marL="342900" indent="-342900">
+              <a:buFont typeface="+mj-lt"/>
+              <a:buAutoNum type="arabicPeriod"/>
+            </a:pPr>
+            <a:r>
+              <a:rPr lang="en-IN" sz="1400" dirty="0">
+                <a:latin typeface="Times New Roman" panose="02020603050405020304" pitchFamily="18" charset="0"/>
+                <a:cs typeface="Times New Roman" panose="02020603050405020304" pitchFamily="18" charset="0"/>
+              </a:rPr>
+              <a:t>🎟️ </a:t>
+            </a:r>
+            <a:r>
+              <a:rPr lang="en-IN" sz="1400" b="1" dirty="0">
+                <a:latin typeface="Times New Roman" panose="02020603050405020304" pitchFamily="18" charset="0"/>
+                <a:cs typeface="Times New Roman" panose="02020603050405020304" pitchFamily="18" charset="0"/>
+              </a:rPr>
+              <a:t>Offer Effectiveness Analysis</a:t>
+            </a:r>
+            <a:r>
+              <a:rPr lang="en-IN" sz="1400" dirty="0">
+                <a:latin typeface="Times New Roman" panose="02020603050405020304" pitchFamily="18" charset="0"/>
+                <a:cs typeface="Times New Roman" panose="02020603050405020304" pitchFamily="18" charset="0"/>
+              </a:rPr>
+              <a:t> → Measuring which offers types (BOGO, Discount, Informational) perform better.</a:t>
+            </a:r>
+          </a:p>
+          <a:p>
+            <a:pPr marL="342900" indent="-342900">
+              <a:buFont typeface="+mj-lt"/>
+              <a:buAutoNum type="arabicPeriod"/>
+            </a:pPr>
+            <a:r>
+              <a:rPr lang="en-IN" sz="1400" dirty="0">
+                <a:latin typeface="Times New Roman" panose="02020603050405020304" pitchFamily="18" charset="0"/>
+                <a:cs typeface="Times New Roman" panose="02020603050405020304" pitchFamily="18" charset="0"/>
+              </a:rPr>
+              <a:t>💳 </a:t>
+            </a:r>
+            <a:r>
+              <a:rPr lang="en-IN" sz="1400" b="1" dirty="0">
+                <a:latin typeface="Times New Roman" panose="02020603050405020304" pitchFamily="18" charset="0"/>
+                <a:cs typeface="Times New Roman" panose="02020603050405020304" pitchFamily="18" charset="0"/>
+              </a:rPr>
+              <a:t>Transaction </a:t>
+            </a:r>
+            <a:r>
+              <a:rPr lang="en-IN" sz="1400" b="1" dirty="0" err="1">
+                <a:latin typeface="Times New Roman" panose="02020603050405020304" pitchFamily="18" charset="0"/>
+                <a:cs typeface="Times New Roman" panose="02020603050405020304" pitchFamily="18" charset="0"/>
+              </a:rPr>
+              <a:t>Behavior</a:t>
+            </a:r>
+            <a:r>
+              <a:rPr lang="en-IN" sz="1400" dirty="0">
+                <a:latin typeface="Times New Roman" panose="02020603050405020304" pitchFamily="18" charset="0"/>
+                <a:cs typeface="Times New Roman" panose="02020603050405020304" pitchFamily="18" charset="0"/>
+              </a:rPr>
+              <a:t> → Understanding spend patterns, frequency, and recency.</a:t>
+            </a:r>
+          </a:p>
+          <a:p>
+            <a:pPr marL="342900" indent="-342900">
+              <a:buFont typeface="+mj-lt"/>
+              <a:buAutoNum type="arabicPeriod"/>
+            </a:pPr>
+            <a:r>
+              <a:rPr lang="en-IN" sz="1400" dirty="0">
+                <a:latin typeface="Times New Roman" panose="02020603050405020304" pitchFamily="18" charset="0"/>
+                <a:cs typeface="Times New Roman" panose="02020603050405020304" pitchFamily="18" charset="0"/>
+              </a:rPr>
+              <a:t>📊 </a:t>
+            </a:r>
+            <a:r>
+              <a:rPr lang="en-IN" sz="1400" b="1" dirty="0">
+                <a:latin typeface="Times New Roman" panose="02020603050405020304" pitchFamily="18" charset="0"/>
+                <a:cs typeface="Times New Roman" panose="02020603050405020304" pitchFamily="18" charset="0"/>
+              </a:rPr>
+              <a:t>Engagement Funnel Tracking</a:t>
+            </a:r>
+            <a:r>
+              <a:rPr lang="en-IN" sz="1400" dirty="0">
+                <a:latin typeface="Times New Roman" panose="02020603050405020304" pitchFamily="18" charset="0"/>
+                <a:cs typeface="Times New Roman" panose="02020603050405020304" pitchFamily="18" charset="0"/>
+              </a:rPr>
+              <a:t> → Received → Viewed → Completed funnel.</a:t>
+            </a:r>
+          </a:p>
+          <a:p>
+            <a:pPr marL="342900" indent="-342900">
+              <a:buFont typeface="+mj-lt"/>
+              <a:buAutoNum type="arabicPeriod"/>
+            </a:pPr>
+            <a:r>
+              <a:rPr lang="en-IN" sz="1400" dirty="0">
+                <a:latin typeface="Times New Roman" panose="02020603050405020304" pitchFamily="18" charset="0"/>
+                <a:cs typeface="Times New Roman" panose="02020603050405020304" pitchFamily="18" charset="0"/>
+              </a:rPr>
+              <a:t>📈 </a:t>
+            </a:r>
+            <a:r>
+              <a:rPr lang="en-IN" sz="1400" b="1" dirty="0">
+                <a:latin typeface="Times New Roman" panose="02020603050405020304" pitchFamily="18" charset="0"/>
+                <a:cs typeface="Times New Roman" panose="02020603050405020304" pitchFamily="18" charset="0"/>
+              </a:rPr>
+              <a:t>Business Uplift Measurement</a:t>
+            </a:r>
+            <a:r>
+              <a:rPr lang="en-IN" sz="1400" dirty="0">
+                <a:latin typeface="Times New Roman" panose="02020603050405020304" pitchFamily="18" charset="0"/>
+                <a:cs typeface="Times New Roman" panose="02020603050405020304" pitchFamily="18" charset="0"/>
+              </a:rPr>
+              <a:t> → Identifying revenue impact from offers.</a:t>
+            </a:r>
+          </a:p>
+          <a:p>
+            <a:pPr marL="342900" indent="-342900">
+              <a:buFont typeface="+mj-lt"/>
+              <a:buAutoNum type="arabicPeriod"/>
+            </a:pPr>
+            <a:r>
+              <a:rPr lang="en-IN" sz="1400" dirty="0">
+                <a:latin typeface="Times New Roman" panose="02020603050405020304" pitchFamily="18" charset="0"/>
+                <a:cs typeface="Times New Roman" panose="02020603050405020304" pitchFamily="18" charset="0"/>
+              </a:rPr>
+              <a:t>🛡️ </a:t>
+            </a:r>
+            <a:r>
+              <a:rPr lang="en-IN" sz="1400" b="1" dirty="0">
+                <a:latin typeface="Times New Roman" panose="02020603050405020304" pitchFamily="18" charset="0"/>
+                <a:cs typeface="Times New Roman" panose="02020603050405020304" pitchFamily="18" charset="0"/>
+              </a:rPr>
+              <a:t>Data Quality &amp; Reliability</a:t>
+            </a:r>
+            <a:r>
+              <a:rPr lang="en-IN" sz="1400" dirty="0">
+                <a:latin typeface="Times New Roman" panose="02020603050405020304" pitchFamily="18" charset="0"/>
+                <a:cs typeface="Times New Roman" panose="02020603050405020304" pitchFamily="18" charset="0"/>
+              </a:rPr>
+              <a:t> → Highlighting missing values, duplicates, and inconsistencies.</a:t>
+            </a:r>
+          </a:p>
+          <a:p>
+            <a:pPr lvl="1"/>
+            <a:endParaRPr lang="en-IN" sz="1200" dirty="0">
+              <a:latin typeface="Times New Roman" panose="02020603050405020304" pitchFamily="18" charset="0"/>
+              <a:cs typeface="Times New Roman" panose="02020603050405020304" pitchFamily="18" charset="0"/>
+            </a:endParaRPr>
+          </a:p>
+        </p:txBody>
+      </p:sp>
+      <p:sp>
+        <p:nvSpPr>
+          <p:cNvPr id="5" name="Freeform 8">
+            <a:extLst>
+              <a:ext uri="{FF2B5EF4-FFF2-40B4-BE49-F238E27FC236}">
+                <a16:creationId xmlns:a16="http://schemas.microsoft.com/office/drawing/2014/main" id="{FA2D5C40-CFF8-FF90-60A4-87E342276485}"/>
+              </a:ext>
+            </a:extLst>
+          </p:cNvPr>
+          <p:cNvSpPr/>
+          <p:nvPr/>
+        </p:nvSpPr>
+        <p:spPr>
+          <a:xfrm>
+            <a:off x="6372953" y="963825"/>
+            <a:ext cx="5456582" cy="5132173"/>
+          </a:xfrm>
+          <a:custGeom>
+            <a:avLst/>
+            <a:gdLst/>
+            <a:ahLst/>
+            <a:cxnLst/>
+            <a:rect l="l" t="t" r="r" b="b"/>
+            <a:pathLst>
+              <a:path w="1836416" h="1281219">
+                <a:moveTo>
+                  <a:pt x="56627" y="0"/>
+                </a:moveTo>
+                <a:lnTo>
+                  <a:pt x="1779789" y="0"/>
+                </a:lnTo>
+                <a:cubicBezTo>
+                  <a:pt x="1794808" y="0"/>
+                  <a:pt x="1809211" y="5966"/>
+                  <a:pt x="1819831" y="16586"/>
+                </a:cubicBezTo>
+                <a:cubicBezTo>
+                  <a:pt x="1830450" y="27205"/>
+                  <a:pt x="1836416" y="41608"/>
+                  <a:pt x="1836416" y="56627"/>
+                </a:cubicBezTo>
+                <a:lnTo>
+                  <a:pt x="1836416" y="1224592"/>
+                </a:lnTo>
+                <a:cubicBezTo>
+                  <a:pt x="1836416" y="1255866"/>
+                  <a:pt x="1811063" y="1281219"/>
+                  <a:pt x="1779789" y="1281219"/>
+                </a:cubicBezTo>
+                <a:lnTo>
+                  <a:pt x="56627" y="1281219"/>
+                </a:lnTo>
+                <a:cubicBezTo>
+                  <a:pt x="41608" y="1281219"/>
+                  <a:pt x="27205" y="1275253"/>
+                  <a:pt x="16586" y="1264633"/>
+                </a:cubicBezTo>
+                <a:cubicBezTo>
+                  <a:pt x="5966" y="1254014"/>
+                  <a:pt x="0" y="1239611"/>
+                  <a:pt x="0" y="1224592"/>
+                </a:cubicBezTo>
+                <a:lnTo>
+                  <a:pt x="0" y="56627"/>
+                </a:lnTo>
+                <a:cubicBezTo>
+                  <a:pt x="0" y="25353"/>
+                  <a:pt x="25353" y="0"/>
+                  <a:pt x="56627" y="0"/>
+                </a:cubicBezTo>
+                <a:close/>
+              </a:path>
+            </a:pathLst>
+          </a:custGeom>
+          <a:solidFill>
+            <a:schemeClr val="bg1">
+              <a:alpha val="53725"/>
+            </a:schemeClr>
+          </a:solidFill>
+          <a:ln>
+            <a:noFill/>
+          </a:ln>
+          <a:effectLst>
+            <a:outerShdw blurRad="63500" sx="102000" sy="102000" algn="ctr" rotWithShape="0">
+              <a:prstClr val="black">
+                <a:alpha val="40000"/>
+              </a:prstClr>
+            </a:outerShdw>
+          </a:effectLst>
+        </p:spPr>
+      </p:sp>
+      <p:sp>
+        <p:nvSpPr>
+          <p:cNvPr id="6" name="TextBox 5">
+            <a:extLst>
+              <a:ext uri="{FF2B5EF4-FFF2-40B4-BE49-F238E27FC236}">
+                <a16:creationId xmlns:a16="http://schemas.microsoft.com/office/drawing/2014/main" id="{70DF0177-5E42-4E58-0131-FF5797A5036F}"/>
+              </a:ext>
+            </a:extLst>
+          </p:cNvPr>
+          <p:cNvSpPr txBox="1"/>
+          <p:nvPr/>
+        </p:nvSpPr>
+        <p:spPr>
+          <a:xfrm>
+            <a:off x="6615477" y="1036921"/>
+            <a:ext cx="4971534" cy="2685159"/>
+          </a:xfrm>
+          <a:prstGeom prst="rect">
+            <a:avLst/>
+          </a:prstGeom>
+          <a:noFill/>
+        </p:spPr>
+        <p:txBody>
+          <a:bodyPr wrap="square">
+            <a:spAutoFit/>
+          </a:bodyPr>
+          <a:lstStyle/>
+          <a:p>
+            <a:pPr>
+              <a:lnSpc>
+                <a:spcPct val="150000"/>
+              </a:lnSpc>
+            </a:pPr>
+            <a:r>
+              <a:rPr lang="en-IN" sz="1600" b="1" dirty="0">
+                <a:latin typeface="Times New Roman" panose="02020603050405020304" pitchFamily="18" charset="0"/>
+                <a:cs typeface="Times New Roman" panose="02020603050405020304" pitchFamily="18" charset="0"/>
+              </a:rPr>
+              <a:t>✅ In summary:</a:t>
+            </a:r>
+          </a:p>
+          <a:p>
+            <a:pPr>
+              <a:lnSpc>
+                <a:spcPct val="150000"/>
+              </a:lnSpc>
+            </a:pPr>
+            <a:endParaRPr lang="en-IN" sz="1400" b="1" dirty="0">
+              <a:latin typeface="Times New Roman" panose="02020603050405020304" pitchFamily="18" charset="0"/>
+              <a:cs typeface="Times New Roman" panose="02020603050405020304" pitchFamily="18" charset="0"/>
+            </a:endParaRPr>
+          </a:p>
+          <a:p>
+            <a:pPr marL="342900" indent="-342900">
+              <a:lnSpc>
+                <a:spcPct val="150000"/>
+              </a:lnSpc>
+              <a:buFont typeface="+mj-lt"/>
+              <a:buAutoNum type="arabicPeriod"/>
+            </a:pPr>
+            <a:r>
+              <a:rPr lang="en-IN" sz="1400" b="1" dirty="0">
+                <a:latin typeface="Times New Roman" panose="02020603050405020304" pitchFamily="18" charset="0"/>
+                <a:cs typeface="Times New Roman" panose="02020603050405020304" pitchFamily="18" charset="0"/>
+              </a:rPr>
+              <a:t>KPI → </a:t>
+            </a:r>
+          </a:p>
+          <a:p>
+            <a:pPr lvl="1">
+              <a:lnSpc>
+                <a:spcPct val="150000"/>
+              </a:lnSpc>
+            </a:pPr>
+            <a:r>
+              <a:rPr lang="en-IN" sz="1400" dirty="0">
+                <a:latin typeface="Times New Roman" panose="02020603050405020304" pitchFamily="18" charset="0"/>
+                <a:cs typeface="Times New Roman" panose="02020603050405020304" pitchFamily="18" charset="0"/>
+              </a:rPr>
+              <a:t>What’s working well (performance metrics)</a:t>
+            </a:r>
+          </a:p>
+          <a:p>
+            <a:pPr marL="342900" indent="-342900">
+              <a:lnSpc>
+                <a:spcPct val="150000"/>
+              </a:lnSpc>
+              <a:buFont typeface="+mj-lt"/>
+              <a:buAutoNum type="arabicPeriod"/>
+            </a:pPr>
+            <a:r>
+              <a:rPr lang="en-IN" sz="1400" b="1" dirty="0">
+                <a:latin typeface="Times New Roman" panose="02020603050405020304" pitchFamily="18" charset="0"/>
+                <a:cs typeface="Times New Roman" panose="02020603050405020304" pitchFamily="18" charset="0"/>
+              </a:rPr>
+              <a:t>KRI → </a:t>
+            </a:r>
+          </a:p>
+          <a:p>
+            <a:pPr lvl="1">
+              <a:lnSpc>
+                <a:spcPct val="150000"/>
+              </a:lnSpc>
+            </a:pPr>
+            <a:r>
+              <a:rPr lang="en-IN" sz="1400" dirty="0">
+                <a:latin typeface="Times New Roman" panose="02020603050405020304" pitchFamily="18" charset="0"/>
+                <a:cs typeface="Times New Roman" panose="02020603050405020304" pitchFamily="18" charset="0"/>
+              </a:rPr>
+              <a:t>Where risks/alerts exist (warning signals)</a:t>
+            </a:r>
+          </a:p>
+          <a:p>
+            <a:pPr marL="342900" indent="-342900">
+              <a:lnSpc>
+                <a:spcPct val="150000"/>
+              </a:lnSpc>
+              <a:buFont typeface="+mj-lt"/>
+              <a:buAutoNum type="arabicPeriod"/>
+            </a:pPr>
+            <a:r>
+              <a:rPr lang="en-IN" sz="1400" b="1" dirty="0">
+                <a:latin typeface="Times New Roman" panose="02020603050405020304" pitchFamily="18" charset="0"/>
+                <a:cs typeface="Times New Roman" panose="02020603050405020304" pitchFamily="18" charset="0"/>
+              </a:rPr>
+              <a:t>KRA → </a:t>
+            </a:r>
+          </a:p>
+          <a:p>
+            <a:pPr lvl="1">
+              <a:lnSpc>
+                <a:spcPct val="150000"/>
+              </a:lnSpc>
+            </a:pPr>
+            <a:r>
+              <a:rPr lang="en-IN" sz="1400" dirty="0">
+                <a:latin typeface="Times New Roman" panose="02020603050405020304" pitchFamily="18" charset="0"/>
+                <a:cs typeface="Times New Roman" panose="02020603050405020304" pitchFamily="18" charset="0"/>
+              </a:rPr>
+              <a:t>What areas we must focus on (broad goals)</a:t>
+            </a:r>
+          </a:p>
+        </p:txBody>
+      </p:sp>
+    </p:spTree>
+    <p:extLst>
+      <p:ext uri="{BB962C8B-B14F-4D97-AF65-F5344CB8AC3E}">
+        <p14:creationId xmlns:p14="http://schemas.microsoft.com/office/powerpoint/2010/main" val="2212348337"/>
+      </p:ext>
+    </p:extLst>
+  </p:cSld>
+  <p:clrMapOvr>
+    <a:masterClrMapping/>
+  </p:clrMapOvr>
+</p:sld>
+</file>
+
+<file path=ppt/slides/slide23.xml><?xml version="1.0" encoding="utf-8"?>
 <p:sld xmlns:a="http://schemas.openxmlformats.org/drawingml/2006/main" xmlns:r="http://schemas.openxmlformats.org/officeDocument/2006/relationships" xmlns:p="http://schemas.openxmlformats.org/presentationml/2006/main">
   <p:cSld>
     <p:spTree>
@@ -15819,7 +18107,7 @@
                 <a:ea typeface="+mn-ea"/>
                 <a:cs typeface="Times New Roman" panose="02020603050405020304" pitchFamily="18" charset="0"/>
               </a:rPr>
-              <a:t>(1/2) </a:t>
+              <a:t>(1/4) </a:t>
             </a:r>
             <a:endParaRPr lang="en-US" sz="4000" b="1" dirty="0">
               <a:solidFill>
@@ -16270,7 +18558,7 @@
 </p:sld>
 </file>
 
-<file path=ppt/slides/slide21.xml><?xml version="1.0" encoding="utf-8"?>
+<file path=ppt/slides/slide24.xml><?xml version="1.0" encoding="utf-8"?>
 <p:sld xmlns:a="http://schemas.openxmlformats.org/drawingml/2006/main" xmlns:r="http://schemas.openxmlformats.org/officeDocument/2006/relationships" xmlns:p="http://schemas.openxmlformats.org/presentationml/2006/main">
   <p:cSld>
     <p:spTree>
@@ -16493,7 +18781,7 @@
                 <a:ea typeface="+mn-ea"/>
                 <a:cs typeface="Times New Roman" panose="02020603050405020304" pitchFamily="18" charset="0"/>
               </a:rPr>
-              <a:t>(2/2) </a:t>
+              <a:t>(2/4) </a:t>
             </a:r>
             <a:endParaRPr lang="en-US" sz="4000" b="1" dirty="0">
               <a:solidFill>
@@ -16941,7 +19229,1551 @@
 </p:sld>
 </file>
 
-<file path=ppt/slides/slide22.xml><?xml version="1.0" encoding="utf-8"?>
+<file path=ppt/slides/slide25.xml><?xml version="1.0" encoding="utf-8"?>
+<p:sld xmlns:a="http://schemas.openxmlformats.org/drawingml/2006/main" xmlns:r="http://schemas.openxmlformats.org/officeDocument/2006/relationships" xmlns:p="http://schemas.openxmlformats.org/presentationml/2006/main">
+  <p:cSld>
+    <p:spTree>
+      <p:nvGrpSpPr>
+        <p:cNvPr id="1" name="">
+          <a:extLst>
+            <a:ext uri="{FF2B5EF4-FFF2-40B4-BE49-F238E27FC236}">
+              <a16:creationId xmlns:a16="http://schemas.microsoft.com/office/drawing/2014/main" id="{FE2F8A9F-DB05-6402-7526-F0F094AEEF20}"/>
+            </a:ext>
+          </a:extLst>
+        </p:cNvPr>
+        <p:cNvGrpSpPr/>
+        <p:nvPr/>
+      </p:nvGrpSpPr>
+      <p:grpSpPr>
+        <a:xfrm>
+          <a:off x="0" y="0"/>
+          <a:ext cx="0" cy="0"/>
+          <a:chOff x="0" y="0"/>
+          <a:chExt cx="0" cy="0"/>
+        </a:xfrm>
+      </p:grpSpPr>
+      <p:sp>
+        <p:nvSpPr>
+          <p:cNvPr id="12" name="Freeform 8">
+            <a:extLst>
+              <a:ext uri="{FF2B5EF4-FFF2-40B4-BE49-F238E27FC236}">
+                <a16:creationId xmlns:a16="http://schemas.microsoft.com/office/drawing/2014/main" id="{47186BE0-FA9F-B6E4-4422-9EABCE5B4B97}"/>
+              </a:ext>
+            </a:extLst>
+          </p:cNvPr>
+          <p:cNvSpPr/>
+          <p:nvPr/>
+        </p:nvSpPr>
+        <p:spPr>
+          <a:xfrm>
+            <a:off x="362465" y="963826"/>
+            <a:ext cx="5456582" cy="5132173"/>
+          </a:xfrm>
+          <a:custGeom>
+            <a:avLst/>
+            <a:gdLst/>
+            <a:ahLst/>
+            <a:cxnLst/>
+            <a:rect l="l" t="t" r="r" b="b"/>
+            <a:pathLst>
+              <a:path w="1836416" h="1281219">
+                <a:moveTo>
+                  <a:pt x="56627" y="0"/>
+                </a:moveTo>
+                <a:lnTo>
+                  <a:pt x="1779789" y="0"/>
+                </a:lnTo>
+                <a:cubicBezTo>
+                  <a:pt x="1794808" y="0"/>
+                  <a:pt x="1809211" y="5966"/>
+                  <a:pt x="1819831" y="16586"/>
+                </a:cubicBezTo>
+                <a:cubicBezTo>
+                  <a:pt x="1830450" y="27205"/>
+                  <a:pt x="1836416" y="41608"/>
+                  <a:pt x="1836416" y="56627"/>
+                </a:cubicBezTo>
+                <a:lnTo>
+                  <a:pt x="1836416" y="1224592"/>
+                </a:lnTo>
+                <a:cubicBezTo>
+                  <a:pt x="1836416" y="1255866"/>
+                  <a:pt x="1811063" y="1281219"/>
+                  <a:pt x="1779789" y="1281219"/>
+                </a:cubicBezTo>
+                <a:lnTo>
+                  <a:pt x="56627" y="1281219"/>
+                </a:lnTo>
+                <a:cubicBezTo>
+                  <a:pt x="41608" y="1281219"/>
+                  <a:pt x="27205" y="1275253"/>
+                  <a:pt x="16586" y="1264633"/>
+                </a:cubicBezTo>
+                <a:cubicBezTo>
+                  <a:pt x="5966" y="1254014"/>
+                  <a:pt x="0" y="1239611"/>
+                  <a:pt x="0" y="1224592"/>
+                </a:cubicBezTo>
+                <a:lnTo>
+                  <a:pt x="0" y="56627"/>
+                </a:lnTo>
+                <a:cubicBezTo>
+                  <a:pt x="0" y="25353"/>
+                  <a:pt x="25353" y="0"/>
+                  <a:pt x="56627" y="0"/>
+                </a:cubicBezTo>
+                <a:close/>
+              </a:path>
+            </a:pathLst>
+          </a:custGeom>
+          <a:solidFill>
+            <a:schemeClr val="bg1">
+              <a:alpha val="53725"/>
+            </a:schemeClr>
+          </a:solidFill>
+          <a:effectLst>
+            <a:outerShdw blurRad="63500" sx="102000" sy="102000" algn="ctr" rotWithShape="0">
+              <a:prstClr val="black">
+                <a:alpha val="40000"/>
+              </a:prstClr>
+            </a:outerShdw>
+          </a:effectLst>
+        </p:spPr>
+      </p:sp>
+      <p:sp>
+        <p:nvSpPr>
+          <p:cNvPr id="3" name="Rectangle 2">
+            <a:extLst>
+              <a:ext uri="{FF2B5EF4-FFF2-40B4-BE49-F238E27FC236}">
+                <a16:creationId xmlns:a16="http://schemas.microsoft.com/office/drawing/2014/main" id="{AB3F4D0E-E4B7-C709-DE33-7561CD8CBBB7}"/>
+              </a:ext>
+            </a:extLst>
+          </p:cNvPr>
+          <p:cNvSpPr/>
+          <p:nvPr/>
+        </p:nvSpPr>
+        <p:spPr>
+          <a:xfrm>
+            <a:off x="0" y="0"/>
+            <a:ext cx="12192000" cy="609600"/>
+          </a:xfrm>
+          <a:prstGeom prst="rect">
+            <a:avLst/>
+          </a:prstGeom>
+          <a:solidFill>
+            <a:srgbClr val="338D90"/>
+          </a:solidFill>
+          <a:ln>
+            <a:solidFill>
+              <a:srgbClr val="338D90"/>
+            </a:solidFill>
+          </a:ln>
+        </p:spPr>
+        <p:style>
+          <a:lnRef idx="2">
+            <a:schemeClr val="accent1">
+              <a:shade val="15000"/>
+            </a:schemeClr>
+          </a:lnRef>
+          <a:fillRef idx="1">
+            <a:schemeClr val="accent1"/>
+          </a:fillRef>
+          <a:effectRef idx="0">
+            <a:schemeClr val="accent1"/>
+          </a:effectRef>
+          <a:fontRef idx="minor">
+            <a:schemeClr val="lt1"/>
+          </a:fontRef>
+        </p:style>
+        <p:txBody>
+          <a:bodyPr rtlCol="0" anchor="ctr"/>
+          <a:lstStyle/>
+          <a:p>
+            <a:pPr marL="914400" lvl="1" indent="-457200">
+              <a:buFont typeface="Wingdings" pitchFamily="2" charset="2"/>
+              <a:buChar char="q"/>
+            </a:pPr>
+            <a:r>
+              <a:rPr lang="en-US" sz="3200" b="1" dirty="0">
+                <a:solidFill>
+                  <a:schemeClr val="bg1"/>
+                </a:solidFill>
+                <a:latin typeface="Times New Roman" panose="02020603050405020304" pitchFamily="18" charset="0"/>
+                <a:cs typeface="Times New Roman" panose="02020603050405020304" pitchFamily="18" charset="0"/>
+              </a:rPr>
+              <a:t> Diagnostic Analysis  </a:t>
+            </a:r>
+            <a:r>
+              <a:rPr lang="en-US" sz="2400" b="1" dirty="0">
+                <a:solidFill>
+                  <a:prstClr val="white"/>
+                </a:solidFill>
+                <a:latin typeface="Times New Roman" panose="02020603050405020304" pitchFamily="18" charset="0"/>
+                <a:cs typeface="Times New Roman" panose="02020603050405020304" pitchFamily="18" charset="0"/>
+              </a:rPr>
+              <a:t>(</a:t>
+            </a:r>
+            <a:r>
+              <a:rPr lang="en-IN" sz="2400" b="1" dirty="0">
+                <a:solidFill>
+                  <a:prstClr val="white"/>
+                </a:solidFill>
+                <a:latin typeface="Times New Roman" panose="02020603050405020304" pitchFamily="18" charset="0"/>
+                <a:cs typeface="Times New Roman" panose="02020603050405020304" pitchFamily="18" charset="0"/>
+              </a:rPr>
+              <a:t>Why It Happened?)</a:t>
+            </a:r>
+            <a:r>
+              <a:rPr kumimoji="0" lang="en-IN" sz="2400" b="1" i="0" u="none" strike="noStrike" kern="1200" cap="none" spc="0" normalizeH="0" baseline="0" noProof="0" dirty="0">
+                <a:ln>
+                  <a:noFill/>
+                </a:ln>
+                <a:solidFill>
+                  <a:prstClr val="white"/>
+                </a:solidFill>
+                <a:effectLst/>
+                <a:uLnTx/>
+                <a:uFillTx/>
+                <a:latin typeface="Times New Roman" panose="02020603050405020304" pitchFamily="18" charset="0"/>
+                <a:ea typeface="+mn-ea"/>
+                <a:cs typeface="Times New Roman" panose="02020603050405020304" pitchFamily="18" charset="0"/>
+              </a:rPr>
+              <a:t> </a:t>
+            </a:r>
+            <a:r>
+              <a:rPr kumimoji="0" lang="en-US" sz="3200" b="1" i="0" u="none" strike="noStrike" kern="1200" cap="none" spc="0" normalizeH="0" baseline="0" noProof="0" dirty="0">
+                <a:ln>
+                  <a:noFill/>
+                </a:ln>
+                <a:solidFill>
+                  <a:prstClr val="white"/>
+                </a:solidFill>
+                <a:effectLst/>
+                <a:uLnTx/>
+                <a:uFillTx/>
+                <a:latin typeface="Times New Roman" panose="02020603050405020304" pitchFamily="18" charset="0"/>
+                <a:ea typeface="+mn-ea"/>
+                <a:cs typeface="Times New Roman" panose="02020603050405020304" pitchFamily="18" charset="0"/>
+              </a:rPr>
+              <a:t>(3/4) </a:t>
+            </a:r>
+            <a:endParaRPr lang="en-US" sz="4000" b="1" dirty="0">
+              <a:solidFill>
+                <a:schemeClr val="bg1"/>
+              </a:solidFill>
+              <a:latin typeface="Times New Roman" panose="02020603050405020304" pitchFamily="18" charset="0"/>
+              <a:cs typeface="Times New Roman" panose="02020603050405020304" pitchFamily="18" charset="0"/>
+            </a:endParaRPr>
+          </a:p>
+        </p:txBody>
+      </p:sp>
+      <p:sp>
+        <p:nvSpPr>
+          <p:cNvPr id="11" name="TextBox 10">
+            <a:extLst>
+              <a:ext uri="{FF2B5EF4-FFF2-40B4-BE49-F238E27FC236}">
+                <a16:creationId xmlns:a16="http://schemas.microsoft.com/office/drawing/2014/main" id="{4D2BD428-D3C2-23E3-C581-30ACF76CDF82}"/>
+              </a:ext>
+            </a:extLst>
+          </p:cNvPr>
+          <p:cNvSpPr txBox="1"/>
+          <p:nvPr/>
+        </p:nvSpPr>
+        <p:spPr>
+          <a:xfrm>
+            <a:off x="551660" y="1036921"/>
+            <a:ext cx="5078191" cy="3693319"/>
+          </a:xfrm>
+          <a:prstGeom prst="rect">
+            <a:avLst/>
+          </a:prstGeom>
+          <a:noFill/>
+        </p:spPr>
+        <p:txBody>
+          <a:bodyPr wrap="square">
+            <a:spAutoFit/>
+          </a:bodyPr>
+          <a:lstStyle/>
+          <a:p>
+            <a:pPr>
+              <a:lnSpc>
+                <a:spcPct val="150000"/>
+              </a:lnSpc>
+            </a:pPr>
+            <a:r>
+              <a:rPr lang="en-IN" sz="1600" b="1" dirty="0">
+                <a:latin typeface="Times New Roman" panose="02020603050405020304" pitchFamily="18" charset="0"/>
+                <a:cs typeface="Times New Roman" panose="02020603050405020304" pitchFamily="18" charset="0"/>
+              </a:rPr>
+              <a:t>✅ KPI (Key Performance Indicators):</a:t>
+            </a:r>
+            <a:endParaRPr lang="en-IN" sz="1600" dirty="0">
+              <a:latin typeface="Times New Roman" panose="02020603050405020304" pitchFamily="18" charset="0"/>
+              <a:cs typeface="Times New Roman" panose="02020603050405020304" pitchFamily="18" charset="0"/>
+            </a:endParaRPr>
+          </a:p>
+          <a:p>
+            <a:pPr lvl="1"/>
+            <a:r>
+              <a:rPr lang="en-IN" sz="1400" dirty="0">
+                <a:latin typeface="Times New Roman" panose="02020603050405020304" pitchFamily="18" charset="0"/>
+                <a:cs typeface="Times New Roman" panose="02020603050405020304" pitchFamily="18" charset="0"/>
+              </a:rPr>
+              <a:t>KPIs here focus on </a:t>
+            </a:r>
+            <a:r>
+              <a:rPr lang="en-IN" sz="1400" b="1" dirty="0">
+                <a:latin typeface="Times New Roman" panose="02020603050405020304" pitchFamily="18" charset="0"/>
+                <a:cs typeface="Times New Roman" panose="02020603050405020304" pitchFamily="18" charset="0"/>
+              </a:rPr>
+              <a:t>factors influencing performance</a:t>
+            </a:r>
+            <a:r>
+              <a:rPr lang="en-IN" sz="1400" dirty="0">
+                <a:latin typeface="Times New Roman" panose="02020603050405020304" pitchFamily="18" charset="0"/>
+                <a:cs typeface="Times New Roman" panose="02020603050405020304" pitchFamily="18" charset="0"/>
+              </a:rPr>
+              <a:t> (root cause insights).</a:t>
+            </a:r>
+          </a:p>
+          <a:p>
+            <a:pPr lvl="1"/>
+            <a:endParaRPr lang="en-IN" sz="1400" dirty="0">
+              <a:latin typeface="Times New Roman" panose="02020603050405020304" pitchFamily="18" charset="0"/>
+              <a:cs typeface="Times New Roman" panose="02020603050405020304" pitchFamily="18" charset="0"/>
+            </a:endParaRPr>
+          </a:p>
+          <a:p>
+            <a:pPr marL="342900" indent="-342900">
+              <a:buFont typeface="+mj-lt"/>
+              <a:buAutoNum type="arabicPeriod"/>
+            </a:pPr>
+            <a:r>
+              <a:rPr lang="en-IN" sz="1400" dirty="0">
+                <a:latin typeface="Times New Roman" panose="02020603050405020304" pitchFamily="18" charset="0"/>
+                <a:cs typeface="Times New Roman" panose="02020603050405020304" pitchFamily="18" charset="0"/>
+              </a:rPr>
+              <a:t>📉 </a:t>
+            </a:r>
+            <a:r>
+              <a:rPr lang="en-IN" sz="1400" b="1" dirty="0">
+                <a:latin typeface="Times New Roman" panose="02020603050405020304" pitchFamily="18" charset="0"/>
+                <a:cs typeface="Times New Roman" panose="02020603050405020304" pitchFamily="18" charset="0"/>
+              </a:rPr>
+              <a:t>Offer Drop-off Rate by Stage</a:t>
+            </a:r>
+            <a:r>
+              <a:rPr lang="en-IN" sz="1400" dirty="0">
+                <a:latin typeface="Times New Roman" panose="02020603050405020304" pitchFamily="18" charset="0"/>
+                <a:cs typeface="Times New Roman" panose="02020603050405020304" pitchFamily="18" charset="0"/>
+              </a:rPr>
+              <a:t> → % lost at each stage (Received → Viewed → Completed).</a:t>
+            </a:r>
+          </a:p>
+          <a:p>
+            <a:pPr marL="342900" indent="-342900">
+              <a:buFont typeface="+mj-lt"/>
+              <a:buAutoNum type="arabicPeriod"/>
+            </a:pPr>
+            <a:r>
+              <a:rPr lang="en-IN" sz="1400" dirty="0">
+                <a:latin typeface="Times New Roman" panose="02020603050405020304" pitchFamily="18" charset="0"/>
+                <a:cs typeface="Times New Roman" panose="02020603050405020304" pitchFamily="18" charset="0"/>
+              </a:rPr>
+              <a:t>🎟️ </a:t>
+            </a:r>
+            <a:r>
+              <a:rPr lang="en-IN" sz="1400" b="1" dirty="0">
+                <a:latin typeface="Times New Roman" panose="02020603050405020304" pitchFamily="18" charset="0"/>
+                <a:cs typeface="Times New Roman" panose="02020603050405020304" pitchFamily="18" charset="0"/>
+              </a:rPr>
+              <a:t>Offer Completion by Offer Type</a:t>
+            </a:r>
+            <a:r>
+              <a:rPr lang="en-IN" sz="1400" dirty="0">
+                <a:latin typeface="Times New Roman" panose="02020603050405020304" pitchFamily="18" charset="0"/>
+                <a:cs typeface="Times New Roman" panose="02020603050405020304" pitchFamily="18" charset="0"/>
+              </a:rPr>
+              <a:t> → BOGO vs. Discount vs. Informational success rates.</a:t>
+            </a:r>
+          </a:p>
+          <a:p>
+            <a:pPr marL="342900" indent="-342900">
+              <a:buFont typeface="+mj-lt"/>
+              <a:buAutoNum type="arabicPeriod"/>
+            </a:pPr>
+            <a:r>
+              <a:rPr lang="en-IN" sz="1400" dirty="0">
+                <a:latin typeface="Times New Roman" panose="02020603050405020304" pitchFamily="18" charset="0"/>
+                <a:cs typeface="Times New Roman" panose="02020603050405020304" pitchFamily="18" charset="0"/>
+              </a:rPr>
+              <a:t>👥 </a:t>
+            </a:r>
+            <a:r>
+              <a:rPr lang="en-IN" sz="1400" b="1" dirty="0">
+                <a:latin typeface="Times New Roman" panose="02020603050405020304" pitchFamily="18" charset="0"/>
+                <a:cs typeface="Times New Roman" panose="02020603050405020304" pitchFamily="18" charset="0"/>
+              </a:rPr>
+              <a:t>Offer Completion by Demographics</a:t>
+            </a:r>
+            <a:r>
+              <a:rPr lang="en-IN" sz="1400" dirty="0">
+                <a:latin typeface="Times New Roman" panose="02020603050405020304" pitchFamily="18" charset="0"/>
+                <a:cs typeface="Times New Roman" panose="02020603050405020304" pitchFamily="18" charset="0"/>
+              </a:rPr>
+              <a:t> → Age, gender, income group completion %.</a:t>
+            </a:r>
+          </a:p>
+          <a:p>
+            <a:pPr marL="342900" indent="-342900">
+              <a:buFont typeface="+mj-lt"/>
+              <a:buAutoNum type="arabicPeriod"/>
+            </a:pPr>
+            <a:r>
+              <a:rPr lang="en-IN" sz="1400" dirty="0">
+                <a:latin typeface="Times New Roman" panose="02020603050405020304" pitchFamily="18" charset="0"/>
+                <a:cs typeface="Times New Roman" panose="02020603050405020304" pitchFamily="18" charset="0"/>
+              </a:rPr>
+              <a:t>💳 </a:t>
+            </a:r>
+            <a:r>
+              <a:rPr lang="en-IN" sz="1400" b="1" dirty="0">
+                <a:latin typeface="Times New Roman" panose="02020603050405020304" pitchFamily="18" charset="0"/>
+                <a:cs typeface="Times New Roman" panose="02020603050405020304" pitchFamily="18" charset="0"/>
+              </a:rPr>
+              <a:t>Spend per Transaction vs. Offer Type</a:t>
+            </a:r>
+            <a:r>
+              <a:rPr lang="en-IN" sz="1400" dirty="0">
+                <a:latin typeface="Times New Roman" panose="02020603050405020304" pitchFamily="18" charset="0"/>
+                <a:cs typeface="Times New Roman" panose="02020603050405020304" pitchFamily="18" charset="0"/>
+              </a:rPr>
+              <a:t> → Average spend under different offers.</a:t>
+            </a:r>
+          </a:p>
+          <a:p>
+            <a:pPr marL="342900" indent="-342900">
+              <a:buFont typeface="+mj-lt"/>
+              <a:buAutoNum type="arabicPeriod"/>
+            </a:pPr>
+            <a:r>
+              <a:rPr lang="en-IN" sz="1400" dirty="0">
+                <a:latin typeface="Times New Roman" panose="02020603050405020304" pitchFamily="18" charset="0"/>
+                <a:cs typeface="Times New Roman" panose="02020603050405020304" pitchFamily="18" charset="0"/>
+              </a:rPr>
+              <a:t>⏱️ </a:t>
+            </a:r>
+            <a:r>
+              <a:rPr lang="en-IN" sz="1400" b="1" dirty="0">
+                <a:latin typeface="Times New Roman" panose="02020603050405020304" pitchFamily="18" charset="0"/>
+                <a:cs typeface="Times New Roman" panose="02020603050405020304" pitchFamily="18" charset="0"/>
+              </a:rPr>
+              <a:t>Response Time by Customer Segment</a:t>
+            </a:r>
+            <a:r>
+              <a:rPr lang="en-IN" sz="1400" dirty="0">
+                <a:latin typeface="Times New Roman" panose="02020603050405020304" pitchFamily="18" charset="0"/>
+                <a:cs typeface="Times New Roman" panose="02020603050405020304" pitchFamily="18" charset="0"/>
+              </a:rPr>
+              <a:t> → Which groups respond faster/slower to offers.</a:t>
+            </a:r>
+          </a:p>
+          <a:p>
+            <a:pPr marL="342900" indent="-342900">
+              <a:buFont typeface="+mj-lt"/>
+              <a:buAutoNum type="arabicPeriod"/>
+            </a:pPr>
+            <a:r>
+              <a:rPr lang="en-IN" sz="1400" dirty="0">
+                <a:latin typeface="Times New Roman" panose="02020603050405020304" pitchFamily="18" charset="0"/>
+                <a:cs typeface="Times New Roman" panose="02020603050405020304" pitchFamily="18" charset="0"/>
+              </a:rPr>
+              <a:t>🔄 </a:t>
+            </a:r>
+            <a:r>
+              <a:rPr lang="en-IN" sz="1400" b="1" dirty="0">
+                <a:latin typeface="Times New Roman" panose="02020603050405020304" pitchFamily="18" charset="0"/>
+                <a:cs typeface="Times New Roman" panose="02020603050405020304" pitchFamily="18" charset="0"/>
+              </a:rPr>
+              <a:t>Repeat Engagement KPI</a:t>
+            </a:r>
+            <a:r>
+              <a:rPr lang="en-IN" sz="1400" dirty="0">
+                <a:latin typeface="Times New Roman" panose="02020603050405020304" pitchFamily="18" charset="0"/>
+                <a:cs typeface="Times New Roman" panose="02020603050405020304" pitchFamily="18" charset="0"/>
+              </a:rPr>
+              <a:t> → How many customers complete multiple offers.</a:t>
+            </a:r>
+            <a:endParaRPr lang="en-IN" sz="1200" dirty="0">
+              <a:latin typeface="Times New Roman" panose="02020603050405020304" pitchFamily="18" charset="0"/>
+              <a:cs typeface="Times New Roman" panose="02020603050405020304" pitchFamily="18" charset="0"/>
+            </a:endParaRPr>
+          </a:p>
+        </p:txBody>
+      </p:sp>
+      <p:sp>
+        <p:nvSpPr>
+          <p:cNvPr id="2" name="Freeform 8">
+            <a:extLst>
+              <a:ext uri="{FF2B5EF4-FFF2-40B4-BE49-F238E27FC236}">
+                <a16:creationId xmlns:a16="http://schemas.microsoft.com/office/drawing/2014/main" id="{7AEFB3B7-3873-028A-EBFF-43C94F6A038F}"/>
+              </a:ext>
+            </a:extLst>
+          </p:cNvPr>
+          <p:cNvSpPr/>
+          <p:nvPr/>
+        </p:nvSpPr>
+        <p:spPr>
+          <a:xfrm>
+            <a:off x="6372953" y="963825"/>
+            <a:ext cx="5456582" cy="5132173"/>
+          </a:xfrm>
+          <a:custGeom>
+            <a:avLst/>
+            <a:gdLst/>
+            <a:ahLst/>
+            <a:cxnLst/>
+            <a:rect l="l" t="t" r="r" b="b"/>
+            <a:pathLst>
+              <a:path w="1836416" h="1281219">
+                <a:moveTo>
+                  <a:pt x="56627" y="0"/>
+                </a:moveTo>
+                <a:lnTo>
+                  <a:pt x="1779789" y="0"/>
+                </a:lnTo>
+                <a:cubicBezTo>
+                  <a:pt x="1794808" y="0"/>
+                  <a:pt x="1809211" y="5966"/>
+                  <a:pt x="1819831" y="16586"/>
+                </a:cubicBezTo>
+                <a:cubicBezTo>
+                  <a:pt x="1830450" y="27205"/>
+                  <a:pt x="1836416" y="41608"/>
+                  <a:pt x="1836416" y="56627"/>
+                </a:cubicBezTo>
+                <a:lnTo>
+                  <a:pt x="1836416" y="1224592"/>
+                </a:lnTo>
+                <a:cubicBezTo>
+                  <a:pt x="1836416" y="1255866"/>
+                  <a:pt x="1811063" y="1281219"/>
+                  <a:pt x="1779789" y="1281219"/>
+                </a:cubicBezTo>
+                <a:lnTo>
+                  <a:pt x="56627" y="1281219"/>
+                </a:lnTo>
+                <a:cubicBezTo>
+                  <a:pt x="41608" y="1281219"/>
+                  <a:pt x="27205" y="1275253"/>
+                  <a:pt x="16586" y="1264633"/>
+                </a:cubicBezTo>
+                <a:cubicBezTo>
+                  <a:pt x="5966" y="1254014"/>
+                  <a:pt x="0" y="1239611"/>
+                  <a:pt x="0" y="1224592"/>
+                </a:cubicBezTo>
+                <a:lnTo>
+                  <a:pt x="0" y="56627"/>
+                </a:lnTo>
+                <a:cubicBezTo>
+                  <a:pt x="0" y="25353"/>
+                  <a:pt x="25353" y="0"/>
+                  <a:pt x="56627" y="0"/>
+                </a:cubicBezTo>
+                <a:close/>
+              </a:path>
+            </a:pathLst>
+          </a:custGeom>
+          <a:solidFill>
+            <a:schemeClr val="bg1">
+              <a:alpha val="53725"/>
+            </a:schemeClr>
+          </a:solidFill>
+          <a:ln>
+            <a:noFill/>
+          </a:ln>
+          <a:effectLst>
+            <a:outerShdw blurRad="63500" sx="102000" sy="102000" algn="ctr" rotWithShape="0">
+              <a:prstClr val="black">
+                <a:alpha val="40000"/>
+              </a:prstClr>
+            </a:outerShdw>
+          </a:effectLst>
+        </p:spPr>
+      </p:sp>
+      <p:sp>
+        <p:nvSpPr>
+          <p:cNvPr id="4" name="TextBox 3">
+            <a:extLst>
+              <a:ext uri="{FF2B5EF4-FFF2-40B4-BE49-F238E27FC236}">
+                <a16:creationId xmlns:a16="http://schemas.microsoft.com/office/drawing/2014/main" id="{628EC621-B10C-F3E7-526D-988A512E4836}"/>
+              </a:ext>
+            </a:extLst>
+          </p:cNvPr>
+          <p:cNvSpPr txBox="1"/>
+          <p:nvPr/>
+        </p:nvSpPr>
+        <p:spPr>
+          <a:xfrm>
+            <a:off x="6615477" y="1036921"/>
+            <a:ext cx="4971534" cy="3693319"/>
+          </a:xfrm>
+          <a:prstGeom prst="rect">
+            <a:avLst/>
+          </a:prstGeom>
+          <a:noFill/>
+        </p:spPr>
+        <p:txBody>
+          <a:bodyPr wrap="square">
+            <a:spAutoFit/>
+          </a:bodyPr>
+          <a:lstStyle/>
+          <a:p>
+            <a:pPr>
+              <a:lnSpc>
+                <a:spcPct val="150000"/>
+              </a:lnSpc>
+            </a:pPr>
+            <a:r>
+              <a:rPr lang="en-IN" sz="1600" b="1" dirty="0">
+                <a:latin typeface="Times New Roman" panose="02020603050405020304" pitchFamily="18" charset="0"/>
+                <a:cs typeface="Times New Roman" panose="02020603050405020304" pitchFamily="18" charset="0"/>
+              </a:rPr>
+              <a:t>⚠️ KRI (Key Risk Indicators):</a:t>
+            </a:r>
+          </a:p>
+          <a:p>
+            <a:pPr lvl="1"/>
+            <a:r>
+              <a:rPr lang="en-IN" sz="1400" dirty="0">
+                <a:latin typeface="Times New Roman" panose="02020603050405020304" pitchFamily="18" charset="0"/>
+                <a:cs typeface="Times New Roman" panose="02020603050405020304" pitchFamily="18" charset="0"/>
+              </a:rPr>
+              <a:t>KRIs in diagnostic analysis highlight </a:t>
+            </a:r>
+            <a:r>
+              <a:rPr lang="en-IN" sz="1400" b="1" dirty="0">
+                <a:latin typeface="Times New Roman" panose="02020603050405020304" pitchFamily="18" charset="0"/>
+                <a:cs typeface="Times New Roman" panose="02020603050405020304" pitchFamily="18" charset="0"/>
+              </a:rPr>
+              <a:t>causes of poor performance</a:t>
+            </a:r>
+            <a:r>
+              <a:rPr lang="en-IN" sz="1400" dirty="0">
+                <a:latin typeface="Times New Roman" panose="02020603050405020304" pitchFamily="18" charset="0"/>
+                <a:cs typeface="Times New Roman" panose="02020603050405020304" pitchFamily="18" charset="0"/>
+              </a:rPr>
+              <a:t> or hidden risks.</a:t>
+            </a:r>
+          </a:p>
+          <a:p>
+            <a:pPr marL="800100" lvl="1" indent="-342900">
+              <a:buFont typeface="+mj-lt"/>
+              <a:buAutoNum type="arabicPeriod"/>
+            </a:pPr>
+            <a:endParaRPr lang="en-IN" sz="1400" dirty="0">
+              <a:latin typeface="Times New Roman" panose="02020603050405020304" pitchFamily="18" charset="0"/>
+              <a:cs typeface="Times New Roman" panose="02020603050405020304" pitchFamily="18" charset="0"/>
+            </a:endParaRPr>
+          </a:p>
+          <a:p>
+            <a:pPr marL="342900" indent="-342900">
+              <a:buFont typeface="+mj-lt"/>
+              <a:buAutoNum type="arabicPeriod"/>
+            </a:pPr>
+            <a:r>
+              <a:rPr lang="en-IN" sz="1400" dirty="0">
+                <a:latin typeface="Times New Roman" panose="02020603050405020304" pitchFamily="18" charset="0"/>
+                <a:cs typeface="Times New Roman" panose="02020603050405020304" pitchFamily="18" charset="0"/>
+              </a:rPr>
+              <a:t>🚫 </a:t>
+            </a:r>
+            <a:r>
+              <a:rPr lang="en-IN" sz="1400" b="1" dirty="0">
+                <a:latin typeface="Times New Roman" panose="02020603050405020304" pitchFamily="18" charset="0"/>
+                <a:cs typeface="Times New Roman" panose="02020603050405020304" pitchFamily="18" charset="0"/>
+              </a:rPr>
+              <a:t>Mismatch Between Offer &amp; Customer </a:t>
+            </a:r>
+            <a:r>
+              <a:rPr lang="en-IN" sz="1400" b="1" dirty="0" err="1">
+                <a:latin typeface="Times New Roman" panose="02020603050405020304" pitchFamily="18" charset="0"/>
+                <a:cs typeface="Times New Roman" panose="02020603050405020304" pitchFamily="18" charset="0"/>
+              </a:rPr>
+              <a:t>Behavior</a:t>
+            </a:r>
+            <a:r>
+              <a:rPr lang="en-IN" sz="1400" dirty="0">
+                <a:latin typeface="Times New Roman" panose="02020603050405020304" pitchFamily="18" charset="0"/>
+                <a:cs typeface="Times New Roman" panose="02020603050405020304" pitchFamily="18" charset="0"/>
+              </a:rPr>
+              <a:t> → E.g., BOGO sent to low-spend customers.</a:t>
+            </a:r>
+          </a:p>
+          <a:p>
+            <a:pPr marL="342900" indent="-342900">
+              <a:buFont typeface="+mj-lt"/>
+              <a:buAutoNum type="arabicPeriod"/>
+            </a:pPr>
+            <a:r>
+              <a:rPr lang="en-IN" sz="1400" dirty="0">
+                <a:latin typeface="Times New Roman" panose="02020603050405020304" pitchFamily="18" charset="0"/>
+                <a:cs typeface="Times New Roman" panose="02020603050405020304" pitchFamily="18" charset="0"/>
+              </a:rPr>
+              <a:t>⚠️ </a:t>
+            </a:r>
+            <a:r>
+              <a:rPr lang="en-IN" sz="1400" b="1" dirty="0">
+                <a:latin typeface="Times New Roman" panose="02020603050405020304" pitchFamily="18" charset="0"/>
+                <a:cs typeface="Times New Roman" panose="02020603050405020304" pitchFamily="18" charset="0"/>
+              </a:rPr>
+              <a:t>Low Completion in Certain Demographics</a:t>
+            </a:r>
+            <a:r>
+              <a:rPr lang="en-IN" sz="1400" dirty="0">
+                <a:latin typeface="Times New Roman" panose="02020603050405020304" pitchFamily="18" charset="0"/>
+                <a:cs typeface="Times New Roman" panose="02020603050405020304" pitchFamily="18" charset="0"/>
+              </a:rPr>
+              <a:t> → Income &lt;30K, or older age groups show very low rates.</a:t>
+            </a:r>
+          </a:p>
+          <a:p>
+            <a:pPr marL="342900" indent="-342900">
+              <a:buFont typeface="+mj-lt"/>
+              <a:buAutoNum type="arabicPeriod"/>
+            </a:pPr>
+            <a:r>
+              <a:rPr lang="en-IN" sz="1400" dirty="0">
+                <a:latin typeface="Times New Roman" panose="02020603050405020304" pitchFamily="18" charset="0"/>
+                <a:cs typeface="Times New Roman" panose="02020603050405020304" pitchFamily="18" charset="0"/>
+              </a:rPr>
+              <a:t>⏳ </a:t>
+            </a:r>
+            <a:r>
+              <a:rPr lang="en-IN" sz="1400" b="1" dirty="0">
+                <a:latin typeface="Times New Roman" panose="02020603050405020304" pitchFamily="18" charset="0"/>
+                <a:cs typeface="Times New Roman" panose="02020603050405020304" pitchFamily="18" charset="0"/>
+              </a:rPr>
+              <a:t>High Expiry Rate in Certain Offers</a:t>
+            </a:r>
+            <a:r>
+              <a:rPr lang="en-IN" sz="1400" dirty="0">
+                <a:latin typeface="Times New Roman" panose="02020603050405020304" pitchFamily="18" charset="0"/>
+                <a:cs typeface="Times New Roman" panose="02020603050405020304" pitchFamily="18" charset="0"/>
+              </a:rPr>
+              <a:t> → Some offers always expire without usage.</a:t>
+            </a:r>
+          </a:p>
+          <a:p>
+            <a:pPr marL="342900" indent="-342900">
+              <a:buFont typeface="+mj-lt"/>
+              <a:buAutoNum type="arabicPeriod"/>
+            </a:pPr>
+            <a:r>
+              <a:rPr lang="en-IN" sz="1400" dirty="0">
+                <a:latin typeface="Times New Roman" panose="02020603050405020304" pitchFamily="18" charset="0"/>
+                <a:cs typeface="Times New Roman" panose="02020603050405020304" pitchFamily="18" charset="0"/>
+              </a:rPr>
+              <a:t>🕳️ </a:t>
+            </a:r>
+            <a:r>
+              <a:rPr lang="en-IN" sz="1400" b="1" dirty="0">
+                <a:latin typeface="Times New Roman" panose="02020603050405020304" pitchFamily="18" charset="0"/>
+                <a:cs typeface="Times New Roman" panose="02020603050405020304" pitchFamily="18" charset="0"/>
+              </a:rPr>
+              <a:t>Engagement Funnel Gaps</a:t>
+            </a:r>
+            <a:r>
+              <a:rPr lang="en-IN" sz="1400" dirty="0">
+                <a:latin typeface="Times New Roman" panose="02020603050405020304" pitchFamily="18" charset="0"/>
+                <a:cs typeface="Times New Roman" panose="02020603050405020304" pitchFamily="18" charset="0"/>
+              </a:rPr>
+              <a:t> → High “received → not viewed” or “viewed → not completed” gaps.</a:t>
+            </a:r>
+          </a:p>
+          <a:p>
+            <a:pPr marL="342900" indent="-342900">
+              <a:buFont typeface="+mj-lt"/>
+              <a:buAutoNum type="arabicPeriod"/>
+            </a:pPr>
+            <a:r>
+              <a:rPr lang="en-IN" sz="1400" dirty="0">
+                <a:latin typeface="Times New Roman" panose="02020603050405020304" pitchFamily="18" charset="0"/>
+                <a:cs typeface="Times New Roman" panose="02020603050405020304" pitchFamily="18" charset="0"/>
+              </a:rPr>
+              <a:t>📉 </a:t>
+            </a:r>
+            <a:r>
+              <a:rPr lang="en-IN" sz="1400" b="1" dirty="0">
+                <a:latin typeface="Times New Roman" panose="02020603050405020304" pitchFamily="18" charset="0"/>
+                <a:cs typeface="Times New Roman" panose="02020603050405020304" pitchFamily="18" charset="0"/>
+              </a:rPr>
+              <a:t>Negative Business Impact Segments</a:t>
+            </a:r>
+            <a:r>
+              <a:rPr lang="en-IN" sz="1400" dirty="0">
+                <a:latin typeface="Times New Roman" panose="02020603050405020304" pitchFamily="18" charset="0"/>
+                <a:cs typeface="Times New Roman" panose="02020603050405020304" pitchFamily="18" charset="0"/>
+              </a:rPr>
+              <a:t> → Customers redeeming offers without increasing spend.</a:t>
+            </a:r>
+          </a:p>
+          <a:p>
+            <a:pPr marL="342900" indent="-342900">
+              <a:buFont typeface="+mj-lt"/>
+              <a:buAutoNum type="arabicPeriod"/>
+            </a:pPr>
+            <a:r>
+              <a:rPr lang="en-IN" sz="1400" dirty="0">
+                <a:latin typeface="Times New Roman" panose="02020603050405020304" pitchFamily="18" charset="0"/>
+                <a:cs typeface="Times New Roman" panose="02020603050405020304" pitchFamily="18" charset="0"/>
+              </a:rPr>
+              <a:t>🔁 </a:t>
+            </a:r>
+            <a:r>
+              <a:rPr lang="en-IN" sz="1400" b="1" dirty="0">
+                <a:latin typeface="Times New Roman" panose="02020603050405020304" pitchFamily="18" charset="0"/>
+                <a:cs typeface="Times New Roman" panose="02020603050405020304" pitchFamily="18" charset="0"/>
+              </a:rPr>
+              <a:t>Over-Saturation Risk</a:t>
+            </a:r>
+            <a:r>
+              <a:rPr lang="en-IN" sz="1400" dirty="0">
+                <a:latin typeface="Times New Roman" panose="02020603050405020304" pitchFamily="18" charset="0"/>
+                <a:cs typeface="Times New Roman" panose="02020603050405020304" pitchFamily="18" charset="0"/>
+              </a:rPr>
+              <a:t> → Customers receiving too many offers too frequently.</a:t>
+            </a:r>
+          </a:p>
+        </p:txBody>
+      </p:sp>
+    </p:spTree>
+    <p:extLst>
+      <p:ext uri="{BB962C8B-B14F-4D97-AF65-F5344CB8AC3E}">
+        <p14:creationId xmlns:p14="http://schemas.microsoft.com/office/powerpoint/2010/main" val="2511252800"/>
+      </p:ext>
+    </p:extLst>
+  </p:cSld>
+  <p:clrMapOvr>
+    <a:masterClrMapping/>
+  </p:clrMapOvr>
+</p:sld>
+</file>
+
+<file path=ppt/slides/slide26.xml><?xml version="1.0" encoding="utf-8"?>
+<p:sld xmlns:a="http://schemas.openxmlformats.org/drawingml/2006/main" xmlns:r="http://schemas.openxmlformats.org/officeDocument/2006/relationships" xmlns:p="http://schemas.openxmlformats.org/presentationml/2006/main">
+  <p:cSld>
+    <p:spTree>
+      <p:nvGrpSpPr>
+        <p:cNvPr id="1" name="">
+          <a:extLst>
+            <a:ext uri="{FF2B5EF4-FFF2-40B4-BE49-F238E27FC236}">
+              <a16:creationId xmlns:a16="http://schemas.microsoft.com/office/drawing/2014/main" id="{265CBC4C-103B-0C38-B111-8C4BD0E75CF2}"/>
+            </a:ext>
+          </a:extLst>
+        </p:cNvPr>
+        <p:cNvGrpSpPr/>
+        <p:nvPr/>
+      </p:nvGrpSpPr>
+      <p:grpSpPr>
+        <a:xfrm>
+          <a:off x="0" y="0"/>
+          <a:ext cx="0" cy="0"/>
+          <a:chOff x="0" y="0"/>
+          <a:chExt cx="0" cy="0"/>
+        </a:xfrm>
+      </p:grpSpPr>
+      <p:sp>
+        <p:nvSpPr>
+          <p:cNvPr id="12" name="Freeform 8">
+            <a:extLst>
+              <a:ext uri="{FF2B5EF4-FFF2-40B4-BE49-F238E27FC236}">
+                <a16:creationId xmlns:a16="http://schemas.microsoft.com/office/drawing/2014/main" id="{298A4D15-D424-5B4D-114A-443CE1B424EA}"/>
+              </a:ext>
+            </a:extLst>
+          </p:cNvPr>
+          <p:cNvSpPr/>
+          <p:nvPr/>
+        </p:nvSpPr>
+        <p:spPr>
+          <a:xfrm>
+            <a:off x="362465" y="963826"/>
+            <a:ext cx="5456582" cy="5132173"/>
+          </a:xfrm>
+          <a:custGeom>
+            <a:avLst/>
+            <a:gdLst/>
+            <a:ahLst/>
+            <a:cxnLst/>
+            <a:rect l="l" t="t" r="r" b="b"/>
+            <a:pathLst>
+              <a:path w="1836416" h="1281219">
+                <a:moveTo>
+                  <a:pt x="56627" y="0"/>
+                </a:moveTo>
+                <a:lnTo>
+                  <a:pt x="1779789" y="0"/>
+                </a:lnTo>
+                <a:cubicBezTo>
+                  <a:pt x="1794808" y="0"/>
+                  <a:pt x="1809211" y="5966"/>
+                  <a:pt x="1819831" y="16586"/>
+                </a:cubicBezTo>
+                <a:cubicBezTo>
+                  <a:pt x="1830450" y="27205"/>
+                  <a:pt x="1836416" y="41608"/>
+                  <a:pt x="1836416" y="56627"/>
+                </a:cubicBezTo>
+                <a:lnTo>
+                  <a:pt x="1836416" y="1224592"/>
+                </a:lnTo>
+                <a:cubicBezTo>
+                  <a:pt x="1836416" y="1255866"/>
+                  <a:pt x="1811063" y="1281219"/>
+                  <a:pt x="1779789" y="1281219"/>
+                </a:cubicBezTo>
+                <a:lnTo>
+                  <a:pt x="56627" y="1281219"/>
+                </a:lnTo>
+                <a:cubicBezTo>
+                  <a:pt x="41608" y="1281219"/>
+                  <a:pt x="27205" y="1275253"/>
+                  <a:pt x="16586" y="1264633"/>
+                </a:cubicBezTo>
+                <a:cubicBezTo>
+                  <a:pt x="5966" y="1254014"/>
+                  <a:pt x="0" y="1239611"/>
+                  <a:pt x="0" y="1224592"/>
+                </a:cubicBezTo>
+                <a:lnTo>
+                  <a:pt x="0" y="56627"/>
+                </a:lnTo>
+                <a:cubicBezTo>
+                  <a:pt x="0" y="25353"/>
+                  <a:pt x="25353" y="0"/>
+                  <a:pt x="56627" y="0"/>
+                </a:cubicBezTo>
+                <a:close/>
+              </a:path>
+            </a:pathLst>
+          </a:custGeom>
+          <a:solidFill>
+            <a:schemeClr val="bg1">
+              <a:alpha val="53725"/>
+            </a:schemeClr>
+          </a:solidFill>
+          <a:effectLst>
+            <a:outerShdw blurRad="63500" sx="102000" sy="102000" algn="ctr" rotWithShape="0">
+              <a:prstClr val="black">
+                <a:alpha val="40000"/>
+              </a:prstClr>
+            </a:outerShdw>
+          </a:effectLst>
+        </p:spPr>
+      </p:sp>
+      <p:sp>
+        <p:nvSpPr>
+          <p:cNvPr id="3" name="Rectangle 2">
+            <a:extLst>
+              <a:ext uri="{FF2B5EF4-FFF2-40B4-BE49-F238E27FC236}">
+                <a16:creationId xmlns:a16="http://schemas.microsoft.com/office/drawing/2014/main" id="{5559D321-90A0-BCD8-6248-EC54BDE3D876}"/>
+              </a:ext>
+            </a:extLst>
+          </p:cNvPr>
+          <p:cNvSpPr/>
+          <p:nvPr/>
+        </p:nvSpPr>
+        <p:spPr>
+          <a:xfrm>
+            <a:off x="0" y="0"/>
+            <a:ext cx="12192000" cy="609600"/>
+          </a:xfrm>
+          <a:prstGeom prst="rect">
+            <a:avLst/>
+          </a:prstGeom>
+          <a:solidFill>
+            <a:srgbClr val="338D90"/>
+          </a:solidFill>
+          <a:ln>
+            <a:solidFill>
+              <a:srgbClr val="338D90"/>
+            </a:solidFill>
+          </a:ln>
+        </p:spPr>
+        <p:style>
+          <a:lnRef idx="2">
+            <a:schemeClr val="accent1">
+              <a:shade val="15000"/>
+            </a:schemeClr>
+          </a:lnRef>
+          <a:fillRef idx="1">
+            <a:schemeClr val="accent1"/>
+          </a:fillRef>
+          <a:effectRef idx="0">
+            <a:schemeClr val="accent1"/>
+          </a:effectRef>
+          <a:fontRef idx="minor">
+            <a:schemeClr val="lt1"/>
+          </a:fontRef>
+        </p:style>
+        <p:txBody>
+          <a:bodyPr rtlCol="0" anchor="ctr"/>
+          <a:lstStyle/>
+          <a:p>
+            <a:pPr marL="914400" lvl="1" indent="-457200">
+              <a:buFont typeface="Wingdings" pitchFamily="2" charset="2"/>
+              <a:buChar char="q"/>
+            </a:pPr>
+            <a:r>
+              <a:rPr lang="en-US" sz="3200" b="1" dirty="0">
+                <a:solidFill>
+                  <a:schemeClr val="bg1"/>
+                </a:solidFill>
+                <a:latin typeface="Times New Roman" panose="02020603050405020304" pitchFamily="18" charset="0"/>
+                <a:cs typeface="Times New Roman" panose="02020603050405020304" pitchFamily="18" charset="0"/>
+              </a:rPr>
+              <a:t> Diagnostic Analysis  </a:t>
+            </a:r>
+            <a:r>
+              <a:rPr lang="en-US" sz="2400" b="1" dirty="0">
+                <a:solidFill>
+                  <a:prstClr val="white"/>
+                </a:solidFill>
+                <a:latin typeface="Times New Roman" panose="02020603050405020304" pitchFamily="18" charset="0"/>
+                <a:cs typeface="Times New Roman" panose="02020603050405020304" pitchFamily="18" charset="0"/>
+              </a:rPr>
+              <a:t>(</a:t>
+            </a:r>
+            <a:r>
+              <a:rPr lang="en-IN" sz="2400" b="1" dirty="0">
+                <a:solidFill>
+                  <a:prstClr val="white"/>
+                </a:solidFill>
+                <a:latin typeface="Times New Roman" panose="02020603050405020304" pitchFamily="18" charset="0"/>
+                <a:cs typeface="Times New Roman" panose="02020603050405020304" pitchFamily="18" charset="0"/>
+              </a:rPr>
+              <a:t>Why It Happened?) </a:t>
+            </a:r>
+            <a:r>
+              <a:rPr lang="en-US" sz="3200" b="1" dirty="0">
+                <a:solidFill>
+                  <a:prstClr val="white"/>
+                </a:solidFill>
+                <a:latin typeface="Times New Roman" panose="02020603050405020304" pitchFamily="18" charset="0"/>
+                <a:cs typeface="Times New Roman" panose="02020603050405020304" pitchFamily="18" charset="0"/>
+              </a:rPr>
+              <a:t>(4/4)</a:t>
+            </a:r>
+            <a:endParaRPr lang="en-US" sz="4000" b="1" dirty="0">
+              <a:solidFill>
+                <a:schemeClr val="bg1"/>
+              </a:solidFill>
+              <a:latin typeface="Times New Roman" panose="02020603050405020304" pitchFamily="18" charset="0"/>
+              <a:cs typeface="Times New Roman" panose="02020603050405020304" pitchFamily="18" charset="0"/>
+            </a:endParaRPr>
+          </a:p>
+        </p:txBody>
+      </p:sp>
+      <p:sp>
+        <p:nvSpPr>
+          <p:cNvPr id="11" name="TextBox 10">
+            <a:extLst>
+              <a:ext uri="{FF2B5EF4-FFF2-40B4-BE49-F238E27FC236}">
+                <a16:creationId xmlns:a16="http://schemas.microsoft.com/office/drawing/2014/main" id="{4251D739-9869-0311-E5E5-6714495C8F3F}"/>
+              </a:ext>
+            </a:extLst>
+          </p:cNvPr>
+          <p:cNvSpPr txBox="1"/>
+          <p:nvPr/>
+        </p:nvSpPr>
+        <p:spPr>
+          <a:xfrm>
+            <a:off x="551660" y="1036921"/>
+            <a:ext cx="5078191" cy="3862596"/>
+          </a:xfrm>
+          <a:prstGeom prst="rect">
+            <a:avLst/>
+          </a:prstGeom>
+          <a:noFill/>
+        </p:spPr>
+        <p:txBody>
+          <a:bodyPr wrap="square">
+            <a:spAutoFit/>
+          </a:bodyPr>
+          <a:lstStyle/>
+          <a:p>
+            <a:pPr>
+              <a:lnSpc>
+                <a:spcPct val="150000"/>
+              </a:lnSpc>
+            </a:pPr>
+            <a:r>
+              <a:rPr lang="en-IN" sz="1600" b="1" dirty="0">
+                <a:latin typeface="Times New Roman" panose="02020603050405020304" pitchFamily="18" charset="0"/>
+                <a:cs typeface="Times New Roman" panose="02020603050405020304" pitchFamily="18" charset="0"/>
+              </a:rPr>
+              <a:t>🎯 KRA (Key Result Areas):</a:t>
+            </a:r>
+          </a:p>
+          <a:p>
+            <a:pPr lvl="1"/>
+            <a:r>
+              <a:rPr lang="en-IN" sz="1400" dirty="0">
+                <a:latin typeface="Times New Roman" panose="02020603050405020304" pitchFamily="18" charset="0"/>
+                <a:cs typeface="Times New Roman" panose="02020603050405020304" pitchFamily="18" charset="0"/>
+              </a:rPr>
+              <a:t>KRAs here are about </a:t>
+            </a:r>
+            <a:r>
+              <a:rPr lang="en-IN" sz="1400" b="1" dirty="0">
+                <a:latin typeface="Times New Roman" panose="02020603050405020304" pitchFamily="18" charset="0"/>
+                <a:cs typeface="Times New Roman" panose="02020603050405020304" pitchFamily="18" charset="0"/>
+              </a:rPr>
+              <a:t>pinpointing the “why”</a:t>
+            </a:r>
+            <a:r>
+              <a:rPr lang="en-IN" sz="1400" dirty="0">
+                <a:latin typeface="Times New Roman" panose="02020603050405020304" pitchFamily="18" charset="0"/>
+                <a:cs typeface="Times New Roman" panose="02020603050405020304" pitchFamily="18" charset="0"/>
+              </a:rPr>
+              <a:t> behind descriptive results.</a:t>
+            </a:r>
+          </a:p>
+          <a:p>
+            <a:pPr lvl="1"/>
+            <a:endParaRPr lang="en-IN" sz="1400" dirty="0">
+              <a:latin typeface="Times New Roman" panose="02020603050405020304" pitchFamily="18" charset="0"/>
+              <a:cs typeface="Times New Roman" panose="02020603050405020304" pitchFamily="18" charset="0"/>
+            </a:endParaRPr>
+          </a:p>
+          <a:p>
+            <a:pPr marL="342900" indent="-342900">
+              <a:buFont typeface="+mj-lt"/>
+              <a:buAutoNum type="arabicPeriod"/>
+            </a:pPr>
+            <a:r>
+              <a:rPr lang="en-IN" sz="1400" dirty="0">
+                <a:latin typeface="Times New Roman" panose="02020603050405020304" pitchFamily="18" charset="0"/>
+                <a:cs typeface="Times New Roman" panose="02020603050405020304" pitchFamily="18" charset="0"/>
+              </a:rPr>
+              <a:t>👥 </a:t>
+            </a:r>
+            <a:r>
+              <a:rPr lang="en-IN" sz="1400" b="1" dirty="0">
+                <a:latin typeface="Times New Roman" panose="02020603050405020304" pitchFamily="18" charset="0"/>
+                <a:cs typeface="Times New Roman" panose="02020603050405020304" pitchFamily="18" charset="0"/>
+              </a:rPr>
+              <a:t>Customer Segment Diagnostics</a:t>
+            </a:r>
+            <a:r>
+              <a:rPr lang="en-IN" sz="1400" dirty="0">
+                <a:latin typeface="Times New Roman" panose="02020603050405020304" pitchFamily="18" charset="0"/>
+                <a:cs typeface="Times New Roman" panose="02020603050405020304" pitchFamily="18" charset="0"/>
+              </a:rPr>
+              <a:t> → Identifying which groups drive or drag performance.</a:t>
+            </a:r>
+          </a:p>
+          <a:p>
+            <a:pPr marL="342900" indent="-342900">
+              <a:buFont typeface="+mj-lt"/>
+              <a:buAutoNum type="arabicPeriod"/>
+            </a:pPr>
+            <a:r>
+              <a:rPr lang="en-IN" sz="1400" dirty="0">
+                <a:latin typeface="Times New Roman" panose="02020603050405020304" pitchFamily="18" charset="0"/>
+                <a:cs typeface="Times New Roman" panose="02020603050405020304" pitchFamily="18" charset="0"/>
+              </a:rPr>
+              <a:t>🎟️ </a:t>
+            </a:r>
+            <a:r>
+              <a:rPr lang="en-IN" sz="1400" b="1" dirty="0">
+                <a:latin typeface="Times New Roman" panose="02020603050405020304" pitchFamily="18" charset="0"/>
+                <a:cs typeface="Times New Roman" panose="02020603050405020304" pitchFamily="18" charset="0"/>
+              </a:rPr>
+              <a:t>Offer-Type Diagnostics</a:t>
+            </a:r>
+            <a:r>
+              <a:rPr lang="en-IN" sz="1400" dirty="0">
+                <a:latin typeface="Times New Roman" panose="02020603050405020304" pitchFamily="18" charset="0"/>
+                <a:cs typeface="Times New Roman" panose="02020603050405020304" pitchFamily="18" charset="0"/>
+              </a:rPr>
+              <a:t> → Why certain offer types outperform others.</a:t>
+            </a:r>
+          </a:p>
+          <a:p>
+            <a:pPr marL="342900" indent="-342900">
+              <a:buFont typeface="+mj-lt"/>
+              <a:buAutoNum type="arabicPeriod"/>
+            </a:pPr>
+            <a:r>
+              <a:rPr lang="en-IN" sz="1400" dirty="0">
+                <a:latin typeface="Times New Roman" panose="02020603050405020304" pitchFamily="18" charset="0"/>
+                <a:cs typeface="Times New Roman" panose="02020603050405020304" pitchFamily="18" charset="0"/>
+              </a:rPr>
+              <a:t>💳 </a:t>
+            </a:r>
+            <a:r>
+              <a:rPr lang="en-IN" sz="1400" b="1" dirty="0" err="1">
+                <a:latin typeface="Times New Roman" panose="02020603050405020304" pitchFamily="18" charset="0"/>
+                <a:cs typeface="Times New Roman" panose="02020603050405020304" pitchFamily="18" charset="0"/>
+              </a:rPr>
+              <a:t>Behavioral</a:t>
+            </a:r>
+            <a:r>
+              <a:rPr lang="en-IN" sz="1400" b="1" dirty="0">
+                <a:latin typeface="Times New Roman" panose="02020603050405020304" pitchFamily="18" charset="0"/>
+                <a:cs typeface="Times New Roman" panose="02020603050405020304" pitchFamily="18" charset="0"/>
+              </a:rPr>
+              <a:t> Diagnostics</a:t>
+            </a:r>
+            <a:r>
+              <a:rPr lang="en-IN" sz="1400" dirty="0">
+                <a:latin typeface="Times New Roman" panose="02020603050405020304" pitchFamily="18" charset="0"/>
+                <a:cs typeface="Times New Roman" panose="02020603050405020304" pitchFamily="18" charset="0"/>
+              </a:rPr>
+              <a:t> → Why customers spend more/less with offers.</a:t>
+            </a:r>
+          </a:p>
+          <a:p>
+            <a:pPr marL="342900" indent="-342900">
+              <a:buFont typeface="+mj-lt"/>
+              <a:buAutoNum type="arabicPeriod"/>
+            </a:pPr>
+            <a:r>
+              <a:rPr lang="en-IN" sz="1400" dirty="0">
+                <a:latin typeface="Times New Roman" panose="02020603050405020304" pitchFamily="18" charset="0"/>
+                <a:cs typeface="Times New Roman" panose="02020603050405020304" pitchFamily="18" charset="0"/>
+              </a:rPr>
+              <a:t>🔄 </a:t>
+            </a:r>
+            <a:r>
+              <a:rPr lang="en-IN" sz="1400" b="1" dirty="0">
+                <a:latin typeface="Times New Roman" panose="02020603050405020304" pitchFamily="18" charset="0"/>
+                <a:cs typeface="Times New Roman" panose="02020603050405020304" pitchFamily="18" charset="0"/>
+              </a:rPr>
+              <a:t>Engagement Path Diagnostics</a:t>
+            </a:r>
+            <a:r>
+              <a:rPr lang="en-IN" sz="1400" dirty="0">
+                <a:latin typeface="Times New Roman" panose="02020603050405020304" pitchFamily="18" charset="0"/>
+                <a:cs typeface="Times New Roman" panose="02020603050405020304" pitchFamily="18" charset="0"/>
+              </a:rPr>
+              <a:t> → Understanding drop-offs in the engagement funnel.</a:t>
+            </a:r>
+          </a:p>
+          <a:p>
+            <a:pPr marL="342900" indent="-342900">
+              <a:buFont typeface="+mj-lt"/>
+              <a:buAutoNum type="arabicPeriod"/>
+            </a:pPr>
+            <a:r>
+              <a:rPr lang="en-IN" sz="1400" dirty="0">
+                <a:latin typeface="Times New Roman" panose="02020603050405020304" pitchFamily="18" charset="0"/>
+                <a:cs typeface="Times New Roman" panose="02020603050405020304" pitchFamily="18" charset="0"/>
+              </a:rPr>
+              <a:t>🛡️ </a:t>
+            </a:r>
+            <a:r>
+              <a:rPr lang="en-IN" sz="1400" b="1" dirty="0">
+                <a:latin typeface="Times New Roman" panose="02020603050405020304" pitchFamily="18" charset="0"/>
+                <a:cs typeface="Times New Roman" panose="02020603050405020304" pitchFamily="18" charset="0"/>
+              </a:rPr>
+              <a:t>Risk Diagnostics</a:t>
+            </a:r>
+            <a:r>
+              <a:rPr lang="en-IN" sz="1400" dirty="0">
+                <a:latin typeface="Times New Roman" panose="02020603050405020304" pitchFamily="18" charset="0"/>
+                <a:cs typeface="Times New Roman" panose="02020603050405020304" pitchFamily="18" charset="0"/>
+              </a:rPr>
+              <a:t> → Pinpointing mismatches, redundancies, or waste in campaigns.</a:t>
+            </a:r>
+          </a:p>
+          <a:p>
+            <a:pPr marL="342900" indent="-342900">
+              <a:buFont typeface="+mj-lt"/>
+              <a:buAutoNum type="arabicPeriod"/>
+            </a:pPr>
+            <a:r>
+              <a:rPr lang="en-IN" sz="1400" dirty="0">
+                <a:latin typeface="Times New Roman" panose="02020603050405020304" pitchFamily="18" charset="0"/>
+                <a:cs typeface="Times New Roman" panose="02020603050405020304" pitchFamily="18" charset="0"/>
+              </a:rPr>
+              <a:t>📈 </a:t>
+            </a:r>
+            <a:r>
+              <a:rPr lang="en-IN" sz="1400" b="1" dirty="0">
+                <a:latin typeface="Times New Roman" panose="02020603050405020304" pitchFamily="18" charset="0"/>
+                <a:cs typeface="Times New Roman" panose="02020603050405020304" pitchFamily="18" charset="0"/>
+              </a:rPr>
+              <a:t>Root Cause Identification</a:t>
+            </a:r>
+            <a:r>
+              <a:rPr lang="en-IN" sz="1400" dirty="0">
+                <a:latin typeface="Times New Roman" panose="02020603050405020304" pitchFamily="18" charset="0"/>
+                <a:cs typeface="Times New Roman" panose="02020603050405020304" pitchFamily="18" charset="0"/>
+              </a:rPr>
+              <a:t> → Mapping factors (demographics, income, offer type, timing) to outcomes.</a:t>
+            </a:r>
+          </a:p>
+          <a:p>
+            <a:pPr lvl="1"/>
+            <a:endParaRPr lang="en-IN" sz="1100" dirty="0">
+              <a:latin typeface="Times New Roman" panose="02020603050405020304" pitchFamily="18" charset="0"/>
+              <a:cs typeface="Times New Roman" panose="02020603050405020304" pitchFamily="18" charset="0"/>
+            </a:endParaRPr>
+          </a:p>
+        </p:txBody>
+      </p:sp>
+      <p:sp>
+        <p:nvSpPr>
+          <p:cNvPr id="2" name="Freeform 8">
+            <a:extLst>
+              <a:ext uri="{FF2B5EF4-FFF2-40B4-BE49-F238E27FC236}">
+                <a16:creationId xmlns:a16="http://schemas.microsoft.com/office/drawing/2014/main" id="{A934F794-9EBD-0EA1-36A6-D8571BD867A4}"/>
+              </a:ext>
+            </a:extLst>
+          </p:cNvPr>
+          <p:cNvSpPr/>
+          <p:nvPr/>
+        </p:nvSpPr>
+        <p:spPr>
+          <a:xfrm>
+            <a:off x="6372953" y="963825"/>
+            <a:ext cx="5456582" cy="5132173"/>
+          </a:xfrm>
+          <a:custGeom>
+            <a:avLst/>
+            <a:gdLst/>
+            <a:ahLst/>
+            <a:cxnLst/>
+            <a:rect l="l" t="t" r="r" b="b"/>
+            <a:pathLst>
+              <a:path w="1836416" h="1281219">
+                <a:moveTo>
+                  <a:pt x="56627" y="0"/>
+                </a:moveTo>
+                <a:lnTo>
+                  <a:pt x="1779789" y="0"/>
+                </a:lnTo>
+                <a:cubicBezTo>
+                  <a:pt x="1794808" y="0"/>
+                  <a:pt x="1809211" y="5966"/>
+                  <a:pt x="1819831" y="16586"/>
+                </a:cubicBezTo>
+                <a:cubicBezTo>
+                  <a:pt x="1830450" y="27205"/>
+                  <a:pt x="1836416" y="41608"/>
+                  <a:pt x="1836416" y="56627"/>
+                </a:cubicBezTo>
+                <a:lnTo>
+                  <a:pt x="1836416" y="1224592"/>
+                </a:lnTo>
+                <a:cubicBezTo>
+                  <a:pt x="1836416" y="1255866"/>
+                  <a:pt x="1811063" y="1281219"/>
+                  <a:pt x="1779789" y="1281219"/>
+                </a:cubicBezTo>
+                <a:lnTo>
+                  <a:pt x="56627" y="1281219"/>
+                </a:lnTo>
+                <a:cubicBezTo>
+                  <a:pt x="41608" y="1281219"/>
+                  <a:pt x="27205" y="1275253"/>
+                  <a:pt x="16586" y="1264633"/>
+                </a:cubicBezTo>
+                <a:cubicBezTo>
+                  <a:pt x="5966" y="1254014"/>
+                  <a:pt x="0" y="1239611"/>
+                  <a:pt x="0" y="1224592"/>
+                </a:cubicBezTo>
+                <a:lnTo>
+                  <a:pt x="0" y="56627"/>
+                </a:lnTo>
+                <a:cubicBezTo>
+                  <a:pt x="0" y="25353"/>
+                  <a:pt x="25353" y="0"/>
+                  <a:pt x="56627" y="0"/>
+                </a:cubicBezTo>
+                <a:close/>
+              </a:path>
+            </a:pathLst>
+          </a:custGeom>
+          <a:solidFill>
+            <a:schemeClr val="bg1">
+              <a:alpha val="53725"/>
+            </a:schemeClr>
+          </a:solidFill>
+          <a:ln>
+            <a:noFill/>
+          </a:ln>
+          <a:effectLst>
+            <a:outerShdw blurRad="63500" sx="102000" sy="102000" algn="ctr" rotWithShape="0">
+              <a:prstClr val="black">
+                <a:alpha val="40000"/>
+              </a:prstClr>
+            </a:outerShdw>
+          </a:effectLst>
+        </p:spPr>
+      </p:sp>
+      <p:sp>
+        <p:nvSpPr>
+          <p:cNvPr id="5" name="TextBox 4">
+            <a:extLst>
+              <a:ext uri="{FF2B5EF4-FFF2-40B4-BE49-F238E27FC236}">
+                <a16:creationId xmlns:a16="http://schemas.microsoft.com/office/drawing/2014/main" id="{C6797D51-0DDE-60BF-11BF-C536648B3E99}"/>
+              </a:ext>
+            </a:extLst>
+          </p:cNvPr>
+          <p:cNvSpPr txBox="1"/>
+          <p:nvPr/>
+        </p:nvSpPr>
+        <p:spPr>
+          <a:xfrm>
+            <a:off x="6615477" y="1036921"/>
+            <a:ext cx="4971534" cy="2685159"/>
+          </a:xfrm>
+          <a:prstGeom prst="rect">
+            <a:avLst/>
+          </a:prstGeom>
+          <a:noFill/>
+        </p:spPr>
+        <p:txBody>
+          <a:bodyPr wrap="square">
+            <a:spAutoFit/>
+          </a:bodyPr>
+          <a:lstStyle/>
+          <a:p>
+            <a:pPr>
+              <a:lnSpc>
+                <a:spcPct val="150000"/>
+              </a:lnSpc>
+            </a:pPr>
+            <a:r>
+              <a:rPr lang="en-IN" sz="1600" b="1" dirty="0">
+                <a:latin typeface="Times New Roman" panose="02020603050405020304" pitchFamily="18" charset="0"/>
+                <a:cs typeface="Times New Roman" panose="02020603050405020304" pitchFamily="18" charset="0"/>
+              </a:rPr>
+              <a:t>✅ In summary:</a:t>
+            </a:r>
+          </a:p>
+          <a:p>
+            <a:pPr>
+              <a:lnSpc>
+                <a:spcPct val="150000"/>
+              </a:lnSpc>
+            </a:pPr>
+            <a:endParaRPr lang="en-IN" sz="1400" b="1" dirty="0">
+              <a:latin typeface="Times New Roman" panose="02020603050405020304" pitchFamily="18" charset="0"/>
+              <a:cs typeface="Times New Roman" panose="02020603050405020304" pitchFamily="18" charset="0"/>
+            </a:endParaRPr>
+          </a:p>
+          <a:p>
+            <a:pPr marL="342900" indent="-342900">
+              <a:lnSpc>
+                <a:spcPct val="150000"/>
+              </a:lnSpc>
+              <a:buFont typeface="+mj-lt"/>
+              <a:buAutoNum type="arabicPeriod"/>
+            </a:pPr>
+            <a:r>
+              <a:rPr lang="en-IN" sz="1400" b="1" dirty="0">
+                <a:latin typeface="Times New Roman" panose="02020603050405020304" pitchFamily="18" charset="0"/>
+                <a:cs typeface="Times New Roman" panose="02020603050405020304" pitchFamily="18" charset="0"/>
+              </a:rPr>
+              <a:t>KPI → </a:t>
+            </a:r>
+          </a:p>
+          <a:p>
+            <a:pPr lvl="1">
+              <a:lnSpc>
+                <a:spcPct val="150000"/>
+              </a:lnSpc>
+            </a:pPr>
+            <a:r>
+              <a:rPr lang="en-IN" sz="1400" dirty="0">
+                <a:latin typeface="Times New Roman" panose="02020603050405020304" pitchFamily="18" charset="0"/>
+                <a:cs typeface="Times New Roman" panose="02020603050405020304" pitchFamily="18" charset="0"/>
+              </a:rPr>
+              <a:t>Metrics showing what factors influence performance</a:t>
+            </a:r>
+          </a:p>
+          <a:p>
+            <a:pPr marL="342900" indent="-342900">
+              <a:lnSpc>
+                <a:spcPct val="150000"/>
+              </a:lnSpc>
+              <a:buFont typeface="+mj-lt"/>
+              <a:buAutoNum type="arabicPeriod"/>
+            </a:pPr>
+            <a:r>
+              <a:rPr lang="en-IN" sz="1400" b="1" dirty="0">
+                <a:latin typeface="Times New Roman" panose="02020603050405020304" pitchFamily="18" charset="0"/>
+                <a:cs typeface="Times New Roman" panose="02020603050405020304" pitchFamily="18" charset="0"/>
+              </a:rPr>
+              <a:t>KRI → </a:t>
+            </a:r>
+          </a:p>
+          <a:p>
+            <a:pPr lvl="1">
+              <a:lnSpc>
+                <a:spcPct val="150000"/>
+              </a:lnSpc>
+            </a:pPr>
+            <a:r>
+              <a:rPr lang="en-IN" sz="1400" dirty="0">
+                <a:latin typeface="Times New Roman" panose="02020603050405020304" pitchFamily="18" charset="0"/>
+                <a:cs typeface="Times New Roman" panose="02020603050405020304" pitchFamily="18" charset="0"/>
+              </a:rPr>
+              <a:t>Red flags explaining poor outcomes</a:t>
+            </a:r>
+          </a:p>
+          <a:p>
+            <a:pPr marL="342900" indent="-342900">
+              <a:lnSpc>
+                <a:spcPct val="150000"/>
+              </a:lnSpc>
+              <a:buFont typeface="+mj-lt"/>
+              <a:buAutoNum type="arabicPeriod"/>
+            </a:pPr>
+            <a:r>
+              <a:rPr lang="en-IN" sz="1400" b="1" dirty="0">
+                <a:latin typeface="Times New Roman" panose="02020603050405020304" pitchFamily="18" charset="0"/>
+                <a:cs typeface="Times New Roman" panose="02020603050405020304" pitchFamily="18" charset="0"/>
+              </a:rPr>
+              <a:t>KRA → </a:t>
+            </a:r>
+          </a:p>
+          <a:p>
+            <a:pPr lvl="1">
+              <a:lnSpc>
+                <a:spcPct val="150000"/>
+              </a:lnSpc>
+            </a:pPr>
+            <a:r>
+              <a:rPr lang="en-IN" sz="1400" dirty="0">
+                <a:latin typeface="Times New Roman" panose="02020603050405020304" pitchFamily="18" charset="0"/>
+                <a:cs typeface="Times New Roman" panose="02020603050405020304" pitchFamily="18" charset="0"/>
+              </a:rPr>
+              <a:t>Areas of focus for root-cause investigation</a:t>
+            </a:r>
+          </a:p>
+        </p:txBody>
+      </p:sp>
+    </p:spTree>
+    <p:extLst>
+      <p:ext uri="{BB962C8B-B14F-4D97-AF65-F5344CB8AC3E}">
+        <p14:creationId xmlns:p14="http://schemas.microsoft.com/office/powerpoint/2010/main" val="334684814"/>
+      </p:ext>
+    </p:extLst>
+  </p:cSld>
+  <p:clrMapOvr>
+    <a:masterClrMapping/>
+  </p:clrMapOvr>
+</p:sld>
+</file>
+
+<file path=ppt/slides/slide27.xml><?xml version="1.0" encoding="utf-8"?>
 <p:sld xmlns:a="http://schemas.openxmlformats.org/drawingml/2006/main" xmlns:r="http://schemas.openxmlformats.org/officeDocument/2006/relationships" xmlns:p="http://schemas.openxmlformats.org/presentationml/2006/main">
   <p:cSld>
     <p:spTree>
@@ -17130,7 +20962,24 @@
                 <a:latin typeface="Times New Roman" panose="02020603050405020304" pitchFamily="18" charset="0"/>
                 <a:cs typeface="Times New Roman" panose="02020603050405020304" pitchFamily="18" charset="0"/>
               </a:rPr>
-              <a:t>What Will Happen?)</a:t>
+              <a:t>What Will Happen?) </a:t>
+            </a:r>
+            <a:r>
+              <a:rPr kumimoji="0" lang="en-US" sz="3200" b="1" i="0" u="none" strike="noStrike" kern="1200" cap="none" spc="0" normalizeH="0" baseline="0" noProof="0" dirty="0">
+                <a:ln>
+                  <a:noFill/>
+                </a:ln>
+                <a:solidFill>
+                  <a:prstClr val="white"/>
+                </a:solidFill>
+                <a:effectLst/>
+                <a:uLnTx/>
+                <a:uFillTx/>
+                <a:latin typeface="Times New Roman" panose="02020603050405020304" pitchFamily="18" charset="0"/>
+                <a:ea typeface="+mn-ea"/>
+                <a:cs typeface="Times New Roman" panose="02020603050405020304" pitchFamily="18" charset="0"/>
+              </a:rPr>
+              <a:t>(1/3) </a:t>
             </a:r>
             <a:endParaRPr lang="en-IN" sz="4000" b="1" dirty="0">
               <a:latin typeface="Times New Roman" panose="02020603050405020304" pitchFamily="18" charset="0"/>
@@ -17177,7 +21026,7 @@
                 <a:latin typeface="Times New Roman" panose="02020603050405020304" pitchFamily="18" charset="0"/>
                 <a:cs typeface="Times New Roman" panose="02020603050405020304" pitchFamily="18" charset="0"/>
               </a:rPr>
-              <a:t>1️⃣ 🤔📩✅ </a:t>
+              <a:t>1️⃣ 📩✅ </a:t>
             </a:r>
             <a:r>
               <a:rPr lang="en-IN" sz="1600" b="1" dirty="0">
@@ -17739,7 +21588,7 @@
                 <a:latin typeface="Times New Roman" panose="02020603050405020304" pitchFamily="18" charset="0"/>
                 <a:cs typeface="Times New Roman" panose="02020603050405020304" pitchFamily="18" charset="0"/>
               </a:rPr>
-              <a:t>9️⃣ 📆📉📈 </a:t>
+              <a:t>9️⃣ 📆📈 </a:t>
             </a:r>
             <a:r>
               <a:rPr lang="en-IN" sz="1600" b="1" dirty="0">
@@ -17839,7 +21688,1985 @@
 </p:sld>
 </file>
 
-<file path=ppt/slides/slide23.xml><?xml version="1.0" encoding="utf-8"?>
+<file path=ppt/slides/slide28.xml><?xml version="1.0" encoding="utf-8"?>
+<p:sld xmlns:a="http://schemas.openxmlformats.org/drawingml/2006/main" xmlns:r="http://schemas.openxmlformats.org/officeDocument/2006/relationships" xmlns:p="http://schemas.openxmlformats.org/presentationml/2006/main">
+  <p:cSld>
+    <p:spTree>
+      <p:nvGrpSpPr>
+        <p:cNvPr id="1" name="">
+          <a:extLst>
+            <a:ext uri="{FF2B5EF4-FFF2-40B4-BE49-F238E27FC236}">
+              <a16:creationId xmlns:a16="http://schemas.microsoft.com/office/drawing/2014/main" id="{926FBAF3-E573-1ACA-9BB7-73E513A73E14}"/>
+            </a:ext>
+          </a:extLst>
+        </p:cNvPr>
+        <p:cNvGrpSpPr/>
+        <p:nvPr/>
+      </p:nvGrpSpPr>
+      <p:grpSpPr>
+        <a:xfrm>
+          <a:off x="0" y="0"/>
+          <a:ext cx="0" cy="0"/>
+          <a:chOff x="0" y="0"/>
+          <a:chExt cx="0" cy="0"/>
+        </a:xfrm>
+      </p:grpSpPr>
+      <p:sp>
+        <p:nvSpPr>
+          <p:cNvPr id="12" name="Freeform 8">
+            <a:extLst>
+              <a:ext uri="{FF2B5EF4-FFF2-40B4-BE49-F238E27FC236}">
+                <a16:creationId xmlns:a16="http://schemas.microsoft.com/office/drawing/2014/main" id="{C645D608-F711-A2CA-3B20-353D5CEFDB54}"/>
+              </a:ext>
+            </a:extLst>
+          </p:cNvPr>
+          <p:cNvSpPr/>
+          <p:nvPr/>
+        </p:nvSpPr>
+        <p:spPr>
+          <a:xfrm>
+            <a:off x="362465" y="963826"/>
+            <a:ext cx="5456582" cy="5132173"/>
+          </a:xfrm>
+          <a:custGeom>
+            <a:avLst/>
+            <a:gdLst/>
+            <a:ahLst/>
+            <a:cxnLst/>
+            <a:rect l="l" t="t" r="r" b="b"/>
+            <a:pathLst>
+              <a:path w="1836416" h="1281219">
+                <a:moveTo>
+                  <a:pt x="56627" y="0"/>
+                </a:moveTo>
+                <a:lnTo>
+                  <a:pt x="1779789" y="0"/>
+                </a:lnTo>
+                <a:cubicBezTo>
+                  <a:pt x="1794808" y="0"/>
+                  <a:pt x="1809211" y="5966"/>
+                  <a:pt x="1819831" y="16586"/>
+                </a:cubicBezTo>
+                <a:cubicBezTo>
+                  <a:pt x="1830450" y="27205"/>
+                  <a:pt x="1836416" y="41608"/>
+                  <a:pt x="1836416" y="56627"/>
+                </a:cubicBezTo>
+                <a:lnTo>
+                  <a:pt x="1836416" y="1224592"/>
+                </a:lnTo>
+                <a:cubicBezTo>
+                  <a:pt x="1836416" y="1255866"/>
+                  <a:pt x="1811063" y="1281219"/>
+                  <a:pt x="1779789" y="1281219"/>
+                </a:cubicBezTo>
+                <a:lnTo>
+                  <a:pt x="56627" y="1281219"/>
+                </a:lnTo>
+                <a:cubicBezTo>
+                  <a:pt x="41608" y="1281219"/>
+                  <a:pt x="27205" y="1275253"/>
+                  <a:pt x="16586" y="1264633"/>
+                </a:cubicBezTo>
+                <a:cubicBezTo>
+                  <a:pt x="5966" y="1254014"/>
+                  <a:pt x="0" y="1239611"/>
+                  <a:pt x="0" y="1224592"/>
+                </a:cubicBezTo>
+                <a:lnTo>
+                  <a:pt x="0" y="56627"/>
+                </a:lnTo>
+                <a:cubicBezTo>
+                  <a:pt x="0" y="25353"/>
+                  <a:pt x="25353" y="0"/>
+                  <a:pt x="56627" y="0"/>
+                </a:cubicBezTo>
+                <a:close/>
+              </a:path>
+            </a:pathLst>
+          </a:custGeom>
+          <a:solidFill>
+            <a:schemeClr val="bg1">
+              <a:alpha val="53725"/>
+            </a:schemeClr>
+          </a:solidFill>
+          <a:effectLst>
+            <a:outerShdw blurRad="63500" sx="102000" sy="102000" algn="ctr" rotWithShape="0">
+              <a:prstClr val="black">
+                <a:alpha val="40000"/>
+              </a:prstClr>
+            </a:outerShdw>
+          </a:effectLst>
+        </p:spPr>
+      </p:sp>
+      <p:sp>
+        <p:nvSpPr>
+          <p:cNvPr id="3" name="Rectangle 2">
+            <a:extLst>
+              <a:ext uri="{FF2B5EF4-FFF2-40B4-BE49-F238E27FC236}">
+                <a16:creationId xmlns:a16="http://schemas.microsoft.com/office/drawing/2014/main" id="{B0BA6ECD-73EC-CA8A-46AC-B65DA5C2D348}"/>
+              </a:ext>
+            </a:extLst>
+          </p:cNvPr>
+          <p:cNvSpPr/>
+          <p:nvPr/>
+        </p:nvSpPr>
+        <p:spPr>
+          <a:xfrm>
+            <a:off x="0" y="0"/>
+            <a:ext cx="12192000" cy="609600"/>
+          </a:xfrm>
+          <a:prstGeom prst="rect">
+            <a:avLst/>
+          </a:prstGeom>
+          <a:solidFill>
+            <a:srgbClr val="338D90"/>
+          </a:solidFill>
+          <a:ln>
+            <a:solidFill>
+              <a:srgbClr val="338D90"/>
+            </a:solidFill>
+          </a:ln>
+        </p:spPr>
+        <p:style>
+          <a:lnRef idx="2">
+            <a:schemeClr val="accent1">
+              <a:shade val="15000"/>
+            </a:schemeClr>
+          </a:lnRef>
+          <a:fillRef idx="1">
+            <a:schemeClr val="accent1"/>
+          </a:fillRef>
+          <a:effectRef idx="0">
+            <a:schemeClr val="accent1"/>
+          </a:effectRef>
+          <a:fontRef idx="minor">
+            <a:schemeClr val="lt1"/>
+          </a:fontRef>
+        </p:style>
+        <p:txBody>
+          <a:bodyPr rtlCol="0" anchor="ctr"/>
+          <a:lstStyle/>
+          <a:p>
+            <a:pPr marL="914400" lvl="1" indent="-457200">
+              <a:buFont typeface="Wingdings" pitchFamily="2" charset="2"/>
+              <a:buChar char="q"/>
+            </a:pPr>
+            <a:r>
+              <a:rPr lang="en-US" sz="3200" b="1" dirty="0">
+                <a:solidFill>
+                  <a:schemeClr val="bg1"/>
+                </a:solidFill>
+                <a:latin typeface="Times New Roman" panose="02020603050405020304" pitchFamily="18" charset="0"/>
+                <a:cs typeface="Times New Roman" panose="02020603050405020304" pitchFamily="18" charset="0"/>
+              </a:rPr>
+              <a:t> Predictive Analysis  </a:t>
+            </a:r>
+            <a:r>
+              <a:rPr lang="en-US" sz="2400" b="1" dirty="0">
+                <a:solidFill>
+                  <a:schemeClr val="bg1"/>
+                </a:solidFill>
+                <a:latin typeface="Times New Roman" panose="02020603050405020304" pitchFamily="18" charset="0"/>
+                <a:cs typeface="Times New Roman" panose="02020603050405020304" pitchFamily="18" charset="0"/>
+              </a:rPr>
+              <a:t>(</a:t>
+            </a:r>
+            <a:r>
+              <a:rPr lang="en-IN" sz="2400" b="1" dirty="0">
+                <a:latin typeface="Times New Roman" panose="02020603050405020304" pitchFamily="18" charset="0"/>
+                <a:cs typeface="Times New Roman" panose="02020603050405020304" pitchFamily="18" charset="0"/>
+              </a:rPr>
+              <a:t>What Will Happen?) </a:t>
+            </a:r>
+            <a:r>
+              <a:rPr kumimoji="0" lang="en-US" sz="3200" b="1" i="0" u="none" strike="noStrike" kern="1200" cap="none" spc="0" normalizeH="0" baseline="0" noProof="0" dirty="0">
+                <a:ln>
+                  <a:noFill/>
+                </a:ln>
+                <a:solidFill>
+                  <a:prstClr val="white"/>
+                </a:solidFill>
+                <a:effectLst/>
+                <a:uLnTx/>
+                <a:uFillTx/>
+                <a:latin typeface="Times New Roman" panose="02020603050405020304" pitchFamily="18" charset="0"/>
+                <a:ea typeface="+mn-ea"/>
+                <a:cs typeface="Times New Roman" panose="02020603050405020304" pitchFamily="18" charset="0"/>
+              </a:rPr>
+              <a:t>(</a:t>
+            </a:r>
+            <a:r>
+              <a:rPr lang="en-US" sz="3200" b="1" dirty="0">
+                <a:solidFill>
+                  <a:prstClr val="white"/>
+                </a:solidFill>
+                <a:latin typeface="Times New Roman" panose="02020603050405020304" pitchFamily="18" charset="0"/>
+                <a:cs typeface="Times New Roman" panose="02020603050405020304" pitchFamily="18" charset="0"/>
+              </a:rPr>
+              <a:t>2</a:t>
+            </a:r>
+            <a:r>
+              <a:rPr kumimoji="0" lang="en-US" sz="3200" b="1" i="0" u="none" strike="noStrike" kern="1200" cap="none" spc="0" normalizeH="0" baseline="0" noProof="0" dirty="0">
+                <a:ln>
+                  <a:noFill/>
+                </a:ln>
+                <a:solidFill>
+                  <a:prstClr val="white"/>
+                </a:solidFill>
+                <a:effectLst/>
+                <a:uLnTx/>
+                <a:uFillTx/>
+                <a:latin typeface="Times New Roman" panose="02020603050405020304" pitchFamily="18" charset="0"/>
+                <a:ea typeface="+mn-ea"/>
+                <a:cs typeface="Times New Roman" panose="02020603050405020304" pitchFamily="18" charset="0"/>
+              </a:rPr>
+              <a:t>/3) </a:t>
+            </a:r>
+            <a:endParaRPr lang="en-US" sz="4000" b="1" dirty="0">
+              <a:solidFill>
+                <a:schemeClr val="bg1"/>
+              </a:solidFill>
+              <a:latin typeface="Times New Roman" panose="02020603050405020304" pitchFamily="18" charset="0"/>
+              <a:cs typeface="Times New Roman" panose="02020603050405020304" pitchFamily="18" charset="0"/>
+            </a:endParaRPr>
+          </a:p>
+        </p:txBody>
+      </p:sp>
+      <p:sp>
+        <p:nvSpPr>
+          <p:cNvPr id="11" name="TextBox 10">
+            <a:extLst>
+              <a:ext uri="{FF2B5EF4-FFF2-40B4-BE49-F238E27FC236}">
+                <a16:creationId xmlns:a16="http://schemas.microsoft.com/office/drawing/2014/main" id="{3F132949-D246-3B52-562E-95C31189F258}"/>
+              </a:ext>
+            </a:extLst>
+          </p:cNvPr>
+          <p:cNvSpPr txBox="1"/>
+          <p:nvPr/>
+        </p:nvSpPr>
+        <p:spPr>
+          <a:xfrm>
+            <a:off x="551660" y="1036921"/>
+            <a:ext cx="5078191" cy="3908762"/>
+          </a:xfrm>
+          <a:prstGeom prst="rect">
+            <a:avLst/>
+          </a:prstGeom>
+          <a:noFill/>
+        </p:spPr>
+        <p:txBody>
+          <a:bodyPr wrap="square">
+            <a:spAutoFit/>
+          </a:bodyPr>
+          <a:lstStyle/>
+          <a:p>
+            <a:pPr>
+              <a:lnSpc>
+                <a:spcPct val="150000"/>
+              </a:lnSpc>
+            </a:pPr>
+            <a:r>
+              <a:rPr lang="en-IN" sz="1600" b="1" dirty="0">
+                <a:latin typeface="Times New Roman" panose="02020603050405020304" pitchFamily="18" charset="0"/>
+                <a:cs typeface="Times New Roman" panose="02020603050405020304" pitchFamily="18" charset="0"/>
+              </a:rPr>
+              <a:t>✅ KPI (Key Performance Indicators):</a:t>
+            </a:r>
+          </a:p>
+          <a:p>
+            <a:pPr lvl="1"/>
+            <a:r>
+              <a:rPr lang="en-IN" sz="1400" dirty="0">
+                <a:latin typeface="Times New Roman" panose="02020603050405020304" pitchFamily="18" charset="0"/>
+                <a:cs typeface="Times New Roman" panose="02020603050405020304" pitchFamily="18" charset="0"/>
+              </a:rPr>
+              <a:t>Predictive KPIs focus on </a:t>
+            </a:r>
+            <a:r>
+              <a:rPr lang="en-IN" sz="1400" b="1" dirty="0">
+                <a:latin typeface="Times New Roman" panose="02020603050405020304" pitchFamily="18" charset="0"/>
+                <a:cs typeface="Times New Roman" panose="02020603050405020304" pitchFamily="18" charset="0"/>
+              </a:rPr>
+              <a:t>forecasted success, risks, and </a:t>
+            </a:r>
+            <a:r>
+              <a:rPr lang="en-IN" sz="1400" b="1" dirty="0" err="1">
+                <a:latin typeface="Times New Roman" panose="02020603050405020304" pitchFamily="18" charset="0"/>
+                <a:cs typeface="Times New Roman" panose="02020603050405020304" pitchFamily="18" charset="0"/>
+              </a:rPr>
+              <a:t>behavior</a:t>
+            </a:r>
+            <a:r>
+              <a:rPr lang="en-IN" sz="1400" dirty="0">
+                <a:latin typeface="Times New Roman" panose="02020603050405020304" pitchFamily="18" charset="0"/>
+                <a:cs typeface="Times New Roman" panose="02020603050405020304" pitchFamily="18" charset="0"/>
+              </a:rPr>
+              <a:t>.</a:t>
+            </a:r>
+          </a:p>
+          <a:p>
+            <a:pPr lvl="1"/>
+            <a:endParaRPr lang="en-IN" sz="1400" dirty="0">
+              <a:latin typeface="Times New Roman" panose="02020603050405020304" pitchFamily="18" charset="0"/>
+              <a:cs typeface="Times New Roman" panose="02020603050405020304" pitchFamily="18" charset="0"/>
+            </a:endParaRPr>
+          </a:p>
+          <a:p>
+            <a:pPr marL="342900" indent="-342900">
+              <a:buFont typeface="+mj-lt"/>
+              <a:buAutoNum type="arabicPeriod"/>
+            </a:pPr>
+            <a:r>
+              <a:rPr lang="en-IN" sz="1400" dirty="0">
+                <a:latin typeface="Times New Roman" panose="02020603050405020304" pitchFamily="18" charset="0"/>
+                <a:cs typeface="Times New Roman" panose="02020603050405020304" pitchFamily="18" charset="0"/>
+              </a:rPr>
+              <a:t>📈 </a:t>
+            </a:r>
+            <a:r>
+              <a:rPr lang="en-IN" sz="1400" b="1" dirty="0">
+                <a:latin typeface="Times New Roman" panose="02020603050405020304" pitchFamily="18" charset="0"/>
+                <a:cs typeface="Times New Roman" panose="02020603050405020304" pitchFamily="18" charset="0"/>
+              </a:rPr>
+              <a:t>Predicted Offer Completion Rate</a:t>
+            </a:r>
+            <a:r>
+              <a:rPr lang="en-IN" sz="1400" dirty="0">
+                <a:latin typeface="Times New Roman" panose="02020603050405020304" pitchFamily="18" charset="0"/>
+                <a:cs typeface="Times New Roman" panose="02020603050405020304" pitchFamily="18" charset="0"/>
+              </a:rPr>
+              <a:t> → Probability that an offer will be completed based on customer profile &amp; past </a:t>
+            </a:r>
+            <a:r>
+              <a:rPr lang="en-IN" sz="1400" dirty="0" err="1">
+                <a:latin typeface="Times New Roman" panose="02020603050405020304" pitchFamily="18" charset="0"/>
+                <a:cs typeface="Times New Roman" panose="02020603050405020304" pitchFamily="18" charset="0"/>
+              </a:rPr>
+              <a:t>behavior</a:t>
+            </a:r>
+            <a:r>
+              <a:rPr lang="en-IN" sz="1400" dirty="0">
+                <a:latin typeface="Times New Roman" panose="02020603050405020304" pitchFamily="18" charset="0"/>
+                <a:cs typeface="Times New Roman" panose="02020603050405020304" pitchFamily="18" charset="0"/>
+              </a:rPr>
+              <a:t>.</a:t>
+            </a:r>
+          </a:p>
+          <a:p>
+            <a:pPr marL="342900" indent="-342900">
+              <a:buFont typeface="+mj-lt"/>
+              <a:buAutoNum type="arabicPeriod"/>
+            </a:pPr>
+            <a:r>
+              <a:rPr lang="en-IN" sz="1400" dirty="0">
+                <a:latin typeface="Times New Roman" panose="02020603050405020304" pitchFamily="18" charset="0"/>
+                <a:cs typeface="Times New Roman" panose="02020603050405020304" pitchFamily="18" charset="0"/>
+              </a:rPr>
+              <a:t>👥 </a:t>
+            </a:r>
+            <a:r>
+              <a:rPr lang="en-IN" sz="1400" b="1" dirty="0">
+                <a:latin typeface="Times New Roman" panose="02020603050405020304" pitchFamily="18" charset="0"/>
+                <a:cs typeface="Times New Roman" panose="02020603050405020304" pitchFamily="18" charset="0"/>
+              </a:rPr>
+              <a:t>Customer Lifetime Value (CLV) Forecast</a:t>
+            </a:r>
+            <a:r>
+              <a:rPr lang="en-IN" sz="1400" dirty="0">
+                <a:latin typeface="Times New Roman" panose="02020603050405020304" pitchFamily="18" charset="0"/>
+                <a:cs typeface="Times New Roman" panose="02020603050405020304" pitchFamily="18" charset="0"/>
+              </a:rPr>
+              <a:t> → Expected revenue from each customer segment.</a:t>
+            </a:r>
+          </a:p>
+          <a:p>
+            <a:pPr marL="342900" indent="-342900">
+              <a:buFont typeface="+mj-lt"/>
+              <a:buAutoNum type="arabicPeriod"/>
+            </a:pPr>
+            <a:r>
+              <a:rPr lang="en-IN" sz="1400" dirty="0">
+                <a:latin typeface="Times New Roman" panose="02020603050405020304" pitchFamily="18" charset="0"/>
+                <a:cs typeface="Times New Roman" panose="02020603050405020304" pitchFamily="18" charset="0"/>
+              </a:rPr>
+              <a:t>🎯 </a:t>
+            </a:r>
+            <a:r>
+              <a:rPr lang="en-IN" sz="1400" b="1" dirty="0">
+                <a:latin typeface="Times New Roman" panose="02020603050405020304" pitchFamily="18" charset="0"/>
+                <a:cs typeface="Times New Roman" panose="02020603050405020304" pitchFamily="18" charset="0"/>
+              </a:rPr>
+              <a:t>Offer Success Probability by Type</a:t>
+            </a:r>
+            <a:r>
+              <a:rPr lang="en-IN" sz="1400" dirty="0">
+                <a:latin typeface="Times New Roman" panose="02020603050405020304" pitchFamily="18" charset="0"/>
+                <a:cs typeface="Times New Roman" panose="02020603050405020304" pitchFamily="18" charset="0"/>
+              </a:rPr>
+              <a:t> → Forecasted success % for BOGO, Discount, Informational.</a:t>
+            </a:r>
+          </a:p>
+          <a:p>
+            <a:pPr marL="342900" indent="-342900">
+              <a:buFont typeface="+mj-lt"/>
+              <a:buAutoNum type="arabicPeriod"/>
+            </a:pPr>
+            <a:r>
+              <a:rPr lang="en-IN" sz="1400" dirty="0">
+                <a:latin typeface="Times New Roman" panose="02020603050405020304" pitchFamily="18" charset="0"/>
+                <a:cs typeface="Times New Roman" panose="02020603050405020304" pitchFamily="18" charset="0"/>
+              </a:rPr>
+              <a:t>🛒 </a:t>
+            </a:r>
+            <a:r>
+              <a:rPr lang="en-IN" sz="1400" b="1" dirty="0">
+                <a:latin typeface="Times New Roman" panose="02020603050405020304" pitchFamily="18" charset="0"/>
+                <a:cs typeface="Times New Roman" panose="02020603050405020304" pitchFamily="18" charset="0"/>
+              </a:rPr>
+              <a:t>Predicted Incremental Spend Uplift</a:t>
+            </a:r>
+            <a:r>
+              <a:rPr lang="en-IN" sz="1400" dirty="0">
+                <a:latin typeface="Times New Roman" panose="02020603050405020304" pitchFamily="18" charset="0"/>
+                <a:cs typeface="Times New Roman" panose="02020603050405020304" pitchFamily="18" charset="0"/>
+              </a:rPr>
+              <a:t> → How much additional spend an offer is expected to generate.</a:t>
+            </a:r>
+          </a:p>
+          <a:p>
+            <a:pPr marL="342900" indent="-342900">
+              <a:buFont typeface="+mj-lt"/>
+              <a:buAutoNum type="arabicPeriod"/>
+            </a:pPr>
+            <a:r>
+              <a:rPr lang="en-IN" sz="1400" dirty="0">
+                <a:latin typeface="Times New Roman" panose="02020603050405020304" pitchFamily="18" charset="0"/>
+                <a:cs typeface="Times New Roman" panose="02020603050405020304" pitchFamily="18" charset="0"/>
+              </a:rPr>
+              <a:t>🔄 </a:t>
+            </a:r>
+            <a:r>
+              <a:rPr lang="en-IN" sz="1400" b="1" dirty="0">
+                <a:latin typeface="Times New Roman" panose="02020603050405020304" pitchFamily="18" charset="0"/>
+                <a:cs typeface="Times New Roman" panose="02020603050405020304" pitchFamily="18" charset="0"/>
+              </a:rPr>
+              <a:t>Predicted Repeat Engagement Rate</a:t>
+            </a:r>
+            <a:r>
+              <a:rPr lang="en-IN" sz="1400" dirty="0">
+                <a:latin typeface="Times New Roman" panose="02020603050405020304" pitchFamily="18" charset="0"/>
+                <a:cs typeface="Times New Roman" panose="02020603050405020304" pitchFamily="18" charset="0"/>
+              </a:rPr>
+              <a:t> → Likelihood of customers re-engaging with future offers.</a:t>
+            </a:r>
+          </a:p>
+          <a:p>
+            <a:pPr marL="342900" indent="-342900">
+              <a:buFont typeface="+mj-lt"/>
+              <a:buAutoNum type="arabicPeriod"/>
+            </a:pPr>
+            <a:r>
+              <a:rPr lang="en-IN" sz="1400" dirty="0">
+                <a:latin typeface="Times New Roman" panose="02020603050405020304" pitchFamily="18" charset="0"/>
+                <a:cs typeface="Times New Roman" panose="02020603050405020304" pitchFamily="18" charset="0"/>
+              </a:rPr>
+              <a:t>⏱️ </a:t>
+            </a:r>
+            <a:r>
+              <a:rPr lang="en-IN" sz="1400" b="1" dirty="0">
+                <a:latin typeface="Times New Roman" panose="02020603050405020304" pitchFamily="18" charset="0"/>
+                <a:cs typeface="Times New Roman" panose="02020603050405020304" pitchFamily="18" charset="0"/>
+              </a:rPr>
+              <a:t>Time-to-Completion Forecast</a:t>
+            </a:r>
+            <a:r>
+              <a:rPr lang="en-IN" sz="1400" dirty="0">
+                <a:latin typeface="Times New Roman" panose="02020603050405020304" pitchFamily="18" charset="0"/>
+                <a:cs typeface="Times New Roman" panose="02020603050405020304" pitchFamily="18" charset="0"/>
+              </a:rPr>
+              <a:t> → Predicting how quickly different customers will redeem offers.</a:t>
+            </a:r>
+          </a:p>
+        </p:txBody>
+      </p:sp>
+      <p:sp>
+        <p:nvSpPr>
+          <p:cNvPr id="2" name="Freeform 8">
+            <a:extLst>
+              <a:ext uri="{FF2B5EF4-FFF2-40B4-BE49-F238E27FC236}">
+                <a16:creationId xmlns:a16="http://schemas.microsoft.com/office/drawing/2014/main" id="{C6C4F0B2-1E72-6ED8-9DBF-B2C228BD279E}"/>
+              </a:ext>
+            </a:extLst>
+          </p:cNvPr>
+          <p:cNvSpPr/>
+          <p:nvPr/>
+        </p:nvSpPr>
+        <p:spPr>
+          <a:xfrm>
+            <a:off x="6372953" y="963825"/>
+            <a:ext cx="5456582" cy="5132173"/>
+          </a:xfrm>
+          <a:custGeom>
+            <a:avLst/>
+            <a:gdLst/>
+            <a:ahLst/>
+            <a:cxnLst/>
+            <a:rect l="l" t="t" r="r" b="b"/>
+            <a:pathLst>
+              <a:path w="1836416" h="1281219">
+                <a:moveTo>
+                  <a:pt x="56627" y="0"/>
+                </a:moveTo>
+                <a:lnTo>
+                  <a:pt x="1779789" y="0"/>
+                </a:lnTo>
+                <a:cubicBezTo>
+                  <a:pt x="1794808" y="0"/>
+                  <a:pt x="1809211" y="5966"/>
+                  <a:pt x="1819831" y="16586"/>
+                </a:cubicBezTo>
+                <a:cubicBezTo>
+                  <a:pt x="1830450" y="27205"/>
+                  <a:pt x="1836416" y="41608"/>
+                  <a:pt x="1836416" y="56627"/>
+                </a:cubicBezTo>
+                <a:lnTo>
+                  <a:pt x="1836416" y="1224592"/>
+                </a:lnTo>
+                <a:cubicBezTo>
+                  <a:pt x="1836416" y="1255866"/>
+                  <a:pt x="1811063" y="1281219"/>
+                  <a:pt x="1779789" y="1281219"/>
+                </a:cubicBezTo>
+                <a:lnTo>
+                  <a:pt x="56627" y="1281219"/>
+                </a:lnTo>
+                <a:cubicBezTo>
+                  <a:pt x="41608" y="1281219"/>
+                  <a:pt x="27205" y="1275253"/>
+                  <a:pt x="16586" y="1264633"/>
+                </a:cubicBezTo>
+                <a:cubicBezTo>
+                  <a:pt x="5966" y="1254014"/>
+                  <a:pt x="0" y="1239611"/>
+                  <a:pt x="0" y="1224592"/>
+                </a:cubicBezTo>
+                <a:lnTo>
+                  <a:pt x="0" y="56627"/>
+                </a:lnTo>
+                <a:cubicBezTo>
+                  <a:pt x="0" y="25353"/>
+                  <a:pt x="25353" y="0"/>
+                  <a:pt x="56627" y="0"/>
+                </a:cubicBezTo>
+                <a:close/>
+              </a:path>
+            </a:pathLst>
+          </a:custGeom>
+          <a:solidFill>
+            <a:schemeClr val="bg1">
+              <a:alpha val="53725"/>
+            </a:schemeClr>
+          </a:solidFill>
+          <a:ln>
+            <a:noFill/>
+          </a:ln>
+          <a:effectLst>
+            <a:outerShdw blurRad="63500" sx="102000" sy="102000" algn="ctr" rotWithShape="0">
+              <a:prstClr val="black">
+                <a:alpha val="40000"/>
+              </a:prstClr>
+            </a:outerShdw>
+          </a:effectLst>
+        </p:spPr>
+      </p:sp>
+      <p:sp>
+        <p:nvSpPr>
+          <p:cNvPr id="4" name="TextBox 3">
+            <a:extLst>
+              <a:ext uri="{FF2B5EF4-FFF2-40B4-BE49-F238E27FC236}">
+                <a16:creationId xmlns:a16="http://schemas.microsoft.com/office/drawing/2014/main" id="{827E8375-12CB-F794-0559-D988869EE720}"/>
+              </a:ext>
+            </a:extLst>
+          </p:cNvPr>
+          <p:cNvSpPr txBox="1"/>
+          <p:nvPr/>
+        </p:nvSpPr>
+        <p:spPr>
+          <a:xfrm>
+            <a:off x="6615477" y="1036921"/>
+            <a:ext cx="4971534" cy="3477875"/>
+          </a:xfrm>
+          <a:prstGeom prst="rect">
+            <a:avLst/>
+          </a:prstGeom>
+          <a:noFill/>
+        </p:spPr>
+        <p:txBody>
+          <a:bodyPr wrap="square">
+            <a:spAutoFit/>
+          </a:bodyPr>
+          <a:lstStyle/>
+          <a:p>
+            <a:pPr>
+              <a:lnSpc>
+                <a:spcPct val="150000"/>
+              </a:lnSpc>
+            </a:pPr>
+            <a:r>
+              <a:rPr lang="en-IN" sz="1600" b="1" dirty="0">
+                <a:latin typeface="Times New Roman" panose="02020603050405020304" pitchFamily="18" charset="0"/>
+                <a:cs typeface="Times New Roman" panose="02020603050405020304" pitchFamily="18" charset="0"/>
+              </a:rPr>
+              <a:t>⚠️ KRI (Key Risk Indicators):</a:t>
+            </a:r>
+            <a:endParaRPr lang="en-IN" sz="1600" dirty="0">
+              <a:latin typeface="Times New Roman" panose="02020603050405020304" pitchFamily="18" charset="0"/>
+              <a:cs typeface="Times New Roman" panose="02020603050405020304" pitchFamily="18" charset="0"/>
+            </a:endParaRPr>
+          </a:p>
+          <a:p>
+            <a:pPr lvl="1"/>
+            <a:r>
+              <a:rPr lang="en-IN" sz="1400" dirty="0">
+                <a:latin typeface="Times New Roman" panose="02020603050405020304" pitchFamily="18" charset="0"/>
+                <a:cs typeface="Times New Roman" panose="02020603050405020304" pitchFamily="18" charset="0"/>
+              </a:rPr>
+              <a:t>Predictive KRIs warn about </a:t>
+            </a:r>
+            <a:r>
+              <a:rPr lang="en-IN" sz="1400" b="1" dirty="0">
+                <a:latin typeface="Times New Roman" panose="02020603050405020304" pitchFamily="18" charset="0"/>
+                <a:cs typeface="Times New Roman" panose="02020603050405020304" pitchFamily="18" charset="0"/>
+              </a:rPr>
+              <a:t>future risks &amp; uncertainties</a:t>
+            </a:r>
+            <a:r>
+              <a:rPr lang="en-IN" sz="1400" dirty="0">
+                <a:latin typeface="Times New Roman" panose="02020603050405020304" pitchFamily="18" charset="0"/>
+                <a:cs typeface="Times New Roman" panose="02020603050405020304" pitchFamily="18" charset="0"/>
+              </a:rPr>
+              <a:t>.</a:t>
+            </a:r>
+          </a:p>
+          <a:p>
+            <a:pPr lvl="1"/>
+            <a:endParaRPr lang="en-IN" sz="1400" dirty="0">
+              <a:latin typeface="Times New Roman" panose="02020603050405020304" pitchFamily="18" charset="0"/>
+              <a:cs typeface="Times New Roman" panose="02020603050405020304" pitchFamily="18" charset="0"/>
+            </a:endParaRPr>
+          </a:p>
+          <a:p>
+            <a:pPr marL="342900" indent="-342900">
+              <a:buFont typeface="+mj-lt"/>
+              <a:buAutoNum type="arabicPeriod"/>
+            </a:pPr>
+            <a:r>
+              <a:rPr lang="en-IN" sz="1400" dirty="0">
+                <a:latin typeface="Times New Roman" panose="02020603050405020304" pitchFamily="18" charset="0"/>
+                <a:cs typeface="Times New Roman" panose="02020603050405020304" pitchFamily="18" charset="0"/>
+              </a:rPr>
+              <a:t>🚫 </a:t>
+            </a:r>
+            <a:r>
+              <a:rPr lang="en-IN" sz="1400" b="1" dirty="0">
+                <a:latin typeface="Times New Roman" panose="02020603050405020304" pitchFamily="18" charset="0"/>
+                <a:cs typeface="Times New Roman" panose="02020603050405020304" pitchFamily="18" charset="0"/>
+              </a:rPr>
+              <a:t>Churn Probability</a:t>
+            </a:r>
+            <a:r>
+              <a:rPr lang="en-IN" sz="1400" dirty="0">
+                <a:latin typeface="Times New Roman" panose="02020603050405020304" pitchFamily="18" charset="0"/>
+                <a:cs typeface="Times New Roman" panose="02020603050405020304" pitchFamily="18" charset="0"/>
+              </a:rPr>
+              <a:t> → Risk of customers dropping out if engagement is low.</a:t>
+            </a:r>
+          </a:p>
+          <a:p>
+            <a:pPr marL="342900" indent="-342900">
+              <a:buFont typeface="+mj-lt"/>
+              <a:buAutoNum type="arabicPeriod"/>
+            </a:pPr>
+            <a:r>
+              <a:rPr lang="en-IN" sz="1400" dirty="0">
+                <a:latin typeface="Times New Roman" panose="02020603050405020304" pitchFamily="18" charset="0"/>
+                <a:cs typeface="Times New Roman" panose="02020603050405020304" pitchFamily="18" charset="0"/>
+              </a:rPr>
+              <a:t>⚠️ </a:t>
+            </a:r>
+            <a:r>
+              <a:rPr lang="en-IN" sz="1400" b="1" dirty="0">
+                <a:latin typeface="Times New Roman" panose="02020603050405020304" pitchFamily="18" charset="0"/>
+                <a:cs typeface="Times New Roman" panose="02020603050405020304" pitchFamily="18" charset="0"/>
+              </a:rPr>
+              <a:t>Offer Ineffectiveness Risk</a:t>
+            </a:r>
+            <a:r>
+              <a:rPr lang="en-IN" sz="1400" dirty="0">
+                <a:latin typeface="Times New Roman" panose="02020603050405020304" pitchFamily="18" charset="0"/>
+                <a:cs typeface="Times New Roman" panose="02020603050405020304" pitchFamily="18" charset="0"/>
+              </a:rPr>
+              <a:t> → Forecasted offers that are unlikely to meet completion targets.</a:t>
+            </a:r>
+          </a:p>
+          <a:p>
+            <a:pPr marL="342900" indent="-342900">
+              <a:buFont typeface="+mj-lt"/>
+              <a:buAutoNum type="arabicPeriod"/>
+            </a:pPr>
+            <a:r>
+              <a:rPr lang="en-IN" sz="1400" dirty="0">
+                <a:latin typeface="Times New Roman" panose="02020603050405020304" pitchFamily="18" charset="0"/>
+                <a:cs typeface="Times New Roman" panose="02020603050405020304" pitchFamily="18" charset="0"/>
+              </a:rPr>
+              <a:t>🕳️ </a:t>
+            </a:r>
+            <a:r>
+              <a:rPr lang="en-IN" sz="1400" b="1" dirty="0">
+                <a:latin typeface="Times New Roman" panose="02020603050405020304" pitchFamily="18" charset="0"/>
+                <a:cs typeface="Times New Roman" panose="02020603050405020304" pitchFamily="18" charset="0"/>
+              </a:rPr>
+              <a:t>Customer Segment Risk</a:t>
+            </a:r>
+            <a:r>
+              <a:rPr lang="en-IN" sz="1400" dirty="0">
+                <a:latin typeface="Times New Roman" panose="02020603050405020304" pitchFamily="18" charset="0"/>
+                <a:cs typeface="Times New Roman" panose="02020603050405020304" pitchFamily="18" charset="0"/>
+              </a:rPr>
+              <a:t> → Demographic groups predicted to have very low responsiveness.</a:t>
+            </a:r>
+          </a:p>
+          <a:p>
+            <a:pPr marL="342900" indent="-342900">
+              <a:buFont typeface="+mj-lt"/>
+              <a:buAutoNum type="arabicPeriod"/>
+            </a:pPr>
+            <a:r>
+              <a:rPr lang="en-IN" sz="1400" dirty="0">
+                <a:latin typeface="Times New Roman" panose="02020603050405020304" pitchFamily="18" charset="0"/>
+                <a:cs typeface="Times New Roman" panose="02020603050405020304" pitchFamily="18" charset="0"/>
+              </a:rPr>
+              <a:t>🔄 </a:t>
+            </a:r>
+            <a:r>
+              <a:rPr lang="en-IN" sz="1400" b="1" dirty="0">
+                <a:latin typeface="Times New Roman" panose="02020603050405020304" pitchFamily="18" charset="0"/>
+                <a:cs typeface="Times New Roman" panose="02020603050405020304" pitchFamily="18" charset="0"/>
+              </a:rPr>
+              <a:t>Over-Redemption Risk</a:t>
+            </a:r>
+            <a:r>
+              <a:rPr lang="en-IN" sz="1400" dirty="0">
+                <a:latin typeface="Times New Roman" panose="02020603050405020304" pitchFamily="18" charset="0"/>
+                <a:cs typeface="Times New Roman" panose="02020603050405020304" pitchFamily="18" charset="0"/>
+              </a:rPr>
+              <a:t> → Customers likely to redeem offers but not increase spend (fake success).</a:t>
+            </a:r>
+          </a:p>
+          <a:p>
+            <a:pPr marL="342900" indent="-342900">
+              <a:buFont typeface="+mj-lt"/>
+              <a:buAutoNum type="arabicPeriod"/>
+            </a:pPr>
+            <a:r>
+              <a:rPr lang="en-IN" sz="1400" dirty="0">
+                <a:latin typeface="Times New Roman" panose="02020603050405020304" pitchFamily="18" charset="0"/>
+                <a:cs typeface="Times New Roman" panose="02020603050405020304" pitchFamily="18" charset="0"/>
+              </a:rPr>
+              <a:t>📉 </a:t>
+            </a:r>
+            <a:r>
+              <a:rPr lang="en-IN" sz="1400" b="1" dirty="0">
+                <a:latin typeface="Times New Roman" panose="02020603050405020304" pitchFamily="18" charset="0"/>
+                <a:cs typeface="Times New Roman" panose="02020603050405020304" pitchFamily="18" charset="0"/>
+              </a:rPr>
+              <a:t>Cannibalization Risk</a:t>
+            </a:r>
+            <a:r>
+              <a:rPr lang="en-IN" sz="1400" dirty="0">
+                <a:latin typeface="Times New Roman" panose="02020603050405020304" pitchFamily="18" charset="0"/>
+                <a:cs typeface="Times New Roman" panose="02020603050405020304" pitchFamily="18" charset="0"/>
+              </a:rPr>
+              <a:t> → Customers predicted to redeem discounts they would have paid full price for.</a:t>
+            </a:r>
+          </a:p>
+          <a:p>
+            <a:pPr marL="342900" indent="-342900">
+              <a:buFont typeface="+mj-lt"/>
+              <a:buAutoNum type="arabicPeriod"/>
+            </a:pPr>
+            <a:r>
+              <a:rPr lang="en-IN" sz="1400" dirty="0">
+                <a:latin typeface="Times New Roman" panose="02020603050405020304" pitchFamily="18" charset="0"/>
+                <a:cs typeface="Times New Roman" panose="02020603050405020304" pitchFamily="18" charset="0"/>
+              </a:rPr>
+              <a:t>⏳ </a:t>
+            </a:r>
+            <a:r>
+              <a:rPr lang="en-IN" sz="1400" b="1" dirty="0">
+                <a:latin typeface="Times New Roman" panose="02020603050405020304" pitchFamily="18" charset="0"/>
+                <a:cs typeface="Times New Roman" panose="02020603050405020304" pitchFamily="18" charset="0"/>
+              </a:rPr>
+              <a:t>High Expiry Risk</a:t>
+            </a:r>
+            <a:r>
+              <a:rPr lang="en-IN" sz="1400" dirty="0">
+                <a:latin typeface="Times New Roman" panose="02020603050405020304" pitchFamily="18" charset="0"/>
+                <a:cs typeface="Times New Roman" panose="02020603050405020304" pitchFamily="18" charset="0"/>
+              </a:rPr>
+              <a:t> → Offers forecasted to expire without usage in specific segments.</a:t>
+            </a:r>
+          </a:p>
+        </p:txBody>
+      </p:sp>
+    </p:spTree>
+    <p:extLst>
+      <p:ext uri="{BB962C8B-B14F-4D97-AF65-F5344CB8AC3E}">
+        <p14:creationId xmlns:p14="http://schemas.microsoft.com/office/powerpoint/2010/main" val="636345103"/>
+      </p:ext>
+    </p:extLst>
+  </p:cSld>
+  <p:clrMapOvr>
+    <a:masterClrMapping/>
+  </p:clrMapOvr>
+</p:sld>
+</file>
+
+<file path=ppt/slides/slide29.xml><?xml version="1.0" encoding="utf-8"?>
+<p:sld xmlns:a="http://schemas.openxmlformats.org/drawingml/2006/main" xmlns:r="http://schemas.openxmlformats.org/officeDocument/2006/relationships" xmlns:p="http://schemas.openxmlformats.org/presentationml/2006/main">
+  <p:cSld>
+    <p:spTree>
+      <p:nvGrpSpPr>
+        <p:cNvPr id="1" name="">
+          <a:extLst>
+            <a:ext uri="{FF2B5EF4-FFF2-40B4-BE49-F238E27FC236}">
+              <a16:creationId xmlns:a16="http://schemas.microsoft.com/office/drawing/2014/main" id="{2A2BCA00-E7D2-42C3-83D1-FB7256DC13DC}"/>
+            </a:ext>
+          </a:extLst>
+        </p:cNvPr>
+        <p:cNvGrpSpPr/>
+        <p:nvPr/>
+      </p:nvGrpSpPr>
+      <p:grpSpPr>
+        <a:xfrm>
+          <a:off x="0" y="0"/>
+          <a:ext cx="0" cy="0"/>
+          <a:chOff x="0" y="0"/>
+          <a:chExt cx="0" cy="0"/>
+        </a:xfrm>
+      </p:grpSpPr>
+      <p:sp>
+        <p:nvSpPr>
+          <p:cNvPr id="12" name="Freeform 8">
+            <a:extLst>
+              <a:ext uri="{FF2B5EF4-FFF2-40B4-BE49-F238E27FC236}">
+                <a16:creationId xmlns:a16="http://schemas.microsoft.com/office/drawing/2014/main" id="{35C31336-EA47-955D-D45C-ED1D957B99C5}"/>
+              </a:ext>
+            </a:extLst>
+          </p:cNvPr>
+          <p:cNvSpPr/>
+          <p:nvPr/>
+        </p:nvSpPr>
+        <p:spPr>
+          <a:xfrm>
+            <a:off x="362465" y="963826"/>
+            <a:ext cx="5456582" cy="5132173"/>
+          </a:xfrm>
+          <a:custGeom>
+            <a:avLst/>
+            <a:gdLst/>
+            <a:ahLst/>
+            <a:cxnLst/>
+            <a:rect l="l" t="t" r="r" b="b"/>
+            <a:pathLst>
+              <a:path w="1836416" h="1281219">
+                <a:moveTo>
+                  <a:pt x="56627" y="0"/>
+                </a:moveTo>
+                <a:lnTo>
+                  <a:pt x="1779789" y="0"/>
+                </a:lnTo>
+                <a:cubicBezTo>
+                  <a:pt x="1794808" y="0"/>
+                  <a:pt x="1809211" y="5966"/>
+                  <a:pt x="1819831" y="16586"/>
+                </a:cubicBezTo>
+                <a:cubicBezTo>
+                  <a:pt x="1830450" y="27205"/>
+                  <a:pt x="1836416" y="41608"/>
+                  <a:pt x="1836416" y="56627"/>
+                </a:cubicBezTo>
+                <a:lnTo>
+                  <a:pt x="1836416" y="1224592"/>
+                </a:lnTo>
+                <a:cubicBezTo>
+                  <a:pt x="1836416" y="1255866"/>
+                  <a:pt x="1811063" y="1281219"/>
+                  <a:pt x="1779789" y="1281219"/>
+                </a:cubicBezTo>
+                <a:lnTo>
+                  <a:pt x="56627" y="1281219"/>
+                </a:lnTo>
+                <a:cubicBezTo>
+                  <a:pt x="41608" y="1281219"/>
+                  <a:pt x="27205" y="1275253"/>
+                  <a:pt x="16586" y="1264633"/>
+                </a:cubicBezTo>
+                <a:cubicBezTo>
+                  <a:pt x="5966" y="1254014"/>
+                  <a:pt x="0" y="1239611"/>
+                  <a:pt x="0" y="1224592"/>
+                </a:cubicBezTo>
+                <a:lnTo>
+                  <a:pt x="0" y="56627"/>
+                </a:lnTo>
+                <a:cubicBezTo>
+                  <a:pt x="0" y="25353"/>
+                  <a:pt x="25353" y="0"/>
+                  <a:pt x="56627" y="0"/>
+                </a:cubicBezTo>
+                <a:close/>
+              </a:path>
+            </a:pathLst>
+          </a:custGeom>
+          <a:solidFill>
+            <a:schemeClr val="bg1">
+              <a:alpha val="53725"/>
+            </a:schemeClr>
+          </a:solidFill>
+          <a:effectLst>
+            <a:outerShdw blurRad="63500" sx="102000" sy="102000" algn="ctr" rotWithShape="0">
+              <a:prstClr val="black">
+                <a:alpha val="40000"/>
+              </a:prstClr>
+            </a:outerShdw>
+          </a:effectLst>
+        </p:spPr>
+      </p:sp>
+      <p:sp>
+        <p:nvSpPr>
+          <p:cNvPr id="3" name="Rectangle 2">
+            <a:extLst>
+              <a:ext uri="{FF2B5EF4-FFF2-40B4-BE49-F238E27FC236}">
+                <a16:creationId xmlns:a16="http://schemas.microsoft.com/office/drawing/2014/main" id="{216563AE-9FEE-9F50-E274-BC8F9DE6F209}"/>
+              </a:ext>
+            </a:extLst>
+          </p:cNvPr>
+          <p:cNvSpPr/>
+          <p:nvPr/>
+        </p:nvSpPr>
+        <p:spPr>
+          <a:xfrm>
+            <a:off x="0" y="0"/>
+            <a:ext cx="12192000" cy="609600"/>
+          </a:xfrm>
+          <a:prstGeom prst="rect">
+            <a:avLst/>
+          </a:prstGeom>
+          <a:solidFill>
+            <a:srgbClr val="338D90"/>
+          </a:solidFill>
+          <a:ln>
+            <a:solidFill>
+              <a:srgbClr val="338D90"/>
+            </a:solidFill>
+          </a:ln>
+        </p:spPr>
+        <p:style>
+          <a:lnRef idx="2">
+            <a:schemeClr val="accent1">
+              <a:shade val="15000"/>
+            </a:schemeClr>
+          </a:lnRef>
+          <a:fillRef idx="1">
+            <a:schemeClr val="accent1"/>
+          </a:fillRef>
+          <a:effectRef idx="0">
+            <a:schemeClr val="accent1"/>
+          </a:effectRef>
+          <a:fontRef idx="minor">
+            <a:schemeClr val="lt1"/>
+          </a:fontRef>
+        </p:style>
+        <p:txBody>
+          <a:bodyPr rtlCol="0" anchor="ctr"/>
+          <a:lstStyle/>
+          <a:p>
+            <a:pPr marL="914400" lvl="1" indent="-457200">
+              <a:buFont typeface="Wingdings" pitchFamily="2" charset="2"/>
+              <a:buChar char="q"/>
+            </a:pPr>
+            <a:r>
+              <a:rPr lang="en-US" sz="3200" b="1" dirty="0">
+                <a:solidFill>
+                  <a:schemeClr val="bg1"/>
+                </a:solidFill>
+                <a:latin typeface="Times New Roman" panose="02020603050405020304" pitchFamily="18" charset="0"/>
+                <a:cs typeface="Times New Roman" panose="02020603050405020304" pitchFamily="18" charset="0"/>
+              </a:rPr>
+              <a:t> Predictive Analysis  </a:t>
+            </a:r>
+            <a:r>
+              <a:rPr lang="en-US" sz="2400" b="1" dirty="0">
+                <a:solidFill>
+                  <a:schemeClr val="bg1"/>
+                </a:solidFill>
+                <a:latin typeface="Times New Roman" panose="02020603050405020304" pitchFamily="18" charset="0"/>
+                <a:cs typeface="Times New Roman" panose="02020603050405020304" pitchFamily="18" charset="0"/>
+              </a:rPr>
+              <a:t>(</a:t>
+            </a:r>
+            <a:r>
+              <a:rPr lang="en-IN" sz="2400" b="1" dirty="0">
+                <a:latin typeface="Times New Roman" panose="02020603050405020304" pitchFamily="18" charset="0"/>
+                <a:cs typeface="Times New Roman" panose="02020603050405020304" pitchFamily="18" charset="0"/>
+              </a:rPr>
+              <a:t>What Will Happen?) </a:t>
+            </a:r>
+            <a:r>
+              <a:rPr kumimoji="0" lang="en-US" sz="3200" b="1" i="0" u="none" strike="noStrike" kern="1200" cap="none" spc="0" normalizeH="0" baseline="0" noProof="0" dirty="0">
+                <a:ln>
+                  <a:noFill/>
+                </a:ln>
+                <a:solidFill>
+                  <a:prstClr val="white"/>
+                </a:solidFill>
+                <a:effectLst/>
+                <a:uLnTx/>
+                <a:uFillTx/>
+                <a:latin typeface="Times New Roman" panose="02020603050405020304" pitchFamily="18" charset="0"/>
+                <a:ea typeface="+mn-ea"/>
+                <a:cs typeface="Times New Roman" panose="02020603050405020304" pitchFamily="18" charset="0"/>
+              </a:rPr>
+              <a:t>(3/3) </a:t>
+            </a:r>
+            <a:endParaRPr lang="en-US" sz="4000" b="1" dirty="0">
+              <a:solidFill>
+                <a:schemeClr val="bg1"/>
+              </a:solidFill>
+              <a:latin typeface="Times New Roman" panose="02020603050405020304" pitchFamily="18" charset="0"/>
+              <a:cs typeface="Times New Roman" panose="02020603050405020304" pitchFamily="18" charset="0"/>
+            </a:endParaRPr>
+          </a:p>
+        </p:txBody>
+      </p:sp>
+      <p:sp>
+        <p:nvSpPr>
+          <p:cNvPr id="11" name="TextBox 10">
+            <a:extLst>
+              <a:ext uri="{FF2B5EF4-FFF2-40B4-BE49-F238E27FC236}">
+                <a16:creationId xmlns:a16="http://schemas.microsoft.com/office/drawing/2014/main" id="{9EE8BFE2-103E-BD81-3ADF-2C81C3EA06A4}"/>
+              </a:ext>
+            </a:extLst>
+          </p:cNvPr>
+          <p:cNvSpPr txBox="1"/>
+          <p:nvPr/>
+        </p:nvSpPr>
+        <p:spPr>
+          <a:xfrm>
+            <a:off x="551660" y="1036921"/>
+            <a:ext cx="5078191" cy="3477875"/>
+          </a:xfrm>
+          <a:prstGeom prst="rect">
+            <a:avLst/>
+          </a:prstGeom>
+          <a:noFill/>
+        </p:spPr>
+        <p:txBody>
+          <a:bodyPr wrap="square">
+            <a:spAutoFit/>
+          </a:bodyPr>
+          <a:lstStyle/>
+          <a:p>
+            <a:pPr>
+              <a:lnSpc>
+                <a:spcPct val="150000"/>
+              </a:lnSpc>
+            </a:pPr>
+            <a:r>
+              <a:rPr lang="en-IN" sz="1600" b="1" dirty="0">
+                <a:latin typeface="Times New Roman" panose="02020603050405020304" pitchFamily="18" charset="0"/>
+                <a:cs typeface="Times New Roman" panose="02020603050405020304" pitchFamily="18" charset="0"/>
+              </a:rPr>
+              <a:t>🎯 KRA (Key Result Areas):</a:t>
+            </a:r>
+          </a:p>
+          <a:p>
+            <a:pPr lvl="1"/>
+            <a:r>
+              <a:rPr lang="en-IN" sz="1400" dirty="0">
+                <a:latin typeface="Times New Roman" panose="02020603050405020304" pitchFamily="18" charset="0"/>
+                <a:cs typeface="Times New Roman" panose="02020603050405020304" pitchFamily="18" charset="0"/>
+              </a:rPr>
+              <a:t>Predictive KRAs highlight </a:t>
+            </a:r>
+            <a:r>
+              <a:rPr lang="en-IN" sz="1400" b="1" dirty="0">
+                <a:latin typeface="Times New Roman" panose="02020603050405020304" pitchFamily="18" charset="0"/>
+                <a:cs typeface="Times New Roman" panose="02020603050405020304" pitchFamily="18" charset="0"/>
+              </a:rPr>
+              <a:t>future-focused strategy areas</a:t>
+            </a:r>
+            <a:r>
+              <a:rPr lang="en-IN" sz="1400" dirty="0">
+                <a:latin typeface="Times New Roman" panose="02020603050405020304" pitchFamily="18" charset="0"/>
+                <a:cs typeface="Times New Roman" panose="02020603050405020304" pitchFamily="18" charset="0"/>
+              </a:rPr>
+              <a:t>.</a:t>
+            </a:r>
+          </a:p>
+          <a:p>
+            <a:pPr lvl="1"/>
+            <a:endParaRPr lang="en-IN" sz="1400" dirty="0">
+              <a:latin typeface="Times New Roman" panose="02020603050405020304" pitchFamily="18" charset="0"/>
+              <a:cs typeface="Times New Roman" panose="02020603050405020304" pitchFamily="18" charset="0"/>
+            </a:endParaRPr>
+          </a:p>
+          <a:p>
+            <a:pPr marL="342900" indent="-342900">
+              <a:buFont typeface="+mj-lt"/>
+              <a:buAutoNum type="arabicPeriod"/>
+            </a:pPr>
+            <a:r>
+              <a:rPr lang="en-IN" sz="1400" dirty="0">
+                <a:latin typeface="Times New Roman" panose="02020603050405020304" pitchFamily="18" charset="0"/>
+                <a:cs typeface="Times New Roman" panose="02020603050405020304" pitchFamily="18" charset="0"/>
+              </a:rPr>
+              <a:t>👥 </a:t>
+            </a:r>
+            <a:r>
+              <a:rPr lang="en-IN" sz="1400" b="1" dirty="0">
+                <a:latin typeface="Times New Roman" panose="02020603050405020304" pitchFamily="18" charset="0"/>
+                <a:cs typeface="Times New Roman" panose="02020603050405020304" pitchFamily="18" charset="0"/>
+              </a:rPr>
+              <a:t>Customer Response Forecasting</a:t>
+            </a:r>
+            <a:r>
+              <a:rPr lang="en-IN" sz="1400" dirty="0">
+                <a:latin typeface="Times New Roman" panose="02020603050405020304" pitchFamily="18" charset="0"/>
+                <a:cs typeface="Times New Roman" panose="02020603050405020304" pitchFamily="18" charset="0"/>
+              </a:rPr>
+              <a:t> → Identifying who is most/least likely to respond.</a:t>
+            </a:r>
+          </a:p>
+          <a:p>
+            <a:pPr marL="342900" indent="-342900">
+              <a:buFont typeface="+mj-lt"/>
+              <a:buAutoNum type="arabicPeriod"/>
+            </a:pPr>
+            <a:r>
+              <a:rPr lang="en-IN" sz="1400" dirty="0">
+                <a:latin typeface="Times New Roman" panose="02020603050405020304" pitchFamily="18" charset="0"/>
+                <a:cs typeface="Times New Roman" panose="02020603050405020304" pitchFamily="18" charset="0"/>
+              </a:rPr>
+              <a:t>🎟️ </a:t>
+            </a:r>
+            <a:r>
+              <a:rPr lang="en-IN" sz="1400" b="1" dirty="0">
+                <a:latin typeface="Times New Roman" panose="02020603050405020304" pitchFamily="18" charset="0"/>
+                <a:cs typeface="Times New Roman" panose="02020603050405020304" pitchFamily="18" charset="0"/>
+              </a:rPr>
+              <a:t>Offer-Type Strategy</a:t>
+            </a:r>
+            <a:r>
+              <a:rPr lang="en-IN" sz="1400" dirty="0">
+                <a:latin typeface="Times New Roman" panose="02020603050405020304" pitchFamily="18" charset="0"/>
+                <a:cs typeface="Times New Roman" panose="02020603050405020304" pitchFamily="18" charset="0"/>
+              </a:rPr>
+              <a:t> → Deciding which offer mix will perform best in future campaigns.</a:t>
+            </a:r>
+          </a:p>
+          <a:p>
+            <a:pPr marL="342900" indent="-342900">
+              <a:buFont typeface="+mj-lt"/>
+              <a:buAutoNum type="arabicPeriod"/>
+            </a:pPr>
+            <a:r>
+              <a:rPr lang="en-IN" sz="1400" dirty="0">
+                <a:latin typeface="Times New Roman" panose="02020603050405020304" pitchFamily="18" charset="0"/>
+                <a:cs typeface="Times New Roman" panose="02020603050405020304" pitchFamily="18" charset="0"/>
+              </a:rPr>
+              <a:t>💳 </a:t>
+            </a:r>
+            <a:r>
+              <a:rPr lang="en-IN" sz="1400" b="1" dirty="0">
+                <a:latin typeface="Times New Roman" panose="02020603050405020304" pitchFamily="18" charset="0"/>
+                <a:cs typeface="Times New Roman" panose="02020603050405020304" pitchFamily="18" charset="0"/>
+              </a:rPr>
+              <a:t>Revenue &amp; Spend Forecasting</a:t>
+            </a:r>
+            <a:r>
+              <a:rPr lang="en-IN" sz="1400" dirty="0">
+                <a:latin typeface="Times New Roman" panose="02020603050405020304" pitchFamily="18" charset="0"/>
+                <a:cs typeface="Times New Roman" panose="02020603050405020304" pitchFamily="18" charset="0"/>
+              </a:rPr>
+              <a:t> → Estimating future sales lift from promotions.</a:t>
+            </a:r>
+          </a:p>
+          <a:p>
+            <a:pPr marL="342900" indent="-342900">
+              <a:buFont typeface="+mj-lt"/>
+              <a:buAutoNum type="arabicPeriod"/>
+            </a:pPr>
+            <a:r>
+              <a:rPr lang="en-IN" sz="1400" dirty="0">
+                <a:latin typeface="Times New Roman" panose="02020603050405020304" pitchFamily="18" charset="0"/>
+                <a:cs typeface="Times New Roman" panose="02020603050405020304" pitchFamily="18" charset="0"/>
+              </a:rPr>
+              <a:t>🔄 </a:t>
+            </a:r>
+            <a:r>
+              <a:rPr lang="en-IN" sz="1400" b="1" dirty="0">
+                <a:latin typeface="Times New Roman" panose="02020603050405020304" pitchFamily="18" charset="0"/>
+                <a:cs typeface="Times New Roman" panose="02020603050405020304" pitchFamily="18" charset="0"/>
+              </a:rPr>
+              <a:t>Engagement Retention Strategy</a:t>
+            </a:r>
+            <a:r>
+              <a:rPr lang="en-IN" sz="1400" dirty="0">
+                <a:latin typeface="Times New Roman" panose="02020603050405020304" pitchFamily="18" charset="0"/>
+                <a:cs typeface="Times New Roman" panose="02020603050405020304" pitchFamily="18" charset="0"/>
+              </a:rPr>
+              <a:t> → Ensuring predicted high churn customers are re-targeted.</a:t>
+            </a:r>
+          </a:p>
+          <a:p>
+            <a:pPr marL="342900" indent="-342900">
+              <a:buFont typeface="+mj-lt"/>
+              <a:buAutoNum type="arabicPeriod"/>
+            </a:pPr>
+            <a:r>
+              <a:rPr lang="en-IN" sz="1400" dirty="0">
+                <a:latin typeface="Times New Roman" panose="02020603050405020304" pitchFamily="18" charset="0"/>
+                <a:cs typeface="Times New Roman" panose="02020603050405020304" pitchFamily="18" charset="0"/>
+              </a:rPr>
+              <a:t>🛡️ </a:t>
+            </a:r>
+            <a:r>
+              <a:rPr lang="en-IN" sz="1400" b="1" dirty="0">
+                <a:latin typeface="Times New Roman" panose="02020603050405020304" pitchFamily="18" charset="0"/>
+                <a:cs typeface="Times New Roman" panose="02020603050405020304" pitchFamily="18" charset="0"/>
+              </a:rPr>
+              <a:t>Risk Mitigation Strategy</a:t>
+            </a:r>
+            <a:r>
+              <a:rPr lang="en-IN" sz="1400" dirty="0">
+                <a:latin typeface="Times New Roman" panose="02020603050405020304" pitchFamily="18" charset="0"/>
+                <a:cs typeface="Times New Roman" panose="02020603050405020304" pitchFamily="18" charset="0"/>
+              </a:rPr>
+              <a:t> → Acting on predictive KRIs to avoid wasteful or risky offers.</a:t>
+            </a:r>
+          </a:p>
+          <a:p>
+            <a:pPr marL="342900" indent="-342900">
+              <a:buFont typeface="+mj-lt"/>
+              <a:buAutoNum type="arabicPeriod"/>
+            </a:pPr>
+            <a:r>
+              <a:rPr lang="en-IN" sz="1400" dirty="0">
+                <a:latin typeface="Times New Roman" panose="02020603050405020304" pitchFamily="18" charset="0"/>
+                <a:cs typeface="Times New Roman" panose="02020603050405020304" pitchFamily="18" charset="0"/>
+              </a:rPr>
+              <a:t>📊 </a:t>
+            </a:r>
+            <a:r>
+              <a:rPr lang="en-IN" sz="1400" b="1" dirty="0">
+                <a:latin typeface="Times New Roman" panose="02020603050405020304" pitchFamily="18" charset="0"/>
+                <a:cs typeface="Times New Roman" panose="02020603050405020304" pitchFamily="18" charset="0"/>
+              </a:rPr>
+              <a:t>Resource Allocation</a:t>
+            </a:r>
+            <a:r>
+              <a:rPr lang="en-IN" sz="1400" dirty="0">
+                <a:latin typeface="Times New Roman" panose="02020603050405020304" pitchFamily="18" charset="0"/>
+                <a:cs typeface="Times New Roman" panose="02020603050405020304" pitchFamily="18" charset="0"/>
+              </a:rPr>
+              <a:t> → Focusing marketing budget on offers and customers with the highest predicted ROI.</a:t>
+            </a:r>
+          </a:p>
+        </p:txBody>
+      </p:sp>
+      <p:sp>
+        <p:nvSpPr>
+          <p:cNvPr id="2" name="Freeform 8">
+            <a:extLst>
+              <a:ext uri="{FF2B5EF4-FFF2-40B4-BE49-F238E27FC236}">
+                <a16:creationId xmlns:a16="http://schemas.microsoft.com/office/drawing/2014/main" id="{F295AF1E-0DF5-56C1-9FD2-8CE1177ECE81}"/>
+              </a:ext>
+            </a:extLst>
+          </p:cNvPr>
+          <p:cNvSpPr/>
+          <p:nvPr/>
+        </p:nvSpPr>
+        <p:spPr>
+          <a:xfrm>
+            <a:off x="6372953" y="963825"/>
+            <a:ext cx="5456582" cy="5132173"/>
+          </a:xfrm>
+          <a:custGeom>
+            <a:avLst/>
+            <a:gdLst/>
+            <a:ahLst/>
+            <a:cxnLst/>
+            <a:rect l="l" t="t" r="r" b="b"/>
+            <a:pathLst>
+              <a:path w="1836416" h="1281219">
+                <a:moveTo>
+                  <a:pt x="56627" y="0"/>
+                </a:moveTo>
+                <a:lnTo>
+                  <a:pt x="1779789" y="0"/>
+                </a:lnTo>
+                <a:cubicBezTo>
+                  <a:pt x="1794808" y="0"/>
+                  <a:pt x="1809211" y="5966"/>
+                  <a:pt x="1819831" y="16586"/>
+                </a:cubicBezTo>
+                <a:cubicBezTo>
+                  <a:pt x="1830450" y="27205"/>
+                  <a:pt x="1836416" y="41608"/>
+                  <a:pt x="1836416" y="56627"/>
+                </a:cubicBezTo>
+                <a:lnTo>
+                  <a:pt x="1836416" y="1224592"/>
+                </a:lnTo>
+                <a:cubicBezTo>
+                  <a:pt x="1836416" y="1255866"/>
+                  <a:pt x="1811063" y="1281219"/>
+                  <a:pt x="1779789" y="1281219"/>
+                </a:cubicBezTo>
+                <a:lnTo>
+                  <a:pt x="56627" y="1281219"/>
+                </a:lnTo>
+                <a:cubicBezTo>
+                  <a:pt x="41608" y="1281219"/>
+                  <a:pt x="27205" y="1275253"/>
+                  <a:pt x="16586" y="1264633"/>
+                </a:cubicBezTo>
+                <a:cubicBezTo>
+                  <a:pt x="5966" y="1254014"/>
+                  <a:pt x="0" y="1239611"/>
+                  <a:pt x="0" y="1224592"/>
+                </a:cubicBezTo>
+                <a:lnTo>
+                  <a:pt x="0" y="56627"/>
+                </a:lnTo>
+                <a:cubicBezTo>
+                  <a:pt x="0" y="25353"/>
+                  <a:pt x="25353" y="0"/>
+                  <a:pt x="56627" y="0"/>
+                </a:cubicBezTo>
+                <a:close/>
+              </a:path>
+            </a:pathLst>
+          </a:custGeom>
+          <a:solidFill>
+            <a:schemeClr val="bg1">
+              <a:alpha val="53725"/>
+            </a:schemeClr>
+          </a:solidFill>
+          <a:ln>
+            <a:noFill/>
+          </a:ln>
+          <a:effectLst>
+            <a:outerShdw blurRad="63500" sx="102000" sy="102000" algn="ctr" rotWithShape="0">
+              <a:prstClr val="black">
+                <a:alpha val="40000"/>
+              </a:prstClr>
+            </a:outerShdw>
+          </a:effectLst>
+        </p:spPr>
+      </p:sp>
+      <p:sp>
+        <p:nvSpPr>
+          <p:cNvPr id="4" name="TextBox 3">
+            <a:extLst>
+              <a:ext uri="{FF2B5EF4-FFF2-40B4-BE49-F238E27FC236}">
+                <a16:creationId xmlns:a16="http://schemas.microsoft.com/office/drawing/2014/main" id="{461D4C78-E3C7-03A0-A6DD-590E36B07E49}"/>
+              </a:ext>
+            </a:extLst>
+          </p:cNvPr>
+          <p:cNvSpPr txBox="1"/>
+          <p:nvPr/>
+        </p:nvSpPr>
+        <p:spPr>
+          <a:xfrm>
+            <a:off x="6615477" y="1036921"/>
+            <a:ext cx="4971534" cy="3008259"/>
+          </a:xfrm>
+          <a:prstGeom prst="rect">
+            <a:avLst/>
+          </a:prstGeom>
+          <a:noFill/>
+        </p:spPr>
+        <p:txBody>
+          <a:bodyPr wrap="square">
+            <a:spAutoFit/>
+          </a:bodyPr>
+          <a:lstStyle/>
+          <a:p>
+            <a:pPr>
+              <a:lnSpc>
+                <a:spcPct val="150000"/>
+              </a:lnSpc>
+            </a:pPr>
+            <a:r>
+              <a:rPr lang="en-IN" sz="1600" b="1" dirty="0">
+                <a:latin typeface="Times New Roman" panose="02020603050405020304" pitchFamily="18" charset="0"/>
+                <a:cs typeface="Times New Roman" panose="02020603050405020304" pitchFamily="18" charset="0"/>
+              </a:rPr>
+              <a:t>✅ In summary:</a:t>
+            </a:r>
+          </a:p>
+          <a:p>
+            <a:pPr>
+              <a:lnSpc>
+                <a:spcPct val="150000"/>
+              </a:lnSpc>
+            </a:pPr>
+            <a:endParaRPr lang="en-IN" sz="1400" b="1" dirty="0">
+              <a:latin typeface="Times New Roman" panose="02020603050405020304" pitchFamily="18" charset="0"/>
+              <a:cs typeface="Times New Roman" panose="02020603050405020304" pitchFamily="18" charset="0"/>
+            </a:endParaRPr>
+          </a:p>
+          <a:p>
+            <a:pPr marL="342900" indent="-342900">
+              <a:lnSpc>
+                <a:spcPct val="150000"/>
+              </a:lnSpc>
+              <a:buFont typeface="+mj-lt"/>
+              <a:buAutoNum type="arabicPeriod"/>
+            </a:pPr>
+            <a:r>
+              <a:rPr lang="en-IN" sz="1400" b="1" dirty="0">
+                <a:latin typeface="Times New Roman" panose="02020603050405020304" pitchFamily="18" charset="0"/>
+                <a:cs typeface="Times New Roman" panose="02020603050405020304" pitchFamily="18" charset="0"/>
+              </a:rPr>
+              <a:t>KPI → </a:t>
+            </a:r>
+          </a:p>
+          <a:p>
+            <a:pPr lvl="1">
+              <a:lnSpc>
+                <a:spcPct val="150000"/>
+              </a:lnSpc>
+            </a:pPr>
+            <a:r>
+              <a:rPr lang="en-IN" sz="1400" dirty="0">
+                <a:latin typeface="Times New Roman" panose="02020603050405020304" pitchFamily="18" charset="0"/>
+                <a:cs typeface="Times New Roman" panose="02020603050405020304" pitchFamily="18" charset="0"/>
+              </a:rPr>
+              <a:t>Forward-looking success metrics (e.g., predicted offer completion, CLV forecast).</a:t>
+            </a:r>
+          </a:p>
+          <a:p>
+            <a:pPr marL="342900" indent="-342900">
+              <a:lnSpc>
+                <a:spcPct val="150000"/>
+              </a:lnSpc>
+              <a:buFont typeface="+mj-lt"/>
+              <a:buAutoNum type="arabicPeriod"/>
+            </a:pPr>
+            <a:r>
+              <a:rPr lang="en-IN" sz="1400" b="1" dirty="0">
+                <a:latin typeface="Times New Roman" panose="02020603050405020304" pitchFamily="18" charset="0"/>
+                <a:cs typeface="Times New Roman" panose="02020603050405020304" pitchFamily="18" charset="0"/>
+              </a:rPr>
+              <a:t>KRI → </a:t>
+            </a:r>
+          </a:p>
+          <a:p>
+            <a:pPr lvl="1">
+              <a:lnSpc>
+                <a:spcPct val="150000"/>
+              </a:lnSpc>
+            </a:pPr>
+            <a:r>
+              <a:rPr lang="en-IN" sz="1400" dirty="0">
+                <a:latin typeface="Times New Roman" panose="02020603050405020304" pitchFamily="18" charset="0"/>
+                <a:cs typeface="Times New Roman" panose="02020603050405020304" pitchFamily="18" charset="0"/>
+              </a:rPr>
+              <a:t>Future red flags (e.g., churn risk, cannibalization risk).</a:t>
+            </a:r>
+          </a:p>
+          <a:p>
+            <a:pPr marL="342900" indent="-342900">
+              <a:lnSpc>
+                <a:spcPct val="150000"/>
+              </a:lnSpc>
+              <a:buFont typeface="+mj-lt"/>
+              <a:buAutoNum type="arabicPeriod"/>
+            </a:pPr>
+            <a:r>
+              <a:rPr lang="en-IN" sz="1400" b="1" dirty="0">
+                <a:latin typeface="Times New Roman" panose="02020603050405020304" pitchFamily="18" charset="0"/>
+                <a:cs typeface="Times New Roman" panose="02020603050405020304" pitchFamily="18" charset="0"/>
+              </a:rPr>
+              <a:t>KRA → </a:t>
+            </a:r>
+          </a:p>
+          <a:p>
+            <a:pPr lvl="1">
+              <a:lnSpc>
+                <a:spcPct val="150000"/>
+              </a:lnSpc>
+            </a:pPr>
+            <a:r>
+              <a:rPr lang="en-IN" sz="1400" dirty="0">
+                <a:latin typeface="Times New Roman" panose="02020603050405020304" pitchFamily="18" charset="0"/>
+                <a:cs typeface="Times New Roman" panose="02020603050405020304" pitchFamily="18" charset="0"/>
+              </a:rPr>
+              <a:t>Strategic focus areas for proactive decisions.</a:t>
+            </a:r>
+          </a:p>
+        </p:txBody>
+      </p:sp>
+    </p:spTree>
+    <p:extLst>
+      <p:ext uri="{BB962C8B-B14F-4D97-AF65-F5344CB8AC3E}">
+        <p14:creationId xmlns:p14="http://schemas.microsoft.com/office/powerpoint/2010/main" val="3175831008"/>
+      </p:ext>
+    </p:extLst>
+  </p:cSld>
+  <p:clrMapOvr>
+    <a:masterClrMapping/>
+  </p:clrMapOvr>
+</p:sld>
+</file>
+
+<file path=ppt/slides/slide3.xml><?xml version="1.0" encoding="utf-8"?>
+<p:sld xmlns:a="http://schemas.openxmlformats.org/drawingml/2006/main" xmlns:r="http://schemas.openxmlformats.org/officeDocument/2006/relationships" xmlns:p="http://schemas.openxmlformats.org/presentationml/2006/main">
+  <p:cSld>
+    <p:spTree>
+      <p:nvGrpSpPr>
+        <p:cNvPr id="1" name="">
+          <a:extLst>
+            <a:ext uri="{FF2B5EF4-FFF2-40B4-BE49-F238E27FC236}">
+              <a16:creationId xmlns:a16="http://schemas.microsoft.com/office/drawing/2014/main" id="{31DA61EE-F07E-9231-05EC-17BAC695A15C}"/>
+            </a:ext>
+          </a:extLst>
+        </p:cNvPr>
+        <p:cNvGrpSpPr/>
+        <p:nvPr/>
+      </p:nvGrpSpPr>
+      <p:grpSpPr>
+        <a:xfrm>
+          <a:off x="0" y="0"/>
+          <a:ext cx="0" cy="0"/>
+          <a:chOff x="0" y="0"/>
+          <a:chExt cx="0" cy="0"/>
+        </a:xfrm>
+      </p:grpSpPr>
+      <p:sp>
+        <p:nvSpPr>
+          <p:cNvPr id="8" name="Freeform 8">
+            <a:extLst>
+              <a:ext uri="{FF2B5EF4-FFF2-40B4-BE49-F238E27FC236}">
+                <a16:creationId xmlns:a16="http://schemas.microsoft.com/office/drawing/2014/main" id="{5A208249-2E0A-D257-3CE7-FF995F42593D}"/>
+              </a:ext>
+            </a:extLst>
+          </p:cNvPr>
+          <p:cNvSpPr/>
+          <p:nvPr/>
+        </p:nvSpPr>
+        <p:spPr>
+          <a:xfrm>
+            <a:off x="553378" y="1225329"/>
+            <a:ext cx="5212155" cy="4407341"/>
+          </a:xfrm>
+          <a:custGeom>
+            <a:avLst/>
+            <a:gdLst/>
+            <a:ahLst/>
+            <a:cxnLst/>
+            <a:rect l="l" t="t" r="r" b="b"/>
+            <a:pathLst>
+              <a:path w="1836416" h="1281219">
+                <a:moveTo>
+                  <a:pt x="56627" y="0"/>
+                </a:moveTo>
+                <a:lnTo>
+                  <a:pt x="1779789" y="0"/>
+                </a:lnTo>
+                <a:cubicBezTo>
+                  <a:pt x="1794808" y="0"/>
+                  <a:pt x="1809211" y="5966"/>
+                  <a:pt x="1819831" y="16586"/>
+                </a:cubicBezTo>
+                <a:cubicBezTo>
+                  <a:pt x="1830450" y="27205"/>
+                  <a:pt x="1836416" y="41608"/>
+                  <a:pt x="1836416" y="56627"/>
+                </a:cubicBezTo>
+                <a:lnTo>
+                  <a:pt x="1836416" y="1224592"/>
+                </a:lnTo>
+                <a:cubicBezTo>
+                  <a:pt x="1836416" y="1255866"/>
+                  <a:pt x="1811063" y="1281219"/>
+                  <a:pt x="1779789" y="1281219"/>
+                </a:cubicBezTo>
+                <a:lnTo>
+                  <a:pt x="56627" y="1281219"/>
+                </a:lnTo>
+                <a:cubicBezTo>
+                  <a:pt x="41608" y="1281219"/>
+                  <a:pt x="27205" y="1275253"/>
+                  <a:pt x="16586" y="1264633"/>
+                </a:cubicBezTo>
+                <a:cubicBezTo>
+                  <a:pt x="5966" y="1254014"/>
+                  <a:pt x="0" y="1239611"/>
+                  <a:pt x="0" y="1224592"/>
+                </a:cubicBezTo>
+                <a:lnTo>
+                  <a:pt x="0" y="56627"/>
+                </a:lnTo>
+                <a:cubicBezTo>
+                  <a:pt x="0" y="25353"/>
+                  <a:pt x="25353" y="0"/>
+                  <a:pt x="56627" y="0"/>
+                </a:cubicBezTo>
+                <a:close/>
+              </a:path>
+            </a:pathLst>
+          </a:custGeom>
+          <a:solidFill>
+            <a:schemeClr val="accent1">
+              <a:alpha val="53725"/>
+            </a:schemeClr>
+          </a:solidFill>
+        </p:spPr>
+        <p:txBody>
+          <a:bodyPr anchor="ctr"/>
+          <a:lstStyle/>
+          <a:p>
+            <a:pPr marL="457200" indent="-457200">
+              <a:lnSpc>
+                <a:spcPct val="200000"/>
+              </a:lnSpc>
+              <a:buSzPct val="150000"/>
+              <a:buBlip>
+                <a:blip r:embed="rId2"/>
+              </a:buBlip>
+            </a:pPr>
+            <a:r>
+              <a:rPr lang="en-IN" sz="2000" b="1" dirty="0">
+                <a:latin typeface="Times New Roman" panose="02020603050405020304" pitchFamily="18" charset="0"/>
+                <a:cs typeface="Times New Roman" panose="02020603050405020304" pitchFamily="18" charset="0"/>
+              </a:rPr>
+              <a:t>Mobile App as Core Engagement Tool</a:t>
+            </a:r>
+            <a:r>
+              <a:rPr lang="en-IN" sz="2000" dirty="0">
+                <a:latin typeface="Times New Roman" panose="02020603050405020304" pitchFamily="18" charset="0"/>
+                <a:cs typeface="Times New Roman" panose="02020603050405020304" pitchFamily="18" charset="0"/>
+              </a:rPr>
+              <a:t> </a:t>
+            </a:r>
+          </a:p>
+          <a:p>
+            <a:pPr marL="800100" lvl="1" indent="-342900">
+              <a:lnSpc>
+                <a:spcPct val="150000"/>
+              </a:lnSpc>
+              <a:buFont typeface="Courier New" panose="02070309020205020404" pitchFamily="49" charset="0"/>
+              <a:buChar char="o"/>
+            </a:pPr>
+            <a:r>
+              <a:rPr lang="en-IN" sz="2000" dirty="0">
+                <a:latin typeface="Times New Roman" panose="02020603050405020304" pitchFamily="18" charset="0"/>
+                <a:cs typeface="Times New Roman" panose="02020603050405020304" pitchFamily="18" charset="0"/>
+              </a:rPr>
+              <a:t>Starbucks uses its app to maintain direct communication with customers.</a:t>
+            </a:r>
+          </a:p>
+          <a:p>
+            <a:pPr marL="457200" indent="-457200">
+              <a:lnSpc>
+                <a:spcPct val="200000"/>
+              </a:lnSpc>
+              <a:buSzPct val="150000"/>
+              <a:buBlip>
+                <a:blip r:embed="rId3"/>
+              </a:buBlip>
+            </a:pPr>
+            <a:r>
+              <a:rPr lang="en-IN" sz="2000" b="1" dirty="0">
+                <a:latin typeface="Times New Roman" panose="02020603050405020304" pitchFamily="18" charset="0"/>
+                <a:cs typeface="Times New Roman" panose="02020603050405020304" pitchFamily="18" charset="0"/>
+              </a:rPr>
+              <a:t>Personalized Promotions</a:t>
+            </a:r>
+            <a:endParaRPr lang="en-IN" sz="2000" dirty="0">
+              <a:latin typeface="Times New Roman" panose="02020603050405020304" pitchFamily="18" charset="0"/>
+              <a:cs typeface="Times New Roman" panose="02020603050405020304" pitchFamily="18" charset="0"/>
+            </a:endParaRPr>
+          </a:p>
+          <a:p>
+            <a:pPr marL="800100" lvl="1" indent="-342900">
+              <a:lnSpc>
+                <a:spcPct val="150000"/>
+              </a:lnSpc>
+              <a:buFont typeface="Courier New" panose="02070309020205020404" pitchFamily="49" charset="0"/>
+              <a:buChar char="o"/>
+            </a:pPr>
+            <a:r>
+              <a:rPr lang="en-IN" sz="2000" dirty="0">
+                <a:latin typeface="Times New Roman" panose="02020603050405020304" pitchFamily="18" charset="0"/>
+                <a:cs typeface="Times New Roman" panose="02020603050405020304" pitchFamily="18" charset="0"/>
+              </a:rPr>
+              <a:t>Offers are tailored using customer data, including purchase history and preferences.</a:t>
+            </a:r>
+          </a:p>
+        </p:txBody>
+      </p:sp>
+      <p:sp>
+        <p:nvSpPr>
+          <p:cNvPr id="3" name="Rectangle 2">
+            <a:extLst>
+              <a:ext uri="{FF2B5EF4-FFF2-40B4-BE49-F238E27FC236}">
+                <a16:creationId xmlns:a16="http://schemas.microsoft.com/office/drawing/2014/main" id="{B34AA461-9D68-60F2-5D84-9F1F5191C2D6}"/>
+              </a:ext>
+            </a:extLst>
+          </p:cNvPr>
+          <p:cNvSpPr/>
+          <p:nvPr/>
+        </p:nvSpPr>
+        <p:spPr>
+          <a:xfrm>
+            <a:off x="0" y="0"/>
+            <a:ext cx="12192000" cy="609600"/>
+          </a:xfrm>
+          <a:prstGeom prst="rect">
+            <a:avLst/>
+          </a:prstGeom>
+          <a:solidFill>
+            <a:srgbClr val="338D90"/>
+          </a:solidFill>
+          <a:ln>
+            <a:solidFill>
+              <a:srgbClr val="338D90"/>
+            </a:solidFill>
+          </a:ln>
+        </p:spPr>
+        <p:style>
+          <a:lnRef idx="2">
+            <a:schemeClr val="accent1">
+              <a:shade val="15000"/>
+            </a:schemeClr>
+          </a:lnRef>
+          <a:fillRef idx="1">
+            <a:schemeClr val="accent1"/>
+          </a:fillRef>
+          <a:effectRef idx="0">
+            <a:schemeClr val="accent1"/>
+          </a:effectRef>
+          <a:fontRef idx="minor">
+            <a:schemeClr val="lt1"/>
+          </a:fontRef>
+        </p:style>
+        <p:txBody>
+          <a:bodyPr rtlCol="0" anchor="ctr"/>
+          <a:lstStyle/>
+          <a:p>
+            <a:pPr marL="914400" lvl="1" indent="-457200">
+              <a:buFont typeface="Wingdings" pitchFamily="2" charset="2"/>
+              <a:buChar char="q"/>
+            </a:pPr>
+            <a:r>
+              <a:rPr lang="en-US" sz="3200" b="1" dirty="0">
+                <a:solidFill>
+                  <a:schemeClr val="bg1"/>
+                </a:solidFill>
+                <a:latin typeface="Times New Roman" panose="02020603050405020304" pitchFamily="18" charset="0"/>
+                <a:cs typeface="Times New Roman" panose="02020603050405020304" pitchFamily="18" charset="0"/>
+              </a:rPr>
+              <a:t> Business Context</a:t>
+            </a:r>
+            <a:endParaRPr lang="en-US" sz="4000" b="1" dirty="0">
+              <a:solidFill>
+                <a:schemeClr val="bg1"/>
+              </a:solidFill>
+              <a:latin typeface="Times New Roman" panose="02020603050405020304" pitchFamily="18" charset="0"/>
+              <a:cs typeface="Times New Roman" panose="02020603050405020304" pitchFamily="18" charset="0"/>
+            </a:endParaRPr>
+          </a:p>
+        </p:txBody>
+      </p:sp>
+      <p:sp>
+        <p:nvSpPr>
+          <p:cNvPr id="2" name="Freeform 8">
+            <a:extLst>
+              <a:ext uri="{FF2B5EF4-FFF2-40B4-BE49-F238E27FC236}">
+                <a16:creationId xmlns:a16="http://schemas.microsoft.com/office/drawing/2014/main" id="{788204D2-D698-04DF-8BFC-6A1DAA23C365}"/>
+              </a:ext>
+            </a:extLst>
+          </p:cNvPr>
+          <p:cNvSpPr/>
+          <p:nvPr/>
+        </p:nvSpPr>
+        <p:spPr>
+          <a:xfrm>
+            <a:off x="6426467" y="1225328"/>
+            <a:ext cx="5212155" cy="4407341"/>
+          </a:xfrm>
+          <a:custGeom>
+            <a:avLst/>
+            <a:gdLst/>
+            <a:ahLst/>
+            <a:cxnLst/>
+            <a:rect l="l" t="t" r="r" b="b"/>
+            <a:pathLst>
+              <a:path w="1836416" h="1281219">
+                <a:moveTo>
+                  <a:pt x="56627" y="0"/>
+                </a:moveTo>
+                <a:lnTo>
+                  <a:pt x="1779789" y="0"/>
+                </a:lnTo>
+                <a:cubicBezTo>
+                  <a:pt x="1794808" y="0"/>
+                  <a:pt x="1809211" y="5966"/>
+                  <a:pt x="1819831" y="16586"/>
+                </a:cubicBezTo>
+                <a:cubicBezTo>
+                  <a:pt x="1830450" y="27205"/>
+                  <a:pt x="1836416" y="41608"/>
+                  <a:pt x="1836416" y="56627"/>
+                </a:cubicBezTo>
+                <a:lnTo>
+                  <a:pt x="1836416" y="1224592"/>
+                </a:lnTo>
+                <a:cubicBezTo>
+                  <a:pt x="1836416" y="1255866"/>
+                  <a:pt x="1811063" y="1281219"/>
+                  <a:pt x="1779789" y="1281219"/>
+                </a:cubicBezTo>
+                <a:lnTo>
+                  <a:pt x="56627" y="1281219"/>
+                </a:lnTo>
+                <a:cubicBezTo>
+                  <a:pt x="41608" y="1281219"/>
+                  <a:pt x="27205" y="1275253"/>
+                  <a:pt x="16586" y="1264633"/>
+                </a:cubicBezTo>
+                <a:cubicBezTo>
+                  <a:pt x="5966" y="1254014"/>
+                  <a:pt x="0" y="1239611"/>
+                  <a:pt x="0" y="1224592"/>
+                </a:cubicBezTo>
+                <a:lnTo>
+                  <a:pt x="0" y="56627"/>
+                </a:lnTo>
+                <a:cubicBezTo>
+                  <a:pt x="0" y="25353"/>
+                  <a:pt x="25353" y="0"/>
+                  <a:pt x="56627" y="0"/>
+                </a:cubicBezTo>
+                <a:close/>
+              </a:path>
+            </a:pathLst>
+          </a:custGeom>
+          <a:solidFill>
+            <a:schemeClr val="accent1">
+              <a:alpha val="53725"/>
+            </a:schemeClr>
+          </a:solidFill>
+        </p:spPr>
+        <p:txBody>
+          <a:bodyPr anchor="ctr"/>
+          <a:lstStyle/>
+          <a:p>
+            <a:pPr marL="457200" indent="-457200">
+              <a:lnSpc>
+                <a:spcPct val="200000"/>
+              </a:lnSpc>
+              <a:buSzPct val="150000"/>
+              <a:buBlip>
+                <a:blip r:embed="rId4"/>
+              </a:buBlip>
+            </a:pPr>
+            <a:r>
+              <a:rPr lang="en-IN" sz="2000" b="1" dirty="0">
+                <a:latin typeface="Times New Roman" panose="02020603050405020304" pitchFamily="18" charset="0"/>
+                <a:cs typeface="Times New Roman" panose="02020603050405020304" pitchFamily="18" charset="0"/>
+              </a:rPr>
+              <a:t>Diverse Campaign Types</a:t>
+            </a:r>
+          </a:p>
+          <a:p>
+            <a:pPr marL="800100" lvl="1" indent="-342900">
+              <a:lnSpc>
+                <a:spcPct val="150000"/>
+              </a:lnSpc>
+              <a:buFont typeface="Courier New" panose="02070309020205020404" pitchFamily="49" charset="0"/>
+              <a:buChar char="o"/>
+            </a:pPr>
+            <a:r>
+              <a:rPr lang="en-IN" sz="2000" dirty="0">
+                <a:latin typeface="Times New Roman" panose="02020603050405020304" pitchFamily="18" charset="0"/>
+                <a:cs typeface="Times New Roman" panose="02020603050405020304" pitchFamily="18" charset="0"/>
+              </a:rPr>
+              <a:t>Includes discounts, BOGO deals, and informational ads to drive sales and awareness.</a:t>
+            </a:r>
+          </a:p>
+          <a:p>
+            <a:pPr marL="457200" indent="-457200">
+              <a:lnSpc>
+                <a:spcPct val="200000"/>
+              </a:lnSpc>
+              <a:buSzPct val="150000"/>
+              <a:buBlip>
+                <a:blip r:embed="rId5"/>
+              </a:buBlip>
+            </a:pPr>
+            <a:r>
+              <a:rPr lang="en-IN" sz="2000" b="1" dirty="0">
+                <a:latin typeface="Times New Roman" panose="02020603050405020304" pitchFamily="18" charset="0"/>
+                <a:cs typeface="Times New Roman" panose="02020603050405020304" pitchFamily="18" charset="0"/>
+              </a:rPr>
+              <a:t>Targeting Opportunity</a:t>
+            </a:r>
+            <a:endParaRPr lang="en-IN" sz="2000" dirty="0">
+              <a:latin typeface="Times New Roman" panose="02020603050405020304" pitchFamily="18" charset="0"/>
+              <a:cs typeface="Times New Roman" panose="02020603050405020304" pitchFamily="18" charset="0"/>
+            </a:endParaRPr>
+          </a:p>
+          <a:p>
+            <a:pPr marL="800100" lvl="1" indent="-342900">
+              <a:lnSpc>
+                <a:spcPct val="150000"/>
+              </a:lnSpc>
+              <a:buFont typeface="Courier New" panose="02070309020205020404" pitchFamily="49" charset="0"/>
+              <a:buChar char="o"/>
+            </a:pPr>
+            <a:r>
+              <a:rPr lang="en-IN" sz="2000" dirty="0">
+                <a:latin typeface="Times New Roman" panose="02020603050405020304" pitchFamily="18" charset="0"/>
+                <a:cs typeface="Times New Roman" panose="02020603050405020304" pitchFamily="18" charset="0"/>
+              </a:rPr>
+              <a:t>Some customers receive no offers in certain weeks, enabling analysis of offer allocation and effectiveness.</a:t>
+            </a:r>
+          </a:p>
+        </p:txBody>
+      </p:sp>
+    </p:spTree>
+    <p:extLst>
+      <p:ext uri="{BB962C8B-B14F-4D97-AF65-F5344CB8AC3E}">
+        <p14:creationId xmlns:p14="http://schemas.microsoft.com/office/powerpoint/2010/main" val="2083590260"/>
+      </p:ext>
+    </p:extLst>
+  </p:cSld>
+  <p:clrMapOvr>
+    <a:masterClrMapping/>
+  </p:clrMapOvr>
+</p:sld>
+</file>
+
+<file path=ppt/slides/slide30.xml><?xml version="1.0" encoding="utf-8"?>
 <p:sld xmlns:a="http://schemas.openxmlformats.org/drawingml/2006/main" xmlns:r="http://schemas.openxmlformats.org/officeDocument/2006/relationships" xmlns:p="http://schemas.openxmlformats.org/presentationml/2006/main">
   <p:cSld>
     <p:spTree>
@@ -18386,7 +24213,7 @@
 </p:sld>
 </file>
 
-<file path=ppt/slides/slide24.xml><?xml version="1.0" encoding="utf-8"?>
+<file path=ppt/slides/slide31.xml><?xml version="1.0" encoding="utf-8"?>
 <p:sld xmlns:a="http://schemas.openxmlformats.org/drawingml/2006/main" xmlns:r="http://schemas.openxmlformats.org/officeDocument/2006/relationships" xmlns:p="http://schemas.openxmlformats.org/presentationml/2006/main">
   <p:cSld>
     <p:spTree>
@@ -18918,7 +24745,7 @@
 </p:sld>
 </file>
 
-<file path=ppt/slides/slide25.xml><?xml version="1.0" encoding="utf-8"?>
+<file path=ppt/slides/slide32.xml><?xml version="1.0" encoding="utf-8"?>
 <p:sld xmlns:a="http://schemas.openxmlformats.org/drawingml/2006/main" xmlns:r="http://schemas.openxmlformats.org/officeDocument/2006/relationships" xmlns:p="http://schemas.openxmlformats.org/presentationml/2006/main">
   <p:cSld>
     <p:spTree>
@@ -19464,7 +25291,7 @@
 </p:sld>
 </file>
 
-<file path=ppt/slides/slide26.xml><?xml version="1.0" encoding="utf-8"?>
+<file path=ppt/slides/slide33.xml><?xml version="1.0" encoding="utf-8"?>
 <p:sld xmlns:a="http://schemas.openxmlformats.org/drawingml/2006/main" xmlns:r="http://schemas.openxmlformats.org/officeDocument/2006/relationships" xmlns:p="http://schemas.openxmlformats.org/presentationml/2006/main">
   <p:cSld>
     <p:spTree>
@@ -19996,7 +25823,7 @@
 </p:sld>
 </file>
 
-<file path=ppt/slides/slide27.xml><?xml version="1.0" encoding="utf-8"?>
+<file path=ppt/slides/slide34.xml><?xml version="1.0" encoding="utf-8"?>
 <p:sld xmlns:a="http://schemas.openxmlformats.org/drawingml/2006/main" xmlns:r="http://schemas.openxmlformats.org/officeDocument/2006/relationships" xmlns:p="http://schemas.openxmlformats.org/presentationml/2006/main">
   <p:cSld>
     <p:spTree>
@@ -20075,436 +25902,6 @@
     <p:extLst>
       <p:ext uri="{BB962C8B-B14F-4D97-AF65-F5344CB8AC3E}">
         <p14:creationId xmlns:p14="http://schemas.microsoft.com/office/powerpoint/2010/main" val="3656772840"/>
-      </p:ext>
-    </p:extLst>
-  </p:cSld>
-  <p:clrMapOvr>
-    <a:masterClrMapping/>
-  </p:clrMapOvr>
-</p:sld>
-</file>
-
-<file path=ppt/slides/slide3.xml><?xml version="1.0" encoding="utf-8"?>
-<p:sld xmlns:a="http://schemas.openxmlformats.org/drawingml/2006/main" xmlns:r="http://schemas.openxmlformats.org/officeDocument/2006/relationships" xmlns:p="http://schemas.openxmlformats.org/presentationml/2006/main">
-  <p:cSld>
-    <p:spTree>
-      <p:nvGrpSpPr>
-        <p:cNvPr id="1" name="">
-          <a:extLst>
-            <a:ext uri="{FF2B5EF4-FFF2-40B4-BE49-F238E27FC236}">
-              <a16:creationId xmlns:a16="http://schemas.microsoft.com/office/drawing/2014/main" id="{31DA61EE-F07E-9231-05EC-17BAC695A15C}"/>
-            </a:ext>
-          </a:extLst>
-        </p:cNvPr>
-        <p:cNvGrpSpPr/>
-        <p:nvPr/>
-      </p:nvGrpSpPr>
-      <p:grpSpPr>
-        <a:xfrm>
-          <a:off x="0" y="0"/>
-          <a:ext cx="0" cy="0"/>
-          <a:chOff x="0" y="0"/>
-          <a:chExt cx="0" cy="0"/>
-        </a:xfrm>
-      </p:grpSpPr>
-      <p:sp>
-        <p:nvSpPr>
-          <p:cNvPr id="8" name="Freeform 8">
-            <a:extLst>
-              <a:ext uri="{FF2B5EF4-FFF2-40B4-BE49-F238E27FC236}">
-                <a16:creationId xmlns:a16="http://schemas.microsoft.com/office/drawing/2014/main" id="{5A208249-2E0A-D257-3CE7-FF995F42593D}"/>
-              </a:ext>
-            </a:extLst>
-          </p:cNvPr>
-          <p:cNvSpPr/>
-          <p:nvPr/>
-        </p:nvSpPr>
-        <p:spPr>
-          <a:xfrm>
-            <a:off x="553378" y="1225329"/>
-            <a:ext cx="5212155" cy="4407341"/>
-          </a:xfrm>
-          <a:custGeom>
-            <a:avLst/>
-            <a:gdLst/>
-            <a:ahLst/>
-            <a:cxnLst/>
-            <a:rect l="l" t="t" r="r" b="b"/>
-            <a:pathLst>
-              <a:path w="1836416" h="1281219">
-                <a:moveTo>
-                  <a:pt x="56627" y="0"/>
-                </a:moveTo>
-                <a:lnTo>
-                  <a:pt x="1779789" y="0"/>
-                </a:lnTo>
-                <a:cubicBezTo>
-                  <a:pt x="1794808" y="0"/>
-                  <a:pt x="1809211" y="5966"/>
-                  <a:pt x="1819831" y="16586"/>
-                </a:cubicBezTo>
-                <a:cubicBezTo>
-                  <a:pt x="1830450" y="27205"/>
-                  <a:pt x="1836416" y="41608"/>
-                  <a:pt x="1836416" y="56627"/>
-                </a:cubicBezTo>
-                <a:lnTo>
-                  <a:pt x="1836416" y="1224592"/>
-                </a:lnTo>
-                <a:cubicBezTo>
-                  <a:pt x="1836416" y="1255866"/>
-                  <a:pt x="1811063" y="1281219"/>
-                  <a:pt x="1779789" y="1281219"/>
-                </a:cubicBezTo>
-                <a:lnTo>
-                  <a:pt x="56627" y="1281219"/>
-                </a:lnTo>
-                <a:cubicBezTo>
-                  <a:pt x="41608" y="1281219"/>
-                  <a:pt x="27205" y="1275253"/>
-                  <a:pt x="16586" y="1264633"/>
-                </a:cubicBezTo>
-                <a:cubicBezTo>
-                  <a:pt x="5966" y="1254014"/>
-                  <a:pt x="0" y="1239611"/>
-                  <a:pt x="0" y="1224592"/>
-                </a:cubicBezTo>
-                <a:lnTo>
-                  <a:pt x="0" y="56627"/>
-                </a:lnTo>
-                <a:cubicBezTo>
-                  <a:pt x="0" y="25353"/>
-                  <a:pt x="25353" y="0"/>
-                  <a:pt x="56627" y="0"/>
-                </a:cubicBezTo>
-                <a:close/>
-              </a:path>
-            </a:pathLst>
-          </a:custGeom>
-          <a:solidFill>
-            <a:schemeClr val="accent1">
-              <a:alpha val="53725"/>
-            </a:schemeClr>
-          </a:solidFill>
-        </p:spPr>
-        <p:txBody>
-          <a:bodyPr anchor="ctr"/>
-          <a:lstStyle/>
-          <a:p>
-            <a:pPr marL="457200" indent="-457200">
-              <a:lnSpc>
-                <a:spcPct val="200000"/>
-              </a:lnSpc>
-              <a:buSzPct val="150000"/>
-              <a:buBlip>
-                <a:blip r:embed="rId2"/>
-              </a:buBlip>
-            </a:pPr>
-            <a:r>
-              <a:rPr lang="en-IN" sz="2000" b="1" dirty="0">
-                <a:latin typeface="Times New Roman" panose="02020603050405020304" pitchFamily="18" charset="0"/>
-                <a:cs typeface="Times New Roman" panose="02020603050405020304" pitchFamily="18" charset="0"/>
-              </a:rPr>
-              <a:t>Mobile App as Core Engagement Tool</a:t>
-            </a:r>
-            <a:r>
-              <a:rPr lang="en-IN" sz="2000" dirty="0">
-                <a:latin typeface="Times New Roman" panose="02020603050405020304" pitchFamily="18" charset="0"/>
-                <a:cs typeface="Times New Roman" panose="02020603050405020304" pitchFamily="18" charset="0"/>
-              </a:rPr>
-              <a:t> </a:t>
-            </a:r>
-          </a:p>
-          <a:p>
-            <a:pPr marL="800100" lvl="1" indent="-342900">
-              <a:lnSpc>
-                <a:spcPct val="150000"/>
-              </a:lnSpc>
-              <a:buFont typeface="Courier New" panose="02070309020205020404" pitchFamily="49" charset="0"/>
-              <a:buChar char="o"/>
-            </a:pPr>
-            <a:r>
-              <a:rPr lang="en-IN" sz="2000" dirty="0">
-                <a:latin typeface="Times New Roman" panose="02020603050405020304" pitchFamily="18" charset="0"/>
-                <a:cs typeface="Times New Roman" panose="02020603050405020304" pitchFamily="18" charset="0"/>
-              </a:rPr>
-              <a:t>Starbucks uses its app to maintain direct communication with customers.</a:t>
-            </a:r>
-          </a:p>
-          <a:p>
-            <a:pPr marL="457200" indent="-457200">
-              <a:lnSpc>
-                <a:spcPct val="200000"/>
-              </a:lnSpc>
-              <a:buSzPct val="150000"/>
-              <a:buBlip>
-                <a:blip r:embed="rId3"/>
-              </a:buBlip>
-            </a:pPr>
-            <a:r>
-              <a:rPr lang="en-IN" sz="2000" b="1" dirty="0">
-                <a:latin typeface="Times New Roman" panose="02020603050405020304" pitchFamily="18" charset="0"/>
-                <a:cs typeface="Times New Roman" panose="02020603050405020304" pitchFamily="18" charset="0"/>
-              </a:rPr>
-              <a:t>Personalized Promotions</a:t>
-            </a:r>
-            <a:endParaRPr lang="en-IN" sz="2000" dirty="0">
-              <a:latin typeface="Times New Roman" panose="02020603050405020304" pitchFamily="18" charset="0"/>
-              <a:cs typeface="Times New Roman" panose="02020603050405020304" pitchFamily="18" charset="0"/>
-            </a:endParaRPr>
-          </a:p>
-          <a:p>
-            <a:pPr marL="800100" lvl="1" indent="-342900">
-              <a:lnSpc>
-                <a:spcPct val="150000"/>
-              </a:lnSpc>
-              <a:buFont typeface="Courier New" panose="02070309020205020404" pitchFamily="49" charset="0"/>
-              <a:buChar char="o"/>
-            </a:pPr>
-            <a:r>
-              <a:rPr lang="en-IN" sz="2000" dirty="0">
-                <a:latin typeface="Times New Roman" panose="02020603050405020304" pitchFamily="18" charset="0"/>
-                <a:cs typeface="Times New Roman" panose="02020603050405020304" pitchFamily="18" charset="0"/>
-              </a:rPr>
-              <a:t>Offers are tailored using customer data, including purchase history and preferences.</a:t>
-            </a:r>
-          </a:p>
-        </p:txBody>
-      </p:sp>
-      <p:sp>
-        <p:nvSpPr>
-          <p:cNvPr id="3" name="Rectangle 2">
-            <a:extLst>
-              <a:ext uri="{FF2B5EF4-FFF2-40B4-BE49-F238E27FC236}">
-                <a16:creationId xmlns:a16="http://schemas.microsoft.com/office/drawing/2014/main" id="{B34AA461-9D68-60F2-5D84-9F1F5191C2D6}"/>
-              </a:ext>
-            </a:extLst>
-          </p:cNvPr>
-          <p:cNvSpPr/>
-          <p:nvPr/>
-        </p:nvSpPr>
-        <p:spPr>
-          <a:xfrm>
-            <a:off x="0" y="0"/>
-            <a:ext cx="12192000" cy="609600"/>
-          </a:xfrm>
-          <a:prstGeom prst="rect">
-            <a:avLst/>
-          </a:prstGeom>
-          <a:solidFill>
-            <a:srgbClr val="338D90"/>
-          </a:solidFill>
-          <a:ln>
-            <a:solidFill>
-              <a:srgbClr val="338D90"/>
-            </a:solidFill>
-          </a:ln>
-        </p:spPr>
-        <p:style>
-          <a:lnRef idx="2">
-            <a:schemeClr val="accent1">
-              <a:shade val="15000"/>
-            </a:schemeClr>
-          </a:lnRef>
-          <a:fillRef idx="1">
-            <a:schemeClr val="accent1"/>
-          </a:fillRef>
-          <a:effectRef idx="0">
-            <a:schemeClr val="accent1"/>
-          </a:effectRef>
-          <a:fontRef idx="minor">
-            <a:schemeClr val="lt1"/>
-          </a:fontRef>
-        </p:style>
-        <p:txBody>
-          <a:bodyPr rtlCol="0" anchor="ctr"/>
-          <a:lstStyle/>
-          <a:p>
-            <a:pPr marL="914400" lvl="1" indent="-457200">
-              <a:buFont typeface="Wingdings" pitchFamily="2" charset="2"/>
-              <a:buChar char="q"/>
-            </a:pPr>
-            <a:r>
-              <a:rPr lang="en-US" sz="3200" b="1" dirty="0">
-                <a:solidFill>
-                  <a:schemeClr val="bg1"/>
-                </a:solidFill>
-                <a:latin typeface="Times New Roman" panose="02020603050405020304" pitchFamily="18" charset="0"/>
-                <a:cs typeface="Times New Roman" panose="02020603050405020304" pitchFamily="18" charset="0"/>
-              </a:rPr>
-              <a:t> Business Context</a:t>
-            </a:r>
-            <a:endParaRPr lang="en-US" sz="4000" b="1" dirty="0">
-              <a:solidFill>
-                <a:schemeClr val="bg1"/>
-              </a:solidFill>
-              <a:latin typeface="Times New Roman" panose="02020603050405020304" pitchFamily="18" charset="0"/>
-              <a:cs typeface="Times New Roman" panose="02020603050405020304" pitchFamily="18" charset="0"/>
-            </a:endParaRPr>
-          </a:p>
-        </p:txBody>
-      </p:sp>
-      <p:sp>
-        <p:nvSpPr>
-          <p:cNvPr id="2" name="Freeform 8">
-            <a:extLst>
-              <a:ext uri="{FF2B5EF4-FFF2-40B4-BE49-F238E27FC236}">
-                <a16:creationId xmlns:a16="http://schemas.microsoft.com/office/drawing/2014/main" id="{788204D2-D698-04DF-8BFC-6A1DAA23C365}"/>
-              </a:ext>
-            </a:extLst>
-          </p:cNvPr>
-          <p:cNvSpPr/>
-          <p:nvPr/>
-        </p:nvSpPr>
-        <p:spPr>
-          <a:xfrm>
-            <a:off x="6426467" y="1225328"/>
-            <a:ext cx="5212155" cy="4407341"/>
-          </a:xfrm>
-          <a:custGeom>
-            <a:avLst/>
-            <a:gdLst/>
-            <a:ahLst/>
-            <a:cxnLst/>
-            <a:rect l="l" t="t" r="r" b="b"/>
-            <a:pathLst>
-              <a:path w="1836416" h="1281219">
-                <a:moveTo>
-                  <a:pt x="56627" y="0"/>
-                </a:moveTo>
-                <a:lnTo>
-                  <a:pt x="1779789" y="0"/>
-                </a:lnTo>
-                <a:cubicBezTo>
-                  <a:pt x="1794808" y="0"/>
-                  <a:pt x="1809211" y="5966"/>
-                  <a:pt x="1819831" y="16586"/>
-                </a:cubicBezTo>
-                <a:cubicBezTo>
-                  <a:pt x="1830450" y="27205"/>
-                  <a:pt x="1836416" y="41608"/>
-                  <a:pt x="1836416" y="56627"/>
-                </a:cubicBezTo>
-                <a:lnTo>
-                  <a:pt x="1836416" y="1224592"/>
-                </a:lnTo>
-                <a:cubicBezTo>
-                  <a:pt x="1836416" y="1255866"/>
-                  <a:pt x="1811063" y="1281219"/>
-                  <a:pt x="1779789" y="1281219"/>
-                </a:cubicBezTo>
-                <a:lnTo>
-                  <a:pt x="56627" y="1281219"/>
-                </a:lnTo>
-                <a:cubicBezTo>
-                  <a:pt x="41608" y="1281219"/>
-                  <a:pt x="27205" y="1275253"/>
-                  <a:pt x="16586" y="1264633"/>
-                </a:cubicBezTo>
-                <a:cubicBezTo>
-                  <a:pt x="5966" y="1254014"/>
-                  <a:pt x="0" y="1239611"/>
-                  <a:pt x="0" y="1224592"/>
-                </a:cubicBezTo>
-                <a:lnTo>
-                  <a:pt x="0" y="56627"/>
-                </a:lnTo>
-                <a:cubicBezTo>
-                  <a:pt x="0" y="25353"/>
-                  <a:pt x="25353" y="0"/>
-                  <a:pt x="56627" y="0"/>
-                </a:cubicBezTo>
-                <a:close/>
-              </a:path>
-            </a:pathLst>
-          </a:custGeom>
-          <a:solidFill>
-            <a:schemeClr val="accent1">
-              <a:alpha val="53725"/>
-            </a:schemeClr>
-          </a:solidFill>
-        </p:spPr>
-        <p:txBody>
-          <a:bodyPr anchor="ctr"/>
-          <a:lstStyle/>
-          <a:p>
-            <a:pPr marL="457200" indent="-457200">
-              <a:lnSpc>
-                <a:spcPct val="200000"/>
-              </a:lnSpc>
-              <a:buSzPct val="150000"/>
-              <a:buBlip>
-                <a:blip r:embed="rId4"/>
-              </a:buBlip>
-            </a:pPr>
-            <a:r>
-              <a:rPr lang="en-IN" sz="2000" b="1" dirty="0">
-                <a:latin typeface="Times New Roman" panose="02020603050405020304" pitchFamily="18" charset="0"/>
-                <a:cs typeface="Times New Roman" panose="02020603050405020304" pitchFamily="18" charset="0"/>
-              </a:rPr>
-              <a:t>Diverse Campaign Types</a:t>
-            </a:r>
-          </a:p>
-          <a:p>
-            <a:pPr marL="800100" lvl="1" indent="-342900">
-              <a:lnSpc>
-                <a:spcPct val="150000"/>
-              </a:lnSpc>
-              <a:buFont typeface="Courier New" panose="02070309020205020404" pitchFamily="49" charset="0"/>
-              <a:buChar char="o"/>
-            </a:pPr>
-            <a:r>
-              <a:rPr lang="en-IN" sz="2000" dirty="0">
-                <a:latin typeface="Times New Roman" panose="02020603050405020304" pitchFamily="18" charset="0"/>
-                <a:cs typeface="Times New Roman" panose="02020603050405020304" pitchFamily="18" charset="0"/>
-              </a:rPr>
-              <a:t>Includes discounts, BOGO deals, and informational ads to drive sales and awareness.</a:t>
-            </a:r>
-          </a:p>
-          <a:p>
-            <a:pPr marL="457200" indent="-457200">
-              <a:lnSpc>
-                <a:spcPct val="200000"/>
-              </a:lnSpc>
-              <a:buSzPct val="150000"/>
-              <a:buBlip>
-                <a:blip r:embed="rId5"/>
-              </a:buBlip>
-            </a:pPr>
-            <a:r>
-              <a:rPr lang="en-IN" sz="2000" b="1" dirty="0">
-                <a:latin typeface="Times New Roman" panose="02020603050405020304" pitchFamily="18" charset="0"/>
-                <a:cs typeface="Times New Roman" panose="02020603050405020304" pitchFamily="18" charset="0"/>
-              </a:rPr>
-              <a:t>Targeting Opportunity</a:t>
-            </a:r>
-            <a:endParaRPr lang="en-IN" sz="2000" dirty="0">
-              <a:latin typeface="Times New Roman" panose="02020603050405020304" pitchFamily="18" charset="0"/>
-              <a:cs typeface="Times New Roman" panose="02020603050405020304" pitchFamily="18" charset="0"/>
-            </a:endParaRPr>
-          </a:p>
-          <a:p>
-            <a:pPr marL="800100" lvl="1" indent="-342900">
-              <a:lnSpc>
-                <a:spcPct val="150000"/>
-              </a:lnSpc>
-              <a:buFont typeface="Courier New" panose="02070309020205020404" pitchFamily="49" charset="0"/>
-              <a:buChar char="o"/>
-            </a:pPr>
-            <a:r>
-              <a:rPr lang="en-IN" sz="2000" dirty="0">
-                <a:latin typeface="Times New Roman" panose="02020603050405020304" pitchFamily="18" charset="0"/>
-                <a:cs typeface="Times New Roman" panose="02020603050405020304" pitchFamily="18" charset="0"/>
-              </a:rPr>
-              <a:t>Some customers receive no offers in certain weeks, enabling analysis of offer allocation and effectiveness.</a:t>
-            </a:r>
-          </a:p>
-        </p:txBody>
-      </p:sp>
-    </p:spTree>
-    <p:extLst>
-      <p:ext uri="{BB962C8B-B14F-4D97-AF65-F5344CB8AC3E}">
-        <p14:creationId xmlns:p14="http://schemas.microsoft.com/office/powerpoint/2010/main" val="2083590260"/>
       </p:ext>
     </p:extLst>
   </p:cSld>
@@ -26237,7 +31634,7 @@
           <p:nvPr>
             <p:extLst>
               <p:ext uri="{D42A27DB-BD31-4B8C-83A1-F6EECF244321}">
-                <p14:modId xmlns:p14="http://schemas.microsoft.com/office/powerpoint/2010/main" val="124882551"/>
+                <p14:modId xmlns:p14="http://schemas.microsoft.com/office/powerpoint/2010/main" val="4241630336"/>
               </p:ext>
             </p:extLst>
           </p:nvPr>
@@ -26569,7 +31966,7 @@
                         <a:t>File saved in </a:t>
                       </a:r>
                       <a:r>
-                        <a:rPr lang="en-IN" sz="1050" b="1" dirty="0">
+                        <a:rPr lang="en-IN" sz="1050" b="0" dirty="0">
                           <a:latin typeface="Times New Roman" panose="02020603050405020304" pitchFamily="18" charset="0"/>
                           <a:cs typeface="Times New Roman" panose="02020603050405020304" pitchFamily="18" charset="0"/>
                         </a:rPr>
@@ -26848,7 +32245,7 @@
                         <a:buNone/>
                       </a:pPr>
                       <a:r>
-                        <a:rPr lang="en-IN" sz="1050">
+                        <a:rPr lang="en-IN" sz="1050" dirty="0">
                           <a:latin typeface="Times New Roman" panose="02020603050405020304" pitchFamily="18" charset="0"/>
                           <a:cs typeface="Times New Roman" panose="02020603050405020304" pitchFamily="18" charset="0"/>
                         </a:rPr>

--- a/Starbucks_Analysis_Presentation.pptx
+++ b/Starbucks_Analysis_Presentation.pptx
@@ -8173,7 +8173,7 @@
         </p:nvGraphicFramePr>
         <p:xfrm>
           <a:off x="652878" y="2086867"/>
-          <a:ext cx="5021745" cy="3625408"/>
+          <a:ext cx="5021745" cy="3625600"/>
         </p:xfrm>
         <a:graphic>
           <a:graphicData uri="http://schemas.openxmlformats.org/drawingml/2006/table">
@@ -9053,7 +9053,7 @@
         </p:nvGraphicFramePr>
         <p:xfrm>
           <a:off x="6451645" y="2086867"/>
-          <a:ext cx="5153207" cy="3725038"/>
+          <a:ext cx="5153207" cy="3725230"/>
         </p:xfrm>
         <a:graphic>
           <a:graphicData uri="http://schemas.openxmlformats.org/drawingml/2006/table">

--- a/Starbucks_Analysis_Presentation.pptx
+++ b/Starbucks_Analysis_Presentation.pptx
@@ -5,7 +5,7 @@
     <p:sldMasterId id="2147483660" r:id="rId1"/>
   </p:sldMasterIdLst>
   <p:notesMasterIdLst>
-    <p:notesMasterId r:id="rId36"/>
+    <p:notesMasterId r:id="rId40"/>
   </p:notesMasterIdLst>
   <p:sldIdLst>
     <p:sldId id="1496" r:id="rId2"/>
@@ -38,10 +38,14 @@
     <p:sldId id="1616" r:id="rId29"/>
     <p:sldId id="1617" r:id="rId30"/>
     <p:sldId id="1519" r:id="rId31"/>
-    <p:sldId id="1608" r:id="rId32"/>
-    <p:sldId id="1609" r:id="rId33"/>
-    <p:sldId id="1610" r:id="rId34"/>
-    <p:sldId id="301" r:id="rId35"/>
+    <p:sldId id="1618" r:id="rId32"/>
+    <p:sldId id="1608" r:id="rId33"/>
+    <p:sldId id="1619" r:id="rId34"/>
+    <p:sldId id="1609" r:id="rId35"/>
+    <p:sldId id="1620" r:id="rId36"/>
+    <p:sldId id="1610" r:id="rId37"/>
+    <p:sldId id="1621" r:id="rId38"/>
+    <p:sldId id="301" r:id="rId39"/>
   </p:sldIdLst>
   <p:sldSz cx="12192000" cy="6858000"/>
   <p:notesSz cx="6858000" cy="9144000"/>
@@ -230,7 +234,7 @@
           <a:p>
             <a:fld id="{D75813B3-6425-4A6D-806E-021B84DD5758}" type="datetimeFigureOut">
               <a:rPr lang="en-IN" smtClean="0"/>
-              <a:t>21/08/25</a:t>
+              <a:t>22/08/25</a:t>
             </a:fld>
             <a:endParaRPr lang="en-IN"/>
           </a:p>
@@ -7837,8 +7841,8 @@
         </p:nvGrpSpPr>
         <p:grpSpPr>
           <a:xfrm>
-            <a:off x="411895" y="1228605"/>
-            <a:ext cx="5503714" cy="4776778"/>
+            <a:off x="411895" y="971932"/>
+            <a:ext cx="5503714" cy="5033452"/>
             <a:chOff x="0" y="-38100"/>
             <a:chExt cx="1836416" cy="1319319"/>
           </a:xfrm>
@@ -7946,7 +7950,7 @@
         </p:nvSpPr>
         <p:spPr>
           <a:xfrm>
-            <a:off x="1435855" y="1434021"/>
+            <a:off x="1435855" y="1177348"/>
             <a:ext cx="3455793" cy="520142"/>
           </a:xfrm>
           <a:prstGeom prst="rect">
@@ -8002,8 +8006,8 @@
         </p:nvGrpSpPr>
         <p:grpSpPr>
           <a:xfrm>
-            <a:off x="6276392" y="1228606"/>
-            <a:ext cx="5503714" cy="4776778"/>
+            <a:off x="6276391" y="971931"/>
+            <a:ext cx="5503714" cy="5033451"/>
             <a:chOff x="0" y="-38100"/>
             <a:chExt cx="1836416" cy="1319319"/>
           </a:xfrm>
@@ -8118,7 +8122,7 @@
         </p:nvSpPr>
         <p:spPr>
           <a:xfrm>
-            <a:off x="6860793" y="1434021"/>
+            <a:off x="6860792" y="1177347"/>
             <a:ext cx="4431471" cy="520142"/>
           </a:xfrm>
           <a:prstGeom prst="rect">
@@ -8166,14 +8170,14 @@
           <p:nvPr>
             <p:extLst>
               <p:ext uri="{D42A27DB-BD31-4B8C-83A1-F6EECF244321}">
-                <p14:modId xmlns:p14="http://schemas.microsoft.com/office/powerpoint/2010/main" val="3658379541"/>
+                <p14:modId xmlns:p14="http://schemas.microsoft.com/office/powerpoint/2010/main" val="100083987"/>
               </p:ext>
             </p:extLst>
           </p:nvPr>
         </p:nvGraphicFramePr>
         <p:xfrm>
-          <a:off x="652878" y="2086867"/>
-          <a:ext cx="5021745" cy="3625600"/>
+          <a:off x="652878" y="1830194"/>
+          <a:ext cx="5021745" cy="3998534"/>
         </p:xfrm>
         <a:graphic>
           <a:graphicData uri="http://schemas.openxmlformats.org/drawingml/2006/table">
@@ -8262,6 +8266,70 @@
                 <a:extLst>
                   <a:ext uri="{0D108BD9-81ED-4DB2-BD59-A6C34878D82A}">
                     <a16:rowId xmlns:a16="http://schemas.microsoft.com/office/drawing/2014/main" val="3556309084"/>
+                  </a:ext>
+                </a:extLst>
+              </a:tr>
+              <a:tr h="347388">
+                <a:tc>
+                  <a:txBody>
+                    <a:bodyPr/>
+                    <a:lstStyle/>
+                    <a:p>
+                      <a:pPr algn="just">
+                        <a:buFont typeface="Arial" panose="020B0604020202020204" pitchFamily="34" charset="0"/>
+                        <a:buNone/>
+                      </a:pPr>
+                      <a:r>
+                        <a:rPr lang="en-IN" sz="1400" b="1" dirty="0">
+                          <a:latin typeface="Times New Roman" panose="02020603050405020304" pitchFamily="18" charset="0"/>
+                          <a:cs typeface="Times New Roman" panose="02020603050405020304" pitchFamily="18" charset="0"/>
+                        </a:rPr>
+                        <a:t>Primary Key</a:t>
+                      </a:r>
+                    </a:p>
+                  </a:txBody>
+                  <a:tcPr/>
+                </a:tc>
+                <a:tc>
+                  <a:txBody>
+                    <a:bodyPr/>
+                    <a:lstStyle/>
+                    <a:p>
+                      <a:pPr marL="0" marR="0" lvl="0" indent="0" algn="just" defTabSz="914400" rtl="0" eaLnBrk="1" fontAlgn="auto" latinLnBrk="0" hangingPunct="1">
+                        <a:lnSpc>
+                          <a:spcPct val="150000"/>
+                        </a:lnSpc>
+                        <a:spcBef>
+                          <a:spcPts val="0"/>
+                        </a:spcBef>
+                        <a:spcAft>
+                          <a:spcPts val="0"/>
+                        </a:spcAft>
+                        <a:buClrTx/>
+                        <a:buSzTx/>
+                        <a:buFontTx/>
+                        <a:buNone/>
+                        <a:tabLst/>
+                        <a:defRPr/>
+                      </a:pPr>
+                      <a:r>
+                        <a:rPr lang="en-US" sz="1400" b="0" kern="1200" dirty="0">
+                          <a:solidFill>
+                            <a:srgbClr val="252930"/>
+                          </a:solidFill>
+                          <a:latin typeface="Times New Roman" panose="02020603050405020304" pitchFamily="18" charset="0"/>
+                          <a:ea typeface="+mn-ea"/>
+                          <a:cs typeface="Times New Roman" panose="02020603050405020304" pitchFamily="18" charset="0"/>
+                        </a:rPr>
+                        <a:t>id </a:t>
+                      </a:r>
+                    </a:p>
+                  </a:txBody>
+                  <a:tcPr/>
+                </a:tc>
+                <a:extLst>
+                  <a:ext uri="{0D108BD9-81ED-4DB2-BD59-A6C34878D82A}">
+                    <a16:rowId xmlns:a16="http://schemas.microsoft.com/office/drawing/2014/main" val="2488977929"/>
                   </a:ext>
                 </a:extLst>
               </a:tr>
@@ -9046,14 +9114,14 @@
           <p:nvPr>
             <p:extLst>
               <p:ext uri="{D42A27DB-BD31-4B8C-83A1-F6EECF244321}">
-                <p14:modId xmlns:p14="http://schemas.microsoft.com/office/powerpoint/2010/main" val="326724341"/>
+                <p14:modId xmlns:p14="http://schemas.microsoft.com/office/powerpoint/2010/main" val="2122053425"/>
               </p:ext>
             </p:extLst>
           </p:nvPr>
         </p:nvGraphicFramePr>
         <p:xfrm>
-          <a:off x="6451645" y="2086867"/>
-          <a:ext cx="5153207" cy="3725230"/>
+          <a:off x="6451644" y="1830193"/>
+          <a:ext cx="5153207" cy="4098164"/>
         </p:xfrm>
         <a:graphic>
           <a:graphicData uri="http://schemas.openxmlformats.org/drawingml/2006/table">
@@ -9077,7 +9145,7 @@
                   </a:extLst>
                 </a:gridCol>
               </a:tblGrid>
-              <a:tr h="0">
+              <a:tr h="310027">
                 <a:tc>
                   <a:txBody>
                     <a:bodyPr/>
@@ -9145,7 +9213,93 @@
                   </a:ext>
                 </a:extLst>
               </a:tr>
-              <a:tr h="0">
+              <a:tr h="310027">
+                <a:tc>
+                  <a:txBody>
+                    <a:bodyPr/>
+                    <a:lstStyle/>
+                    <a:p>
+                      <a:pPr algn="just">
+                        <a:buFont typeface="Arial" panose="020B0604020202020204" pitchFamily="34" charset="0"/>
+                        <a:buNone/>
+                      </a:pPr>
+                      <a:r>
+                        <a:rPr lang="en-IN" sz="1400" b="1" dirty="0">
+                          <a:latin typeface="Times New Roman" panose="02020603050405020304" pitchFamily="18" charset="0"/>
+                          <a:cs typeface="Times New Roman" panose="02020603050405020304" pitchFamily="18" charset="0"/>
+                        </a:rPr>
+                        <a:t>Primary Key</a:t>
+                      </a:r>
+                    </a:p>
+                  </a:txBody>
+                  <a:tcPr/>
+                </a:tc>
+                <a:tc>
+                  <a:txBody>
+                    <a:bodyPr/>
+                    <a:lstStyle/>
+                    <a:p>
+                      <a:pPr marL="0" marR="0" lvl="0" indent="0" algn="just" defTabSz="914400" rtl="0" eaLnBrk="1" fontAlgn="auto" latinLnBrk="0" hangingPunct="1">
+                        <a:lnSpc>
+                          <a:spcPct val="150000"/>
+                        </a:lnSpc>
+                        <a:spcBef>
+                          <a:spcPts val="0"/>
+                        </a:spcBef>
+                        <a:spcAft>
+                          <a:spcPts val="0"/>
+                        </a:spcAft>
+                        <a:buClrTx/>
+                        <a:buSzTx/>
+                        <a:buFontTx/>
+                        <a:buNone/>
+                        <a:tabLst/>
+                        <a:defRPr/>
+                      </a:pPr>
+                      <a:r>
+                        <a:rPr lang="en-US" sz="1400" b="0" kern="1200" dirty="0">
+                          <a:solidFill>
+                            <a:srgbClr val="252930"/>
+                          </a:solidFill>
+                          <a:latin typeface="Times New Roman" panose="02020603050405020304" pitchFamily="18" charset="0"/>
+                          <a:ea typeface="+mn-ea"/>
+                          <a:cs typeface="Times New Roman" panose="02020603050405020304" pitchFamily="18" charset="0"/>
+                        </a:rPr>
+                        <a:t>person, </a:t>
+                      </a:r>
+                      <a:r>
+                        <a:rPr lang="en-US" sz="1400" b="0" kern="1200" dirty="0" err="1">
+                          <a:solidFill>
+                            <a:srgbClr val="252930"/>
+                          </a:solidFill>
+                          <a:latin typeface="Times New Roman" panose="02020603050405020304" pitchFamily="18" charset="0"/>
+                          <a:ea typeface="+mn-ea"/>
+                          <a:cs typeface="Times New Roman" panose="02020603050405020304" pitchFamily="18" charset="0"/>
+                        </a:rPr>
+                        <a:t>offer_id</a:t>
+                      </a:r>
+                      <a:r>
+                        <a:rPr lang="en-US" sz="1400" b="0" kern="1200" dirty="0">
+                          <a:solidFill>
+                            <a:srgbClr val="252930"/>
+                          </a:solidFill>
+                          <a:latin typeface="Times New Roman" panose="02020603050405020304" pitchFamily="18" charset="0"/>
+                          <a:ea typeface="+mn-ea"/>
+                          <a:cs typeface="Times New Roman" panose="02020603050405020304" pitchFamily="18" charset="0"/>
+                        </a:rPr>
+                        <a:t>, event ,&amp;  time</a:t>
+                      </a:r>
+                    </a:p>
+                  </a:txBody>
+                  <a:tcPr/>
+                </a:tc>
+                <a:extLst>
+                  <a:ext uri="{0D108BD9-81ED-4DB2-BD59-A6C34878D82A}">
+                    <a16:rowId xmlns:a16="http://schemas.microsoft.com/office/drawing/2014/main" val="3635757538"/>
+                  </a:ext>
+                </a:extLst>
+              </a:tr>
+              <a:tr h="310027">
                 <a:tc>
                   <a:txBody>
                     <a:bodyPr/>
@@ -9226,7 +9380,7 @@
                   </a:ext>
                 </a:extLst>
               </a:tr>
-              <a:tr h="312557">
+              <a:tr h="310027">
                 <a:tc>
                   <a:txBody>
                     <a:bodyPr/>
@@ -9315,7 +9469,7 @@
                   </a:ext>
                 </a:extLst>
               </a:tr>
-              <a:tr h="312557">
+              <a:tr h="310027">
                 <a:tc>
                   <a:txBody>
                     <a:bodyPr/>
@@ -9404,7 +9558,7 @@
                   </a:ext>
                 </a:extLst>
               </a:tr>
-              <a:tr h="312557">
+              <a:tr h="841774">
                 <a:tc>
                   <a:txBody>
                     <a:bodyPr/>
@@ -9605,7 +9759,7 @@
                   </a:ext>
                 </a:extLst>
               </a:tr>
-              <a:tr h="312557">
+              <a:tr h="405140">
                 <a:tc>
                   <a:txBody>
                     <a:bodyPr/>
@@ -9713,7 +9867,7 @@
                   </a:ext>
                 </a:extLst>
               </a:tr>
-              <a:tr h="312557">
+              <a:tr h="607710">
                 <a:tc>
                   <a:txBody>
                     <a:bodyPr/>
@@ -10030,8 +10184,8 @@
         </p:nvGrpSpPr>
         <p:grpSpPr>
           <a:xfrm>
-            <a:off x="411895" y="1228605"/>
-            <a:ext cx="5503714" cy="4776778"/>
+            <a:off x="460021" y="901305"/>
+            <a:ext cx="5503714" cy="5170632"/>
             <a:chOff x="0" y="-38100"/>
             <a:chExt cx="1836416" cy="1319319"/>
           </a:xfrm>
@@ -10212,7 +10366,7 @@
         </p:nvSpPr>
         <p:spPr>
           <a:xfrm>
-            <a:off x="1435855" y="1434021"/>
+            <a:off x="1483981" y="1106722"/>
             <a:ext cx="3455793" cy="520142"/>
           </a:xfrm>
           <a:prstGeom prst="rect">
@@ -10269,14 +10423,14 @@
           <p:nvPr>
             <p:extLst>
               <p:ext uri="{D42A27DB-BD31-4B8C-83A1-F6EECF244321}">
-                <p14:modId xmlns:p14="http://schemas.microsoft.com/office/powerpoint/2010/main" val="4270825268"/>
+                <p14:modId xmlns:p14="http://schemas.microsoft.com/office/powerpoint/2010/main" val="1100027196"/>
               </p:ext>
             </p:extLst>
           </p:nvPr>
         </p:nvGraphicFramePr>
         <p:xfrm>
-          <a:off x="652878" y="2086867"/>
-          <a:ext cx="5021745" cy="3846326"/>
+          <a:off x="701004" y="1759568"/>
+          <a:ext cx="5021745" cy="4219452"/>
         </p:xfrm>
         <a:graphic>
           <a:graphicData uri="http://schemas.openxmlformats.org/drawingml/2006/table">
@@ -10365,6 +10519,70 @@
                 <a:extLst>
                   <a:ext uri="{0D108BD9-81ED-4DB2-BD59-A6C34878D82A}">
                     <a16:rowId xmlns:a16="http://schemas.microsoft.com/office/drawing/2014/main" val="3556309084"/>
+                  </a:ext>
+                </a:extLst>
+              </a:tr>
+              <a:tr h="347388">
+                <a:tc>
+                  <a:txBody>
+                    <a:bodyPr/>
+                    <a:lstStyle/>
+                    <a:p>
+                      <a:pPr algn="just">
+                        <a:buFont typeface="Arial" panose="020B0604020202020204" pitchFamily="34" charset="0"/>
+                        <a:buNone/>
+                      </a:pPr>
+                      <a:r>
+                        <a:rPr lang="en-IN" sz="1400" b="1" dirty="0">
+                          <a:latin typeface="Times New Roman" panose="02020603050405020304" pitchFamily="18" charset="0"/>
+                          <a:cs typeface="Times New Roman" panose="02020603050405020304" pitchFamily="18" charset="0"/>
+                        </a:rPr>
+                        <a:t>Primary Key</a:t>
+                      </a:r>
+                    </a:p>
+                  </a:txBody>
+                  <a:tcPr/>
+                </a:tc>
+                <a:tc>
+                  <a:txBody>
+                    <a:bodyPr/>
+                    <a:lstStyle/>
+                    <a:p>
+                      <a:pPr marL="0" marR="0" lvl="0" indent="0" algn="just" defTabSz="914400" rtl="0" eaLnBrk="1" fontAlgn="auto" latinLnBrk="0" hangingPunct="1">
+                        <a:lnSpc>
+                          <a:spcPct val="150000"/>
+                        </a:lnSpc>
+                        <a:spcBef>
+                          <a:spcPts val="0"/>
+                        </a:spcBef>
+                        <a:spcAft>
+                          <a:spcPts val="0"/>
+                        </a:spcAft>
+                        <a:buClrTx/>
+                        <a:buSzTx/>
+                        <a:buFontTx/>
+                        <a:buNone/>
+                        <a:tabLst/>
+                        <a:defRPr/>
+                      </a:pPr>
+                      <a:r>
+                        <a:rPr lang="en-US" sz="1400" b="0" kern="1200" dirty="0">
+                          <a:solidFill>
+                            <a:srgbClr val="252930"/>
+                          </a:solidFill>
+                          <a:latin typeface="Times New Roman" panose="02020603050405020304" pitchFamily="18" charset="0"/>
+                          <a:ea typeface="+mn-ea"/>
+                          <a:cs typeface="Times New Roman" panose="02020603050405020304" pitchFamily="18" charset="0"/>
+                        </a:rPr>
+                        <a:t>id</a:t>
+                      </a:r>
+                    </a:p>
+                  </a:txBody>
+                  <a:tcPr/>
+                </a:tc>
+                <a:extLst>
+                  <a:ext uri="{0D108BD9-81ED-4DB2-BD59-A6C34878D82A}">
+                    <a16:rowId xmlns:a16="http://schemas.microsoft.com/office/drawing/2014/main" val="270086683"/>
                   </a:ext>
                 </a:extLst>
               </a:tr>
@@ -14591,7 +14809,7 @@
         <p:spPr>
           <a:xfrm>
             <a:off x="6615477" y="1183771"/>
-            <a:ext cx="4971534" cy="3908762"/>
+            <a:ext cx="4971534" cy="4447371"/>
           </a:xfrm>
           <a:prstGeom prst="rect">
             <a:avLst/>
@@ -14636,7 +14854,11 @@
             </a:endParaRPr>
           </a:p>
           <a:p>
-            <a:pPr lvl="1"/>
+            <a:pPr lvl="1">
+              <a:lnSpc>
+                <a:spcPct val="150000"/>
+              </a:lnSpc>
+            </a:pPr>
             <a:r>
               <a:rPr lang="en-IN" sz="1400" dirty="0">
                 <a:latin typeface="Times New Roman" panose="02020603050405020304" pitchFamily="18" charset="0"/>
@@ -14646,7 +14868,11 @@
             </a:r>
           </a:p>
           <a:p>
-            <a:pPr lvl="1"/>
+            <a:pPr lvl="1">
+              <a:lnSpc>
+                <a:spcPct val="150000"/>
+              </a:lnSpc>
+            </a:pPr>
             <a:r>
               <a:rPr lang="en-IN" sz="1400" dirty="0">
                 <a:latin typeface="Times New Roman" panose="02020603050405020304" pitchFamily="18" charset="0"/>
@@ -14656,7 +14882,11 @@
             </a:r>
           </a:p>
           <a:p>
-            <a:pPr lvl="1"/>
+            <a:pPr lvl="1">
+              <a:lnSpc>
+                <a:spcPct val="150000"/>
+              </a:lnSpc>
+            </a:pPr>
             <a:r>
               <a:rPr lang="en-IN" sz="1400" dirty="0">
                 <a:latin typeface="Times New Roman" panose="02020603050405020304" pitchFamily="18" charset="0"/>
@@ -14666,7 +14896,11 @@
             </a:r>
           </a:p>
           <a:p>
-            <a:pPr lvl="1"/>
+            <a:pPr lvl="1">
+              <a:lnSpc>
+                <a:spcPct val="150000"/>
+              </a:lnSpc>
+            </a:pPr>
             <a:r>
               <a:rPr lang="en-IN" sz="1400" dirty="0">
                 <a:latin typeface="Times New Roman" panose="02020603050405020304" pitchFamily="18" charset="0"/>
@@ -24221,6 +24455,628 @@
         <p:cNvPr id="1" name="">
           <a:extLst>
             <a:ext uri="{FF2B5EF4-FFF2-40B4-BE49-F238E27FC236}">
+              <a16:creationId xmlns:a16="http://schemas.microsoft.com/office/drawing/2014/main" id="{E8C13571-74BB-391A-F3FF-04390E4BF92B}"/>
+            </a:ext>
+          </a:extLst>
+        </p:cNvPr>
+        <p:cNvGrpSpPr/>
+        <p:nvPr/>
+      </p:nvGrpSpPr>
+      <p:grpSpPr>
+        <a:xfrm>
+          <a:off x="0" y="0"/>
+          <a:ext cx="0" cy="0"/>
+          <a:chOff x="0" y="0"/>
+          <a:chExt cx="0" cy="0"/>
+        </a:xfrm>
+      </p:grpSpPr>
+      <p:sp>
+        <p:nvSpPr>
+          <p:cNvPr id="12" name="Freeform 8">
+            <a:extLst>
+              <a:ext uri="{FF2B5EF4-FFF2-40B4-BE49-F238E27FC236}">
+                <a16:creationId xmlns:a16="http://schemas.microsoft.com/office/drawing/2014/main" id="{E2992352-8482-5AEA-9741-2C92875A3468}"/>
+              </a:ext>
+            </a:extLst>
+          </p:cNvPr>
+          <p:cNvSpPr/>
+          <p:nvPr/>
+        </p:nvSpPr>
+        <p:spPr>
+          <a:xfrm>
+            <a:off x="362465" y="963826"/>
+            <a:ext cx="5456582" cy="5132173"/>
+          </a:xfrm>
+          <a:custGeom>
+            <a:avLst/>
+            <a:gdLst/>
+            <a:ahLst/>
+            <a:cxnLst/>
+            <a:rect l="l" t="t" r="r" b="b"/>
+            <a:pathLst>
+              <a:path w="1836416" h="1281219">
+                <a:moveTo>
+                  <a:pt x="56627" y="0"/>
+                </a:moveTo>
+                <a:lnTo>
+                  <a:pt x="1779789" y="0"/>
+                </a:lnTo>
+                <a:cubicBezTo>
+                  <a:pt x="1794808" y="0"/>
+                  <a:pt x="1809211" y="5966"/>
+                  <a:pt x="1819831" y="16586"/>
+                </a:cubicBezTo>
+                <a:cubicBezTo>
+                  <a:pt x="1830450" y="27205"/>
+                  <a:pt x="1836416" y="41608"/>
+                  <a:pt x="1836416" y="56627"/>
+                </a:cubicBezTo>
+                <a:lnTo>
+                  <a:pt x="1836416" y="1224592"/>
+                </a:lnTo>
+                <a:cubicBezTo>
+                  <a:pt x="1836416" y="1255866"/>
+                  <a:pt x="1811063" y="1281219"/>
+                  <a:pt x="1779789" y="1281219"/>
+                </a:cubicBezTo>
+                <a:lnTo>
+                  <a:pt x="56627" y="1281219"/>
+                </a:lnTo>
+                <a:cubicBezTo>
+                  <a:pt x="41608" y="1281219"/>
+                  <a:pt x="27205" y="1275253"/>
+                  <a:pt x="16586" y="1264633"/>
+                </a:cubicBezTo>
+                <a:cubicBezTo>
+                  <a:pt x="5966" y="1254014"/>
+                  <a:pt x="0" y="1239611"/>
+                  <a:pt x="0" y="1224592"/>
+                </a:cubicBezTo>
+                <a:lnTo>
+                  <a:pt x="0" y="56627"/>
+                </a:lnTo>
+                <a:cubicBezTo>
+                  <a:pt x="0" y="25353"/>
+                  <a:pt x="25353" y="0"/>
+                  <a:pt x="56627" y="0"/>
+                </a:cubicBezTo>
+                <a:close/>
+              </a:path>
+            </a:pathLst>
+          </a:custGeom>
+          <a:solidFill>
+            <a:schemeClr val="bg1">
+              <a:alpha val="53725"/>
+            </a:schemeClr>
+          </a:solidFill>
+          <a:effectLst>
+            <a:outerShdw blurRad="63500" sx="102000" sy="102000" algn="ctr" rotWithShape="0">
+              <a:prstClr val="black">
+                <a:alpha val="40000"/>
+              </a:prstClr>
+            </a:outerShdw>
+          </a:effectLst>
+        </p:spPr>
+      </p:sp>
+      <p:sp>
+        <p:nvSpPr>
+          <p:cNvPr id="3" name="Rectangle 2">
+            <a:extLst>
+              <a:ext uri="{FF2B5EF4-FFF2-40B4-BE49-F238E27FC236}">
+                <a16:creationId xmlns:a16="http://schemas.microsoft.com/office/drawing/2014/main" id="{DB0B798B-DDAA-338A-A1AA-D907D124DFB6}"/>
+              </a:ext>
+            </a:extLst>
+          </p:cNvPr>
+          <p:cNvSpPr/>
+          <p:nvPr/>
+        </p:nvSpPr>
+        <p:spPr>
+          <a:xfrm>
+            <a:off x="0" y="0"/>
+            <a:ext cx="12192000" cy="609600"/>
+          </a:xfrm>
+          <a:prstGeom prst="rect">
+            <a:avLst/>
+          </a:prstGeom>
+          <a:solidFill>
+            <a:srgbClr val="338D90"/>
+          </a:solidFill>
+          <a:ln>
+            <a:solidFill>
+              <a:srgbClr val="338D90"/>
+            </a:solidFill>
+          </a:ln>
+        </p:spPr>
+        <p:style>
+          <a:lnRef idx="2">
+            <a:schemeClr val="accent1">
+              <a:shade val="15000"/>
+            </a:schemeClr>
+          </a:lnRef>
+          <a:fillRef idx="1">
+            <a:schemeClr val="accent1"/>
+          </a:fillRef>
+          <a:effectRef idx="0">
+            <a:schemeClr val="accent1"/>
+          </a:effectRef>
+          <a:fontRef idx="minor">
+            <a:schemeClr val="lt1"/>
+          </a:fontRef>
+        </p:style>
+        <p:txBody>
+          <a:bodyPr rtlCol="0" anchor="ctr"/>
+          <a:lstStyle/>
+          <a:p>
+            <a:pPr marL="914400" lvl="1" indent="-457200">
+              <a:buFont typeface="Wingdings" pitchFamily="2" charset="2"/>
+              <a:buChar char="q"/>
+            </a:pPr>
+            <a:r>
+              <a:rPr lang="en-US" sz="3200" b="1" dirty="0">
+                <a:solidFill>
+                  <a:schemeClr val="bg1"/>
+                </a:solidFill>
+                <a:latin typeface="Times New Roman" panose="02020603050405020304" pitchFamily="18" charset="0"/>
+                <a:cs typeface="Times New Roman" panose="02020603050405020304" pitchFamily="18" charset="0"/>
+              </a:rPr>
+              <a:t> Insights &amp; Recommendations</a:t>
+            </a:r>
+            <a:endParaRPr lang="en-US" sz="4000" b="1" dirty="0">
+              <a:solidFill>
+                <a:schemeClr val="bg1"/>
+              </a:solidFill>
+              <a:latin typeface="Times New Roman" panose="02020603050405020304" pitchFamily="18" charset="0"/>
+              <a:cs typeface="Times New Roman" panose="02020603050405020304" pitchFamily="18" charset="0"/>
+            </a:endParaRPr>
+          </a:p>
+        </p:txBody>
+      </p:sp>
+      <p:sp>
+        <p:nvSpPr>
+          <p:cNvPr id="11" name="TextBox 10">
+            <a:extLst>
+              <a:ext uri="{FF2B5EF4-FFF2-40B4-BE49-F238E27FC236}">
+                <a16:creationId xmlns:a16="http://schemas.microsoft.com/office/drawing/2014/main" id="{1948802F-CCD9-7989-7C23-8B6611859D1D}"/>
+              </a:ext>
+            </a:extLst>
+          </p:cNvPr>
+          <p:cNvSpPr txBox="1"/>
+          <p:nvPr/>
+        </p:nvSpPr>
+        <p:spPr>
+          <a:xfrm>
+            <a:off x="551660" y="1036921"/>
+            <a:ext cx="5078191" cy="3839256"/>
+          </a:xfrm>
+          <a:prstGeom prst="rect">
+            <a:avLst/>
+          </a:prstGeom>
+          <a:noFill/>
+        </p:spPr>
+        <p:txBody>
+          <a:bodyPr wrap="square">
+            <a:spAutoFit/>
+          </a:bodyPr>
+          <a:lstStyle/>
+          <a:p>
+            <a:pPr>
+              <a:lnSpc>
+                <a:spcPct val="200000"/>
+              </a:lnSpc>
+            </a:pPr>
+            <a:r>
+              <a:rPr lang="en-IN" b="1" dirty="0"/>
+              <a:t>🔍</a:t>
+            </a:r>
+            <a:r>
+              <a:rPr lang="en-IN" b="1" dirty="0">
+                <a:latin typeface="Times New Roman" panose="02020603050405020304" pitchFamily="18" charset="0"/>
+                <a:cs typeface="Times New Roman" panose="02020603050405020304" pitchFamily="18" charset="0"/>
+              </a:rPr>
+              <a:t> Insights</a:t>
+            </a:r>
+          </a:p>
+          <a:p>
+            <a:pPr marL="342900" indent="-342900">
+              <a:lnSpc>
+                <a:spcPct val="150000"/>
+              </a:lnSpc>
+              <a:buFont typeface="+mj-lt"/>
+              <a:buAutoNum type="arabicPeriod"/>
+            </a:pPr>
+            <a:r>
+              <a:rPr lang="en-IN" sz="1400" b="1" dirty="0">
+                <a:latin typeface="Times New Roman" panose="02020603050405020304" pitchFamily="18" charset="0"/>
+                <a:cs typeface="Times New Roman" panose="02020603050405020304" pitchFamily="18" charset="0"/>
+              </a:rPr>
+              <a:t>Customer Profile</a:t>
+            </a:r>
+            <a:r>
+              <a:rPr lang="en-IN" sz="1400" dirty="0">
+                <a:latin typeface="Times New Roman" panose="02020603050405020304" pitchFamily="18" charset="0"/>
+                <a:cs typeface="Times New Roman" panose="02020603050405020304" pitchFamily="18" charset="0"/>
+              </a:rPr>
+              <a:t>: Majority customers belong to specific age groups &amp; income brackets – useful for segmentation.</a:t>
+            </a:r>
+          </a:p>
+          <a:p>
+            <a:pPr marL="342900" indent="-342900">
+              <a:lnSpc>
+                <a:spcPct val="150000"/>
+              </a:lnSpc>
+              <a:buFont typeface="+mj-lt"/>
+              <a:buAutoNum type="arabicPeriod"/>
+            </a:pPr>
+            <a:r>
+              <a:rPr lang="en-IN" sz="1400" b="1" dirty="0">
+                <a:latin typeface="Times New Roman" panose="02020603050405020304" pitchFamily="18" charset="0"/>
+                <a:cs typeface="Times New Roman" panose="02020603050405020304" pitchFamily="18" charset="0"/>
+              </a:rPr>
+              <a:t>Gender Split</a:t>
+            </a:r>
+            <a:r>
+              <a:rPr lang="en-IN" sz="1400" dirty="0">
+                <a:latin typeface="Times New Roman" panose="02020603050405020304" pitchFamily="18" charset="0"/>
+                <a:cs typeface="Times New Roman" panose="02020603050405020304" pitchFamily="18" charset="0"/>
+              </a:rPr>
+              <a:t>: Gender distribution shows potential for gender-targeted campaigns.</a:t>
+            </a:r>
+          </a:p>
+          <a:p>
+            <a:pPr marL="342900" indent="-342900">
+              <a:lnSpc>
+                <a:spcPct val="150000"/>
+              </a:lnSpc>
+              <a:buFont typeface="+mj-lt"/>
+              <a:buAutoNum type="arabicPeriod"/>
+            </a:pPr>
+            <a:r>
+              <a:rPr lang="en-IN" sz="1400" b="1" dirty="0">
+                <a:latin typeface="Times New Roman" panose="02020603050405020304" pitchFamily="18" charset="0"/>
+                <a:cs typeface="Times New Roman" panose="02020603050405020304" pitchFamily="18" charset="0"/>
+              </a:rPr>
+              <a:t>Income vs Age</a:t>
+            </a:r>
+            <a:r>
+              <a:rPr lang="en-IN" sz="1400" dirty="0">
+                <a:latin typeface="Times New Roman" panose="02020603050405020304" pitchFamily="18" charset="0"/>
+                <a:cs typeface="Times New Roman" panose="02020603050405020304" pitchFamily="18" charset="0"/>
+              </a:rPr>
+              <a:t>: Higher income tends to be concentrated in middle-age customers, highlighting key spending groups.</a:t>
+            </a:r>
+          </a:p>
+          <a:p>
+            <a:pPr marL="342900" indent="-342900">
+              <a:lnSpc>
+                <a:spcPct val="150000"/>
+              </a:lnSpc>
+              <a:buFont typeface="+mj-lt"/>
+              <a:buAutoNum type="arabicPeriod"/>
+            </a:pPr>
+            <a:r>
+              <a:rPr lang="en-IN" sz="1400" b="1" dirty="0">
+                <a:latin typeface="Times New Roman" panose="02020603050405020304" pitchFamily="18" charset="0"/>
+                <a:cs typeface="Times New Roman" panose="02020603050405020304" pitchFamily="18" charset="0"/>
+              </a:rPr>
+              <a:t>Membership Trends</a:t>
+            </a:r>
+            <a:r>
+              <a:rPr lang="en-IN" sz="1400" dirty="0">
+                <a:latin typeface="Times New Roman" panose="02020603050405020304" pitchFamily="18" charset="0"/>
+                <a:cs typeface="Times New Roman" panose="02020603050405020304" pitchFamily="18" charset="0"/>
+              </a:rPr>
+              <a:t>: Average tenure insights reveal loyal vs new customers, useful for retention strategies.</a:t>
+            </a:r>
+          </a:p>
+          <a:p>
+            <a:pPr marL="342900" indent="-342900">
+              <a:lnSpc>
+                <a:spcPct val="150000"/>
+              </a:lnSpc>
+              <a:buFont typeface="+mj-lt"/>
+              <a:buAutoNum type="arabicPeriod"/>
+            </a:pPr>
+            <a:r>
+              <a:rPr lang="en-IN" sz="1400" b="1" dirty="0">
+                <a:latin typeface="Times New Roman" panose="02020603050405020304" pitchFamily="18" charset="0"/>
+                <a:cs typeface="Times New Roman" panose="02020603050405020304" pitchFamily="18" charset="0"/>
+              </a:rPr>
+              <a:t>Clusters</a:t>
+            </a:r>
+            <a:r>
+              <a:rPr lang="en-IN" sz="1400" dirty="0">
+                <a:latin typeface="Times New Roman" panose="02020603050405020304" pitchFamily="18" charset="0"/>
+                <a:cs typeface="Times New Roman" panose="02020603050405020304" pitchFamily="18" charset="0"/>
+              </a:rPr>
+              <a:t>: Age group and income group combinations reveal distinct customer segments.</a:t>
+            </a:r>
+          </a:p>
+        </p:txBody>
+      </p:sp>
+      <p:sp>
+        <p:nvSpPr>
+          <p:cNvPr id="2" name="Freeform 8">
+            <a:extLst>
+              <a:ext uri="{FF2B5EF4-FFF2-40B4-BE49-F238E27FC236}">
+                <a16:creationId xmlns:a16="http://schemas.microsoft.com/office/drawing/2014/main" id="{903B33A5-C75C-E5D6-CA83-545528FE267C}"/>
+              </a:ext>
+            </a:extLst>
+          </p:cNvPr>
+          <p:cNvSpPr/>
+          <p:nvPr/>
+        </p:nvSpPr>
+        <p:spPr>
+          <a:xfrm>
+            <a:off x="6372953" y="963825"/>
+            <a:ext cx="5456582" cy="5132173"/>
+          </a:xfrm>
+          <a:custGeom>
+            <a:avLst/>
+            <a:gdLst/>
+            <a:ahLst/>
+            <a:cxnLst/>
+            <a:rect l="l" t="t" r="r" b="b"/>
+            <a:pathLst>
+              <a:path w="1836416" h="1281219">
+                <a:moveTo>
+                  <a:pt x="56627" y="0"/>
+                </a:moveTo>
+                <a:lnTo>
+                  <a:pt x="1779789" y="0"/>
+                </a:lnTo>
+                <a:cubicBezTo>
+                  <a:pt x="1794808" y="0"/>
+                  <a:pt x="1809211" y="5966"/>
+                  <a:pt x="1819831" y="16586"/>
+                </a:cubicBezTo>
+                <a:cubicBezTo>
+                  <a:pt x="1830450" y="27205"/>
+                  <a:pt x="1836416" y="41608"/>
+                  <a:pt x="1836416" y="56627"/>
+                </a:cubicBezTo>
+                <a:lnTo>
+                  <a:pt x="1836416" y="1224592"/>
+                </a:lnTo>
+                <a:cubicBezTo>
+                  <a:pt x="1836416" y="1255866"/>
+                  <a:pt x="1811063" y="1281219"/>
+                  <a:pt x="1779789" y="1281219"/>
+                </a:cubicBezTo>
+                <a:lnTo>
+                  <a:pt x="56627" y="1281219"/>
+                </a:lnTo>
+                <a:cubicBezTo>
+                  <a:pt x="41608" y="1281219"/>
+                  <a:pt x="27205" y="1275253"/>
+                  <a:pt x="16586" y="1264633"/>
+                </a:cubicBezTo>
+                <a:cubicBezTo>
+                  <a:pt x="5966" y="1254014"/>
+                  <a:pt x="0" y="1239611"/>
+                  <a:pt x="0" y="1224592"/>
+                </a:cubicBezTo>
+                <a:lnTo>
+                  <a:pt x="0" y="56627"/>
+                </a:lnTo>
+                <a:cubicBezTo>
+                  <a:pt x="0" y="25353"/>
+                  <a:pt x="25353" y="0"/>
+                  <a:pt x="56627" y="0"/>
+                </a:cubicBezTo>
+                <a:close/>
+              </a:path>
+            </a:pathLst>
+          </a:custGeom>
+          <a:solidFill>
+            <a:schemeClr val="bg1">
+              <a:alpha val="53725"/>
+            </a:schemeClr>
+          </a:solidFill>
+          <a:ln>
+            <a:noFill/>
+          </a:ln>
+          <a:effectLst>
+            <a:outerShdw blurRad="63500" sx="102000" sy="102000" algn="ctr" rotWithShape="0">
+              <a:prstClr val="black">
+                <a:alpha val="40000"/>
+              </a:prstClr>
+            </a:outerShdw>
+          </a:effectLst>
+        </p:spPr>
+      </p:sp>
+      <p:sp>
+        <p:nvSpPr>
+          <p:cNvPr id="4" name="TextBox 3">
+            <a:extLst>
+              <a:ext uri="{FF2B5EF4-FFF2-40B4-BE49-F238E27FC236}">
+                <a16:creationId xmlns:a16="http://schemas.microsoft.com/office/drawing/2014/main" id="{605E153D-BC89-44B8-A8AA-8503785704FE}"/>
+              </a:ext>
+            </a:extLst>
+          </p:cNvPr>
+          <p:cNvSpPr txBox="1"/>
+          <p:nvPr/>
+        </p:nvSpPr>
+        <p:spPr>
+          <a:xfrm>
+            <a:off x="6615477" y="1036921"/>
+            <a:ext cx="4971534" cy="3839256"/>
+          </a:xfrm>
+          <a:prstGeom prst="rect">
+            <a:avLst/>
+          </a:prstGeom>
+          <a:noFill/>
+        </p:spPr>
+        <p:txBody>
+          <a:bodyPr wrap="square">
+            <a:spAutoFit/>
+          </a:bodyPr>
+          <a:lstStyle/>
+          <a:p>
+            <a:pPr>
+              <a:lnSpc>
+                <a:spcPct val="200000"/>
+              </a:lnSpc>
+            </a:pPr>
+            <a:r>
+              <a:rPr lang="en-IN" b="1" dirty="0">
+                <a:latin typeface="Times New Roman" panose="02020603050405020304" pitchFamily="18" charset="0"/>
+                <a:cs typeface="Times New Roman" panose="02020603050405020304" pitchFamily="18" charset="0"/>
+              </a:rPr>
+              <a:t>✅ Recommendations</a:t>
+            </a:r>
+          </a:p>
+          <a:p>
+            <a:pPr marL="342900" indent="-342900">
+              <a:lnSpc>
+                <a:spcPct val="150000"/>
+              </a:lnSpc>
+              <a:buFont typeface="+mj-lt"/>
+              <a:buAutoNum type="arabicPeriod"/>
+            </a:pPr>
+            <a:r>
+              <a:rPr lang="en-IN" sz="1400" b="1" dirty="0">
+                <a:latin typeface="Times New Roman" panose="02020603050405020304" pitchFamily="18" charset="0"/>
+                <a:cs typeface="Times New Roman" panose="02020603050405020304" pitchFamily="18" charset="0"/>
+              </a:rPr>
+              <a:t>Targeted Campaigns</a:t>
+            </a:r>
+            <a:r>
+              <a:rPr lang="en-IN" sz="1400" dirty="0">
+                <a:latin typeface="Times New Roman" panose="02020603050405020304" pitchFamily="18" charset="0"/>
+                <a:cs typeface="Times New Roman" panose="02020603050405020304" pitchFamily="18" charset="0"/>
+              </a:rPr>
+              <a:t>: Personalize offers based on age-income clusters and gender preferences.</a:t>
+            </a:r>
+          </a:p>
+          <a:p>
+            <a:pPr marL="342900" indent="-342900">
+              <a:lnSpc>
+                <a:spcPct val="150000"/>
+              </a:lnSpc>
+              <a:buFont typeface="+mj-lt"/>
+              <a:buAutoNum type="arabicPeriod"/>
+            </a:pPr>
+            <a:r>
+              <a:rPr lang="en-IN" sz="1400" b="1" dirty="0">
+                <a:latin typeface="Times New Roman" panose="02020603050405020304" pitchFamily="18" charset="0"/>
+                <a:cs typeface="Times New Roman" panose="02020603050405020304" pitchFamily="18" charset="0"/>
+              </a:rPr>
+              <a:t>Loyalty Programs</a:t>
+            </a:r>
+            <a:r>
+              <a:rPr lang="en-IN" sz="1400" dirty="0">
+                <a:latin typeface="Times New Roman" panose="02020603050405020304" pitchFamily="18" charset="0"/>
+                <a:cs typeface="Times New Roman" panose="02020603050405020304" pitchFamily="18" charset="0"/>
+              </a:rPr>
+              <a:t>: Design rewards to strengthen retention among long-tenure high-value customers.</a:t>
+            </a:r>
+          </a:p>
+          <a:p>
+            <a:pPr marL="342900" indent="-342900">
+              <a:lnSpc>
+                <a:spcPct val="150000"/>
+              </a:lnSpc>
+              <a:buFont typeface="+mj-lt"/>
+              <a:buAutoNum type="arabicPeriod"/>
+            </a:pPr>
+            <a:r>
+              <a:rPr lang="en-IN" sz="1400" b="1" dirty="0">
+                <a:latin typeface="Times New Roman" panose="02020603050405020304" pitchFamily="18" charset="0"/>
+                <a:cs typeface="Times New Roman" panose="02020603050405020304" pitchFamily="18" charset="0"/>
+              </a:rPr>
+              <a:t>New Customer Engagement</a:t>
+            </a:r>
+            <a:r>
+              <a:rPr lang="en-IN" sz="1400" dirty="0">
+                <a:latin typeface="Times New Roman" panose="02020603050405020304" pitchFamily="18" charset="0"/>
+                <a:cs typeface="Times New Roman" panose="02020603050405020304" pitchFamily="18" charset="0"/>
+              </a:rPr>
+              <a:t>: Create onboarding campaigns for recent members to boost early retention.</a:t>
+            </a:r>
+          </a:p>
+          <a:p>
+            <a:pPr marL="342900" indent="-342900">
+              <a:lnSpc>
+                <a:spcPct val="150000"/>
+              </a:lnSpc>
+              <a:buFont typeface="+mj-lt"/>
+              <a:buAutoNum type="arabicPeriod"/>
+            </a:pPr>
+            <a:r>
+              <a:rPr lang="en-IN" sz="1400" b="1" dirty="0">
+                <a:latin typeface="Times New Roman" panose="02020603050405020304" pitchFamily="18" charset="0"/>
+                <a:cs typeface="Times New Roman" panose="02020603050405020304" pitchFamily="18" charset="0"/>
+              </a:rPr>
+              <a:t>Segmented Marketing</a:t>
+            </a:r>
+            <a:r>
+              <a:rPr lang="en-IN" sz="1400" dirty="0">
+                <a:latin typeface="Times New Roman" panose="02020603050405020304" pitchFamily="18" charset="0"/>
+                <a:cs typeface="Times New Roman" panose="02020603050405020304" pitchFamily="18" charset="0"/>
+              </a:rPr>
+              <a:t>: Focus promotions on</a:t>
+            </a:r>
+            <a:r>
+              <a:rPr lang="en-IN" sz="1400" b="1" dirty="0">
+                <a:latin typeface="Times New Roman" panose="02020603050405020304" pitchFamily="18" charset="0"/>
+                <a:cs typeface="Times New Roman" panose="02020603050405020304" pitchFamily="18" charset="0"/>
+              </a:rPr>
+              <a:t> </a:t>
+            </a:r>
+            <a:r>
+              <a:rPr lang="en-IN" sz="1400" dirty="0">
+                <a:latin typeface="Times New Roman" panose="02020603050405020304" pitchFamily="18" charset="0"/>
+                <a:cs typeface="Times New Roman" panose="02020603050405020304" pitchFamily="18" charset="0"/>
+              </a:rPr>
+              <a:t>high-spending age groups while nurturing emerging segments.</a:t>
+            </a:r>
+          </a:p>
+          <a:p>
+            <a:pPr marL="342900" indent="-342900">
+              <a:lnSpc>
+                <a:spcPct val="150000"/>
+              </a:lnSpc>
+              <a:buFont typeface="+mj-lt"/>
+              <a:buAutoNum type="arabicPeriod"/>
+            </a:pPr>
+            <a:r>
+              <a:rPr lang="en-IN" sz="1400" b="1" dirty="0">
+                <a:latin typeface="Times New Roman" panose="02020603050405020304" pitchFamily="18" charset="0"/>
+                <a:cs typeface="Times New Roman" panose="02020603050405020304" pitchFamily="18" charset="0"/>
+              </a:rPr>
+              <a:t>Continuous Monitoring</a:t>
+            </a:r>
+            <a:r>
+              <a:rPr lang="en-IN" sz="1400" dirty="0">
+                <a:latin typeface="Times New Roman" panose="02020603050405020304" pitchFamily="18" charset="0"/>
+                <a:cs typeface="Times New Roman" panose="02020603050405020304" pitchFamily="18" charset="0"/>
+              </a:rPr>
+              <a:t>: Regularly track demographic shifts to adapt strategies dynamically.</a:t>
+            </a:r>
+          </a:p>
+        </p:txBody>
+      </p:sp>
+    </p:spTree>
+    <p:extLst>
+      <p:ext uri="{BB962C8B-B14F-4D97-AF65-F5344CB8AC3E}">
+        <p14:creationId xmlns:p14="http://schemas.microsoft.com/office/powerpoint/2010/main" val="3003385235"/>
+      </p:ext>
+    </p:extLst>
+  </p:cSld>
+  <p:clrMapOvr>
+    <a:masterClrMapping/>
+  </p:clrMapOvr>
+</p:sld>
+</file>
+
+<file path=ppt/slides/slide32.xml><?xml version="1.0" encoding="utf-8"?>
+<p:sld xmlns:a="http://schemas.openxmlformats.org/drawingml/2006/main" xmlns:r="http://schemas.openxmlformats.org/officeDocument/2006/relationships" xmlns:p="http://schemas.openxmlformats.org/presentationml/2006/main">
+  <p:cSld>
+    <p:spTree>
+      <p:nvGrpSpPr>
+        <p:cNvPr id="1" name="">
+          <a:extLst>
+            <a:ext uri="{FF2B5EF4-FFF2-40B4-BE49-F238E27FC236}">
               <a16:creationId xmlns:a16="http://schemas.microsoft.com/office/drawing/2014/main" id="{FD4DBBB3-64DE-837F-6C09-2BB74219AD86}"/>
             </a:ext>
           </a:extLst>
@@ -24745,7 +25601,686 @@
 </p:sld>
 </file>
 
-<file path=ppt/slides/slide32.xml><?xml version="1.0" encoding="utf-8"?>
+<file path=ppt/slides/slide33.xml><?xml version="1.0" encoding="utf-8"?>
+<p:sld xmlns:a="http://schemas.openxmlformats.org/drawingml/2006/main" xmlns:r="http://schemas.openxmlformats.org/officeDocument/2006/relationships" xmlns:p="http://schemas.openxmlformats.org/presentationml/2006/main">
+  <p:cSld>
+    <p:spTree>
+      <p:nvGrpSpPr>
+        <p:cNvPr id="1" name="">
+          <a:extLst>
+            <a:ext uri="{FF2B5EF4-FFF2-40B4-BE49-F238E27FC236}">
+              <a16:creationId xmlns:a16="http://schemas.microsoft.com/office/drawing/2014/main" id="{713ED93F-1374-78D5-113F-733DF6A143C0}"/>
+            </a:ext>
+          </a:extLst>
+        </p:cNvPr>
+        <p:cNvGrpSpPr/>
+        <p:nvPr/>
+      </p:nvGrpSpPr>
+      <p:grpSpPr>
+        <a:xfrm>
+          <a:off x="0" y="0"/>
+          <a:ext cx="0" cy="0"/>
+          <a:chOff x="0" y="0"/>
+          <a:chExt cx="0" cy="0"/>
+        </a:xfrm>
+      </p:grpSpPr>
+      <p:sp>
+        <p:nvSpPr>
+          <p:cNvPr id="12" name="Freeform 8">
+            <a:extLst>
+              <a:ext uri="{FF2B5EF4-FFF2-40B4-BE49-F238E27FC236}">
+                <a16:creationId xmlns:a16="http://schemas.microsoft.com/office/drawing/2014/main" id="{C3D32D43-059D-1FBE-A1BA-5993B985BDE5}"/>
+              </a:ext>
+            </a:extLst>
+          </p:cNvPr>
+          <p:cNvSpPr/>
+          <p:nvPr/>
+        </p:nvSpPr>
+        <p:spPr>
+          <a:xfrm>
+            <a:off x="362465" y="963826"/>
+            <a:ext cx="5456582" cy="5132173"/>
+          </a:xfrm>
+          <a:custGeom>
+            <a:avLst/>
+            <a:gdLst/>
+            <a:ahLst/>
+            <a:cxnLst/>
+            <a:rect l="l" t="t" r="r" b="b"/>
+            <a:pathLst>
+              <a:path w="1836416" h="1281219">
+                <a:moveTo>
+                  <a:pt x="56627" y="0"/>
+                </a:moveTo>
+                <a:lnTo>
+                  <a:pt x="1779789" y="0"/>
+                </a:lnTo>
+                <a:cubicBezTo>
+                  <a:pt x="1794808" y="0"/>
+                  <a:pt x="1809211" y="5966"/>
+                  <a:pt x="1819831" y="16586"/>
+                </a:cubicBezTo>
+                <a:cubicBezTo>
+                  <a:pt x="1830450" y="27205"/>
+                  <a:pt x="1836416" y="41608"/>
+                  <a:pt x="1836416" y="56627"/>
+                </a:cubicBezTo>
+                <a:lnTo>
+                  <a:pt x="1836416" y="1224592"/>
+                </a:lnTo>
+                <a:cubicBezTo>
+                  <a:pt x="1836416" y="1255866"/>
+                  <a:pt x="1811063" y="1281219"/>
+                  <a:pt x="1779789" y="1281219"/>
+                </a:cubicBezTo>
+                <a:lnTo>
+                  <a:pt x="56627" y="1281219"/>
+                </a:lnTo>
+                <a:cubicBezTo>
+                  <a:pt x="41608" y="1281219"/>
+                  <a:pt x="27205" y="1275253"/>
+                  <a:pt x="16586" y="1264633"/>
+                </a:cubicBezTo>
+                <a:cubicBezTo>
+                  <a:pt x="5966" y="1254014"/>
+                  <a:pt x="0" y="1239611"/>
+                  <a:pt x="0" y="1224592"/>
+                </a:cubicBezTo>
+                <a:lnTo>
+                  <a:pt x="0" y="56627"/>
+                </a:lnTo>
+                <a:cubicBezTo>
+                  <a:pt x="0" y="25353"/>
+                  <a:pt x="25353" y="0"/>
+                  <a:pt x="56627" y="0"/>
+                </a:cubicBezTo>
+                <a:close/>
+              </a:path>
+            </a:pathLst>
+          </a:custGeom>
+          <a:solidFill>
+            <a:schemeClr val="bg1">
+              <a:alpha val="53725"/>
+            </a:schemeClr>
+          </a:solidFill>
+          <a:effectLst>
+            <a:outerShdw blurRad="63500" sx="102000" sy="102000" algn="ctr" rotWithShape="0">
+              <a:prstClr val="black">
+                <a:alpha val="40000"/>
+              </a:prstClr>
+            </a:outerShdw>
+          </a:effectLst>
+        </p:spPr>
+      </p:sp>
+      <p:sp>
+        <p:nvSpPr>
+          <p:cNvPr id="3" name="Rectangle 2">
+            <a:extLst>
+              <a:ext uri="{FF2B5EF4-FFF2-40B4-BE49-F238E27FC236}">
+                <a16:creationId xmlns:a16="http://schemas.microsoft.com/office/drawing/2014/main" id="{0624FB39-92BE-49F0-0BAD-F90CDB7ED04B}"/>
+              </a:ext>
+            </a:extLst>
+          </p:cNvPr>
+          <p:cNvSpPr/>
+          <p:nvPr/>
+        </p:nvSpPr>
+        <p:spPr>
+          <a:xfrm>
+            <a:off x="0" y="0"/>
+            <a:ext cx="12192000" cy="609600"/>
+          </a:xfrm>
+          <a:prstGeom prst="rect">
+            <a:avLst/>
+          </a:prstGeom>
+          <a:solidFill>
+            <a:srgbClr val="338D90"/>
+          </a:solidFill>
+          <a:ln>
+            <a:solidFill>
+              <a:srgbClr val="338D90"/>
+            </a:solidFill>
+          </a:ln>
+        </p:spPr>
+        <p:style>
+          <a:lnRef idx="2">
+            <a:schemeClr val="accent1">
+              <a:shade val="15000"/>
+            </a:schemeClr>
+          </a:lnRef>
+          <a:fillRef idx="1">
+            <a:schemeClr val="accent1"/>
+          </a:fillRef>
+          <a:effectRef idx="0">
+            <a:schemeClr val="accent1"/>
+          </a:effectRef>
+          <a:fontRef idx="minor">
+            <a:schemeClr val="lt1"/>
+          </a:fontRef>
+        </p:style>
+        <p:txBody>
+          <a:bodyPr rtlCol="0" anchor="ctr"/>
+          <a:lstStyle/>
+          <a:p>
+            <a:pPr marL="914400" lvl="1" indent="-457200">
+              <a:buFont typeface="Wingdings" pitchFamily="2" charset="2"/>
+              <a:buChar char="q"/>
+            </a:pPr>
+            <a:r>
+              <a:rPr lang="en-US" sz="3200" b="1" dirty="0">
+                <a:solidFill>
+                  <a:schemeClr val="bg1"/>
+                </a:solidFill>
+                <a:latin typeface="Times New Roman" panose="02020603050405020304" pitchFamily="18" charset="0"/>
+                <a:cs typeface="Times New Roman" panose="02020603050405020304" pitchFamily="18" charset="0"/>
+              </a:rPr>
+              <a:t> Insights &amp; Recommendations</a:t>
+            </a:r>
+            <a:endParaRPr lang="en-US" sz="4000" b="1" dirty="0">
+              <a:solidFill>
+                <a:schemeClr val="bg1"/>
+              </a:solidFill>
+              <a:latin typeface="Times New Roman" panose="02020603050405020304" pitchFamily="18" charset="0"/>
+              <a:cs typeface="Times New Roman" panose="02020603050405020304" pitchFamily="18" charset="0"/>
+            </a:endParaRPr>
+          </a:p>
+        </p:txBody>
+      </p:sp>
+      <p:sp>
+        <p:nvSpPr>
+          <p:cNvPr id="11" name="TextBox 10">
+            <a:extLst>
+              <a:ext uri="{FF2B5EF4-FFF2-40B4-BE49-F238E27FC236}">
+                <a16:creationId xmlns:a16="http://schemas.microsoft.com/office/drawing/2014/main" id="{2D48F8DD-7D72-3948-A30A-891F9BE3F92C}"/>
+              </a:ext>
+            </a:extLst>
+          </p:cNvPr>
+          <p:cNvSpPr txBox="1"/>
+          <p:nvPr/>
+        </p:nvSpPr>
+        <p:spPr>
+          <a:xfrm>
+            <a:off x="551660" y="1036921"/>
+            <a:ext cx="5078191" cy="3165803"/>
+          </a:xfrm>
+          <a:prstGeom prst="rect">
+            <a:avLst/>
+          </a:prstGeom>
+          <a:noFill/>
+        </p:spPr>
+        <p:txBody>
+          <a:bodyPr wrap="square">
+            <a:spAutoFit/>
+          </a:bodyPr>
+          <a:lstStyle/>
+          <a:p>
+            <a:pPr>
+              <a:lnSpc>
+                <a:spcPct val="200000"/>
+              </a:lnSpc>
+            </a:pPr>
+            <a:r>
+              <a:rPr lang="en-IN" b="1" dirty="0"/>
+              <a:t>🔍</a:t>
+            </a:r>
+            <a:r>
+              <a:rPr lang="en-IN" b="1" dirty="0">
+                <a:latin typeface="Times New Roman" panose="02020603050405020304" pitchFamily="18" charset="0"/>
+                <a:cs typeface="Times New Roman" panose="02020603050405020304" pitchFamily="18" charset="0"/>
+              </a:rPr>
+              <a:t> Insights</a:t>
+            </a:r>
+          </a:p>
+          <a:p>
+            <a:pPr marL="342900" indent="-342900">
+              <a:lnSpc>
+                <a:spcPct val="200000"/>
+              </a:lnSpc>
+              <a:buFont typeface="+mj-lt"/>
+              <a:buAutoNum type="arabicPeriod"/>
+            </a:pPr>
+            <a:r>
+              <a:rPr lang="en-IN" sz="1400" b="1" dirty="0">
+                <a:latin typeface="Times New Roman" panose="02020603050405020304" pitchFamily="18" charset="0"/>
+                <a:cs typeface="Times New Roman" panose="02020603050405020304" pitchFamily="18" charset="0"/>
+              </a:rPr>
+              <a:t>Revenue varies </a:t>
+            </a:r>
+            <a:r>
+              <a:rPr lang="en-IN" sz="1400" dirty="0">
+                <a:latin typeface="Times New Roman" panose="02020603050405020304" pitchFamily="18" charset="0"/>
+                <a:cs typeface="Times New Roman" panose="02020603050405020304" pitchFamily="18" charset="0"/>
+              </a:rPr>
+              <a:t>widely by offer type.</a:t>
+            </a:r>
+          </a:p>
+          <a:p>
+            <a:pPr marL="342900" indent="-342900">
+              <a:lnSpc>
+                <a:spcPct val="200000"/>
+              </a:lnSpc>
+              <a:buFont typeface="+mj-lt"/>
+              <a:buAutoNum type="arabicPeriod"/>
+            </a:pPr>
+            <a:r>
+              <a:rPr lang="en-IN" sz="1400" b="1" dirty="0">
+                <a:latin typeface="Times New Roman" panose="02020603050405020304" pitchFamily="18" charset="0"/>
+                <a:cs typeface="Times New Roman" panose="02020603050405020304" pitchFamily="18" charset="0"/>
+              </a:rPr>
+              <a:t>Big drop-off </a:t>
+            </a:r>
+            <a:r>
+              <a:rPr lang="en-IN" sz="1400" dirty="0">
+                <a:latin typeface="Times New Roman" panose="02020603050405020304" pitchFamily="18" charset="0"/>
+                <a:cs typeface="Times New Roman" panose="02020603050405020304" pitchFamily="18" charset="0"/>
+              </a:rPr>
+              <a:t>between viewed vs completed offers.</a:t>
+            </a:r>
+          </a:p>
+          <a:p>
+            <a:pPr marL="342900" indent="-342900">
+              <a:lnSpc>
+                <a:spcPct val="200000"/>
+              </a:lnSpc>
+              <a:buFont typeface="+mj-lt"/>
+              <a:buAutoNum type="arabicPeriod"/>
+            </a:pPr>
+            <a:r>
+              <a:rPr lang="en-IN" sz="1400" b="1" dirty="0">
+                <a:latin typeface="Times New Roman" panose="02020603050405020304" pitchFamily="18" charset="0"/>
+                <a:cs typeface="Times New Roman" panose="02020603050405020304" pitchFamily="18" charset="0"/>
+              </a:rPr>
+              <a:t>BOGO/Discount </a:t>
+            </a:r>
+            <a:r>
+              <a:rPr lang="en-IN" sz="1400" dirty="0">
+                <a:latin typeface="Times New Roman" panose="02020603050405020304" pitchFamily="18" charset="0"/>
+                <a:cs typeface="Times New Roman" panose="02020603050405020304" pitchFamily="18" charset="0"/>
+              </a:rPr>
+              <a:t>offers perform best.</a:t>
+            </a:r>
+          </a:p>
+          <a:p>
+            <a:pPr marL="342900" indent="-342900">
+              <a:lnSpc>
+                <a:spcPct val="200000"/>
+              </a:lnSpc>
+              <a:buFont typeface="+mj-lt"/>
+              <a:buAutoNum type="arabicPeriod"/>
+            </a:pPr>
+            <a:r>
+              <a:rPr lang="en-IN" sz="1400" b="1" dirty="0">
+                <a:latin typeface="Times New Roman" panose="02020603050405020304" pitchFamily="18" charset="0"/>
+                <a:cs typeface="Times New Roman" panose="02020603050405020304" pitchFamily="18" charset="0"/>
+              </a:rPr>
+              <a:t>Limited customer </a:t>
+            </a:r>
+            <a:r>
+              <a:rPr lang="en-IN" sz="1400" dirty="0">
+                <a:latin typeface="Times New Roman" panose="02020603050405020304" pitchFamily="18" charset="0"/>
+                <a:cs typeface="Times New Roman" panose="02020603050405020304" pitchFamily="18" charset="0"/>
+              </a:rPr>
+              <a:t>reach in some segments.</a:t>
+            </a:r>
+          </a:p>
+          <a:p>
+            <a:pPr marL="342900" indent="-342900">
+              <a:lnSpc>
+                <a:spcPct val="200000"/>
+              </a:lnSpc>
+              <a:buFont typeface="+mj-lt"/>
+              <a:buAutoNum type="arabicPeriod"/>
+            </a:pPr>
+            <a:r>
+              <a:rPr lang="en-IN" sz="1400" b="1" dirty="0">
+                <a:latin typeface="Times New Roman" panose="02020603050405020304" pitchFamily="18" charset="0"/>
+                <a:cs typeface="Times New Roman" panose="02020603050405020304" pitchFamily="18" charset="0"/>
+              </a:rPr>
+              <a:t>Clear seasonality </a:t>
+            </a:r>
+            <a:r>
+              <a:rPr lang="en-IN" sz="1400" dirty="0">
+                <a:latin typeface="Times New Roman" panose="02020603050405020304" pitchFamily="18" charset="0"/>
+                <a:cs typeface="Times New Roman" panose="02020603050405020304" pitchFamily="18" charset="0"/>
+              </a:rPr>
+              <a:t>in completion trends.</a:t>
+            </a:r>
+          </a:p>
+          <a:p>
+            <a:pPr marL="342900" indent="-342900">
+              <a:lnSpc>
+                <a:spcPct val="200000"/>
+              </a:lnSpc>
+              <a:buFont typeface="+mj-lt"/>
+              <a:buAutoNum type="arabicPeriod"/>
+            </a:pPr>
+            <a:r>
+              <a:rPr lang="en-IN" sz="1400" b="1" dirty="0">
+                <a:latin typeface="Times New Roman" panose="02020603050405020304" pitchFamily="18" charset="0"/>
+                <a:cs typeface="Times New Roman" panose="02020603050405020304" pitchFamily="18" charset="0"/>
+              </a:rPr>
+              <a:t>Certain customer groups </a:t>
+            </a:r>
+            <a:r>
+              <a:rPr lang="en-IN" sz="1400" dirty="0">
+                <a:latin typeface="Times New Roman" panose="02020603050405020304" pitchFamily="18" charset="0"/>
+                <a:cs typeface="Times New Roman" panose="02020603050405020304" pitchFamily="18" charset="0"/>
+              </a:rPr>
+              <a:t>show higher engagement</a:t>
+            </a:r>
+            <a:r>
+              <a:rPr lang="en-IN" sz="1400" dirty="0"/>
+              <a:t>.</a:t>
+            </a:r>
+          </a:p>
+        </p:txBody>
+      </p:sp>
+      <p:sp>
+        <p:nvSpPr>
+          <p:cNvPr id="2" name="Freeform 8">
+            <a:extLst>
+              <a:ext uri="{FF2B5EF4-FFF2-40B4-BE49-F238E27FC236}">
+                <a16:creationId xmlns:a16="http://schemas.microsoft.com/office/drawing/2014/main" id="{D4071AD2-AC94-2545-9085-A91E87604140}"/>
+              </a:ext>
+            </a:extLst>
+          </p:cNvPr>
+          <p:cNvSpPr/>
+          <p:nvPr/>
+        </p:nvSpPr>
+        <p:spPr>
+          <a:xfrm>
+            <a:off x="6372953" y="963825"/>
+            <a:ext cx="5456582" cy="5132173"/>
+          </a:xfrm>
+          <a:custGeom>
+            <a:avLst/>
+            <a:gdLst/>
+            <a:ahLst/>
+            <a:cxnLst/>
+            <a:rect l="l" t="t" r="r" b="b"/>
+            <a:pathLst>
+              <a:path w="1836416" h="1281219">
+                <a:moveTo>
+                  <a:pt x="56627" y="0"/>
+                </a:moveTo>
+                <a:lnTo>
+                  <a:pt x="1779789" y="0"/>
+                </a:lnTo>
+                <a:cubicBezTo>
+                  <a:pt x="1794808" y="0"/>
+                  <a:pt x="1809211" y="5966"/>
+                  <a:pt x="1819831" y="16586"/>
+                </a:cubicBezTo>
+                <a:cubicBezTo>
+                  <a:pt x="1830450" y="27205"/>
+                  <a:pt x="1836416" y="41608"/>
+                  <a:pt x="1836416" y="56627"/>
+                </a:cubicBezTo>
+                <a:lnTo>
+                  <a:pt x="1836416" y="1224592"/>
+                </a:lnTo>
+                <a:cubicBezTo>
+                  <a:pt x="1836416" y="1255866"/>
+                  <a:pt x="1811063" y="1281219"/>
+                  <a:pt x="1779789" y="1281219"/>
+                </a:cubicBezTo>
+                <a:lnTo>
+                  <a:pt x="56627" y="1281219"/>
+                </a:lnTo>
+                <a:cubicBezTo>
+                  <a:pt x="41608" y="1281219"/>
+                  <a:pt x="27205" y="1275253"/>
+                  <a:pt x="16586" y="1264633"/>
+                </a:cubicBezTo>
+                <a:cubicBezTo>
+                  <a:pt x="5966" y="1254014"/>
+                  <a:pt x="0" y="1239611"/>
+                  <a:pt x="0" y="1224592"/>
+                </a:cubicBezTo>
+                <a:lnTo>
+                  <a:pt x="0" y="56627"/>
+                </a:lnTo>
+                <a:cubicBezTo>
+                  <a:pt x="0" y="25353"/>
+                  <a:pt x="25353" y="0"/>
+                  <a:pt x="56627" y="0"/>
+                </a:cubicBezTo>
+                <a:close/>
+              </a:path>
+            </a:pathLst>
+          </a:custGeom>
+          <a:solidFill>
+            <a:schemeClr val="bg1">
+              <a:alpha val="53725"/>
+            </a:schemeClr>
+          </a:solidFill>
+          <a:ln>
+            <a:noFill/>
+          </a:ln>
+          <a:effectLst>
+            <a:outerShdw blurRad="63500" sx="102000" sy="102000" algn="ctr" rotWithShape="0">
+              <a:prstClr val="black">
+                <a:alpha val="40000"/>
+              </a:prstClr>
+            </a:outerShdw>
+          </a:effectLst>
+        </p:spPr>
+      </p:sp>
+      <p:sp>
+        <p:nvSpPr>
+          <p:cNvPr id="4" name="TextBox 3">
+            <a:extLst>
+              <a:ext uri="{FF2B5EF4-FFF2-40B4-BE49-F238E27FC236}">
+                <a16:creationId xmlns:a16="http://schemas.microsoft.com/office/drawing/2014/main" id="{7227E8F0-9BA3-5CA3-E6B3-CA303B9689EA}"/>
+              </a:ext>
+            </a:extLst>
+          </p:cNvPr>
+          <p:cNvSpPr txBox="1"/>
+          <p:nvPr/>
+        </p:nvSpPr>
+        <p:spPr>
+          <a:xfrm>
+            <a:off x="6615477" y="1036921"/>
+            <a:ext cx="4971534" cy="3165995"/>
+          </a:xfrm>
+          <a:prstGeom prst="rect">
+            <a:avLst/>
+          </a:prstGeom>
+          <a:noFill/>
+        </p:spPr>
+        <p:txBody>
+          <a:bodyPr wrap="square">
+            <a:spAutoFit/>
+          </a:bodyPr>
+          <a:lstStyle/>
+          <a:p>
+            <a:pPr>
+              <a:lnSpc>
+                <a:spcPct val="200000"/>
+              </a:lnSpc>
+            </a:pPr>
+            <a:r>
+              <a:rPr lang="en-IN" b="1" dirty="0">
+                <a:latin typeface="Times New Roman" panose="02020603050405020304" pitchFamily="18" charset="0"/>
+                <a:cs typeface="Times New Roman" panose="02020603050405020304" pitchFamily="18" charset="0"/>
+              </a:rPr>
+              <a:t>✅ Recommendations</a:t>
+            </a:r>
+          </a:p>
+          <a:p>
+            <a:pPr marL="342900" indent="-342900">
+              <a:lnSpc>
+                <a:spcPct val="200000"/>
+              </a:lnSpc>
+              <a:buFont typeface="+mj-lt"/>
+              <a:buAutoNum type="arabicPeriod"/>
+            </a:pPr>
+            <a:r>
+              <a:rPr lang="en-IN" sz="1400" dirty="0">
+                <a:latin typeface="Times New Roman" panose="02020603050405020304" pitchFamily="18" charset="0"/>
+                <a:cs typeface="Times New Roman" panose="02020603050405020304" pitchFamily="18" charset="0"/>
+              </a:rPr>
+              <a:t>Focus on </a:t>
+            </a:r>
+            <a:r>
+              <a:rPr lang="en-IN" sz="1400" b="1" dirty="0">
+                <a:latin typeface="Times New Roman" panose="02020603050405020304" pitchFamily="18" charset="0"/>
+                <a:cs typeface="Times New Roman" panose="02020603050405020304" pitchFamily="18" charset="0"/>
+              </a:rPr>
+              <a:t>high-ROI </a:t>
+            </a:r>
+            <a:r>
+              <a:rPr lang="en-IN" sz="1400" dirty="0">
+                <a:latin typeface="Times New Roman" panose="02020603050405020304" pitchFamily="18" charset="0"/>
+                <a:cs typeface="Times New Roman" panose="02020603050405020304" pitchFamily="18" charset="0"/>
+              </a:rPr>
+              <a:t>offer types.</a:t>
+            </a:r>
+          </a:p>
+          <a:p>
+            <a:pPr marL="342900" indent="-342900">
+              <a:lnSpc>
+                <a:spcPct val="200000"/>
+              </a:lnSpc>
+              <a:buFont typeface="+mj-lt"/>
+              <a:buAutoNum type="arabicPeriod"/>
+            </a:pPr>
+            <a:r>
+              <a:rPr lang="en-IN" sz="1400" b="1" dirty="0">
+                <a:latin typeface="Times New Roman" panose="02020603050405020304" pitchFamily="18" charset="0"/>
+                <a:cs typeface="Times New Roman" panose="02020603050405020304" pitchFamily="18" charset="0"/>
+              </a:rPr>
+              <a:t>Reduce friction</a:t>
+            </a:r>
+            <a:r>
+              <a:rPr lang="en-IN" sz="1400" dirty="0">
+                <a:latin typeface="Times New Roman" panose="02020603050405020304" pitchFamily="18" charset="0"/>
+                <a:cs typeface="Times New Roman" panose="02020603050405020304" pitchFamily="18" charset="0"/>
+              </a:rPr>
+              <a:t> in redemption funnel.</a:t>
+            </a:r>
+          </a:p>
+          <a:p>
+            <a:pPr marL="342900" indent="-342900">
+              <a:lnSpc>
+                <a:spcPct val="200000"/>
+              </a:lnSpc>
+              <a:buFont typeface="+mj-lt"/>
+              <a:buAutoNum type="arabicPeriod"/>
+            </a:pPr>
+            <a:r>
+              <a:rPr lang="en-IN" sz="1400" b="1" dirty="0">
+                <a:latin typeface="Times New Roman" panose="02020603050405020304" pitchFamily="18" charset="0"/>
+                <a:cs typeface="Times New Roman" panose="02020603050405020304" pitchFamily="18" charset="0"/>
+              </a:rPr>
+              <a:t>Personalize offers </a:t>
+            </a:r>
+            <a:r>
+              <a:rPr lang="en-IN" sz="1400" dirty="0">
+                <a:latin typeface="Times New Roman" panose="02020603050405020304" pitchFamily="18" charset="0"/>
+                <a:cs typeface="Times New Roman" panose="02020603050405020304" pitchFamily="18" charset="0"/>
+              </a:rPr>
+              <a:t>by customer segment.</a:t>
+            </a:r>
+          </a:p>
+          <a:p>
+            <a:pPr marL="342900" indent="-342900">
+              <a:lnSpc>
+                <a:spcPct val="200000"/>
+              </a:lnSpc>
+              <a:buFont typeface="+mj-lt"/>
+              <a:buAutoNum type="arabicPeriod"/>
+            </a:pPr>
+            <a:r>
+              <a:rPr lang="en-IN" sz="1400" b="1" dirty="0">
+                <a:latin typeface="Times New Roman" panose="02020603050405020304" pitchFamily="18" charset="0"/>
+                <a:cs typeface="Times New Roman" panose="02020603050405020304" pitchFamily="18" charset="0"/>
+              </a:rPr>
+              <a:t>Prioritize high-engagement </a:t>
+            </a:r>
+            <a:r>
+              <a:rPr lang="en-IN" sz="1400" dirty="0">
+                <a:latin typeface="Times New Roman" panose="02020603050405020304" pitchFamily="18" charset="0"/>
+                <a:cs typeface="Times New Roman" panose="02020603050405020304" pitchFamily="18" charset="0"/>
+              </a:rPr>
+              <a:t>channels.</a:t>
+            </a:r>
+          </a:p>
+          <a:p>
+            <a:pPr marL="342900" indent="-342900">
+              <a:lnSpc>
+                <a:spcPct val="200000"/>
+              </a:lnSpc>
+              <a:buFont typeface="+mj-lt"/>
+              <a:buAutoNum type="arabicPeriod"/>
+            </a:pPr>
+            <a:r>
+              <a:rPr lang="en-IN" sz="1400" dirty="0">
+                <a:latin typeface="Times New Roman" panose="02020603050405020304" pitchFamily="18" charset="0"/>
+                <a:cs typeface="Times New Roman" panose="02020603050405020304" pitchFamily="18" charset="0"/>
+              </a:rPr>
+              <a:t>Experiment with </a:t>
+            </a:r>
+            <a:r>
+              <a:rPr lang="en-IN" sz="1400" b="1" dirty="0">
+                <a:latin typeface="Times New Roman" panose="02020603050405020304" pitchFamily="18" charset="0"/>
+                <a:cs typeface="Times New Roman" panose="02020603050405020304" pitchFamily="18" charset="0"/>
+              </a:rPr>
+              <a:t>duration &amp; reward </a:t>
+            </a:r>
+            <a:r>
+              <a:rPr lang="en-IN" sz="1400" dirty="0">
+                <a:latin typeface="Times New Roman" panose="02020603050405020304" pitchFamily="18" charset="0"/>
+                <a:cs typeface="Times New Roman" panose="02020603050405020304" pitchFamily="18" charset="0"/>
+              </a:rPr>
+              <a:t>levels.</a:t>
+            </a:r>
+          </a:p>
+          <a:p>
+            <a:pPr marL="342900" indent="-342900">
+              <a:lnSpc>
+                <a:spcPct val="200000"/>
+              </a:lnSpc>
+              <a:buFont typeface="+mj-lt"/>
+              <a:buAutoNum type="arabicPeriod"/>
+            </a:pPr>
+            <a:r>
+              <a:rPr lang="en-IN" sz="1400" dirty="0">
+                <a:latin typeface="Times New Roman" panose="02020603050405020304" pitchFamily="18" charset="0"/>
+                <a:cs typeface="Times New Roman" panose="02020603050405020304" pitchFamily="18" charset="0"/>
+              </a:rPr>
+              <a:t>Use trends to plan </a:t>
+            </a:r>
+            <a:r>
+              <a:rPr lang="en-IN" sz="1400" b="1" dirty="0">
+                <a:latin typeface="Times New Roman" panose="02020603050405020304" pitchFamily="18" charset="0"/>
+                <a:cs typeface="Times New Roman" panose="02020603050405020304" pitchFamily="18" charset="0"/>
+              </a:rPr>
+              <a:t>seasonal campaigns</a:t>
+            </a:r>
+            <a:r>
+              <a:rPr lang="en-IN" sz="1400" dirty="0">
+                <a:latin typeface="Times New Roman" panose="02020603050405020304" pitchFamily="18" charset="0"/>
+                <a:cs typeface="Times New Roman" panose="02020603050405020304" pitchFamily="18" charset="0"/>
+              </a:rPr>
+              <a:t>.</a:t>
+            </a:r>
+          </a:p>
+        </p:txBody>
+      </p:sp>
+    </p:spTree>
+    <p:extLst>
+      <p:ext uri="{BB962C8B-B14F-4D97-AF65-F5344CB8AC3E}">
+        <p14:creationId xmlns:p14="http://schemas.microsoft.com/office/powerpoint/2010/main" val="3707585808"/>
+      </p:ext>
+    </p:extLst>
+  </p:cSld>
+  <p:clrMapOvr>
+    <a:masterClrMapping/>
+  </p:clrMapOvr>
+</p:sld>
+</file>
+
+<file path=ppt/slides/slide34.xml><?xml version="1.0" encoding="utf-8"?>
 <p:sld xmlns:a="http://schemas.openxmlformats.org/drawingml/2006/main" xmlns:r="http://schemas.openxmlformats.org/officeDocument/2006/relationships" xmlns:p="http://schemas.openxmlformats.org/presentationml/2006/main">
   <p:cSld>
     <p:spTree>
@@ -25291,7 +26826,640 @@
 </p:sld>
 </file>
 
-<file path=ppt/slides/slide33.xml><?xml version="1.0" encoding="utf-8"?>
+<file path=ppt/slides/slide35.xml><?xml version="1.0" encoding="utf-8"?>
+<p:sld xmlns:a="http://schemas.openxmlformats.org/drawingml/2006/main" xmlns:r="http://schemas.openxmlformats.org/officeDocument/2006/relationships" xmlns:p="http://schemas.openxmlformats.org/presentationml/2006/main">
+  <p:cSld>
+    <p:spTree>
+      <p:nvGrpSpPr>
+        <p:cNvPr id="1" name="">
+          <a:extLst>
+            <a:ext uri="{FF2B5EF4-FFF2-40B4-BE49-F238E27FC236}">
+              <a16:creationId xmlns:a16="http://schemas.microsoft.com/office/drawing/2014/main" id="{25A17262-5FA8-6F98-7A04-BE2C57890A30}"/>
+            </a:ext>
+          </a:extLst>
+        </p:cNvPr>
+        <p:cNvGrpSpPr/>
+        <p:nvPr/>
+      </p:nvGrpSpPr>
+      <p:grpSpPr>
+        <a:xfrm>
+          <a:off x="0" y="0"/>
+          <a:ext cx="0" cy="0"/>
+          <a:chOff x="0" y="0"/>
+          <a:chExt cx="0" cy="0"/>
+        </a:xfrm>
+      </p:grpSpPr>
+      <p:sp>
+        <p:nvSpPr>
+          <p:cNvPr id="12" name="Freeform 8">
+            <a:extLst>
+              <a:ext uri="{FF2B5EF4-FFF2-40B4-BE49-F238E27FC236}">
+                <a16:creationId xmlns:a16="http://schemas.microsoft.com/office/drawing/2014/main" id="{7C1BB146-A38E-C2AC-7E56-AC2DA663B6E0}"/>
+              </a:ext>
+            </a:extLst>
+          </p:cNvPr>
+          <p:cNvSpPr/>
+          <p:nvPr/>
+        </p:nvSpPr>
+        <p:spPr>
+          <a:xfrm>
+            <a:off x="362465" y="963826"/>
+            <a:ext cx="5456582" cy="5132173"/>
+          </a:xfrm>
+          <a:custGeom>
+            <a:avLst/>
+            <a:gdLst/>
+            <a:ahLst/>
+            <a:cxnLst/>
+            <a:rect l="l" t="t" r="r" b="b"/>
+            <a:pathLst>
+              <a:path w="1836416" h="1281219">
+                <a:moveTo>
+                  <a:pt x="56627" y="0"/>
+                </a:moveTo>
+                <a:lnTo>
+                  <a:pt x="1779789" y="0"/>
+                </a:lnTo>
+                <a:cubicBezTo>
+                  <a:pt x="1794808" y="0"/>
+                  <a:pt x="1809211" y="5966"/>
+                  <a:pt x="1819831" y="16586"/>
+                </a:cubicBezTo>
+                <a:cubicBezTo>
+                  <a:pt x="1830450" y="27205"/>
+                  <a:pt x="1836416" y="41608"/>
+                  <a:pt x="1836416" y="56627"/>
+                </a:cubicBezTo>
+                <a:lnTo>
+                  <a:pt x="1836416" y="1224592"/>
+                </a:lnTo>
+                <a:cubicBezTo>
+                  <a:pt x="1836416" y="1255866"/>
+                  <a:pt x="1811063" y="1281219"/>
+                  <a:pt x="1779789" y="1281219"/>
+                </a:cubicBezTo>
+                <a:lnTo>
+                  <a:pt x="56627" y="1281219"/>
+                </a:lnTo>
+                <a:cubicBezTo>
+                  <a:pt x="41608" y="1281219"/>
+                  <a:pt x="27205" y="1275253"/>
+                  <a:pt x="16586" y="1264633"/>
+                </a:cubicBezTo>
+                <a:cubicBezTo>
+                  <a:pt x="5966" y="1254014"/>
+                  <a:pt x="0" y="1239611"/>
+                  <a:pt x="0" y="1224592"/>
+                </a:cubicBezTo>
+                <a:lnTo>
+                  <a:pt x="0" y="56627"/>
+                </a:lnTo>
+                <a:cubicBezTo>
+                  <a:pt x="0" y="25353"/>
+                  <a:pt x="25353" y="0"/>
+                  <a:pt x="56627" y="0"/>
+                </a:cubicBezTo>
+                <a:close/>
+              </a:path>
+            </a:pathLst>
+          </a:custGeom>
+          <a:solidFill>
+            <a:schemeClr val="bg1">
+              <a:alpha val="53725"/>
+            </a:schemeClr>
+          </a:solidFill>
+          <a:effectLst>
+            <a:outerShdw blurRad="63500" sx="102000" sy="102000" algn="ctr" rotWithShape="0">
+              <a:prstClr val="black">
+                <a:alpha val="40000"/>
+              </a:prstClr>
+            </a:outerShdw>
+          </a:effectLst>
+        </p:spPr>
+      </p:sp>
+      <p:sp>
+        <p:nvSpPr>
+          <p:cNvPr id="3" name="Rectangle 2">
+            <a:extLst>
+              <a:ext uri="{FF2B5EF4-FFF2-40B4-BE49-F238E27FC236}">
+                <a16:creationId xmlns:a16="http://schemas.microsoft.com/office/drawing/2014/main" id="{ACE268FE-9EB1-516D-D249-F904D5D06449}"/>
+              </a:ext>
+            </a:extLst>
+          </p:cNvPr>
+          <p:cNvSpPr/>
+          <p:nvPr/>
+        </p:nvSpPr>
+        <p:spPr>
+          <a:xfrm>
+            <a:off x="0" y="0"/>
+            <a:ext cx="12192000" cy="609600"/>
+          </a:xfrm>
+          <a:prstGeom prst="rect">
+            <a:avLst/>
+          </a:prstGeom>
+          <a:solidFill>
+            <a:srgbClr val="338D90"/>
+          </a:solidFill>
+          <a:ln>
+            <a:solidFill>
+              <a:srgbClr val="338D90"/>
+            </a:solidFill>
+          </a:ln>
+        </p:spPr>
+        <p:style>
+          <a:lnRef idx="2">
+            <a:schemeClr val="accent1">
+              <a:shade val="15000"/>
+            </a:schemeClr>
+          </a:lnRef>
+          <a:fillRef idx="1">
+            <a:schemeClr val="accent1"/>
+          </a:fillRef>
+          <a:effectRef idx="0">
+            <a:schemeClr val="accent1"/>
+          </a:effectRef>
+          <a:fontRef idx="minor">
+            <a:schemeClr val="lt1"/>
+          </a:fontRef>
+        </p:style>
+        <p:txBody>
+          <a:bodyPr rtlCol="0" anchor="ctr"/>
+          <a:lstStyle/>
+          <a:p>
+            <a:pPr marL="914400" lvl="1" indent="-457200">
+              <a:buFont typeface="Wingdings" pitchFamily="2" charset="2"/>
+              <a:buChar char="q"/>
+            </a:pPr>
+            <a:r>
+              <a:rPr lang="en-US" sz="3200" b="1" dirty="0">
+                <a:solidFill>
+                  <a:schemeClr val="bg1"/>
+                </a:solidFill>
+                <a:latin typeface="Times New Roman" panose="02020603050405020304" pitchFamily="18" charset="0"/>
+                <a:cs typeface="Times New Roman" panose="02020603050405020304" pitchFamily="18" charset="0"/>
+              </a:rPr>
+              <a:t> Insights &amp; Recommendations</a:t>
+            </a:r>
+            <a:endParaRPr lang="en-US" sz="4000" b="1" dirty="0">
+              <a:solidFill>
+                <a:schemeClr val="bg1"/>
+              </a:solidFill>
+              <a:latin typeface="Times New Roman" panose="02020603050405020304" pitchFamily="18" charset="0"/>
+              <a:cs typeface="Times New Roman" panose="02020603050405020304" pitchFamily="18" charset="0"/>
+            </a:endParaRPr>
+          </a:p>
+        </p:txBody>
+      </p:sp>
+      <p:sp>
+        <p:nvSpPr>
+          <p:cNvPr id="11" name="TextBox 10">
+            <a:extLst>
+              <a:ext uri="{FF2B5EF4-FFF2-40B4-BE49-F238E27FC236}">
+                <a16:creationId xmlns:a16="http://schemas.microsoft.com/office/drawing/2014/main" id="{A2BB3983-D772-891A-2CDB-3C36708D9BE2}"/>
+              </a:ext>
+            </a:extLst>
+          </p:cNvPr>
+          <p:cNvSpPr txBox="1"/>
+          <p:nvPr/>
+        </p:nvSpPr>
+        <p:spPr>
+          <a:xfrm>
+            <a:off x="551660" y="1189321"/>
+            <a:ext cx="5078191" cy="2603726"/>
+          </a:xfrm>
+          <a:prstGeom prst="rect">
+            <a:avLst/>
+          </a:prstGeom>
+          <a:noFill/>
+        </p:spPr>
+        <p:txBody>
+          <a:bodyPr wrap="square">
+            <a:spAutoFit/>
+          </a:bodyPr>
+          <a:lstStyle/>
+          <a:p>
+            <a:pPr>
+              <a:lnSpc>
+                <a:spcPct val="150000"/>
+              </a:lnSpc>
+            </a:pPr>
+            <a:r>
+              <a:rPr lang="en-IN" b="1" dirty="0"/>
+              <a:t>🔍</a:t>
+            </a:r>
+            <a:r>
+              <a:rPr lang="en-IN" b="1" dirty="0">
+                <a:latin typeface="Times New Roman" panose="02020603050405020304" pitchFamily="18" charset="0"/>
+                <a:cs typeface="Times New Roman" panose="02020603050405020304" pitchFamily="18" charset="0"/>
+              </a:rPr>
+              <a:t> Insights</a:t>
+            </a:r>
+          </a:p>
+          <a:p>
+            <a:pPr marL="342900" indent="-342900">
+              <a:lnSpc>
+                <a:spcPct val="200000"/>
+              </a:lnSpc>
+              <a:buFont typeface="+mj-lt"/>
+              <a:buAutoNum type="arabicPeriod"/>
+            </a:pPr>
+            <a:r>
+              <a:rPr lang="en-IN" sz="1400" b="1" dirty="0">
+                <a:latin typeface="Times New Roman" panose="02020603050405020304" pitchFamily="18" charset="0"/>
+                <a:cs typeface="Times New Roman" panose="02020603050405020304" pitchFamily="18" charset="0"/>
+              </a:rPr>
+              <a:t>High spenders</a:t>
+            </a:r>
+            <a:r>
+              <a:rPr lang="en-IN" sz="1400" dirty="0">
+                <a:latin typeface="Times New Roman" panose="02020603050405020304" pitchFamily="18" charset="0"/>
+                <a:cs typeface="Times New Roman" panose="02020603050405020304" pitchFamily="18" charset="0"/>
+              </a:rPr>
+              <a:t> show stronger offer completion.</a:t>
+            </a:r>
+          </a:p>
+          <a:p>
+            <a:pPr marL="342900" indent="-342900">
+              <a:lnSpc>
+                <a:spcPct val="200000"/>
+              </a:lnSpc>
+              <a:buFont typeface="+mj-lt"/>
+              <a:buAutoNum type="arabicPeriod"/>
+            </a:pPr>
+            <a:r>
+              <a:rPr lang="en-IN" sz="1400" b="1" dirty="0">
+                <a:latin typeface="Times New Roman" panose="02020603050405020304" pitchFamily="18" charset="0"/>
+                <a:cs typeface="Times New Roman" panose="02020603050405020304" pitchFamily="18" charset="0"/>
+              </a:rPr>
+              <a:t>Shorter completion times</a:t>
+            </a:r>
+            <a:r>
+              <a:rPr lang="en-IN" sz="1400" dirty="0">
+                <a:latin typeface="Times New Roman" panose="02020603050405020304" pitchFamily="18" charset="0"/>
+                <a:cs typeface="Times New Roman" panose="02020603050405020304" pitchFamily="18" charset="0"/>
+              </a:rPr>
+              <a:t> → higher engagement.</a:t>
+            </a:r>
+          </a:p>
+          <a:p>
+            <a:pPr marL="342900" indent="-342900">
+              <a:lnSpc>
+                <a:spcPct val="200000"/>
+              </a:lnSpc>
+              <a:buFont typeface="+mj-lt"/>
+              <a:buAutoNum type="arabicPeriod"/>
+            </a:pPr>
+            <a:r>
+              <a:rPr lang="en-IN" sz="1400" b="1" dirty="0">
+                <a:latin typeface="Times New Roman" panose="02020603050405020304" pitchFamily="18" charset="0"/>
+                <a:cs typeface="Times New Roman" panose="02020603050405020304" pitchFamily="18" charset="0"/>
+              </a:rPr>
+              <a:t>Spending peaks</a:t>
+            </a:r>
+            <a:r>
+              <a:rPr lang="en-IN" sz="1400" dirty="0">
+                <a:latin typeface="Times New Roman" panose="02020603050405020304" pitchFamily="18" charset="0"/>
+                <a:cs typeface="Times New Roman" panose="02020603050405020304" pitchFamily="18" charset="0"/>
+              </a:rPr>
+              <a:t> align with weekends/offer releases.</a:t>
+            </a:r>
+          </a:p>
+          <a:p>
+            <a:pPr marL="342900" indent="-342900">
+              <a:lnSpc>
+                <a:spcPct val="200000"/>
+              </a:lnSpc>
+              <a:buFont typeface="+mj-lt"/>
+              <a:buAutoNum type="arabicPeriod"/>
+            </a:pPr>
+            <a:r>
+              <a:rPr lang="en-IN" sz="1400" b="1" dirty="0">
+                <a:latin typeface="Times New Roman" panose="02020603050405020304" pitchFamily="18" charset="0"/>
+                <a:cs typeface="Times New Roman" panose="02020603050405020304" pitchFamily="18" charset="0"/>
+              </a:rPr>
+              <a:t>Older &amp; higher-income groups</a:t>
+            </a:r>
+            <a:r>
+              <a:rPr lang="en-IN" sz="1400" dirty="0">
+                <a:latin typeface="Times New Roman" panose="02020603050405020304" pitchFamily="18" charset="0"/>
+                <a:cs typeface="Times New Roman" panose="02020603050405020304" pitchFamily="18" charset="0"/>
+              </a:rPr>
+              <a:t> spend more consistently.</a:t>
+            </a:r>
+          </a:p>
+          <a:p>
+            <a:pPr marL="342900" indent="-342900">
+              <a:lnSpc>
+                <a:spcPct val="200000"/>
+              </a:lnSpc>
+              <a:buFont typeface="+mj-lt"/>
+              <a:buAutoNum type="arabicPeriod"/>
+            </a:pPr>
+            <a:r>
+              <a:rPr lang="en-IN" sz="1400" b="1" dirty="0">
+                <a:latin typeface="Times New Roman" panose="02020603050405020304" pitchFamily="18" charset="0"/>
+                <a:cs typeface="Times New Roman" panose="02020603050405020304" pitchFamily="18" charset="0"/>
+              </a:rPr>
+              <a:t>Some segments</a:t>
+            </a:r>
+            <a:r>
+              <a:rPr lang="en-IN" sz="1400" dirty="0">
+                <a:latin typeface="Times New Roman" panose="02020603050405020304" pitchFamily="18" charset="0"/>
+                <a:cs typeface="Times New Roman" panose="02020603050405020304" pitchFamily="18" charset="0"/>
+              </a:rPr>
+              <a:t> receive offers but rarely complete them.</a:t>
+            </a:r>
+          </a:p>
+        </p:txBody>
+      </p:sp>
+      <p:sp>
+        <p:nvSpPr>
+          <p:cNvPr id="2" name="Freeform 8">
+            <a:extLst>
+              <a:ext uri="{FF2B5EF4-FFF2-40B4-BE49-F238E27FC236}">
+                <a16:creationId xmlns:a16="http://schemas.microsoft.com/office/drawing/2014/main" id="{1128F038-17C0-35E3-03C0-7D209ED62CC9}"/>
+              </a:ext>
+            </a:extLst>
+          </p:cNvPr>
+          <p:cNvSpPr/>
+          <p:nvPr/>
+        </p:nvSpPr>
+        <p:spPr>
+          <a:xfrm>
+            <a:off x="6372953" y="963825"/>
+            <a:ext cx="5456582" cy="5132173"/>
+          </a:xfrm>
+          <a:custGeom>
+            <a:avLst/>
+            <a:gdLst/>
+            <a:ahLst/>
+            <a:cxnLst/>
+            <a:rect l="l" t="t" r="r" b="b"/>
+            <a:pathLst>
+              <a:path w="1836416" h="1281219">
+                <a:moveTo>
+                  <a:pt x="56627" y="0"/>
+                </a:moveTo>
+                <a:lnTo>
+                  <a:pt x="1779789" y="0"/>
+                </a:lnTo>
+                <a:cubicBezTo>
+                  <a:pt x="1794808" y="0"/>
+                  <a:pt x="1809211" y="5966"/>
+                  <a:pt x="1819831" y="16586"/>
+                </a:cubicBezTo>
+                <a:cubicBezTo>
+                  <a:pt x="1830450" y="27205"/>
+                  <a:pt x="1836416" y="41608"/>
+                  <a:pt x="1836416" y="56627"/>
+                </a:cubicBezTo>
+                <a:lnTo>
+                  <a:pt x="1836416" y="1224592"/>
+                </a:lnTo>
+                <a:cubicBezTo>
+                  <a:pt x="1836416" y="1255866"/>
+                  <a:pt x="1811063" y="1281219"/>
+                  <a:pt x="1779789" y="1281219"/>
+                </a:cubicBezTo>
+                <a:lnTo>
+                  <a:pt x="56627" y="1281219"/>
+                </a:lnTo>
+                <a:cubicBezTo>
+                  <a:pt x="41608" y="1281219"/>
+                  <a:pt x="27205" y="1275253"/>
+                  <a:pt x="16586" y="1264633"/>
+                </a:cubicBezTo>
+                <a:cubicBezTo>
+                  <a:pt x="5966" y="1254014"/>
+                  <a:pt x="0" y="1239611"/>
+                  <a:pt x="0" y="1224592"/>
+                </a:cubicBezTo>
+                <a:lnTo>
+                  <a:pt x="0" y="56627"/>
+                </a:lnTo>
+                <a:cubicBezTo>
+                  <a:pt x="0" y="25353"/>
+                  <a:pt x="25353" y="0"/>
+                  <a:pt x="56627" y="0"/>
+                </a:cubicBezTo>
+                <a:close/>
+              </a:path>
+            </a:pathLst>
+          </a:custGeom>
+          <a:solidFill>
+            <a:schemeClr val="bg1">
+              <a:alpha val="53725"/>
+            </a:schemeClr>
+          </a:solidFill>
+          <a:ln>
+            <a:noFill/>
+          </a:ln>
+          <a:effectLst>
+            <a:outerShdw blurRad="63500" sx="102000" sy="102000" algn="ctr" rotWithShape="0">
+              <a:prstClr val="black">
+                <a:alpha val="40000"/>
+              </a:prstClr>
+            </a:outerShdw>
+          </a:effectLst>
+        </p:spPr>
+      </p:sp>
+      <p:sp>
+        <p:nvSpPr>
+          <p:cNvPr id="4" name="TextBox 3">
+            <a:extLst>
+              <a:ext uri="{FF2B5EF4-FFF2-40B4-BE49-F238E27FC236}">
+                <a16:creationId xmlns:a16="http://schemas.microsoft.com/office/drawing/2014/main" id="{3F46ABF7-8DFB-C270-BFA7-D048882D2B8E}"/>
+              </a:ext>
+            </a:extLst>
+          </p:cNvPr>
+          <p:cNvSpPr txBox="1"/>
+          <p:nvPr/>
+        </p:nvSpPr>
+        <p:spPr>
+          <a:xfrm>
+            <a:off x="6615477" y="1189321"/>
+            <a:ext cx="4971534" cy="3034357"/>
+          </a:xfrm>
+          <a:prstGeom prst="rect">
+            <a:avLst/>
+          </a:prstGeom>
+          <a:noFill/>
+        </p:spPr>
+        <p:txBody>
+          <a:bodyPr wrap="square">
+            <a:spAutoFit/>
+          </a:bodyPr>
+          <a:lstStyle/>
+          <a:p>
+            <a:pPr>
+              <a:lnSpc>
+                <a:spcPct val="150000"/>
+              </a:lnSpc>
+            </a:pPr>
+            <a:r>
+              <a:rPr lang="en-IN" b="1" dirty="0">
+                <a:latin typeface="Times New Roman" panose="02020603050405020304" pitchFamily="18" charset="0"/>
+                <a:cs typeface="Times New Roman" panose="02020603050405020304" pitchFamily="18" charset="0"/>
+              </a:rPr>
+              <a:t>✅ Recommendations</a:t>
+            </a:r>
+          </a:p>
+          <a:p>
+            <a:pPr marL="342900" indent="-342900">
+              <a:lnSpc>
+                <a:spcPct val="200000"/>
+              </a:lnSpc>
+              <a:buFont typeface="+mj-lt"/>
+              <a:buAutoNum type="arabicPeriod"/>
+            </a:pPr>
+            <a:r>
+              <a:rPr lang="en-IN" sz="1400" dirty="0">
+                <a:latin typeface="Times New Roman" panose="02020603050405020304" pitchFamily="18" charset="0"/>
+                <a:cs typeface="Times New Roman" panose="02020603050405020304" pitchFamily="18" charset="0"/>
+              </a:rPr>
+              <a:t>Target </a:t>
+            </a:r>
+            <a:r>
+              <a:rPr lang="en-IN" sz="1400" b="1" dirty="0">
+                <a:latin typeface="Times New Roman" panose="02020603050405020304" pitchFamily="18" charset="0"/>
+                <a:cs typeface="Times New Roman" panose="02020603050405020304" pitchFamily="18" charset="0"/>
+              </a:rPr>
+              <a:t>high-spend, low-completion groups</a:t>
+            </a:r>
+            <a:r>
+              <a:rPr lang="en-IN" sz="1400" dirty="0">
+                <a:latin typeface="Times New Roman" panose="02020603050405020304" pitchFamily="18" charset="0"/>
+                <a:cs typeface="Times New Roman" panose="02020603050405020304" pitchFamily="18" charset="0"/>
+              </a:rPr>
+              <a:t> with better incentives.</a:t>
+            </a:r>
+          </a:p>
+          <a:p>
+            <a:pPr marL="342900" indent="-342900">
+              <a:lnSpc>
+                <a:spcPct val="200000"/>
+              </a:lnSpc>
+              <a:buFont typeface="+mj-lt"/>
+              <a:buAutoNum type="arabicPeriod"/>
+            </a:pPr>
+            <a:r>
+              <a:rPr lang="en-IN" sz="1400" dirty="0">
+                <a:latin typeface="Times New Roman" panose="02020603050405020304" pitchFamily="18" charset="0"/>
+                <a:cs typeface="Times New Roman" panose="02020603050405020304" pitchFamily="18" charset="0"/>
+              </a:rPr>
+              <a:t>Shorten offer validity for faster conversions.</a:t>
+            </a:r>
+          </a:p>
+          <a:p>
+            <a:pPr marL="342900" indent="-342900">
+              <a:lnSpc>
+                <a:spcPct val="200000"/>
+              </a:lnSpc>
+              <a:buFont typeface="+mj-lt"/>
+              <a:buAutoNum type="arabicPeriod"/>
+            </a:pPr>
+            <a:r>
+              <a:rPr lang="en-IN" sz="1400" dirty="0">
+                <a:latin typeface="Times New Roman" panose="02020603050405020304" pitchFamily="18" charset="0"/>
+                <a:cs typeface="Times New Roman" panose="02020603050405020304" pitchFamily="18" charset="0"/>
+              </a:rPr>
+              <a:t>Push offers during </a:t>
+            </a:r>
+            <a:r>
+              <a:rPr lang="en-IN" sz="1400" b="1" dirty="0">
+                <a:latin typeface="Times New Roman" panose="02020603050405020304" pitchFamily="18" charset="0"/>
+                <a:cs typeface="Times New Roman" panose="02020603050405020304" pitchFamily="18" charset="0"/>
+              </a:rPr>
+              <a:t>peak spend days</a:t>
+            </a:r>
+            <a:r>
+              <a:rPr lang="en-IN" sz="1400" dirty="0">
+                <a:latin typeface="Times New Roman" panose="02020603050405020304" pitchFamily="18" charset="0"/>
+                <a:cs typeface="Times New Roman" panose="02020603050405020304" pitchFamily="18" charset="0"/>
+              </a:rPr>
+              <a:t>.</a:t>
+            </a:r>
+          </a:p>
+          <a:p>
+            <a:pPr marL="342900" indent="-342900">
+              <a:lnSpc>
+                <a:spcPct val="200000"/>
+              </a:lnSpc>
+              <a:buFont typeface="+mj-lt"/>
+              <a:buAutoNum type="arabicPeriod"/>
+            </a:pPr>
+            <a:r>
+              <a:rPr lang="en-IN" sz="1400" dirty="0">
+                <a:latin typeface="Times New Roman" panose="02020603050405020304" pitchFamily="18" charset="0"/>
+                <a:cs typeface="Times New Roman" panose="02020603050405020304" pitchFamily="18" charset="0"/>
+              </a:rPr>
+              <a:t>Personalize by </a:t>
+            </a:r>
+            <a:r>
+              <a:rPr lang="en-IN" sz="1400" b="1" dirty="0">
+                <a:latin typeface="Times New Roman" panose="02020603050405020304" pitchFamily="18" charset="0"/>
+                <a:cs typeface="Times New Roman" panose="02020603050405020304" pitchFamily="18" charset="0"/>
+              </a:rPr>
+              <a:t>age, income, and membership</a:t>
+            </a:r>
+            <a:r>
+              <a:rPr lang="en-IN" sz="1400" dirty="0">
+                <a:latin typeface="Times New Roman" panose="02020603050405020304" pitchFamily="18" charset="0"/>
+                <a:cs typeface="Times New Roman" panose="02020603050405020304" pitchFamily="18" charset="0"/>
+              </a:rPr>
+              <a:t> tiers.</a:t>
+            </a:r>
+          </a:p>
+          <a:p>
+            <a:pPr marL="342900" indent="-342900">
+              <a:lnSpc>
+                <a:spcPct val="200000"/>
+              </a:lnSpc>
+              <a:buFont typeface="+mj-lt"/>
+              <a:buAutoNum type="arabicPeriod"/>
+            </a:pPr>
+            <a:r>
+              <a:rPr lang="en-IN" sz="1400" dirty="0">
+                <a:latin typeface="Times New Roman" panose="02020603050405020304" pitchFamily="18" charset="0"/>
+                <a:cs typeface="Times New Roman" panose="02020603050405020304" pitchFamily="18" charset="0"/>
+              </a:rPr>
+              <a:t>Reduce </a:t>
+            </a:r>
+            <a:r>
+              <a:rPr lang="en-IN" sz="1400" b="1" dirty="0">
+                <a:latin typeface="Times New Roman" panose="02020603050405020304" pitchFamily="18" charset="0"/>
+                <a:cs typeface="Times New Roman" panose="02020603050405020304" pitchFamily="18" charset="0"/>
+              </a:rPr>
+              <a:t>redundant offers</a:t>
+            </a:r>
+            <a:r>
+              <a:rPr lang="en-IN" sz="1400" dirty="0">
+                <a:latin typeface="Times New Roman" panose="02020603050405020304" pitchFamily="18" charset="0"/>
+                <a:cs typeface="Times New Roman" panose="02020603050405020304" pitchFamily="18" charset="0"/>
+              </a:rPr>
+              <a:t> to non-responding customers</a:t>
+            </a:r>
+            <a:r>
+              <a:rPr lang="en-IN" sz="1400" dirty="0"/>
+              <a:t>.</a:t>
+            </a:r>
+          </a:p>
+        </p:txBody>
+      </p:sp>
+    </p:spTree>
+    <p:extLst>
+      <p:ext uri="{BB962C8B-B14F-4D97-AF65-F5344CB8AC3E}">
+        <p14:creationId xmlns:p14="http://schemas.microsoft.com/office/powerpoint/2010/main" val="2088519213"/>
+      </p:ext>
+    </p:extLst>
+  </p:cSld>
+  <p:clrMapOvr>
+    <a:masterClrMapping/>
+  </p:clrMapOvr>
+</p:sld>
+</file>
+
+<file path=ppt/slides/slide36.xml><?xml version="1.0" encoding="utf-8"?>
 <p:sld xmlns:a="http://schemas.openxmlformats.org/drawingml/2006/main" xmlns:r="http://schemas.openxmlformats.org/officeDocument/2006/relationships" xmlns:p="http://schemas.openxmlformats.org/presentationml/2006/main">
   <p:cSld>
     <p:spTree>
@@ -25823,7 +27991,650 @@
 </p:sld>
 </file>
 
-<file path=ppt/slides/slide34.xml><?xml version="1.0" encoding="utf-8"?>
+<file path=ppt/slides/slide37.xml><?xml version="1.0" encoding="utf-8"?>
+<p:sld xmlns:a="http://schemas.openxmlformats.org/drawingml/2006/main" xmlns:r="http://schemas.openxmlformats.org/officeDocument/2006/relationships" xmlns:p="http://schemas.openxmlformats.org/presentationml/2006/main">
+  <p:cSld>
+    <p:spTree>
+      <p:nvGrpSpPr>
+        <p:cNvPr id="1" name="">
+          <a:extLst>
+            <a:ext uri="{FF2B5EF4-FFF2-40B4-BE49-F238E27FC236}">
+              <a16:creationId xmlns:a16="http://schemas.microsoft.com/office/drawing/2014/main" id="{65FE6089-9F0D-7B41-3A18-5401E3461FF8}"/>
+            </a:ext>
+          </a:extLst>
+        </p:cNvPr>
+        <p:cNvGrpSpPr/>
+        <p:nvPr/>
+      </p:nvGrpSpPr>
+      <p:grpSpPr>
+        <a:xfrm>
+          <a:off x="0" y="0"/>
+          <a:ext cx="0" cy="0"/>
+          <a:chOff x="0" y="0"/>
+          <a:chExt cx="0" cy="0"/>
+        </a:xfrm>
+      </p:grpSpPr>
+      <p:sp>
+        <p:nvSpPr>
+          <p:cNvPr id="12" name="Freeform 8">
+            <a:extLst>
+              <a:ext uri="{FF2B5EF4-FFF2-40B4-BE49-F238E27FC236}">
+                <a16:creationId xmlns:a16="http://schemas.microsoft.com/office/drawing/2014/main" id="{8B49E944-28F6-084E-E465-B827FD1259A4}"/>
+              </a:ext>
+            </a:extLst>
+          </p:cNvPr>
+          <p:cNvSpPr/>
+          <p:nvPr/>
+        </p:nvSpPr>
+        <p:spPr>
+          <a:xfrm>
+            <a:off x="362465" y="963826"/>
+            <a:ext cx="5456582" cy="5132173"/>
+          </a:xfrm>
+          <a:custGeom>
+            <a:avLst/>
+            <a:gdLst/>
+            <a:ahLst/>
+            <a:cxnLst/>
+            <a:rect l="l" t="t" r="r" b="b"/>
+            <a:pathLst>
+              <a:path w="1836416" h="1281219">
+                <a:moveTo>
+                  <a:pt x="56627" y="0"/>
+                </a:moveTo>
+                <a:lnTo>
+                  <a:pt x="1779789" y="0"/>
+                </a:lnTo>
+                <a:cubicBezTo>
+                  <a:pt x="1794808" y="0"/>
+                  <a:pt x="1809211" y="5966"/>
+                  <a:pt x="1819831" y="16586"/>
+                </a:cubicBezTo>
+                <a:cubicBezTo>
+                  <a:pt x="1830450" y="27205"/>
+                  <a:pt x="1836416" y="41608"/>
+                  <a:pt x="1836416" y="56627"/>
+                </a:cubicBezTo>
+                <a:lnTo>
+                  <a:pt x="1836416" y="1224592"/>
+                </a:lnTo>
+                <a:cubicBezTo>
+                  <a:pt x="1836416" y="1255866"/>
+                  <a:pt x="1811063" y="1281219"/>
+                  <a:pt x="1779789" y="1281219"/>
+                </a:cubicBezTo>
+                <a:lnTo>
+                  <a:pt x="56627" y="1281219"/>
+                </a:lnTo>
+                <a:cubicBezTo>
+                  <a:pt x="41608" y="1281219"/>
+                  <a:pt x="27205" y="1275253"/>
+                  <a:pt x="16586" y="1264633"/>
+                </a:cubicBezTo>
+                <a:cubicBezTo>
+                  <a:pt x="5966" y="1254014"/>
+                  <a:pt x="0" y="1239611"/>
+                  <a:pt x="0" y="1224592"/>
+                </a:cubicBezTo>
+                <a:lnTo>
+                  <a:pt x="0" y="56627"/>
+                </a:lnTo>
+                <a:cubicBezTo>
+                  <a:pt x="0" y="25353"/>
+                  <a:pt x="25353" y="0"/>
+                  <a:pt x="56627" y="0"/>
+                </a:cubicBezTo>
+                <a:close/>
+              </a:path>
+            </a:pathLst>
+          </a:custGeom>
+          <a:solidFill>
+            <a:schemeClr val="bg1">
+              <a:alpha val="53725"/>
+            </a:schemeClr>
+          </a:solidFill>
+          <a:effectLst>
+            <a:outerShdw blurRad="63500" sx="102000" sy="102000" algn="ctr" rotWithShape="0">
+              <a:prstClr val="black">
+                <a:alpha val="40000"/>
+              </a:prstClr>
+            </a:outerShdw>
+          </a:effectLst>
+        </p:spPr>
+      </p:sp>
+      <p:sp>
+        <p:nvSpPr>
+          <p:cNvPr id="3" name="Rectangle 2">
+            <a:extLst>
+              <a:ext uri="{FF2B5EF4-FFF2-40B4-BE49-F238E27FC236}">
+                <a16:creationId xmlns:a16="http://schemas.microsoft.com/office/drawing/2014/main" id="{31D481A2-CD09-7906-BE8A-F05B701A4EB1}"/>
+              </a:ext>
+            </a:extLst>
+          </p:cNvPr>
+          <p:cNvSpPr/>
+          <p:nvPr/>
+        </p:nvSpPr>
+        <p:spPr>
+          <a:xfrm>
+            <a:off x="0" y="0"/>
+            <a:ext cx="12192000" cy="609600"/>
+          </a:xfrm>
+          <a:prstGeom prst="rect">
+            <a:avLst/>
+          </a:prstGeom>
+          <a:solidFill>
+            <a:srgbClr val="338D90"/>
+          </a:solidFill>
+          <a:ln>
+            <a:solidFill>
+              <a:srgbClr val="338D90"/>
+            </a:solidFill>
+          </a:ln>
+        </p:spPr>
+        <p:style>
+          <a:lnRef idx="2">
+            <a:schemeClr val="accent1">
+              <a:shade val="15000"/>
+            </a:schemeClr>
+          </a:lnRef>
+          <a:fillRef idx="1">
+            <a:schemeClr val="accent1"/>
+          </a:fillRef>
+          <a:effectRef idx="0">
+            <a:schemeClr val="accent1"/>
+          </a:effectRef>
+          <a:fontRef idx="minor">
+            <a:schemeClr val="lt1"/>
+          </a:fontRef>
+        </p:style>
+        <p:txBody>
+          <a:bodyPr rtlCol="0" anchor="ctr"/>
+          <a:lstStyle/>
+          <a:p>
+            <a:pPr marL="914400" lvl="1" indent="-457200">
+              <a:buFont typeface="Wingdings" pitchFamily="2" charset="2"/>
+              <a:buChar char="q"/>
+            </a:pPr>
+            <a:r>
+              <a:rPr lang="en-US" sz="3200" b="1" dirty="0">
+                <a:solidFill>
+                  <a:schemeClr val="bg1"/>
+                </a:solidFill>
+                <a:latin typeface="Times New Roman" panose="02020603050405020304" pitchFamily="18" charset="0"/>
+                <a:cs typeface="Times New Roman" panose="02020603050405020304" pitchFamily="18" charset="0"/>
+              </a:rPr>
+              <a:t> Insights &amp; Recommendations</a:t>
+            </a:r>
+            <a:endParaRPr lang="en-US" sz="4000" b="1" dirty="0">
+              <a:solidFill>
+                <a:schemeClr val="bg1"/>
+              </a:solidFill>
+              <a:latin typeface="Times New Roman" panose="02020603050405020304" pitchFamily="18" charset="0"/>
+              <a:cs typeface="Times New Roman" panose="02020603050405020304" pitchFamily="18" charset="0"/>
+            </a:endParaRPr>
+          </a:p>
+        </p:txBody>
+      </p:sp>
+      <p:sp>
+        <p:nvSpPr>
+          <p:cNvPr id="11" name="TextBox 10">
+            <a:extLst>
+              <a:ext uri="{FF2B5EF4-FFF2-40B4-BE49-F238E27FC236}">
+                <a16:creationId xmlns:a16="http://schemas.microsoft.com/office/drawing/2014/main" id="{DDFCA0A9-7113-67C7-EE0F-8526C8C4657D}"/>
+              </a:ext>
+            </a:extLst>
+          </p:cNvPr>
+          <p:cNvSpPr txBox="1"/>
+          <p:nvPr/>
+        </p:nvSpPr>
+        <p:spPr>
+          <a:xfrm>
+            <a:off x="551660" y="1085047"/>
+            <a:ext cx="5078191" cy="2735172"/>
+          </a:xfrm>
+          <a:prstGeom prst="rect">
+            <a:avLst/>
+          </a:prstGeom>
+          <a:noFill/>
+        </p:spPr>
+        <p:txBody>
+          <a:bodyPr wrap="square">
+            <a:spAutoFit/>
+          </a:bodyPr>
+          <a:lstStyle/>
+          <a:p>
+            <a:pPr>
+              <a:lnSpc>
+                <a:spcPct val="200000"/>
+              </a:lnSpc>
+            </a:pPr>
+            <a:r>
+              <a:rPr lang="en-IN" b="1" dirty="0"/>
+              <a:t>🔍</a:t>
+            </a:r>
+            <a:r>
+              <a:rPr lang="en-IN" b="1" dirty="0">
+                <a:latin typeface="Times New Roman" panose="02020603050405020304" pitchFamily="18" charset="0"/>
+                <a:cs typeface="Times New Roman" panose="02020603050405020304" pitchFamily="18" charset="0"/>
+              </a:rPr>
+              <a:t> Insights</a:t>
+            </a:r>
+          </a:p>
+          <a:p>
+            <a:pPr marL="342900" indent="-342900">
+              <a:lnSpc>
+                <a:spcPct val="200000"/>
+              </a:lnSpc>
+              <a:buFont typeface="+mj-lt"/>
+              <a:buAutoNum type="arabicPeriod"/>
+            </a:pPr>
+            <a:r>
+              <a:rPr lang="en-IN" sz="1400" dirty="0">
+                <a:latin typeface="Times New Roman" panose="02020603050405020304" pitchFamily="18" charset="0"/>
+                <a:cs typeface="Times New Roman" panose="02020603050405020304" pitchFamily="18" charset="0"/>
+              </a:rPr>
+              <a:t>Offers drive measurable </a:t>
+            </a:r>
+            <a:r>
+              <a:rPr lang="en-IN" sz="1400" b="1" dirty="0">
+                <a:latin typeface="Times New Roman" panose="02020603050405020304" pitchFamily="18" charset="0"/>
+                <a:cs typeface="Times New Roman" panose="02020603050405020304" pitchFamily="18" charset="0"/>
+              </a:rPr>
+              <a:t>revenue uplift</a:t>
+            </a:r>
+            <a:r>
+              <a:rPr lang="en-IN" sz="1400" dirty="0">
+                <a:latin typeface="Times New Roman" panose="02020603050405020304" pitchFamily="18" charset="0"/>
+                <a:cs typeface="Times New Roman" panose="02020603050405020304" pitchFamily="18" charset="0"/>
+              </a:rPr>
+              <a:t>.</a:t>
+            </a:r>
+          </a:p>
+          <a:p>
+            <a:pPr marL="342900" indent="-342900">
+              <a:lnSpc>
+                <a:spcPct val="200000"/>
+              </a:lnSpc>
+              <a:buFont typeface="+mj-lt"/>
+              <a:buAutoNum type="arabicPeriod"/>
+            </a:pPr>
+            <a:r>
+              <a:rPr lang="en-IN" sz="1400" b="1" dirty="0">
+                <a:latin typeface="Times New Roman" panose="02020603050405020304" pitchFamily="18" charset="0"/>
+                <a:cs typeface="Times New Roman" panose="02020603050405020304" pitchFamily="18" charset="0"/>
+              </a:rPr>
+              <a:t>BOGO &amp; Discount</a:t>
+            </a:r>
+            <a:r>
+              <a:rPr lang="en-IN" sz="1400" dirty="0">
+                <a:latin typeface="Times New Roman" panose="02020603050405020304" pitchFamily="18" charset="0"/>
+                <a:cs typeface="Times New Roman" panose="02020603050405020304" pitchFamily="18" charset="0"/>
+              </a:rPr>
+              <a:t> offers outperform informational ones.</a:t>
+            </a:r>
+          </a:p>
+          <a:p>
+            <a:pPr marL="342900" indent="-342900">
+              <a:lnSpc>
+                <a:spcPct val="200000"/>
+              </a:lnSpc>
+              <a:buFont typeface="+mj-lt"/>
+              <a:buAutoNum type="arabicPeriod"/>
+            </a:pPr>
+            <a:r>
+              <a:rPr lang="en-IN" sz="1400" dirty="0">
+                <a:latin typeface="Times New Roman" panose="02020603050405020304" pitchFamily="18" charset="0"/>
+                <a:cs typeface="Times New Roman" panose="02020603050405020304" pitchFamily="18" charset="0"/>
+              </a:rPr>
+              <a:t>Higher </a:t>
+            </a:r>
+            <a:r>
+              <a:rPr lang="en-IN" sz="1400" b="1" dirty="0">
+                <a:latin typeface="Times New Roman" panose="02020603050405020304" pitchFamily="18" charset="0"/>
+                <a:cs typeface="Times New Roman" panose="02020603050405020304" pitchFamily="18" charset="0"/>
+              </a:rPr>
+              <a:t>CLV &amp; retention</a:t>
+            </a:r>
+            <a:r>
+              <a:rPr lang="en-IN" sz="1400" dirty="0">
+                <a:latin typeface="Times New Roman" panose="02020603050405020304" pitchFamily="18" charset="0"/>
+                <a:cs typeface="Times New Roman" panose="02020603050405020304" pitchFamily="18" charset="0"/>
+              </a:rPr>
+              <a:t> seen in engaged customer segments.</a:t>
+            </a:r>
+          </a:p>
+          <a:p>
+            <a:pPr marL="342900" indent="-342900">
+              <a:lnSpc>
+                <a:spcPct val="200000"/>
+              </a:lnSpc>
+              <a:buFont typeface="+mj-lt"/>
+              <a:buAutoNum type="arabicPeriod"/>
+            </a:pPr>
+            <a:r>
+              <a:rPr lang="en-IN" sz="1400" b="1" dirty="0">
+                <a:latin typeface="Times New Roman" panose="02020603050405020304" pitchFamily="18" charset="0"/>
+                <a:cs typeface="Times New Roman" panose="02020603050405020304" pitchFamily="18" charset="0"/>
+              </a:rPr>
+              <a:t>App &amp; in-store channels</a:t>
+            </a:r>
+            <a:r>
+              <a:rPr lang="en-IN" sz="1400" dirty="0">
+                <a:latin typeface="Times New Roman" panose="02020603050405020304" pitchFamily="18" charset="0"/>
+                <a:cs typeface="Times New Roman" panose="02020603050405020304" pitchFamily="18" charset="0"/>
+              </a:rPr>
+              <a:t> deliver stronger ROI vs. email.</a:t>
+            </a:r>
+          </a:p>
+          <a:p>
+            <a:pPr marL="342900" indent="-342900">
+              <a:lnSpc>
+                <a:spcPct val="200000"/>
+              </a:lnSpc>
+              <a:buFont typeface="+mj-lt"/>
+              <a:buAutoNum type="arabicPeriod"/>
+            </a:pPr>
+            <a:r>
+              <a:rPr lang="en-IN" sz="1400" dirty="0">
+                <a:latin typeface="Times New Roman" panose="02020603050405020304" pitchFamily="18" charset="0"/>
+                <a:cs typeface="Times New Roman" panose="02020603050405020304" pitchFamily="18" charset="0"/>
+              </a:rPr>
+              <a:t>Offers attract </a:t>
+            </a:r>
+            <a:r>
+              <a:rPr lang="en-IN" sz="1400" b="1" dirty="0">
+                <a:latin typeface="Times New Roman" panose="02020603050405020304" pitchFamily="18" charset="0"/>
+                <a:cs typeface="Times New Roman" panose="02020603050405020304" pitchFamily="18" charset="0"/>
+              </a:rPr>
+              <a:t>new customers</a:t>
+            </a:r>
+            <a:r>
+              <a:rPr lang="en-IN" sz="1400" dirty="0">
+                <a:latin typeface="Times New Roman" panose="02020603050405020304" pitchFamily="18" charset="0"/>
+                <a:cs typeface="Times New Roman" panose="02020603050405020304" pitchFamily="18" charset="0"/>
+              </a:rPr>
+              <a:t>, but retention impact varies.</a:t>
+            </a:r>
+          </a:p>
+        </p:txBody>
+      </p:sp>
+      <p:sp>
+        <p:nvSpPr>
+          <p:cNvPr id="2" name="Freeform 8">
+            <a:extLst>
+              <a:ext uri="{FF2B5EF4-FFF2-40B4-BE49-F238E27FC236}">
+                <a16:creationId xmlns:a16="http://schemas.microsoft.com/office/drawing/2014/main" id="{D14AC078-974D-D0CB-973C-1FFCADD560F3}"/>
+              </a:ext>
+            </a:extLst>
+          </p:cNvPr>
+          <p:cNvSpPr/>
+          <p:nvPr/>
+        </p:nvSpPr>
+        <p:spPr>
+          <a:xfrm>
+            <a:off x="6372953" y="963825"/>
+            <a:ext cx="5456582" cy="5132173"/>
+          </a:xfrm>
+          <a:custGeom>
+            <a:avLst/>
+            <a:gdLst/>
+            <a:ahLst/>
+            <a:cxnLst/>
+            <a:rect l="l" t="t" r="r" b="b"/>
+            <a:pathLst>
+              <a:path w="1836416" h="1281219">
+                <a:moveTo>
+                  <a:pt x="56627" y="0"/>
+                </a:moveTo>
+                <a:lnTo>
+                  <a:pt x="1779789" y="0"/>
+                </a:lnTo>
+                <a:cubicBezTo>
+                  <a:pt x="1794808" y="0"/>
+                  <a:pt x="1809211" y="5966"/>
+                  <a:pt x="1819831" y="16586"/>
+                </a:cubicBezTo>
+                <a:cubicBezTo>
+                  <a:pt x="1830450" y="27205"/>
+                  <a:pt x="1836416" y="41608"/>
+                  <a:pt x="1836416" y="56627"/>
+                </a:cubicBezTo>
+                <a:lnTo>
+                  <a:pt x="1836416" y="1224592"/>
+                </a:lnTo>
+                <a:cubicBezTo>
+                  <a:pt x="1836416" y="1255866"/>
+                  <a:pt x="1811063" y="1281219"/>
+                  <a:pt x="1779789" y="1281219"/>
+                </a:cubicBezTo>
+                <a:lnTo>
+                  <a:pt x="56627" y="1281219"/>
+                </a:lnTo>
+                <a:cubicBezTo>
+                  <a:pt x="41608" y="1281219"/>
+                  <a:pt x="27205" y="1275253"/>
+                  <a:pt x="16586" y="1264633"/>
+                </a:cubicBezTo>
+                <a:cubicBezTo>
+                  <a:pt x="5966" y="1254014"/>
+                  <a:pt x="0" y="1239611"/>
+                  <a:pt x="0" y="1224592"/>
+                </a:cubicBezTo>
+                <a:lnTo>
+                  <a:pt x="0" y="56627"/>
+                </a:lnTo>
+                <a:cubicBezTo>
+                  <a:pt x="0" y="25353"/>
+                  <a:pt x="25353" y="0"/>
+                  <a:pt x="56627" y="0"/>
+                </a:cubicBezTo>
+                <a:close/>
+              </a:path>
+            </a:pathLst>
+          </a:custGeom>
+          <a:solidFill>
+            <a:schemeClr val="bg1">
+              <a:alpha val="53725"/>
+            </a:schemeClr>
+          </a:solidFill>
+          <a:ln>
+            <a:noFill/>
+          </a:ln>
+          <a:effectLst>
+            <a:outerShdw blurRad="63500" sx="102000" sy="102000" algn="ctr" rotWithShape="0">
+              <a:prstClr val="black">
+                <a:alpha val="40000"/>
+              </a:prstClr>
+            </a:outerShdw>
+          </a:effectLst>
+        </p:spPr>
+      </p:sp>
+      <p:sp>
+        <p:nvSpPr>
+          <p:cNvPr id="4" name="TextBox 3">
+            <a:extLst>
+              <a:ext uri="{FF2B5EF4-FFF2-40B4-BE49-F238E27FC236}">
+                <a16:creationId xmlns:a16="http://schemas.microsoft.com/office/drawing/2014/main" id="{2D04BA01-2BE2-97D3-87B2-1F97CE12AA4E}"/>
+              </a:ext>
+            </a:extLst>
+          </p:cNvPr>
+          <p:cNvSpPr txBox="1"/>
+          <p:nvPr/>
+        </p:nvSpPr>
+        <p:spPr>
+          <a:xfrm>
+            <a:off x="6615477" y="1085047"/>
+            <a:ext cx="4971534" cy="3596882"/>
+          </a:xfrm>
+          <a:prstGeom prst="rect">
+            <a:avLst/>
+          </a:prstGeom>
+          <a:noFill/>
+        </p:spPr>
+        <p:txBody>
+          <a:bodyPr wrap="square">
+            <a:spAutoFit/>
+          </a:bodyPr>
+          <a:lstStyle/>
+          <a:p>
+            <a:pPr>
+              <a:lnSpc>
+                <a:spcPct val="200000"/>
+              </a:lnSpc>
+            </a:pPr>
+            <a:r>
+              <a:rPr lang="en-IN" b="1" dirty="0">
+                <a:latin typeface="Times New Roman" panose="02020603050405020304" pitchFamily="18" charset="0"/>
+                <a:cs typeface="Times New Roman" panose="02020603050405020304" pitchFamily="18" charset="0"/>
+              </a:rPr>
+              <a:t>✅ Recommendations</a:t>
+            </a:r>
+          </a:p>
+          <a:p>
+            <a:pPr marL="342900" indent="-342900">
+              <a:lnSpc>
+                <a:spcPct val="200000"/>
+              </a:lnSpc>
+              <a:buFont typeface="+mj-lt"/>
+              <a:buAutoNum type="arabicPeriod"/>
+            </a:pPr>
+            <a:r>
+              <a:rPr lang="en-IN" sz="1400" b="1" dirty="0">
+                <a:latin typeface="Times New Roman" panose="02020603050405020304" pitchFamily="18" charset="0"/>
+                <a:cs typeface="Times New Roman" panose="02020603050405020304" pitchFamily="18" charset="0"/>
+              </a:rPr>
+              <a:t>Scale high-ROI offers</a:t>
+            </a:r>
+            <a:r>
+              <a:rPr lang="en-IN" sz="1400" dirty="0">
+                <a:latin typeface="Times New Roman" panose="02020603050405020304" pitchFamily="18" charset="0"/>
+                <a:cs typeface="Times New Roman" panose="02020603050405020304" pitchFamily="18" charset="0"/>
+              </a:rPr>
+              <a:t>; reduce low-performing ones.</a:t>
+            </a:r>
+          </a:p>
+          <a:p>
+            <a:pPr marL="342900" indent="-342900">
+              <a:lnSpc>
+                <a:spcPct val="200000"/>
+              </a:lnSpc>
+              <a:buFont typeface="+mj-lt"/>
+              <a:buAutoNum type="arabicPeriod"/>
+            </a:pPr>
+            <a:r>
+              <a:rPr lang="en-IN" sz="1400" b="1" dirty="0">
+                <a:latin typeface="Times New Roman" panose="02020603050405020304" pitchFamily="18" charset="0"/>
+                <a:cs typeface="Times New Roman" panose="02020603050405020304" pitchFamily="18" charset="0"/>
+              </a:rPr>
+              <a:t>Personalize campaigns</a:t>
+            </a:r>
+            <a:r>
+              <a:rPr lang="en-IN" sz="1400" dirty="0">
+                <a:latin typeface="Times New Roman" panose="02020603050405020304" pitchFamily="18" charset="0"/>
+                <a:cs typeface="Times New Roman" panose="02020603050405020304" pitchFamily="18" charset="0"/>
+              </a:rPr>
+              <a:t> by demographics &amp; engagement level.</a:t>
+            </a:r>
+          </a:p>
+          <a:p>
+            <a:pPr marL="342900" indent="-342900">
+              <a:lnSpc>
+                <a:spcPct val="200000"/>
+              </a:lnSpc>
+              <a:buFont typeface="+mj-lt"/>
+              <a:buAutoNum type="arabicPeriod"/>
+            </a:pPr>
+            <a:r>
+              <a:rPr lang="en-IN" sz="1400" b="1" dirty="0">
+                <a:latin typeface="Times New Roman" panose="02020603050405020304" pitchFamily="18" charset="0"/>
+                <a:cs typeface="Times New Roman" panose="02020603050405020304" pitchFamily="18" charset="0"/>
+              </a:rPr>
+              <a:t>Prioritize channels</a:t>
+            </a:r>
+            <a:r>
+              <a:rPr lang="en-IN" sz="1400" dirty="0">
+                <a:latin typeface="Times New Roman" panose="02020603050405020304" pitchFamily="18" charset="0"/>
+                <a:cs typeface="Times New Roman" panose="02020603050405020304" pitchFamily="18" charset="0"/>
+              </a:rPr>
+              <a:t> with stronger ROI (app &gt; email).</a:t>
+            </a:r>
+          </a:p>
+          <a:p>
+            <a:pPr marL="342900" indent="-342900">
+              <a:lnSpc>
+                <a:spcPct val="200000"/>
+              </a:lnSpc>
+              <a:buFont typeface="+mj-lt"/>
+              <a:buAutoNum type="arabicPeriod"/>
+            </a:pPr>
+            <a:r>
+              <a:rPr lang="en-IN" sz="1400" dirty="0">
+                <a:latin typeface="Times New Roman" panose="02020603050405020304" pitchFamily="18" charset="0"/>
+                <a:cs typeface="Times New Roman" panose="02020603050405020304" pitchFamily="18" charset="0"/>
+              </a:rPr>
+              <a:t>Balance </a:t>
+            </a:r>
+            <a:r>
+              <a:rPr lang="en-IN" sz="1400" b="1" dirty="0">
+                <a:latin typeface="Times New Roman" panose="02020603050405020304" pitchFamily="18" charset="0"/>
+                <a:cs typeface="Times New Roman" panose="02020603050405020304" pitchFamily="18" charset="0"/>
+              </a:rPr>
+              <a:t>acquisition vs. retention</a:t>
+            </a:r>
+            <a:r>
+              <a:rPr lang="en-IN" sz="1400" dirty="0">
+                <a:latin typeface="Times New Roman" panose="02020603050405020304" pitchFamily="18" charset="0"/>
+                <a:cs typeface="Times New Roman" panose="02020603050405020304" pitchFamily="18" charset="0"/>
+              </a:rPr>
+              <a:t> strategies.</a:t>
+            </a:r>
+          </a:p>
+          <a:p>
+            <a:pPr marL="342900" indent="-342900">
+              <a:lnSpc>
+                <a:spcPct val="200000"/>
+              </a:lnSpc>
+              <a:buFont typeface="+mj-lt"/>
+              <a:buAutoNum type="arabicPeriod"/>
+            </a:pPr>
+            <a:r>
+              <a:rPr lang="en-IN" sz="1400" dirty="0">
+                <a:latin typeface="Times New Roman" panose="02020603050405020304" pitchFamily="18" charset="0"/>
+                <a:cs typeface="Times New Roman" panose="02020603050405020304" pitchFamily="18" charset="0"/>
+              </a:rPr>
+              <a:t>Track </a:t>
+            </a:r>
+            <a:r>
+              <a:rPr lang="en-IN" sz="1400" b="1" dirty="0">
+                <a:latin typeface="Times New Roman" panose="02020603050405020304" pitchFamily="18" charset="0"/>
+                <a:cs typeface="Times New Roman" panose="02020603050405020304" pitchFamily="18" charset="0"/>
+              </a:rPr>
+              <a:t>long-term CLV &amp; ROI</a:t>
+            </a:r>
+            <a:r>
+              <a:rPr lang="en-IN" sz="1400" dirty="0">
+                <a:latin typeface="Times New Roman" panose="02020603050405020304" pitchFamily="18" charset="0"/>
+                <a:cs typeface="Times New Roman" panose="02020603050405020304" pitchFamily="18" charset="0"/>
+              </a:rPr>
+              <a:t>, not just short-term sales spikes.</a:t>
+            </a:r>
+          </a:p>
+        </p:txBody>
+      </p:sp>
+    </p:spTree>
+    <p:extLst>
+      <p:ext uri="{BB962C8B-B14F-4D97-AF65-F5344CB8AC3E}">
+        <p14:creationId xmlns:p14="http://schemas.microsoft.com/office/powerpoint/2010/main" val="2165829557"/>
+      </p:ext>
+    </p:extLst>
+  </p:cSld>
+  <p:clrMapOvr>
+    <a:masterClrMapping/>
+  </p:clrMapOvr>
+</p:sld>
+</file>
+
+<file path=ppt/slides/slide38.xml><?xml version="1.0" encoding="utf-8"?>
 <p:sld xmlns:a="http://schemas.openxmlformats.org/drawingml/2006/main" xmlns:r="http://schemas.openxmlformats.org/officeDocument/2006/relationships" xmlns:p="http://schemas.openxmlformats.org/presentationml/2006/main">
   <p:cSld>
     <p:spTree>
@@ -27072,14 +29883,14 @@
           <p:nvPr>
             <p:extLst>
               <p:ext uri="{D42A27DB-BD31-4B8C-83A1-F6EECF244321}">
-                <p14:modId xmlns:p14="http://schemas.microsoft.com/office/powerpoint/2010/main" val="1799343056"/>
+                <p14:modId xmlns:p14="http://schemas.microsoft.com/office/powerpoint/2010/main" val="3866479673"/>
               </p:ext>
             </p:extLst>
           </p:nvPr>
         </p:nvGraphicFramePr>
         <p:xfrm>
           <a:off x="633262" y="1225127"/>
-          <a:ext cx="10925476" cy="3523335"/>
+          <a:ext cx="10925476" cy="4459123"/>
         </p:xfrm>
         <a:graphic>
           <a:graphicData uri="http://schemas.openxmlformats.org/drawingml/2006/table">
@@ -27320,6 +30131,89 @@
                 <a:extLst>
                   <a:ext uri="{0D108BD9-81ED-4DB2-BD59-A6C34878D82A}">
                     <a16:rowId xmlns:a16="http://schemas.microsoft.com/office/drawing/2014/main" val="3592659707"/>
+                  </a:ext>
+                </a:extLst>
+              </a:tr>
+              <a:tr h="935788">
+                <a:tc>
+                  <a:txBody>
+                    <a:bodyPr/>
+                    <a:lstStyle/>
+                    <a:p>
+                      <a:pPr>
+                        <a:buNone/>
+                      </a:pPr>
+                      <a:r>
+                        <a:rPr lang="en-IN" sz="1600" b="1" i="0" u="none" strike="noStrike" cap="none" dirty="0">
+                          <a:solidFill>
+                            <a:schemeClr val="tx1"/>
+                          </a:solidFill>
+                          <a:latin typeface="Times New Roman" panose="02020603050405020304" pitchFamily="18" charset="0"/>
+                          <a:ea typeface="+mn-ea"/>
+                          <a:cs typeface="Times New Roman" panose="02020603050405020304" pitchFamily="18" charset="0"/>
+                          <a:sym typeface="Arial"/>
+                        </a:rPr>
+                        <a:t>MS Excel</a:t>
+                      </a:r>
+                    </a:p>
+                  </a:txBody>
+                  <a:tcPr anchor="ctr"/>
+                </a:tc>
+                <a:tc>
+                  <a:txBody>
+                    <a:bodyPr/>
+                    <a:lstStyle/>
+                    <a:p>
+                      <a:pPr>
+                        <a:buNone/>
+                      </a:pPr>
+                      <a:r>
+                        <a:rPr lang="en-IN" sz="1600" b="0" i="0" u="none" strike="noStrike" cap="none" dirty="0">
+                          <a:solidFill>
+                            <a:schemeClr val="tx1"/>
+                          </a:solidFill>
+                          <a:latin typeface="Times New Roman" panose="02020603050405020304" pitchFamily="18" charset="0"/>
+                          <a:ea typeface="+mn-ea"/>
+                          <a:cs typeface="Times New Roman" panose="02020603050405020304" pitchFamily="18" charset="0"/>
+                          <a:sym typeface="Arial"/>
+                        </a:rPr>
+                        <a:t>Create visuals and pivot summaries from queried/</a:t>
+                      </a:r>
+                      <a:r>
+                        <a:rPr lang="en-IN" sz="1600" b="0" i="0" u="none" strike="noStrike" cap="none" dirty="0" err="1">
+                          <a:solidFill>
+                            <a:schemeClr val="tx1"/>
+                          </a:solidFill>
+                          <a:latin typeface="Times New Roman" panose="02020603050405020304" pitchFamily="18" charset="0"/>
+                          <a:ea typeface="+mn-ea"/>
+                          <a:cs typeface="Times New Roman" panose="02020603050405020304" pitchFamily="18" charset="0"/>
+                          <a:sym typeface="Arial"/>
+                        </a:rPr>
+                        <a:t>analyzed</a:t>
+                      </a:r>
+                      <a:r>
+                        <a:rPr lang="en-IN" sz="1600" b="0" i="0" u="none" strike="noStrike" cap="none" dirty="0">
+                          <a:solidFill>
+                            <a:schemeClr val="tx1"/>
+                          </a:solidFill>
+                          <a:latin typeface="Times New Roman" panose="02020603050405020304" pitchFamily="18" charset="0"/>
+                          <a:ea typeface="+mn-ea"/>
+                          <a:cs typeface="Times New Roman" panose="02020603050405020304" pitchFamily="18" charset="0"/>
+                          <a:sym typeface="Arial"/>
+                        </a:rPr>
+                        <a:t> SQL data for quick exploration and validation</a:t>
+                      </a:r>
+                      <a:r>
+                        <a:rPr lang="en-IN" dirty="0"/>
+                        <a:t>.</a:t>
+                      </a:r>
+                    </a:p>
+                  </a:txBody>
+                  <a:tcPr anchor="ctr"/>
+                </a:tc>
+                <a:extLst>
+                  <a:ext uri="{0D108BD9-81ED-4DB2-BD59-A6C34878D82A}">
+                    <a16:rowId xmlns:a16="http://schemas.microsoft.com/office/drawing/2014/main" val="2634990201"/>
                   </a:ext>
                 </a:extLst>
               </a:tr>
